--- a/ASPPRC_presentation.pptx
+++ b/ASPPRC_presentation.pptx
@@ -6,14 +6,18 @@
     <p:sldMasterId id="2147483651" r:id="rId2"/>
   </p:sldMasterIdLst>
   <p:notesMasterIdLst>
-    <p:notesMasterId r:id="rId8"/>
+    <p:notesMasterId r:id="rId12"/>
   </p:notesMasterIdLst>
   <p:sldIdLst>
     <p:sldId id="256" r:id="rId3"/>
     <p:sldId id="257" r:id="rId4"/>
     <p:sldId id="258" r:id="rId5"/>
     <p:sldId id="259" r:id="rId6"/>
-    <p:sldId id="260" r:id="rId7"/>
+    <p:sldId id="261" r:id="rId7"/>
+    <p:sldId id="262" r:id="rId8"/>
+    <p:sldId id="260" r:id="rId9"/>
+    <p:sldId id="263" r:id="rId10"/>
+    <p:sldId id="264" r:id="rId11"/>
   </p:sldIdLst>
   <p:sldSz cx="9144000" cy="6858000" type="screen4x3"/>
   <p:notesSz cx="6980238" cy="9236075"/>
@@ -2319,7 +2323,7 @@
             </a:pPr>
             <a:fld id="{00000000-1234-1234-1234-123412341234}" type="slidenum">
               <a:rPr lang="en-US"/>
-              <a:t>5</a:t>
+              <a:t>7</a:t>
             </a:fld>
             <a:endParaRPr/>
           </a:p>
@@ -7196,8 +7200,8 @@
         </p:nvSpPr>
         <p:spPr>
           <a:xfrm>
-            <a:off x="1289406" y="2241550"/>
-            <a:ext cx="6565187" cy="871520"/>
+            <a:off x="1289406" y="2292920"/>
+            <a:ext cx="6565187" cy="645488"/>
           </a:xfrm>
           <a:prstGeom prst="rect">
             <a:avLst/>
@@ -7242,7 +7246,7 @@
         </p:nvSpPr>
         <p:spPr>
           <a:xfrm>
-            <a:off x="457245" y="3266204"/>
+            <a:off x="457245" y="3214834"/>
             <a:ext cx="8229510" cy="3290887"/>
           </a:xfrm>
           <a:prstGeom prst="rect">
@@ -7269,42 +7273,42 @@
               <a:buNone/>
             </a:pPr>
             <a:r>
-              <a:rPr lang="en-US" sz="2400" b="1" i="0" u="none" strike="noStrike" cap="none" dirty="0">
+              <a:rPr lang="en-US" sz="2800" b="1" i="0" u="none" strike="noStrike" cap="none" dirty="0">
                 <a:solidFill>
                   <a:schemeClr val="dk1"/>
                 </a:solidFill>
-                <a:latin typeface="Arial"/>
-                <a:ea typeface="Arial"/>
-                <a:cs typeface="Arial"/>
+                <a:latin typeface="Times New Roman" panose="02020603050405020304" pitchFamily="18" charset="0"/>
+                <a:cs typeface="Times New Roman" panose="02020603050405020304" pitchFamily="18" charset="0"/>
                 <a:sym typeface="Arial"/>
               </a:rPr>
-              <a:t>Date: 		</a:t>
+              <a:t>Date: 	</a:t>
             </a:r>
             <a:r>
-              <a:rPr lang="en-US" sz="2400" i="0" u="none" strike="noStrike" cap="none" dirty="0">
+              <a:rPr lang="en-US" sz="2800" i="0" u="none" strike="noStrike" cap="none" dirty="0">
                 <a:solidFill>
                   <a:schemeClr val="dk1"/>
                 </a:solidFill>
-                <a:latin typeface="Arial"/>
-                <a:ea typeface="Arial"/>
-                <a:cs typeface="Arial"/>
+                <a:latin typeface="Times New Roman" panose="02020603050405020304" pitchFamily="18" charset="0"/>
+                <a:cs typeface="Times New Roman" panose="02020603050405020304" pitchFamily="18" charset="0"/>
                 <a:sym typeface="Arial"/>
               </a:rPr>
               <a:t>February</a:t>
             </a:r>
             <a:r>
-              <a:rPr lang="en-US" sz="2400" b="0" i="0" u="none" strike="noStrike" cap="none" dirty="0">
+              <a:rPr lang="en-US" sz="2800" b="0" i="0" u="none" strike="noStrike" cap="none" dirty="0">
                 <a:solidFill>
                   <a:schemeClr val="dk1"/>
                 </a:solidFill>
-                <a:latin typeface="Arial"/>
-                <a:ea typeface="Arial"/>
-                <a:cs typeface="Arial"/>
+                <a:latin typeface="Times New Roman" panose="02020603050405020304" pitchFamily="18" charset="0"/>
+                <a:cs typeface="Times New Roman" panose="02020603050405020304" pitchFamily="18" charset="0"/>
                 <a:sym typeface="Arial"/>
               </a:rPr>
               <a:t> 20, 2022</a:t>
             </a:r>
-            <a:endParaRPr dirty="0"/>
+            <a:endParaRPr sz="2800" dirty="0">
+              <a:latin typeface="Times New Roman" panose="02020603050405020304" pitchFamily="18" charset="0"/>
+              <a:cs typeface="Times New Roman" panose="02020603050405020304" pitchFamily="18" charset="0"/>
+            </a:endParaRPr>
           </a:p>
           <a:p>
             <a:pPr marL="0" marR="0" lvl="0" indent="0" algn="l" rtl="0">
@@ -7316,90 +7320,73 @@
               </a:spcAft>
               <a:buNone/>
             </a:pPr>
-            <a:endParaRPr lang="en-US" sz="2400" b="1" i="0" u="none" strike="noStrike" cap="none" dirty="0">
+            <a:endParaRPr lang="en-US" sz="2800" b="1" i="0" u="none" strike="noStrike" cap="none" dirty="0">
               <a:solidFill>
                 <a:schemeClr val="dk1"/>
               </a:solidFill>
-              <a:latin typeface="Arial"/>
-              <a:ea typeface="Arial"/>
-              <a:cs typeface="Arial"/>
+              <a:latin typeface="Times New Roman" panose="02020603050405020304" pitchFamily="18" charset="0"/>
+              <a:cs typeface="Times New Roman" panose="02020603050405020304" pitchFamily="18" charset="0"/>
               <a:sym typeface="Arial"/>
             </a:endParaRPr>
           </a:p>
           <a:p>
-            <a:pPr marL="0" marR="0" lvl="0" indent="0" algn="l" rtl="0">
-              <a:spcBef>
-                <a:spcPts val="0"/>
-              </a:spcBef>
-              <a:spcAft>
-                <a:spcPts val="0"/>
-              </a:spcAft>
-              <a:buNone/>
-            </a:pPr>
             <a:r>
-              <a:rPr lang="en-US" sz="2400" b="1" i="0" u="none" strike="noStrike" cap="none" dirty="0">
+              <a:rPr lang="en-US" sz="2800" b="1" i="0" u="none" strike="noStrike" cap="none" dirty="0">
                 <a:solidFill>
                   <a:schemeClr val="dk1"/>
                 </a:solidFill>
-                <a:latin typeface="Arial"/>
-                <a:ea typeface="Arial"/>
-                <a:cs typeface="Arial"/>
+                <a:latin typeface="Times New Roman" panose="02020603050405020304" pitchFamily="18" charset="0"/>
+                <a:cs typeface="Times New Roman" panose="02020603050405020304" pitchFamily="18" charset="0"/>
                 <a:sym typeface="Arial"/>
               </a:rPr>
-              <a:t>Advisor:  	</a:t>
+              <a:t>Advisors:  	</a:t>
             </a:r>
             <a:r>
-              <a:rPr lang="en-US" sz="2400" i="0" u="none" strike="noStrike" cap="none" dirty="0">
+              <a:rPr lang="en-US" sz="2800" i="0" u="none" strike="noStrike" cap="none" dirty="0">
                 <a:solidFill>
                   <a:schemeClr val="dk1"/>
                 </a:solidFill>
-                <a:latin typeface="Arial"/>
-                <a:ea typeface="Arial"/>
-                <a:cs typeface="Arial"/>
+                <a:latin typeface="Times New Roman" panose="02020603050405020304" pitchFamily="18" charset="0"/>
+                <a:cs typeface="Times New Roman" panose="02020603050405020304" pitchFamily="18" charset="0"/>
                 <a:sym typeface="Arial"/>
               </a:rPr>
               <a:t>Dr. Adam </a:t>
             </a:r>
             <a:r>
-              <a:rPr lang="en-US" sz="2400" i="0" u="none" strike="noStrike" cap="none" dirty="0" err="1">
+              <a:rPr lang="en-US" sz="2800" i="0" u="none" strike="noStrike" cap="none" dirty="0" err="1">
                 <a:solidFill>
                   <a:schemeClr val="dk1"/>
                 </a:solidFill>
-                <a:latin typeface="Arial"/>
-                <a:ea typeface="Arial"/>
-                <a:cs typeface="Arial"/>
+                <a:latin typeface="Times New Roman" panose="02020603050405020304" pitchFamily="18" charset="0"/>
+                <a:cs typeface="Times New Roman" panose="02020603050405020304" pitchFamily="18" charset="0"/>
                 <a:sym typeface="Arial"/>
               </a:rPr>
               <a:t>Creuziger</a:t>
             </a:r>
             <a:r>
-              <a:rPr lang="en-US" sz="2400" dirty="0">
+              <a:rPr lang="en-US" sz="2800" i="0" u="none" strike="noStrike" cap="none" dirty="0">
                 <a:solidFill>
                   <a:schemeClr val="dk1"/>
                 </a:solidFill>
+                <a:latin typeface="Times New Roman" panose="02020603050405020304" pitchFamily="18" charset="0"/>
+                <a:cs typeface="Times New Roman" panose="02020603050405020304" pitchFamily="18" charset="0"/>
+                <a:sym typeface="Arial"/>
               </a:rPr>
-              <a:t> &amp; Dr. Kip Findley</a:t>
+              <a:t>, </a:t>
             </a:r>
-            <a:endParaRPr dirty="0"/>
-          </a:p>
-          <a:p>
-            <a:pPr marL="0" marR="0" lvl="0" indent="0" algn="l" rtl="0">
-              <a:spcBef>
-                <a:spcPts val="0"/>
-              </a:spcBef>
-              <a:spcAft>
-                <a:spcPts val="0"/>
-              </a:spcAft>
-              <a:buNone/>
-            </a:pPr>
-            <a:endParaRPr lang="en-US" sz="2400" b="1" i="0" u="none" strike="noStrike" cap="none" dirty="0">
-              <a:solidFill>
-                <a:schemeClr val="dk1"/>
-              </a:solidFill>
-              <a:latin typeface="Arial"/>
-              <a:ea typeface="Arial"/>
-              <a:cs typeface="Arial"/>
-              <a:sym typeface="Arial"/>
+            <a:r>
+              <a:rPr lang="en-US" sz="2800" dirty="0">
+                <a:solidFill>
+                  <a:schemeClr val="dk1"/>
+                </a:solidFill>
+                <a:latin typeface="Times New Roman" panose="02020603050405020304" pitchFamily="18" charset="0"/>
+                <a:cs typeface="Times New Roman" panose="02020603050405020304" pitchFamily="18" charset="0"/>
+              </a:rPr>
+              <a:t>David Newton (MS)</a:t>
+            </a:r>
+            <a:endParaRPr lang="en-US" sz="2800" dirty="0">
+              <a:latin typeface="Times New Roman" panose="02020603050405020304" pitchFamily="18" charset="0"/>
+              <a:cs typeface="Times New Roman" panose="02020603050405020304" pitchFamily="18" charset="0"/>
             </a:endParaRPr>
           </a:p>
           <a:p>
@@ -7413,62 +7400,19 @@
               <a:buNone/>
             </a:pPr>
             <a:r>
-              <a:rPr lang="en-US" sz="2400" b="1" i="0" u="none" strike="noStrike" cap="none" dirty="0">
+              <a:rPr lang="en-US" sz="2800" dirty="0">
                 <a:solidFill>
                   <a:schemeClr val="dk1"/>
                 </a:solidFill>
-                <a:latin typeface="Arial"/>
-                <a:ea typeface="Arial"/>
-                <a:cs typeface="Arial"/>
-                <a:sym typeface="Arial"/>
+                <a:latin typeface="Times New Roman" panose="02020603050405020304" pitchFamily="18" charset="0"/>
+                <a:cs typeface="Times New Roman" panose="02020603050405020304" pitchFamily="18" charset="0"/>
               </a:rPr>
-              <a:t>Industrial Mentors:</a:t>
+              <a:t> &amp; Dr. Kip Findley</a:t>
             </a:r>
-            <a:endParaRPr dirty="0"/>
-          </a:p>
-          <a:p>
-            <a:pPr marL="0" marR="0" lvl="0" indent="0" algn="l" rtl="0">
-              <a:spcBef>
-                <a:spcPts val="0"/>
-              </a:spcBef>
-              <a:spcAft>
-                <a:spcPts val="0"/>
-              </a:spcAft>
-              <a:buNone/>
-            </a:pPr>
-            <a:r>
-              <a:rPr lang="en-US" sz="2400" b="1" i="0" u="none" strike="noStrike" cap="none" dirty="0">
-                <a:solidFill>
-                  <a:schemeClr val="dk1"/>
-                </a:solidFill>
-                <a:latin typeface="Arial"/>
-                <a:ea typeface="Arial"/>
-                <a:cs typeface="Arial"/>
-                <a:sym typeface="Arial"/>
-              </a:rPr>
-              <a:t>		</a:t>
-            </a:r>
-            <a:r>
-              <a:rPr lang="en-US" sz="2400" dirty="0">
-                <a:solidFill>
-                  <a:schemeClr val="dk1"/>
-                </a:solidFill>
-              </a:rPr>
-              <a:t>David Newton</a:t>
-            </a:r>
-            <a:endParaRPr dirty="0"/>
-          </a:p>
-          <a:p>
-            <a:pPr marL="0" marR="0" lvl="0" indent="0" algn="l" rtl="0">
-              <a:spcBef>
-                <a:spcPts val="0"/>
-              </a:spcBef>
-              <a:spcAft>
-                <a:spcPts val="0"/>
-              </a:spcAft>
-              <a:buNone/>
-            </a:pPr>
-            <a:endParaRPr dirty="0"/>
+            <a:endParaRPr sz="2800" dirty="0">
+              <a:latin typeface="Times New Roman" panose="02020603050405020304" pitchFamily="18" charset="0"/>
+              <a:cs typeface="Times New Roman" panose="02020603050405020304" pitchFamily="18" charset="0"/>
+            </a:endParaRPr>
           </a:p>
           <a:p>
             <a:pPr marL="0" marR="0" lvl="0" indent="0" algn="l" rtl="0">
@@ -7532,7 +7476,7 @@
             </a:pPr>
             <a:r>
               <a:rPr lang="en-US" i="0" dirty="0"/>
-              <a:t>Measuring the Phase Fraction and Corresponding Uncertainty of Austenite in Advanced Steels</a:t>
+              <a:t>Developing a Calculator for the Phase Fraction and Uncertainty of Austenite in Steel</a:t>
             </a:r>
             <a:endParaRPr i="0" dirty="0"/>
           </a:p>
@@ -7546,8 +7490,8 @@
         </p:nvSpPr>
         <p:spPr>
           <a:xfrm>
-            <a:off x="4253501" y="5961995"/>
-            <a:ext cx="4726130" cy="553957"/>
+            <a:off x="4212405" y="5972269"/>
+            <a:ext cx="4726130" cy="584735"/>
           </a:xfrm>
           <a:prstGeom prst="rect">
             <a:avLst/>
@@ -7573,46 +7517,51 @@
               <a:buNone/>
             </a:pPr>
             <a:r>
-              <a:rPr lang="en-US" sz="3000" b="1" dirty="0">
+              <a:rPr lang="en-US" sz="3200" b="1" dirty="0">
                 <a:solidFill>
                   <a:schemeClr val="dk1"/>
                 </a:solidFill>
+                <a:latin typeface="Times New Roman" panose="02020603050405020304" pitchFamily="18" charset="0"/>
+                <a:cs typeface="Times New Roman" panose="02020603050405020304" pitchFamily="18" charset="0"/>
               </a:rPr>
               <a:t>Sheet</a:t>
             </a:r>
             <a:r>
-              <a:rPr lang="en-US" sz="3000" b="1" i="0" u="none" strike="noStrike" cap="none" dirty="0">
+              <a:rPr lang="en-US" sz="3200" b="1" i="0" u="none" strike="noStrike" cap="none" dirty="0">
                 <a:solidFill>
                   <a:schemeClr val="dk1"/>
                 </a:solidFill>
-                <a:latin typeface="Arial"/>
-                <a:ea typeface="Arial"/>
-                <a:cs typeface="Arial"/>
+                <a:latin typeface="Times New Roman" panose="02020603050405020304" pitchFamily="18" charset="0"/>
+                <a:cs typeface="Times New Roman" panose="02020603050405020304" pitchFamily="18" charset="0"/>
                 <a:sym typeface="Arial"/>
               </a:rPr>
               <a:t> and </a:t>
             </a:r>
             <a:r>
-              <a:rPr lang="en-US" sz="3000" b="1" dirty="0">
+              <a:rPr lang="en-US" sz="3200" b="1" dirty="0">
                 <a:solidFill>
                   <a:schemeClr val="dk1"/>
                 </a:solidFill>
+                <a:latin typeface="Times New Roman" panose="02020603050405020304" pitchFamily="18" charset="0"/>
+                <a:cs typeface="Times New Roman" panose="02020603050405020304" pitchFamily="18" charset="0"/>
               </a:rPr>
               <a:t>Coated</a:t>
             </a:r>
             <a:r>
-              <a:rPr lang="en-US" sz="3000" b="1" i="0" u="none" strike="noStrike" cap="none" dirty="0">
+              <a:rPr lang="en-US" sz="3200" b="1" i="0" u="none" strike="noStrike" cap="none" dirty="0">
                 <a:solidFill>
                   <a:schemeClr val="dk1"/>
                 </a:solidFill>
-                <a:latin typeface="Arial"/>
-                <a:ea typeface="Arial"/>
-                <a:cs typeface="Arial"/>
+                <a:latin typeface="Times New Roman" panose="02020603050405020304" pitchFamily="18" charset="0"/>
+                <a:cs typeface="Times New Roman" panose="02020603050405020304" pitchFamily="18" charset="0"/>
                 <a:sym typeface="Arial"/>
               </a:rPr>
               <a:t> Steels</a:t>
             </a:r>
-            <a:endParaRPr dirty="0"/>
+            <a:endParaRPr sz="3200" dirty="0">
+              <a:latin typeface="Times New Roman" panose="02020603050405020304" pitchFamily="18" charset="0"/>
+              <a:cs typeface="Times New Roman" panose="02020603050405020304" pitchFamily="18" charset="0"/>
+            </a:endParaRPr>
           </a:p>
         </p:txBody>
       </p:sp>
@@ -7735,10 +7684,16 @@
               <a:buNone/>
             </a:pPr>
             <a:r>
-              <a:rPr lang="en-US" sz="2400" dirty="0"/>
-              <a:t>Date Initiated:	September, 2007 </a:t>
+              <a:rPr lang="en-US" sz="3200" dirty="0">
+                <a:latin typeface="Times New Roman" panose="02020603050405020304" pitchFamily="18" charset="0"/>
+                <a:cs typeface="Times New Roman" panose="02020603050405020304" pitchFamily="18" charset="0"/>
+              </a:rPr>
+              <a:t>Date Initiated:	September, 2021 </a:t>
             </a:r>
-            <a:endParaRPr dirty="0"/>
+            <a:endParaRPr sz="3200" dirty="0">
+              <a:latin typeface="Times New Roman" panose="02020603050405020304" pitchFamily="18" charset="0"/>
+              <a:cs typeface="Times New Roman" panose="02020603050405020304" pitchFamily="18" charset="0"/>
+            </a:endParaRPr>
           </a:p>
           <a:p>
             <a:pPr marL="0" lvl="0" indent="0" algn="l" rtl="0">
@@ -7756,8 +7711,11 @@
               <a:buNone/>
             </a:pPr>
             <a:r>
-              <a:rPr lang="en-US" sz="2400" dirty="0"/>
-              <a:t>Anticipated Completion Date:	August 2022  </a:t>
+              <a:rPr lang="en-US" sz="3200" dirty="0">
+                <a:latin typeface="Times New Roman" panose="02020603050405020304" pitchFamily="18" charset="0"/>
+                <a:cs typeface="Times New Roman" panose="02020603050405020304" pitchFamily="18" charset="0"/>
+              </a:rPr>
+              <a:t>Anticipated Completion Date:	May, 2022  </a:t>
             </a:r>
             <a:br>
               <a:rPr lang="en-US" sz="1800" dirty="0">
@@ -7788,12 +7746,11 @@
               <a:buNone/>
             </a:pPr>
             <a:r>
-              <a:rPr lang="en-US" sz="2400" dirty="0"/>
-              <a:t>Research Timetable:</a:t>
-            </a:r>
-            <a:r>
-              <a:rPr lang="en-US" sz="1800" dirty="0"/>
-              <a:t>	</a:t>
+              <a:rPr lang="en-US" sz="2600" dirty="0">
+                <a:latin typeface="Times New Roman" panose="02020603050405020304" pitchFamily="18" charset="0"/>
+                <a:cs typeface="Times New Roman" panose="02020603050405020304" pitchFamily="18" charset="0"/>
+              </a:rPr>
+              <a:t>Research Timetable:	</a:t>
             </a:r>
           </a:p>
           <a:p>
@@ -7812,14 +7769,16 @@
               <a:buNone/>
             </a:pPr>
             <a:r>
-              <a:rPr lang="en-US" sz="1800" dirty="0"/>
-              <a:t>	</a:t>
+              <a:rPr lang="en-US" sz="2600" dirty="0">
+                <a:latin typeface="Times New Roman" panose="02020603050405020304" pitchFamily="18" charset="0"/>
+                <a:cs typeface="Times New Roman" panose="02020603050405020304" pitchFamily="18" charset="0"/>
+              </a:rPr>
+              <a:t>	Task 1:  Completion date</a:t>
             </a:r>
-            <a:r>
-              <a:rPr lang="en-US" sz="2400" dirty="0"/>
-              <a:t>Task 1:  Completion date</a:t>
-            </a:r>
-            <a:endParaRPr dirty="0"/>
+            <a:endParaRPr sz="2600" dirty="0">
+              <a:latin typeface="Times New Roman" panose="02020603050405020304" pitchFamily="18" charset="0"/>
+              <a:cs typeface="Times New Roman" panose="02020603050405020304" pitchFamily="18" charset="0"/>
+            </a:endParaRPr>
           </a:p>
           <a:p>
             <a:pPr marL="0" lvl="0" indent="0" algn="l" rtl="0">
@@ -7837,10 +7796,16 @@
               <a:buNone/>
             </a:pPr>
             <a:r>
-              <a:rPr lang="en-US" sz="2400" dirty="0"/>
+              <a:rPr lang="en-US" sz="2600" dirty="0">
+                <a:latin typeface="Times New Roman" panose="02020603050405020304" pitchFamily="18" charset="0"/>
+                <a:cs typeface="Times New Roman" panose="02020603050405020304" pitchFamily="18" charset="0"/>
+              </a:rPr>
               <a:t>	Task 2:  Completion date</a:t>
             </a:r>
-            <a:endParaRPr dirty="0"/>
+            <a:endParaRPr sz="2600" dirty="0">
+              <a:latin typeface="Times New Roman" panose="02020603050405020304" pitchFamily="18" charset="0"/>
+              <a:cs typeface="Times New Roman" panose="02020603050405020304" pitchFamily="18" charset="0"/>
+            </a:endParaRPr>
           </a:p>
           <a:p>
             <a:pPr marL="0" lvl="0" indent="0" algn="l" rtl="0">
@@ -7858,18 +7823,30 @@
               <a:buNone/>
             </a:pPr>
             <a:r>
-              <a:rPr lang="en-US" sz="2400" dirty="0"/>
+              <a:rPr lang="en-US" sz="2600" dirty="0">
+                <a:latin typeface="Times New Roman" panose="02020603050405020304" pitchFamily="18" charset="0"/>
+                <a:cs typeface="Times New Roman" panose="02020603050405020304" pitchFamily="18" charset="0"/>
+              </a:rPr>
               <a:t>	</a:t>
             </a:r>
             <a:r>
-              <a:rPr lang="en-US" sz="2400" dirty="0" err="1"/>
+              <a:rPr lang="en-US" sz="2600" dirty="0" err="1">
+                <a:latin typeface="Times New Roman" panose="02020603050405020304" pitchFamily="18" charset="0"/>
+                <a:cs typeface="Times New Roman" panose="02020603050405020304" pitchFamily="18" charset="0"/>
+              </a:rPr>
               <a:t>etc</a:t>
             </a:r>
             <a:r>
-              <a:rPr lang="en-US" sz="2400" dirty="0"/>
+              <a:rPr lang="en-US" sz="2600" dirty="0">
+                <a:latin typeface="Times New Roman" panose="02020603050405020304" pitchFamily="18" charset="0"/>
+                <a:cs typeface="Times New Roman" panose="02020603050405020304" pitchFamily="18" charset="0"/>
+              </a:rPr>
               <a:t>……………………..</a:t>
             </a:r>
-            <a:endParaRPr dirty="0"/>
+            <a:endParaRPr sz="2600" dirty="0">
+              <a:latin typeface="Times New Roman" panose="02020603050405020304" pitchFamily="18" charset="0"/>
+              <a:cs typeface="Times New Roman" panose="02020603050405020304" pitchFamily="18" charset="0"/>
+            </a:endParaRPr>
           </a:p>
           <a:p>
             <a:pPr marL="0" lvl="0" indent="0" algn="l" rtl="0">
@@ -7887,18 +7864,30 @@
               <a:buNone/>
             </a:pPr>
             <a:r>
-              <a:rPr lang="en-US" sz="2400" dirty="0"/>
+              <a:rPr lang="en-US" sz="2600" dirty="0">
+                <a:latin typeface="Times New Roman" panose="02020603050405020304" pitchFamily="18" charset="0"/>
+                <a:cs typeface="Times New Roman" panose="02020603050405020304" pitchFamily="18" charset="0"/>
+              </a:rPr>
               <a:t>	</a:t>
             </a:r>
             <a:r>
-              <a:rPr lang="en-US" sz="2400" dirty="0" err="1"/>
+              <a:rPr lang="en-US" sz="2600" dirty="0" err="1">
+                <a:latin typeface="Times New Roman" panose="02020603050405020304" pitchFamily="18" charset="0"/>
+                <a:cs typeface="Times New Roman" panose="02020603050405020304" pitchFamily="18" charset="0"/>
+              </a:rPr>
               <a:t>etc</a:t>
             </a:r>
             <a:r>
-              <a:rPr lang="en-US" sz="2400" dirty="0"/>
+              <a:rPr lang="en-US" sz="2600" dirty="0">
+                <a:latin typeface="Times New Roman" panose="02020603050405020304" pitchFamily="18" charset="0"/>
+                <a:cs typeface="Times New Roman" panose="02020603050405020304" pitchFamily="18" charset="0"/>
+              </a:rPr>
               <a:t>…………………….</a:t>
             </a:r>
-            <a:endParaRPr sz="1800" dirty="0"/>
+            <a:endParaRPr sz="2600" dirty="0">
+              <a:latin typeface="Times New Roman" panose="02020603050405020304" pitchFamily="18" charset="0"/>
+              <a:cs typeface="Times New Roman" panose="02020603050405020304" pitchFamily="18" charset="0"/>
+            </a:endParaRPr>
           </a:p>
         </p:txBody>
       </p:sp>
@@ -8017,7 +8006,7 @@
                   <a:schemeClr val="accent2"/>
                 </a:solidFill>
               </a:rPr>
-              <a:t>Industrial Relevance – Caleb Schenck</a:t>
+              <a:t>Industrial Relevance</a:t>
             </a:r>
             <a:endParaRPr dirty="0"/>
           </a:p>
@@ -8035,8 +8024,8 @@
         </p:nvSpPr>
         <p:spPr>
           <a:xfrm>
-            <a:off x="274638" y="1050925"/>
-            <a:ext cx="8594725" cy="5395562"/>
+            <a:off x="274638" y="1407560"/>
+            <a:ext cx="8594725" cy="4561730"/>
           </a:xfrm>
           <a:prstGeom prst="rect">
             <a:avLst/>
@@ -8052,21 +8041,106 @@
           </a:bodyPr>
           <a:lstStyle/>
           <a:p>
-            <a:pPr marL="233363" lvl="0" indent="-55563" algn="l" rtl="0">
-              <a:spcBef>
-                <a:spcPts val="0"/>
-              </a:spcBef>
-              <a:spcAft>
-                <a:spcPts val="0"/>
-              </a:spcAft>
-              <a:buClr>
-                <a:schemeClr val="dk1"/>
-              </a:buClr>
+            <a:pPr marL="635000" indent="-457200">
+              <a:spcBef>
+                <a:spcPts val="0"/>
+              </a:spcBef>
               <a:buSzPts val="2800"/>
-              <a:buFont typeface="Arial"/>
-              <a:buNone/>
             </a:pPr>
-            <a:endParaRPr/>
+            <a:r>
+              <a:rPr lang="en-US" dirty="0">
+                <a:latin typeface="Times New Roman" panose="02020603050405020304" pitchFamily="18" charset="0"/>
+                <a:cs typeface="Times New Roman" panose="02020603050405020304" pitchFamily="18" charset="0"/>
+              </a:rPr>
+              <a:t>Vehicle Lightweighting</a:t>
+            </a:r>
+          </a:p>
+          <a:p>
+            <a:pPr marL="1092200" lvl="1" indent="-457200">
+              <a:spcBef>
+                <a:spcPts val="0"/>
+              </a:spcBef>
+              <a:buSzPts val="2800"/>
+            </a:pPr>
+            <a:r>
+              <a:rPr lang="en-US" sz="2800" dirty="0">
+                <a:latin typeface="Times New Roman" panose="02020603050405020304" pitchFamily="18" charset="0"/>
+                <a:cs typeface="Times New Roman" panose="02020603050405020304" pitchFamily="18" charset="0"/>
+              </a:rPr>
+              <a:t>Retained Austenite (TRIP, TWIP, </a:t>
+            </a:r>
+            <a:r>
+              <a:rPr lang="en-US" sz="2800" dirty="0" err="1">
+                <a:latin typeface="Times New Roman" panose="02020603050405020304" pitchFamily="18" charset="0"/>
+                <a:cs typeface="Times New Roman" panose="02020603050405020304" pitchFamily="18" charset="0"/>
+              </a:rPr>
+              <a:t>etc</a:t>
+            </a:r>
+            <a:r>
+              <a:rPr lang="en-US" sz="2800" dirty="0">
+                <a:latin typeface="Times New Roman" panose="02020603050405020304" pitchFamily="18" charset="0"/>
+                <a:cs typeface="Times New Roman" panose="02020603050405020304" pitchFamily="18" charset="0"/>
+              </a:rPr>
+              <a:t>)</a:t>
+            </a:r>
+          </a:p>
+          <a:p>
+            <a:pPr marL="1092200" lvl="1" indent="-457200">
+              <a:spcBef>
+                <a:spcPts val="0"/>
+              </a:spcBef>
+              <a:buSzPts val="2800"/>
+            </a:pPr>
+            <a:r>
+              <a:rPr lang="en-US" sz="2800" dirty="0">
+                <a:latin typeface="Times New Roman" panose="02020603050405020304" pitchFamily="18" charset="0"/>
+                <a:cs typeface="Times New Roman" panose="02020603050405020304" pitchFamily="18" charset="0"/>
+              </a:rPr>
+              <a:t>Reduced Sheet Thickness</a:t>
+            </a:r>
+          </a:p>
+          <a:p>
+            <a:pPr marL="1092200" lvl="1" indent="-457200">
+              <a:spcBef>
+                <a:spcPts val="0"/>
+              </a:spcBef>
+              <a:buSzPts val="2800"/>
+            </a:pPr>
+            <a:r>
+              <a:rPr lang="en-US" sz="2800" dirty="0">
+                <a:latin typeface="Times New Roman" panose="02020603050405020304" pitchFamily="18" charset="0"/>
+                <a:cs typeface="Times New Roman" panose="02020603050405020304" pitchFamily="18" charset="0"/>
+              </a:rPr>
+              <a:t>Maintain Safety and Toughness</a:t>
+            </a:r>
+          </a:p>
+          <a:p>
+            <a:pPr marL="635000" lvl="1" indent="0">
+              <a:spcBef>
+                <a:spcPts val="0"/>
+              </a:spcBef>
+              <a:buSzPts val="2800"/>
+              <a:buNone/>
+            </a:pPr>
+            <a:endParaRPr lang="en-US" sz="2800" dirty="0">
+              <a:latin typeface="Times New Roman" panose="02020603050405020304" pitchFamily="18" charset="0"/>
+              <a:cs typeface="Times New Roman" panose="02020603050405020304" pitchFamily="18" charset="0"/>
+            </a:endParaRPr>
+          </a:p>
+          <a:p>
+            <a:pPr marL="635000" indent="-457200">
+              <a:spcBef>
+                <a:spcPts val="0"/>
+              </a:spcBef>
+              <a:buSzPts val="2800"/>
+            </a:pPr>
+            <a:r>
+              <a:rPr lang="en-US" dirty="0">
+                <a:latin typeface="Times New Roman" panose="02020603050405020304" pitchFamily="18" charset="0"/>
+                <a:cs typeface="Times New Roman" panose="02020603050405020304" pitchFamily="18" charset="0"/>
+              </a:rPr>
+              <a:t>Commercial Production</a:t>
+            </a:r>
           </a:p>
         </p:txBody>
       </p:sp>
@@ -8118,52 +8192,318 @@
       </p:sp>
       <p:sp>
         <p:nvSpPr>
-          <p:cNvPr id="60" name="Google Shape;60;p3"/>
+          <p:cNvPr id="2" name="Rectangle: Diagonal Corners Snipped 1">
+            <a:extLst>
+              <a:ext uri="{FF2B5EF4-FFF2-40B4-BE49-F238E27FC236}">
+                <a16:creationId xmlns:a16="http://schemas.microsoft.com/office/drawing/2014/main" id="{B66DDC00-1245-44A6-9569-A7CEE9F3F42A}"/>
+              </a:ext>
+            </a:extLst>
+          </p:cNvPr>
+          <p:cNvSpPr/>
+          <p:nvPr/>
+        </p:nvSpPr>
+        <p:spPr>
+          <a:xfrm>
+            <a:off x="765420" y="4474396"/>
+            <a:ext cx="2558265" cy="1366452"/>
+          </a:xfrm>
+          <a:prstGeom prst="snip2DiagRect">
+            <a:avLst/>
+          </a:prstGeom>
+          <a:solidFill>
+            <a:schemeClr val="accent6">
+              <a:lumMod val="20000"/>
+              <a:lumOff val="80000"/>
+            </a:schemeClr>
+          </a:solidFill>
+          <a:ln w="31750">
+            <a:solidFill>
+              <a:schemeClr val="bg2"/>
+            </a:solidFill>
+          </a:ln>
+        </p:spPr>
+        <p:style>
+          <a:lnRef idx="2">
+            <a:schemeClr val="accent1">
+              <a:shade val="50000"/>
+            </a:schemeClr>
+          </a:lnRef>
+          <a:fillRef idx="1">
+            <a:schemeClr val="accent1"/>
+          </a:fillRef>
+          <a:effectRef idx="0">
+            <a:schemeClr val="accent1"/>
+          </a:effectRef>
+          <a:fontRef idx="minor">
+            <a:schemeClr val="lt1"/>
+          </a:fontRef>
+        </p:style>
+        <p:txBody>
+          <a:bodyPr rtlCol="0" anchor="ctr"/>
+          <a:lstStyle/>
+          <a:p>
+            <a:pPr algn="ctr"/>
+            <a:endParaRPr lang="en-US"/>
+          </a:p>
+        </p:txBody>
+      </p:sp>
+      <p:cxnSp>
+        <p:nvCxnSpPr>
+          <p:cNvPr id="4" name="Straight Arrow Connector 3">
+            <a:extLst>
+              <a:ext uri="{FF2B5EF4-FFF2-40B4-BE49-F238E27FC236}">
+                <a16:creationId xmlns:a16="http://schemas.microsoft.com/office/drawing/2014/main" id="{E15CA7DC-934A-4409-AC26-B174491AA6BF}"/>
+              </a:ext>
+            </a:extLst>
+          </p:cNvPr>
+          <p:cNvCxnSpPr>
+            <a:cxnSpLocks/>
+          </p:cNvCxnSpPr>
+          <p:nvPr/>
+        </p:nvCxnSpPr>
+        <p:spPr>
+          <a:xfrm>
+            <a:off x="3432943" y="5157623"/>
+            <a:ext cx="2248665" cy="0"/>
+          </a:xfrm>
+          <a:prstGeom prst="straightConnector1">
+            <a:avLst/>
+          </a:prstGeom>
+          <a:ln w="76200">
+            <a:tailEnd type="triangle"/>
+          </a:ln>
+        </p:spPr>
+        <p:style>
+          <a:lnRef idx="1">
+            <a:schemeClr val="dk1"/>
+          </a:lnRef>
+          <a:fillRef idx="0">
+            <a:schemeClr val="dk1"/>
+          </a:fillRef>
+          <a:effectRef idx="0">
+            <a:schemeClr val="dk1"/>
+          </a:effectRef>
+          <a:fontRef idx="minor">
+            <a:schemeClr val="tx1"/>
+          </a:fontRef>
+        </p:style>
+      </p:cxnSp>
+      <p:sp>
+        <p:nvSpPr>
+          <p:cNvPr id="6" name="TextBox 5">
+            <a:extLst>
+              <a:ext uri="{FF2B5EF4-FFF2-40B4-BE49-F238E27FC236}">
+                <a16:creationId xmlns:a16="http://schemas.microsoft.com/office/drawing/2014/main" id="{5FE63540-16E5-4AD3-AC98-3AB7F7A8CCCB}"/>
+              </a:ext>
+            </a:extLst>
+          </p:cNvPr>
           <p:cNvSpPr txBox="1"/>
           <p:nvPr/>
         </p:nvSpPr>
         <p:spPr>
           <a:xfrm>
-            <a:off x="198438" y="685800"/>
-            <a:ext cx="8763000" cy="5943600"/>
+            <a:off x="1109603" y="4844686"/>
+            <a:ext cx="1910994" cy="584775"/>
+          </a:xfrm>
+          <a:prstGeom prst="rect">
+            <a:avLst/>
+          </a:prstGeom>
+          <a:noFill/>
+        </p:spPr>
+        <p:txBody>
+          <a:bodyPr wrap="square" rtlCol="0">
+            <a:spAutoFit/>
+          </a:bodyPr>
+          <a:lstStyle/>
+          <a:p>
+            <a:r>
+              <a:rPr lang="en-US" sz="3200" dirty="0">
+                <a:latin typeface="Times New Roman" panose="02020603050405020304" pitchFamily="18" charset="0"/>
+                <a:cs typeface="Times New Roman" panose="02020603050405020304" pitchFamily="18" charset="0"/>
+              </a:rPr>
+              <a:t>Research</a:t>
+            </a:r>
+          </a:p>
+        </p:txBody>
+      </p:sp>
+      <p:sp>
+        <p:nvSpPr>
+          <p:cNvPr id="8" name="Rectangle: Rounded Corners 7">
+            <a:extLst>
+              <a:ext uri="{FF2B5EF4-FFF2-40B4-BE49-F238E27FC236}">
+                <a16:creationId xmlns:a16="http://schemas.microsoft.com/office/drawing/2014/main" id="{3FC9AEFD-4DF3-4955-9216-A4D67AE9F26F}"/>
+              </a:ext>
+            </a:extLst>
+          </p:cNvPr>
+          <p:cNvSpPr/>
+          <p:nvPr/>
+        </p:nvSpPr>
+        <p:spPr>
+          <a:xfrm>
+            <a:off x="5774074" y="4474396"/>
+            <a:ext cx="2558265" cy="1366453"/>
+          </a:xfrm>
+          <a:prstGeom prst="roundRect">
+            <a:avLst/>
+          </a:prstGeom>
+          <a:solidFill>
+            <a:schemeClr val="tx2">
+              <a:lumMod val="40000"/>
+              <a:lumOff val="60000"/>
+            </a:schemeClr>
+          </a:solidFill>
+          <a:ln w="31750">
+            <a:solidFill>
+              <a:schemeClr val="bg2"/>
+            </a:solidFill>
+          </a:ln>
+        </p:spPr>
+        <p:style>
+          <a:lnRef idx="2">
+            <a:schemeClr val="accent1">
+              <a:shade val="50000"/>
+            </a:schemeClr>
+          </a:lnRef>
+          <a:fillRef idx="1">
+            <a:schemeClr val="accent1"/>
+          </a:fillRef>
+          <a:effectRef idx="0">
+            <a:schemeClr val="accent1"/>
+          </a:effectRef>
+          <a:fontRef idx="minor">
+            <a:schemeClr val="lt1"/>
+          </a:fontRef>
+        </p:style>
+        <p:txBody>
+          <a:bodyPr rtlCol="0" anchor="ctr"/>
+          <a:lstStyle/>
+          <a:p>
+            <a:pPr algn="ctr"/>
+            <a:endParaRPr lang="en-US"/>
+          </a:p>
+        </p:txBody>
+      </p:sp>
+      <p:sp>
+        <p:nvSpPr>
+          <p:cNvPr id="10" name="TextBox 9">
+            <a:extLst>
+              <a:ext uri="{FF2B5EF4-FFF2-40B4-BE49-F238E27FC236}">
+                <a16:creationId xmlns:a16="http://schemas.microsoft.com/office/drawing/2014/main" id="{5EDB7282-B2E4-4197-BF58-37DD544E604F}"/>
+              </a:ext>
+            </a:extLst>
+          </p:cNvPr>
+          <p:cNvSpPr txBox="1"/>
+          <p:nvPr/>
+        </p:nvSpPr>
+        <p:spPr>
+          <a:xfrm>
+            <a:off x="6162611" y="4854959"/>
+            <a:ext cx="1842833" cy="584775"/>
+          </a:xfrm>
+          <a:prstGeom prst="rect">
+            <a:avLst/>
+          </a:prstGeom>
+          <a:noFill/>
+        </p:spPr>
+        <p:txBody>
+          <a:bodyPr wrap="square" rtlCol="0">
+            <a:spAutoFit/>
+          </a:bodyPr>
+          <a:lstStyle/>
+          <a:p>
+            <a:r>
+              <a:rPr lang="en-US" sz="3200" dirty="0">
+                <a:latin typeface="Times New Roman" panose="02020603050405020304" pitchFamily="18" charset="0"/>
+                <a:cs typeface="Times New Roman" panose="02020603050405020304" pitchFamily="18" charset="0"/>
+              </a:rPr>
+              <a:t>Industry</a:t>
+            </a:r>
+          </a:p>
+        </p:txBody>
+      </p:sp>
+      <p:sp>
+        <p:nvSpPr>
+          <p:cNvPr id="18" name="TextBox 17">
+            <a:extLst>
+              <a:ext uri="{FF2B5EF4-FFF2-40B4-BE49-F238E27FC236}">
+                <a16:creationId xmlns:a16="http://schemas.microsoft.com/office/drawing/2014/main" id="{3C9CFD58-78B6-4557-8627-D131A1C86491}"/>
+              </a:ext>
+            </a:extLst>
+          </p:cNvPr>
+          <p:cNvSpPr txBox="1"/>
+          <p:nvPr/>
+        </p:nvSpPr>
+        <p:spPr>
+          <a:xfrm>
+            <a:off x="3504866" y="4347646"/>
+            <a:ext cx="2043176" cy="584775"/>
           </a:xfrm>
           <a:prstGeom prst="rect">
             <a:avLst/>
           </a:prstGeom>
           <a:noFill/>
           <a:ln>
-            <a:noFill/>
+            <a:solidFill>
+              <a:schemeClr val="tx1"/>
+            </a:solidFill>
           </a:ln>
         </p:spPr>
         <p:txBody>
-          <a:bodyPr spcFirstLastPara="1" wrap="square" lIns="91425" tIns="45700" rIns="91425" bIns="45700" anchor="t" anchorCtr="0">
-            <a:noAutofit/>
+          <a:bodyPr wrap="square" rtlCol="0">
+            <a:spAutoFit/>
           </a:bodyPr>
           <a:lstStyle/>
           <a:p>
-            <a:pPr marL="342900" marR="0" lvl="0" indent="-190500" algn="l" rtl="0">
-              <a:spcBef>
-                <a:spcPts val="0"/>
-              </a:spcBef>
-              <a:spcAft>
-                <a:spcPts val="0"/>
-              </a:spcAft>
-              <a:buClr>
-                <a:schemeClr val="dk1"/>
-              </a:buClr>
-              <a:buSzPts val="2400"/>
-              <a:buFont typeface="Arial"/>
-              <a:buNone/>
-            </a:pPr>
-            <a:endParaRPr sz="2400" b="1" u="sng">
-              <a:solidFill>
-                <a:srgbClr val="FF0000"/>
-              </a:solidFill>
-              <a:latin typeface="Arial"/>
-              <a:ea typeface="Arial"/>
-              <a:cs typeface="Arial"/>
-              <a:sym typeface="Arial"/>
-            </a:endParaRPr>
+            <a:r>
+              <a:rPr lang="en-US" sz="3200" dirty="0">
+                <a:latin typeface="Times New Roman" panose="02020603050405020304" pitchFamily="18" charset="0"/>
+                <a:cs typeface="Times New Roman" panose="02020603050405020304" pitchFamily="18" charset="0"/>
+              </a:rPr>
+              <a:t>Practicality</a:t>
+            </a:r>
+          </a:p>
+        </p:txBody>
+      </p:sp>
+      <p:sp>
+        <p:nvSpPr>
+          <p:cNvPr id="23" name="TextBox 22">
+            <a:extLst>
+              <a:ext uri="{FF2B5EF4-FFF2-40B4-BE49-F238E27FC236}">
+                <a16:creationId xmlns:a16="http://schemas.microsoft.com/office/drawing/2014/main" id="{50AC6C8B-84DD-41C5-9000-679EFAD58004}"/>
+              </a:ext>
+            </a:extLst>
+          </p:cNvPr>
+          <p:cNvSpPr txBox="1"/>
+          <p:nvPr/>
+        </p:nvSpPr>
+        <p:spPr>
+          <a:xfrm>
+            <a:off x="3617880" y="5343401"/>
+            <a:ext cx="1812010" cy="584775"/>
+          </a:xfrm>
+          <a:prstGeom prst="rect">
+            <a:avLst/>
+          </a:prstGeom>
+          <a:noFill/>
+          <a:ln>
+            <a:solidFill>
+              <a:schemeClr val="tx1"/>
+            </a:solidFill>
+          </a:ln>
+        </p:spPr>
+        <p:txBody>
+          <a:bodyPr wrap="square" rtlCol="0">
+            <a:spAutoFit/>
+          </a:bodyPr>
+          <a:lstStyle/>
+          <a:p>
+            <a:r>
+              <a:rPr lang="en-US" sz="3200" dirty="0">
+                <a:latin typeface="Times New Roman" panose="02020603050405020304" pitchFamily="18" charset="0"/>
+                <a:cs typeface="Times New Roman" panose="02020603050405020304" pitchFamily="18" charset="0"/>
+              </a:rPr>
+              <a:t>Standards</a:t>
+            </a:r>
           </a:p>
         </p:txBody>
       </p:sp>
@@ -8231,14 +8571,14 @@
               <a:buNone/>
             </a:pPr>
             <a:r>
-              <a:rPr lang="en-US" sz="3200">
+              <a:rPr lang="en-US" sz="3200" dirty="0">
                 <a:solidFill>
                   <a:schemeClr val="accent2"/>
                 </a:solidFill>
               </a:rPr>
-              <a:t>Project Plan – Student P. Name</a:t>
+              <a:t>Project Plan</a:t>
             </a:r>
-            <a:endParaRPr/>
+            <a:endParaRPr dirty="0"/>
           </a:p>
         </p:txBody>
       </p:sp>
@@ -8271,7 +8611,7 @@
           </a:bodyPr>
           <a:lstStyle/>
           <a:p>
-            <a:pPr marL="233363" lvl="0" indent="-233363" algn="l" rtl="0">
+            <a:pPr marL="0" lvl="0" indent="0" algn="l" rtl="0">
               <a:lnSpc>
                 <a:spcPct val="90000"/>
               </a:lnSpc>
@@ -8285,22 +8625,51 @@
                 <a:schemeClr val="dk1"/>
               </a:buClr>
               <a:buSzPts val="2400"/>
-              <a:buFont typeface="Arial"/>
-              <a:buChar char="•"/>
+              <a:buNone/>
             </a:pPr>
             <a:r>
-              <a:rPr lang="en-US" sz="2400"/>
-              <a:t>Working Hypothesis or Project Objective:  </a:t>
+              <a:rPr lang="en-US" u="sng" dirty="0">
+                <a:latin typeface="Times New Roman" panose="02020603050405020304" pitchFamily="18" charset="0"/>
+                <a:cs typeface="Times New Roman" panose="02020603050405020304" pitchFamily="18" charset="0"/>
+              </a:rPr>
+              <a:t>Project Objective:</a:t>
             </a:r>
             <a:r>
-              <a:rPr lang="en-US" sz="2400">
-                <a:solidFill>
-                  <a:srgbClr val="FF0000"/>
-                </a:solidFill>
+              <a:rPr lang="en-US" sz="2400" u="sng" dirty="0">
+                <a:latin typeface="Times New Roman" panose="02020603050405020304" pitchFamily="18" charset="0"/>
+                <a:cs typeface="Times New Roman" panose="02020603050405020304" pitchFamily="18" charset="0"/>
               </a:rPr>
-              <a:t>(Insert a clear statement that identifies the hypothesis, that clarifies why you are doing what you are doing.)</a:t>
+              <a:t> </a:t>
             </a:r>
-            <a:endParaRPr/>
+          </a:p>
+          <a:p>
+            <a:pPr marL="0" lvl="0" indent="0" algn="l" rtl="0">
+              <a:lnSpc>
+                <a:spcPct val="90000"/>
+              </a:lnSpc>
+              <a:spcBef>
+                <a:spcPts val="0"/>
+              </a:spcBef>
+              <a:spcAft>
+                <a:spcPts val="0"/>
+              </a:spcAft>
+              <a:buClr>
+                <a:schemeClr val="dk1"/>
+              </a:buClr>
+              <a:buSzPts val="2400"/>
+              <a:buNone/>
+            </a:pPr>
+            <a:r>
+              <a:rPr lang="en-US" sz="2600" dirty="0">
+                <a:latin typeface="Times New Roman" panose="02020603050405020304" pitchFamily="18" charset="0"/>
+                <a:cs typeface="Times New Roman" panose="02020603050405020304" pitchFamily="18" charset="0"/>
+              </a:rPr>
+              <a:t>     - To develop a web-based application (calculator) that takes XRD data inputs from the user and outputs a table detailing the phase fractions in the material. Importantly, the calculator includes an uncertainty of the measurement which has been largely ignored in the past.</a:t>
+            </a:r>
+            <a:endParaRPr sz="2600" dirty="0">
+              <a:latin typeface="Times New Roman" panose="02020603050405020304" pitchFamily="18" charset="0"/>
+              <a:cs typeface="Times New Roman" panose="02020603050405020304" pitchFamily="18" charset="0"/>
+            </a:endParaRPr>
           </a:p>
           <a:p>
             <a:pPr marL="233363" lvl="0" indent="-80963" algn="l" rtl="0">
@@ -8320,14 +8689,14 @@
               <a:buFont typeface="Arial"/>
               <a:buNone/>
             </a:pPr>
-            <a:endParaRPr sz="2400">
+            <a:endParaRPr sz="2400" dirty="0">
               <a:solidFill>
                 <a:srgbClr val="FF0000"/>
               </a:solidFill>
             </a:endParaRPr>
           </a:p>
           <a:p>
-            <a:pPr marL="233363" lvl="0" indent="-233363" algn="l" rtl="0">
+            <a:pPr marL="0" lvl="0" indent="0" algn="l" rtl="0">
               <a:lnSpc>
                 <a:spcPct val="90000"/>
               </a:lnSpc>
@@ -8341,25 +8710,18 @@
                 <a:schemeClr val="dk1"/>
               </a:buClr>
               <a:buSzPts val="2400"/>
-              <a:buFont typeface="Arial"/>
-              <a:buChar char="•"/>
+              <a:buNone/>
             </a:pPr>
             <a:r>
-              <a:rPr lang="en-US" sz="2400"/>
-              <a:t>Expected Results:  </a:t>
+              <a:rPr lang="en-US" u="sng" dirty="0">
+                <a:latin typeface="Times New Roman" panose="02020603050405020304" pitchFamily="18" charset="0"/>
+                <a:cs typeface="Times New Roman" panose="02020603050405020304" pitchFamily="18" charset="0"/>
+              </a:rPr>
+              <a:t>Expected Results:</a:t>
             </a:r>
-            <a:r>
-              <a:rPr lang="en-US" sz="2400">
-                <a:solidFill>
-                  <a:srgbClr val="FF0000"/>
-                </a:solidFill>
-              </a:rPr>
-              <a:t>(a succinct statement of your expected results – presented in a manner to assist sponsors in assessing how they should plan to use your results.) </a:t>
-            </a:r>
-            <a:endParaRPr/>
           </a:p>
           <a:p>
-            <a:pPr marL="233363" lvl="0" indent="-80963" algn="l" rtl="0">
+            <a:pPr marL="0" lvl="0" indent="0" algn="l" rtl="0">
               <a:lnSpc>
                 <a:spcPct val="90000"/>
               </a:lnSpc>
@@ -8373,17 +8735,25 @@
                 <a:schemeClr val="dk1"/>
               </a:buClr>
               <a:buSzPts val="2400"/>
-              <a:buFont typeface="Arial"/>
               <a:buNone/>
             </a:pPr>
-            <a:endParaRPr sz="2400">
-              <a:solidFill>
-                <a:srgbClr val="FF0000"/>
-              </a:solidFill>
-            </a:endParaRPr>
+            <a:r>
+              <a:rPr lang="en-US" sz="2400" dirty="0">
+                <a:latin typeface="Times New Roman" panose="02020603050405020304" pitchFamily="18" charset="0"/>
+                <a:cs typeface="Times New Roman" panose="02020603050405020304" pitchFamily="18" charset="0"/>
+              </a:rPr>
+              <a:t>     </a:t>
+            </a:r>
+            <a:r>
+              <a:rPr lang="en-US" sz="2600" dirty="0">
+                <a:latin typeface="Times New Roman" panose="02020603050405020304" pitchFamily="18" charset="0"/>
+                <a:cs typeface="Times New Roman" panose="02020603050405020304" pitchFamily="18" charset="0"/>
+              </a:rPr>
+              <a:t>- Pre-recorded demo here?</a:t>
+            </a:r>
           </a:p>
           <a:p>
-            <a:pPr marL="233363" lvl="0" indent="-233363" algn="l" rtl="0">
+            <a:pPr marL="0" lvl="0" indent="0" algn="l" rtl="0">
               <a:lnSpc>
                 <a:spcPct val="90000"/>
               </a:lnSpc>
@@ -8397,39 +8767,17 @@
                 <a:schemeClr val="dk1"/>
               </a:buClr>
               <a:buSzPts val="2400"/>
-              <a:buFont typeface="Arial"/>
-              <a:buChar char="•"/>
+              <a:buNone/>
             </a:pPr>
             <a:r>
-              <a:rPr lang="en-US" sz="2400"/>
-              <a:t>Project Scope:  </a:t>
+              <a:rPr lang="en-US" sz="1800" dirty="0">
+                <a:solidFill>
+                  <a:srgbClr val="FF0000"/>
+                </a:solidFill>
+              </a:rPr>
+              <a:t>(a succinct statement of your expected results – presented in a manner to assist sponsors in assessing how they should plan to use your results.)</a:t>
             </a:r>
-            <a:r>
-              <a:rPr lang="en-US" sz="2400">
-                <a:solidFill>
-                  <a:srgbClr val="FF0000"/>
-                </a:solidFill>
-              </a:rPr>
-              <a:t>(a clear statement of the scope of your program that clarifies what you are doing and how you are doing it – if necessary the scope could be on a separate page)</a:t>
-            </a:r>
-            <a:endParaRPr/>
-          </a:p>
-          <a:p>
-            <a:pPr marL="233363" lvl="0" indent="-80963" algn="l" rtl="0">
-              <a:spcBef>
-                <a:spcPts val="480"/>
-              </a:spcBef>
-              <a:spcAft>
-                <a:spcPts val="0"/>
-              </a:spcAft>
-              <a:buClr>
-                <a:schemeClr val="dk1"/>
-              </a:buClr>
-              <a:buSzPts val="2400"/>
-              <a:buFont typeface="Arial"/>
-              <a:buNone/>
-            </a:pPr>
-            <a:endParaRPr sz="2400"/>
+            <a:endParaRPr sz="1800" dirty="0"/>
           </a:p>
         </p:txBody>
       </p:sp>
@@ -8488,6 +8836,847 @@
 </file>
 
 <file path=ppt/slides/slide5.xml><?xml version="1.0" encoding="utf-8"?>
+<p:sld xmlns:a="http://schemas.openxmlformats.org/drawingml/2006/main" xmlns:r="http://schemas.openxmlformats.org/officeDocument/2006/relationships" xmlns:p="http://schemas.openxmlformats.org/presentationml/2006/main">
+  <p:cSld>
+    <p:spTree>
+      <p:nvGrpSpPr>
+        <p:cNvPr id="1" name=""/>
+        <p:cNvGrpSpPr/>
+        <p:nvPr/>
+      </p:nvGrpSpPr>
+      <p:grpSpPr>
+        <a:xfrm>
+          <a:off x="0" y="0"/>
+          <a:ext cx="0" cy="0"/>
+          <a:chOff x="0" y="0"/>
+          <a:chExt cx="0" cy="0"/>
+        </a:xfrm>
+      </p:grpSpPr>
+      <p:sp>
+        <p:nvSpPr>
+          <p:cNvPr id="2" name="Title 1">
+            <a:extLst>
+              <a:ext uri="{FF2B5EF4-FFF2-40B4-BE49-F238E27FC236}">
+                <a16:creationId xmlns:a16="http://schemas.microsoft.com/office/drawing/2014/main" id="{51304626-F93A-49DC-A77A-C6CE0621C546}"/>
+              </a:ext>
+            </a:extLst>
+          </p:cNvPr>
+          <p:cNvSpPr>
+            <a:spLocks noGrp="1"/>
+          </p:cNvSpPr>
+          <p:nvPr>
+            <p:ph type="title"/>
+          </p:nvPr>
+        </p:nvSpPr>
+        <p:spPr/>
+        <p:txBody>
+          <a:bodyPr/>
+          <a:lstStyle/>
+          <a:p>
+            <a:r>
+              <a:rPr lang="en-US" dirty="0"/>
+              <a:t>Project Plan Cont.</a:t>
+            </a:r>
+          </a:p>
+        </p:txBody>
+      </p:sp>
+      <p:sp>
+        <p:nvSpPr>
+          <p:cNvPr id="3" name="Text Placeholder 2">
+            <a:extLst>
+              <a:ext uri="{FF2B5EF4-FFF2-40B4-BE49-F238E27FC236}">
+                <a16:creationId xmlns:a16="http://schemas.microsoft.com/office/drawing/2014/main" id="{99D7FEFC-D875-4F20-8E3B-41F8E91B5D22}"/>
+              </a:ext>
+            </a:extLst>
+          </p:cNvPr>
+          <p:cNvSpPr>
+            <a:spLocks noGrp="1"/>
+          </p:cNvSpPr>
+          <p:nvPr>
+            <p:ph type="body" idx="1"/>
+          </p:nvPr>
+        </p:nvSpPr>
+        <p:spPr/>
+        <p:txBody>
+          <a:bodyPr/>
+          <a:lstStyle/>
+          <a:p>
+            <a:pPr marL="114300" indent="0">
+              <a:buNone/>
+            </a:pPr>
+            <a:r>
+              <a:rPr lang="en-US" sz="2800" u="sng" dirty="0">
+                <a:solidFill>
+                  <a:schemeClr val="tx1"/>
+                </a:solidFill>
+                <a:latin typeface="Times New Roman" panose="02020603050405020304" pitchFamily="18" charset="0"/>
+                <a:cs typeface="Times New Roman" panose="02020603050405020304" pitchFamily="18" charset="0"/>
+              </a:rPr>
+              <a:t>Project Scope</a:t>
+            </a:r>
+            <a:r>
+              <a:rPr lang="en-US" sz="2800" dirty="0">
+                <a:solidFill>
+                  <a:schemeClr val="tx1"/>
+                </a:solidFill>
+                <a:latin typeface="Times New Roman" panose="02020603050405020304" pitchFamily="18" charset="0"/>
+                <a:cs typeface="Times New Roman" panose="02020603050405020304" pitchFamily="18" charset="0"/>
+              </a:rPr>
+              <a:t>:</a:t>
+            </a:r>
+            <a:r>
+              <a:rPr lang="en-US" dirty="0">
+                <a:solidFill>
+                  <a:srgbClr val="FF0000"/>
+                </a:solidFill>
+                <a:latin typeface="Times New Roman" panose="02020603050405020304" pitchFamily="18" charset="0"/>
+                <a:cs typeface="Times New Roman" panose="02020603050405020304" pitchFamily="18" charset="0"/>
+              </a:rPr>
+              <a:t> </a:t>
+            </a:r>
+            <a:r>
+              <a:rPr lang="en-US" sz="1800" dirty="0">
+                <a:solidFill>
+                  <a:schemeClr val="tx1"/>
+                </a:solidFill>
+                <a:latin typeface="Times New Roman" panose="02020603050405020304" pitchFamily="18" charset="0"/>
+                <a:cs typeface="Times New Roman" panose="02020603050405020304" pitchFamily="18" charset="0"/>
+              </a:rPr>
+              <a:t>(Read over for correctness of content not actual presentation format)</a:t>
+            </a:r>
+            <a:endParaRPr lang="en-US" sz="1800" u="sng" dirty="0">
+              <a:solidFill>
+                <a:schemeClr val="tx1"/>
+              </a:solidFill>
+              <a:latin typeface="Times New Roman" panose="02020603050405020304" pitchFamily="18" charset="0"/>
+              <a:cs typeface="Times New Roman" panose="02020603050405020304" pitchFamily="18" charset="0"/>
+            </a:endParaRPr>
+          </a:p>
+          <a:p>
+            <a:pPr marL="114300" indent="0">
+              <a:buNone/>
+            </a:pPr>
+            <a:r>
+              <a:rPr lang="en-US" sz="2600" dirty="0">
+                <a:solidFill>
+                  <a:srgbClr val="FF0000"/>
+                </a:solidFill>
+                <a:latin typeface="Times New Roman" panose="02020603050405020304" pitchFamily="18" charset="0"/>
+                <a:cs typeface="Times New Roman" panose="02020603050405020304" pitchFamily="18" charset="0"/>
+              </a:rPr>
+              <a:t>     </a:t>
+            </a:r>
+            <a:r>
+              <a:rPr lang="en-US" sz="2400" dirty="0">
+                <a:solidFill>
+                  <a:schemeClr val="tx1"/>
+                </a:solidFill>
+                <a:latin typeface="Times New Roman" panose="02020603050405020304" pitchFamily="18" charset="0"/>
+                <a:cs typeface="Times New Roman" panose="02020603050405020304" pitchFamily="18" charset="0"/>
+              </a:rPr>
+              <a:t>- The calculator is a python-based application which leverages the GSAS II code base to calculate the fractions of the phases contained in the sample. It does this by taking a standard XRD data file along with specific instrument parameters, and automatically fitting the Intensity vs 2</a:t>
+            </a:r>
+            <a:r>
+              <a:rPr lang="el-GR" sz="2400" dirty="0">
+                <a:solidFill>
+                  <a:schemeClr val="tx1"/>
+                </a:solidFill>
+                <a:latin typeface="Times New Roman" panose="02020603050405020304" pitchFamily="18" charset="0"/>
+                <a:cs typeface="Times New Roman" panose="02020603050405020304" pitchFamily="18" charset="0"/>
+              </a:rPr>
+              <a:t>θ</a:t>
+            </a:r>
+            <a:r>
+              <a:rPr lang="en-US" sz="2400" dirty="0">
+                <a:solidFill>
+                  <a:schemeClr val="tx1"/>
+                </a:solidFill>
+                <a:latin typeface="Times New Roman" panose="02020603050405020304" pitchFamily="18" charset="0"/>
+                <a:cs typeface="Times New Roman" panose="02020603050405020304" pitchFamily="18" charset="0"/>
+              </a:rPr>
+              <a:t> plot.</a:t>
+            </a:r>
+          </a:p>
+          <a:p>
+            <a:pPr marL="114300" indent="0">
+              <a:buNone/>
+            </a:pPr>
+            <a:r>
+              <a:rPr lang="en-US" sz="2400" dirty="0">
+                <a:solidFill>
+                  <a:schemeClr val="tx1"/>
+                </a:solidFill>
+                <a:latin typeface="Times New Roman" panose="02020603050405020304" pitchFamily="18" charset="0"/>
+                <a:cs typeface="Times New Roman" panose="02020603050405020304" pitchFamily="18" charset="0"/>
+              </a:rPr>
+              <a:t>     - In order to find the phase fractions, a theoretical intensity of each phase is generated and then compared to the experimental data. This method is further described in the following slides.</a:t>
+            </a:r>
+            <a:endParaRPr lang="en-US" sz="2400" dirty="0">
+              <a:solidFill>
+                <a:schemeClr val="tx1"/>
+              </a:solidFill>
+            </a:endParaRPr>
+          </a:p>
+          <a:p>
+            <a:r>
+              <a:rPr lang="en-US" sz="1800" dirty="0">
+                <a:solidFill>
+                  <a:srgbClr val="FF0000"/>
+                </a:solidFill>
+              </a:rPr>
+              <a:t>(a clear statement of the scope of your program that clarifies what you are doing and how you are doing it – if necessary, the scope could be on a separate page)</a:t>
+            </a:r>
+            <a:endParaRPr lang="en-US" sz="1800" dirty="0"/>
+          </a:p>
+          <a:p>
+            <a:endParaRPr lang="en-US" dirty="0"/>
+          </a:p>
+        </p:txBody>
+      </p:sp>
+      <p:sp>
+        <p:nvSpPr>
+          <p:cNvPr id="4" name="Slide Number Placeholder 3">
+            <a:extLst>
+              <a:ext uri="{FF2B5EF4-FFF2-40B4-BE49-F238E27FC236}">
+                <a16:creationId xmlns:a16="http://schemas.microsoft.com/office/drawing/2014/main" id="{68AEBA0D-17C3-4122-8FE1-5481D255FC1B}"/>
+              </a:ext>
+            </a:extLst>
+          </p:cNvPr>
+          <p:cNvSpPr>
+            <a:spLocks noGrp="1"/>
+          </p:cNvSpPr>
+          <p:nvPr>
+            <p:ph type="sldNum" idx="12"/>
+          </p:nvPr>
+        </p:nvSpPr>
+        <p:spPr/>
+        <p:txBody>
+          <a:bodyPr/>
+          <a:lstStyle/>
+          <a:p>
+            <a:pPr marL="0" lvl="0" indent="0" algn="r" rtl="0">
+              <a:spcBef>
+                <a:spcPts val="0"/>
+              </a:spcBef>
+              <a:spcAft>
+                <a:spcPts val="0"/>
+              </a:spcAft>
+              <a:buNone/>
+            </a:pPr>
+            <a:fld id="{00000000-1234-1234-1234-123412341234}" type="slidenum">
+              <a:rPr lang="en-US" smtClean="0"/>
+              <a:t>5</a:t>
+            </a:fld>
+            <a:endParaRPr lang="en-US"/>
+          </a:p>
+        </p:txBody>
+      </p:sp>
+    </p:spTree>
+    <p:extLst>
+      <p:ext uri="{BB962C8B-B14F-4D97-AF65-F5344CB8AC3E}">
+        <p14:creationId xmlns:p14="http://schemas.microsoft.com/office/powerpoint/2010/main" val="317140377"/>
+      </p:ext>
+    </p:extLst>
+  </p:cSld>
+  <p:clrMapOvr>
+    <a:masterClrMapping/>
+  </p:clrMapOvr>
+</p:sld>
+</file>
+
+<file path=ppt/slides/slide6.xml><?xml version="1.0" encoding="utf-8"?>
+<p:sld xmlns:a="http://schemas.openxmlformats.org/drawingml/2006/main" xmlns:r="http://schemas.openxmlformats.org/officeDocument/2006/relationships" xmlns:p="http://schemas.openxmlformats.org/presentationml/2006/main">
+  <p:cSld>
+    <p:spTree>
+      <p:nvGrpSpPr>
+        <p:cNvPr id="1" name=""/>
+        <p:cNvGrpSpPr/>
+        <p:nvPr/>
+      </p:nvGrpSpPr>
+      <p:grpSpPr>
+        <a:xfrm>
+          <a:off x="0" y="0"/>
+          <a:ext cx="0" cy="0"/>
+          <a:chOff x="0" y="0"/>
+          <a:chExt cx="0" cy="0"/>
+        </a:xfrm>
+      </p:grpSpPr>
+      <p:sp>
+        <p:nvSpPr>
+          <p:cNvPr id="2" name="Title 1">
+            <a:extLst>
+              <a:ext uri="{FF2B5EF4-FFF2-40B4-BE49-F238E27FC236}">
+                <a16:creationId xmlns:a16="http://schemas.microsoft.com/office/drawing/2014/main" id="{51304626-F93A-49DC-A77A-C6CE0621C546}"/>
+              </a:ext>
+            </a:extLst>
+          </p:cNvPr>
+          <p:cNvSpPr>
+            <a:spLocks noGrp="1"/>
+          </p:cNvSpPr>
+          <p:nvPr>
+            <p:ph type="title"/>
+          </p:nvPr>
+        </p:nvSpPr>
+        <p:spPr/>
+        <p:txBody>
+          <a:bodyPr/>
+          <a:lstStyle/>
+          <a:p>
+            <a:r>
+              <a:rPr lang="en-US" dirty="0"/>
+              <a:t>Project Plan Cont.</a:t>
+            </a:r>
+          </a:p>
+        </p:txBody>
+      </p:sp>
+      <p:sp>
+        <p:nvSpPr>
+          <p:cNvPr id="3" name="Text Placeholder 2">
+            <a:extLst>
+              <a:ext uri="{FF2B5EF4-FFF2-40B4-BE49-F238E27FC236}">
+                <a16:creationId xmlns:a16="http://schemas.microsoft.com/office/drawing/2014/main" id="{99D7FEFC-D875-4F20-8E3B-41F8E91B5D22}"/>
+              </a:ext>
+            </a:extLst>
+          </p:cNvPr>
+          <p:cNvSpPr>
+            <a:spLocks noGrp="1"/>
+          </p:cNvSpPr>
+          <p:nvPr>
+            <p:ph type="body" idx="1"/>
+          </p:nvPr>
+        </p:nvSpPr>
+        <p:spPr>
+          <a:xfrm>
+            <a:off x="274636" y="1201035"/>
+            <a:ext cx="8594725" cy="5395562"/>
+          </a:xfrm>
+        </p:spPr>
+        <p:txBody>
+          <a:bodyPr/>
+          <a:lstStyle/>
+          <a:p>
+            <a:pPr marL="114300" indent="0">
+              <a:buNone/>
+            </a:pPr>
+            <a:r>
+              <a:rPr lang="en-US" sz="2800" u="sng" dirty="0">
+                <a:solidFill>
+                  <a:schemeClr val="tx1"/>
+                </a:solidFill>
+                <a:latin typeface="Times New Roman" panose="02020603050405020304" pitchFamily="18" charset="0"/>
+                <a:cs typeface="Times New Roman" panose="02020603050405020304" pitchFamily="18" charset="0"/>
+              </a:rPr>
+              <a:t>Project Scope</a:t>
+            </a:r>
+            <a:r>
+              <a:rPr lang="en-US" sz="2800" dirty="0">
+                <a:solidFill>
+                  <a:schemeClr val="tx1"/>
+                </a:solidFill>
+                <a:latin typeface="Times New Roman" panose="02020603050405020304" pitchFamily="18" charset="0"/>
+                <a:cs typeface="Times New Roman" panose="02020603050405020304" pitchFamily="18" charset="0"/>
+              </a:rPr>
+              <a:t>:</a:t>
+            </a:r>
+            <a:endParaRPr lang="en-US" sz="1800" u="sng" dirty="0">
+              <a:solidFill>
+                <a:schemeClr val="tx1"/>
+              </a:solidFill>
+              <a:latin typeface="Times New Roman" panose="02020603050405020304" pitchFamily="18" charset="0"/>
+              <a:cs typeface="Times New Roman" panose="02020603050405020304" pitchFamily="18" charset="0"/>
+            </a:endParaRPr>
+          </a:p>
+          <a:p>
+            <a:pPr marL="114300" indent="0">
+              <a:buNone/>
+            </a:pPr>
+            <a:r>
+              <a:rPr lang="en-US" sz="2600" dirty="0">
+                <a:solidFill>
+                  <a:srgbClr val="FF0000"/>
+                </a:solidFill>
+                <a:latin typeface="Times New Roman" panose="02020603050405020304" pitchFamily="18" charset="0"/>
+                <a:cs typeface="Times New Roman" panose="02020603050405020304" pitchFamily="18" charset="0"/>
+              </a:rPr>
+              <a:t>     </a:t>
+            </a:r>
+            <a:r>
+              <a:rPr lang="en-US" sz="2400" dirty="0">
+                <a:solidFill>
+                  <a:schemeClr val="tx1"/>
+                </a:solidFill>
+                <a:latin typeface="Times New Roman" panose="02020603050405020304" pitchFamily="18" charset="0"/>
+                <a:cs typeface="Times New Roman" panose="02020603050405020304" pitchFamily="18" charset="0"/>
+              </a:rPr>
+              <a:t>- An input of XRD data is placed into the python-based application. Using calculated theoretical intensity values of each phase present and comparing that to the empirical data, the phase fraction in the material can be found.</a:t>
+            </a:r>
+          </a:p>
+        </p:txBody>
+      </p:sp>
+      <p:sp>
+        <p:nvSpPr>
+          <p:cNvPr id="4" name="Slide Number Placeholder 3">
+            <a:extLst>
+              <a:ext uri="{FF2B5EF4-FFF2-40B4-BE49-F238E27FC236}">
+                <a16:creationId xmlns:a16="http://schemas.microsoft.com/office/drawing/2014/main" id="{68AEBA0D-17C3-4122-8FE1-5481D255FC1B}"/>
+              </a:ext>
+            </a:extLst>
+          </p:cNvPr>
+          <p:cNvSpPr>
+            <a:spLocks noGrp="1"/>
+          </p:cNvSpPr>
+          <p:nvPr>
+            <p:ph type="sldNum" idx="12"/>
+          </p:nvPr>
+        </p:nvSpPr>
+        <p:spPr/>
+        <p:txBody>
+          <a:bodyPr/>
+          <a:lstStyle/>
+          <a:p>
+            <a:pPr marL="0" lvl="0" indent="0" algn="r" rtl="0">
+              <a:spcBef>
+                <a:spcPts val="0"/>
+              </a:spcBef>
+              <a:spcAft>
+                <a:spcPts val="0"/>
+              </a:spcAft>
+              <a:buNone/>
+            </a:pPr>
+            <a:fld id="{00000000-1234-1234-1234-123412341234}" type="slidenum">
+              <a:rPr lang="en-US" smtClean="0"/>
+              <a:t>6</a:t>
+            </a:fld>
+            <a:endParaRPr lang="en-US"/>
+          </a:p>
+        </p:txBody>
+      </p:sp>
+      <p:sp>
+        <p:nvSpPr>
+          <p:cNvPr id="6" name="Rectangle: Diagonal Corners Rounded 5">
+            <a:extLst>
+              <a:ext uri="{FF2B5EF4-FFF2-40B4-BE49-F238E27FC236}">
+                <a16:creationId xmlns:a16="http://schemas.microsoft.com/office/drawing/2014/main" id="{F7D4DA30-9B4C-4EE5-93C3-CCF0CFD0A67C}"/>
+              </a:ext>
+            </a:extLst>
+          </p:cNvPr>
+          <p:cNvSpPr/>
+          <p:nvPr/>
+        </p:nvSpPr>
+        <p:spPr>
+          <a:xfrm>
+            <a:off x="2979505" y="3893906"/>
+            <a:ext cx="3184989" cy="1913169"/>
+          </a:xfrm>
+          <a:prstGeom prst="round2DiagRect">
+            <a:avLst/>
+          </a:prstGeom>
+          <a:solidFill>
+            <a:schemeClr val="accent6">
+              <a:lumMod val="20000"/>
+              <a:lumOff val="80000"/>
+            </a:schemeClr>
+          </a:solidFill>
+          <a:ln w="38100">
+            <a:solidFill>
+              <a:schemeClr val="tx1"/>
+            </a:solidFill>
+          </a:ln>
+        </p:spPr>
+        <p:style>
+          <a:lnRef idx="2">
+            <a:schemeClr val="accent1">
+              <a:shade val="50000"/>
+            </a:schemeClr>
+          </a:lnRef>
+          <a:fillRef idx="1">
+            <a:schemeClr val="accent1"/>
+          </a:fillRef>
+          <a:effectRef idx="0">
+            <a:schemeClr val="accent1"/>
+          </a:effectRef>
+          <a:fontRef idx="minor">
+            <a:schemeClr val="lt1"/>
+          </a:fontRef>
+        </p:style>
+        <p:txBody>
+          <a:bodyPr rtlCol="0" anchor="ctr"/>
+          <a:lstStyle/>
+          <a:p>
+            <a:pPr algn="ctr"/>
+            <a:endParaRPr lang="en-US"/>
+          </a:p>
+        </p:txBody>
+      </p:sp>
+      <p:cxnSp>
+        <p:nvCxnSpPr>
+          <p:cNvPr id="7" name="Straight Arrow Connector 6">
+            <a:extLst>
+              <a:ext uri="{FF2B5EF4-FFF2-40B4-BE49-F238E27FC236}">
+                <a16:creationId xmlns:a16="http://schemas.microsoft.com/office/drawing/2014/main" id="{4DBBC616-6D68-4524-B6A3-D9F19CEA8E05}"/>
+              </a:ext>
+            </a:extLst>
+          </p:cNvPr>
+          <p:cNvCxnSpPr>
+            <a:cxnSpLocks/>
+          </p:cNvCxnSpPr>
+          <p:nvPr/>
+        </p:nvCxnSpPr>
+        <p:spPr>
+          <a:xfrm>
+            <a:off x="842481" y="5455573"/>
+            <a:ext cx="2044556" cy="0"/>
+          </a:xfrm>
+          <a:prstGeom prst="straightConnector1">
+            <a:avLst/>
+          </a:prstGeom>
+          <a:ln w="76200">
+            <a:tailEnd type="triangle"/>
+          </a:ln>
+        </p:spPr>
+        <p:style>
+          <a:lnRef idx="1">
+            <a:schemeClr val="dk1"/>
+          </a:lnRef>
+          <a:fillRef idx="0">
+            <a:schemeClr val="dk1"/>
+          </a:fillRef>
+          <a:effectRef idx="0">
+            <a:schemeClr val="dk1"/>
+          </a:effectRef>
+          <a:fontRef idx="minor">
+            <a:schemeClr val="tx1"/>
+          </a:fontRef>
+        </p:style>
+      </p:cxnSp>
+      <p:cxnSp>
+        <p:nvCxnSpPr>
+          <p:cNvPr id="8" name="Straight Arrow Connector 7">
+            <a:extLst>
+              <a:ext uri="{FF2B5EF4-FFF2-40B4-BE49-F238E27FC236}">
+                <a16:creationId xmlns:a16="http://schemas.microsoft.com/office/drawing/2014/main" id="{228A23D3-1DDA-4871-97CE-4975B48865AE}"/>
+              </a:ext>
+            </a:extLst>
+          </p:cNvPr>
+          <p:cNvCxnSpPr>
+            <a:cxnSpLocks/>
+          </p:cNvCxnSpPr>
+          <p:nvPr/>
+        </p:nvCxnSpPr>
+        <p:spPr>
+          <a:xfrm>
+            <a:off x="842481" y="4479529"/>
+            <a:ext cx="2044556" cy="0"/>
+          </a:xfrm>
+          <a:prstGeom prst="straightConnector1">
+            <a:avLst/>
+          </a:prstGeom>
+          <a:ln w="76200">
+            <a:tailEnd type="triangle"/>
+          </a:ln>
+        </p:spPr>
+        <p:style>
+          <a:lnRef idx="1">
+            <a:schemeClr val="dk1"/>
+          </a:lnRef>
+          <a:fillRef idx="0">
+            <a:schemeClr val="dk1"/>
+          </a:fillRef>
+          <a:effectRef idx="0">
+            <a:schemeClr val="dk1"/>
+          </a:effectRef>
+          <a:fontRef idx="minor">
+            <a:schemeClr val="tx1"/>
+          </a:fontRef>
+        </p:style>
+      </p:cxnSp>
+      <p:cxnSp>
+        <p:nvCxnSpPr>
+          <p:cNvPr id="9" name="Straight Arrow Connector 8">
+            <a:extLst>
+              <a:ext uri="{FF2B5EF4-FFF2-40B4-BE49-F238E27FC236}">
+                <a16:creationId xmlns:a16="http://schemas.microsoft.com/office/drawing/2014/main" id="{3F823461-E5BF-4449-8303-5CFDCDEAFDAD}"/>
+              </a:ext>
+            </a:extLst>
+          </p:cNvPr>
+          <p:cNvCxnSpPr>
+            <a:cxnSpLocks/>
+          </p:cNvCxnSpPr>
+          <p:nvPr/>
+        </p:nvCxnSpPr>
+        <p:spPr>
+          <a:xfrm>
+            <a:off x="6268610" y="4448703"/>
+            <a:ext cx="1868523" cy="0"/>
+          </a:xfrm>
+          <a:prstGeom prst="straightConnector1">
+            <a:avLst/>
+          </a:prstGeom>
+          <a:ln w="76200">
+            <a:tailEnd type="triangle"/>
+          </a:ln>
+        </p:spPr>
+        <p:style>
+          <a:lnRef idx="1">
+            <a:schemeClr val="dk1"/>
+          </a:lnRef>
+          <a:fillRef idx="0">
+            <a:schemeClr val="dk1"/>
+          </a:fillRef>
+          <a:effectRef idx="0">
+            <a:schemeClr val="dk1"/>
+          </a:effectRef>
+          <a:fontRef idx="minor">
+            <a:schemeClr val="tx1"/>
+          </a:fontRef>
+        </p:style>
+      </p:cxnSp>
+      <p:cxnSp>
+        <p:nvCxnSpPr>
+          <p:cNvPr id="11" name="Straight Arrow Connector 10">
+            <a:extLst>
+              <a:ext uri="{FF2B5EF4-FFF2-40B4-BE49-F238E27FC236}">
+                <a16:creationId xmlns:a16="http://schemas.microsoft.com/office/drawing/2014/main" id="{7A84FE1C-0729-4075-B5DE-D9FBEBECC907}"/>
+              </a:ext>
+            </a:extLst>
+          </p:cNvPr>
+          <p:cNvCxnSpPr>
+            <a:cxnSpLocks/>
+          </p:cNvCxnSpPr>
+          <p:nvPr/>
+        </p:nvCxnSpPr>
+        <p:spPr>
+          <a:xfrm>
+            <a:off x="6268610" y="5455573"/>
+            <a:ext cx="1868523" cy="0"/>
+          </a:xfrm>
+          <a:prstGeom prst="straightConnector1">
+            <a:avLst/>
+          </a:prstGeom>
+          <a:ln w="76200">
+            <a:tailEnd type="triangle"/>
+          </a:ln>
+        </p:spPr>
+        <p:style>
+          <a:lnRef idx="1">
+            <a:schemeClr val="dk1"/>
+          </a:lnRef>
+          <a:fillRef idx="0">
+            <a:schemeClr val="dk1"/>
+          </a:fillRef>
+          <a:effectRef idx="0">
+            <a:schemeClr val="dk1"/>
+          </a:effectRef>
+          <a:fontRef idx="minor">
+            <a:schemeClr val="tx1"/>
+          </a:fontRef>
+        </p:style>
+      </p:cxnSp>
+      <p:sp>
+        <p:nvSpPr>
+          <p:cNvPr id="15" name="TextBox 14">
+            <a:extLst>
+              <a:ext uri="{FF2B5EF4-FFF2-40B4-BE49-F238E27FC236}">
+                <a16:creationId xmlns:a16="http://schemas.microsoft.com/office/drawing/2014/main" id="{E7FB1AE9-29BB-4DB8-AC31-F88658AD75E7}"/>
+              </a:ext>
+            </a:extLst>
+          </p:cNvPr>
+          <p:cNvSpPr txBox="1"/>
+          <p:nvPr/>
+        </p:nvSpPr>
+        <p:spPr>
+          <a:xfrm>
+            <a:off x="3092519" y="4558102"/>
+            <a:ext cx="2958958" cy="584775"/>
+          </a:xfrm>
+          <a:prstGeom prst="rect">
+            <a:avLst/>
+          </a:prstGeom>
+          <a:noFill/>
+        </p:spPr>
+        <p:txBody>
+          <a:bodyPr wrap="square" rtlCol="0">
+            <a:spAutoFit/>
+          </a:bodyPr>
+          <a:lstStyle/>
+          <a:p>
+            <a:pPr algn="ctr"/>
+            <a:r>
+              <a:rPr lang="en-US" sz="3200" dirty="0">
+                <a:latin typeface="Times New Roman" panose="02020603050405020304" pitchFamily="18" charset="0"/>
+                <a:cs typeface="Times New Roman" panose="02020603050405020304" pitchFamily="18" charset="0"/>
+              </a:rPr>
+              <a:t>Calculator</a:t>
+            </a:r>
+          </a:p>
+        </p:txBody>
+      </p:sp>
+      <p:sp>
+        <p:nvSpPr>
+          <p:cNvPr id="16" name="TextBox 15">
+            <a:extLst>
+              <a:ext uri="{FF2B5EF4-FFF2-40B4-BE49-F238E27FC236}">
+                <a16:creationId xmlns:a16="http://schemas.microsoft.com/office/drawing/2014/main" id="{64F1D778-28A1-4B5B-AA13-604534E7E2D1}"/>
+              </a:ext>
+            </a:extLst>
+          </p:cNvPr>
+          <p:cNvSpPr txBox="1"/>
+          <p:nvPr/>
+        </p:nvSpPr>
+        <p:spPr>
+          <a:xfrm>
+            <a:off x="821933" y="4017864"/>
+            <a:ext cx="2044556" cy="461665"/>
+          </a:xfrm>
+          <a:prstGeom prst="rect">
+            <a:avLst/>
+          </a:prstGeom>
+          <a:noFill/>
+        </p:spPr>
+        <p:txBody>
+          <a:bodyPr wrap="square" rtlCol="0">
+            <a:spAutoFit/>
+          </a:bodyPr>
+          <a:lstStyle/>
+          <a:p>
+            <a:r>
+              <a:rPr lang="en-US" sz="2400" dirty="0">
+                <a:latin typeface="Times New Roman" panose="02020603050405020304" pitchFamily="18" charset="0"/>
+                <a:cs typeface="Times New Roman" panose="02020603050405020304" pitchFamily="18" charset="0"/>
+              </a:rPr>
+              <a:t>XRD Data</a:t>
+            </a:r>
+          </a:p>
+        </p:txBody>
+      </p:sp>
+      <p:sp>
+        <p:nvSpPr>
+          <p:cNvPr id="17" name="TextBox 16">
+            <a:extLst>
+              <a:ext uri="{FF2B5EF4-FFF2-40B4-BE49-F238E27FC236}">
+                <a16:creationId xmlns:a16="http://schemas.microsoft.com/office/drawing/2014/main" id="{FA05A33A-BAA1-4D41-9523-C1C5CF12EDBA}"/>
+              </a:ext>
+            </a:extLst>
+          </p:cNvPr>
+          <p:cNvSpPr txBox="1"/>
+          <p:nvPr/>
+        </p:nvSpPr>
+        <p:spPr>
+          <a:xfrm>
+            <a:off x="821933" y="4624576"/>
+            <a:ext cx="2044556" cy="830997"/>
+          </a:xfrm>
+          <a:prstGeom prst="rect">
+            <a:avLst/>
+          </a:prstGeom>
+          <a:noFill/>
+        </p:spPr>
+        <p:txBody>
+          <a:bodyPr wrap="square" rtlCol="0">
+            <a:spAutoFit/>
+          </a:bodyPr>
+          <a:lstStyle/>
+          <a:p>
+            <a:r>
+              <a:rPr lang="en-US" sz="2400" dirty="0">
+                <a:latin typeface="Times New Roman" panose="02020603050405020304" pitchFamily="18" charset="0"/>
+                <a:cs typeface="Times New Roman" panose="02020603050405020304" pitchFamily="18" charset="0"/>
+              </a:rPr>
+              <a:t>Instrument Parameters</a:t>
+            </a:r>
+          </a:p>
+        </p:txBody>
+      </p:sp>
+      <p:sp>
+        <p:nvSpPr>
+          <p:cNvPr id="18" name="TextBox 17">
+            <a:extLst>
+              <a:ext uri="{FF2B5EF4-FFF2-40B4-BE49-F238E27FC236}">
+                <a16:creationId xmlns:a16="http://schemas.microsoft.com/office/drawing/2014/main" id="{1F38C439-5098-49BE-BE4A-198A38D24513}"/>
+              </a:ext>
+            </a:extLst>
+          </p:cNvPr>
+          <p:cNvSpPr txBox="1"/>
+          <p:nvPr/>
+        </p:nvSpPr>
+        <p:spPr>
+          <a:xfrm>
+            <a:off x="6215867" y="4624676"/>
+            <a:ext cx="2044556" cy="830997"/>
+          </a:xfrm>
+          <a:prstGeom prst="rect">
+            <a:avLst/>
+          </a:prstGeom>
+          <a:noFill/>
+        </p:spPr>
+        <p:txBody>
+          <a:bodyPr wrap="square" rtlCol="0">
+            <a:spAutoFit/>
+          </a:bodyPr>
+          <a:lstStyle/>
+          <a:p>
+            <a:r>
+              <a:rPr lang="en-US" sz="2400" dirty="0">
+                <a:latin typeface="Times New Roman" panose="02020603050405020304" pitchFamily="18" charset="0"/>
+                <a:cs typeface="Times New Roman" panose="02020603050405020304" pitchFamily="18" charset="0"/>
+              </a:rPr>
+              <a:t>Phase Fractions</a:t>
+            </a:r>
+          </a:p>
+        </p:txBody>
+      </p:sp>
+      <p:sp>
+        <p:nvSpPr>
+          <p:cNvPr id="19" name="TextBox 18">
+            <a:extLst>
+              <a:ext uri="{FF2B5EF4-FFF2-40B4-BE49-F238E27FC236}">
+                <a16:creationId xmlns:a16="http://schemas.microsoft.com/office/drawing/2014/main" id="{707EE36B-ECD5-4F00-9CD4-F5C908B4A90F}"/>
+              </a:ext>
+            </a:extLst>
+          </p:cNvPr>
+          <p:cNvSpPr txBox="1"/>
+          <p:nvPr/>
+        </p:nvSpPr>
+        <p:spPr>
+          <a:xfrm>
+            <a:off x="6215867" y="3984449"/>
+            <a:ext cx="2044556" cy="461665"/>
+          </a:xfrm>
+          <a:prstGeom prst="rect">
+            <a:avLst/>
+          </a:prstGeom>
+          <a:noFill/>
+        </p:spPr>
+        <p:txBody>
+          <a:bodyPr wrap="square" rtlCol="0">
+            <a:spAutoFit/>
+          </a:bodyPr>
+          <a:lstStyle/>
+          <a:p>
+            <a:r>
+              <a:rPr lang="en-US" sz="2400" dirty="0">
+                <a:latin typeface="Times New Roman" panose="02020603050405020304" pitchFamily="18" charset="0"/>
+                <a:cs typeface="Times New Roman" panose="02020603050405020304" pitchFamily="18" charset="0"/>
+              </a:rPr>
+              <a:t>Uncertainty </a:t>
+            </a:r>
+          </a:p>
+        </p:txBody>
+      </p:sp>
+    </p:spTree>
+    <p:extLst>
+      <p:ext uri="{BB962C8B-B14F-4D97-AF65-F5344CB8AC3E}">
+        <p14:creationId xmlns:p14="http://schemas.microsoft.com/office/powerpoint/2010/main" val="3772180550"/>
+      </p:ext>
+    </p:extLst>
+  </p:cSld>
+  <p:clrMapOvr>
+    <a:masterClrMapping/>
+  </p:clrMapOvr>
+</p:sld>
+</file>
+
+<file path=ppt/slides/slide7.xml><?xml version="1.0" encoding="utf-8"?>
 <p:sld xmlns:a="http://schemas.openxmlformats.org/drawingml/2006/main" xmlns:r="http://schemas.openxmlformats.org/officeDocument/2006/relationships" xmlns:p="http://schemas.openxmlformats.org/presentationml/2006/main">
   <p:cSld>
     <p:spTree>
@@ -8543,14 +9732,14 @@
               <a:buNone/>
             </a:pPr>
             <a:r>
-              <a:rPr lang="en-US" sz="3200">
+              <a:rPr lang="en-US" sz="3200" dirty="0">
                 <a:solidFill>
                   <a:schemeClr val="accent2"/>
                 </a:solidFill>
               </a:rPr>
-              <a:t>Background </a:t>
+              <a:t>Theoretical Intensity</a:t>
             </a:r>
-            <a:endParaRPr/>
+            <a:endParaRPr dirty="0"/>
           </a:p>
         </p:txBody>
       </p:sp>
@@ -8567,7 +9756,7 @@
         <p:spPr>
           <a:xfrm>
             <a:off x="274638" y="1050925"/>
-            <a:ext cx="8594725" cy="5395562"/>
+            <a:ext cx="8594725" cy="1846387"/>
           </a:xfrm>
           <a:prstGeom prst="rect">
             <a:avLst/>
@@ -8583,7 +9772,7 @@
           </a:bodyPr>
           <a:lstStyle/>
           <a:p>
-            <a:pPr marL="233363" lvl="0" indent="-233363" algn="l" rtl="0">
+            <a:pPr marL="0" lvl="0" indent="0" algn="l" rtl="0">
               <a:spcBef>
                 <a:spcPts val="0"/>
               </a:spcBef>
@@ -8594,14 +9783,39 @@
                 <a:schemeClr val="dk1"/>
               </a:buClr>
               <a:buSzPts val="2800"/>
-              <a:buFont typeface="Arial"/>
+              <a:buNone/>
+            </a:pPr>
+            <a:r>
+              <a:rPr lang="en-US" dirty="0"/>
+              <a:t>*need source*</a:t>
+            </a:r>
+          </a:p>
+          <a:p>
+            <a:pPr lvl="0" indent="-457200" algn="l" rtl="0">
+              <a:spcBef>
+                <a:spcPts val="0"/>
+              </a:spcBef>
+              <a:spcAft>
+                <a:spcPts val="0"/>
+              </a:spcAft>
+              <a:buClr>
+                <a:schemeClr val="dk1"/>
+              </a:buClr>
+              <a:buSzPts val="2800"/>
+              <a:buFont typeface="Arial" panose="020B0604020202020204" pitchFamily="34" charset="0"/>
               <a:buChar char="•"/>
             </a:pPr>
             <a:r>
-              <a:rPr lang="en-US"/>
-              <a:t>No name in Title after first 4 slides.</a:t>
+              <a:rPr lang="en-US" sz="3000" dirty="0">
+                <a:latin typeface="Times New Roman" panose="02020603050405020304" pitchFamily="18" charset="0"/>
+                <a:cs typeface="Times New Roman" panose="02020603050405020304" pitchFamily="18" charset="0"/>
+              </a:rPr>
+              <a:t>A reference for the integrated area of the pure phases in a microstructure must be developed. See below:</a:t>
             </a:r>
-            <a:endParaRPr/>
+            <a:endParaRPr sz="3000" dirty="0">
+              <a:latin typeface="Times New Roman" panose="02020603050405020304" pitchFamily="18" charset="0"/>
+              <a:cs typeface="Times New Roman" panose="02020603050405020304" pitchFamily="18" charset="0"/>
+            </a:endParaRPr>
           </a:p>
         </p:txBody>
       </p:sp>
@@ -8645,13 +9859,780 @@
             </a:pPr>
             <a:fld id="{00000000-1234-1234-1234-123412341234}" type="slidenum">
               <a:rPr lang="en-US"/>
-              <a:t>5</a:t>
+              <a:t>7</a:t>
             </a:fld>
             <a:endParaRPr/>
           </a:p>
         </p:txBody>
       </p:sp>
+      <p:pic>
+        <p:nvPicPr>
+          <p:cNvPr id="5" name="Picture 4">
+            <a:extLst>
+              <a:ext uri="{FF2B5EF4-FFF2-40B4-BE49-F238E27FC236}">
+                <a16:creationId xmlns:a16="http://schemas.microsoft.com/office/drawing/2014/main" id="{A6E90B78-6998-40F8-8C76-B69F2413371E}"/>
+              </a:ext>
+            </a:extLst>
+          </p:cNvPr>
+          <p:cNvPicPr>
+            <a:picLocks noChangeAspect="1"/>
+          </p:cNvPicPr>
+          <p:nvPr/>
+        </p:nvPicPr>
+        <p:blipFill>
+          <a:blip r:embed="rId3"/>
+          <a:stretch>
+            <a:fillRect/>
+          </a:stretch>
+        </p:blipFill>
+        <p:spPr>
+          <a:xfrm>
+            <a:off x="184935" y="3359280"/>
+            <a:ext cx="8774130" cy="596641"/>
+          </a:xfrm>
+          <a:prstGeom prst="rect">
+            <a:avLst/>
+          </a:prstGeom>
+        </p:spPr>
+      </p:pic>
     </p:spTree>
+  </p:cSld>
+  <p:clrMapOvr>
+    <a:masterClrMapping/>
+  </p:clrMapOvr>
+</p:sld>
+</file>
+
+<file path=ppt/slides/slide8.xml><?xml version="1.0" encoding="utf-8"?>
+<p:sld xmlns:a="http://schemas.openxmlformats.org/drawingml/2006/main" xmlns:r="http://schemas.openxmlformats.org/officeDocument/2006/relationships" xmlns:p="http://schemas.openxmlformats.org/presentationml/2006/main">
+  <p:cSld>
+    <p:spTree>
+      <p:nvGrpSpPr>
+        <p:cNvPr id="1" name=""/>
+        <p:cNvGrpSpPr/>
+        <p:nvPr/>
+      </p:nvGrpSpPr>
+      <p:grpSpPr>
+        <a:xfrm>
+          <a:off x="0" y="0"/>
+          <a:ext cx="0" cy="0"/>
+          <a:chOff x="0" y="0"/>
+          <a:chExt cx="0" cy="0"/>
+        </a:xfrm>
+      </p:grpSpPr>
+      <p:sp>
+        <p:nvSpPr>
+          <p:cNvPr id="2" name="Title 1">
+            <a:extLst>
+              <a:ext uri="{FF2B5EF4-FFF2-40B4-BE49-F238E27FC236}">
+                <a16:creationId xmlns:a16="http://schemas.microsoft.com/office/drawing/2014/main" id="{577633D9-697F-4ECC-8DF5-9C02F0AFEE47}"/>
+              </a:ext>
+            </a:extLst>
+          </p:cNvPr>
+          <p:cNvSpPr>
+            <a:spLocks noGrp="1"/>
+          </p:cNvSpPr>
+          <p:nvPr>
+            <p:ph type="title"/>
+          </p:nvPr>
+        </p:nvSpPr>
+        <p:spPr>
+          <a:xfrm>
+            <a:off x="274638" y="223267"/>
+            <a:ext cx="8594725" cy="593725"/>
+          </a:xfrm>
+        </p:spPr>
+        <p:txBody>
+          <a:bodyPr/>
+          <a:lstStyle/>
+          <a:p>
+            <a:r>
+              <a:rPr lang="en-US" dirty="0"/>
+              <a:t>Experimental Phase Fraction</a:t>
+            </a:r>
+          </a:p>
+        </p:txBody>
+      </p:sp>
+      <p:sp>
+        <p:nvSpPr>
+          <p:cNvPr id="4" name="Slide Number Placeholder 3">
+            <a:extLst>
+              <a:ext uri="{FF2B5EF4-FFF2-40B4-BE49-F238E27FC236}">
+                <a16:creationId xmlns:a16="http://schemas.microsoft.com/office/drawing/2014/main" id="{AB98CCBC-9193-44A8-9C7D-A10A5B6836C6}"/>
+              </a:ext>
+            </a:extLst>
+          </p:cNvPr>
+          <p:cNvSpPr>
+            <a:spLocks noGrp="1"/>
+          </p:cNvSpPr>
+          <p:nvPr>
+            <p:ph type="sldNum" idx="12"/>
+          </p:nvPr>
+        </p:nvSpPr>
+        <p:spPr/>
+        <p:txBody>
+          <a:bodyPr/>
+          <a:lstStyle/>
+          <a:p>
+            <a:pPr marL="0" lvl="0" indent="0" algn="r" rtl="0">
+              <a:spcBef>
+                <a:spcPts val="0"/>
+              </a:spcBef>
+              <a:spcAft>
+                <a:spcPts val="0"/>
+              </a:spcAft>
+              <a:buNone/>
+            </a:pPr>
+            <a:fld id="{00000000-1234-1234-1234-123412341234}" type="slidenum">
+              <a:rPr lang="en-US" smtClean="0"/>
+              <a:t>8</a:t>
+            </a:fld>
+            <a:endParaRPr lang="en-US"/>
+          </a:p>
+        </p:txBody>
+      </p:sp>
+      <p:pic>
+        <p:nvPicPr>
+          <p:cNvPr id="5" name="Picture 4">
+            <a:extLst>
+              <a:ext uri="{FF2B5EF4-FFF2-40B4-BE49-F238E27FC236}">
+                <a16:creationId xmlns:a16="http://schemas.microsoft.com/office/drawing/2014/main" id="{97D349BA-AE2B-444C-B8FB-CB97AA794BFC}"/>
+              </a:ext>
+            </a:extLst>
+          </p:cNvPr>
+          <p:cNvPicPr>
+            <a:picLocks noChangeAspect="1"/>
+          </p:cNvPicPr>
+          <p:nvPr/>
+        </p:nvPicPr>
+        <p:blipFill>
+          <a:blip r:embed="rId2"/>
+          <a:stretch>
+            <a:fillRect/>
+          </a:stretch>
+        </p:blipFill>
+        <p:spPr>
+          <a:xfrm>
+            <a:off x="728942" y="1120415"/>
+            <a:ext cx="5754047" cy="501499"/>
+          </a:xfrm>
+          <a:prstGeom prst="rect">
+            <a:avLst/>
+          </a:prstGeom>
+        </p:spPr>
+      </p:pic>
+      <p:pic>
+        <p:nvPicPr>
+          <p:cNvPr id="6" name="Picture 5">
+            <a:extLst>
+              <a:ext uri="{FF2B5EF4-FFF2-40B4-BE49-F238E27FC236}">
+                <a16:creationId xmlns:a16="http://schemas.microsoft.com/office/drawing/2014/main" id="{F2A0428B-EE93-4F49-8EFD-808723D05D78}"/>
+              </a:ext>
+            </a:extLst>
+          </p:cNvPr>
+          <p:cNvPicPr>
+            <a:picLocks noChangeAspect="1"/>
+          </p:cNvPicPr>
+          <p:nvPr/>
+        </p:nvPicPr>
+        <p:blipFill>
+          <a:blip r:embed="rId3"/>
+          <a:stretch>
+            <a:fillRect/>
+          </a:stretch>
+        </p:blipFill>
+        <p:spPr>
+          <a:xfrm>
+            <a:off x="728942" y="1919146"/>
+            <a:ext cx="3610045" cy="1108888"/>
+          </a:xfrm>
+          <a:prstGeom prst="rect">
+            <a:avLst/>
+          </a:prstGeom>
+        </p:spPr>
+      </p:pic>
+      <p:pic>
+        <p:nvPicPr>
+          <p:cNvPr id="7" name="Picture 6">
+            <a:extLst>
+              <a:ext uri="{FF2B5EF4-FFF2-40B4-BE49-F238E27FC236}">
+                <a16:creationId xmlns:a16="http://schemas.microsoft.com/office/drawing/2014/main" id="{2779638B-196A-4778-96BF-4602EE5558FD}"/>
+              </a:ext>
+            </a:extLst>
+          </p:cNvPr>
+          <p:cNvPicPr>
+            <a:picLocks noChangeAspect="1"/>
+          </p:cNvPicPr>
+          <p:nvPr/>
+        </p:nvPicPr>
+        <p:blipFill>
+          <a:blip r:embed="rId4"/>
+          <a:stretch>
+            <a:fillRect/>
+          </a:stretch>
+        </p:blipFill>
+        <p:spPr>
+          <a:xfrm>
+            <a:off x="728941" y="3315986"/>
+            <a:ext cx="3610046" cy="1223744"/>
+          </a:xfrm>
+          <a:prstGeom prst="rect">
+            <a:avLst/>
+          </a:prstGeom>
+        </p:spPr>
+      </p:pic>
+      <p:pic>
+        <p:nvPicPr>
+          <p:cNvPr id="8" name="Picture 7">
+            <a:extLst>
+              <a:ext uri="{FF2B5EF4-FFF2-40B4-BE49-F238E27FC236}">
+                <a16:creationId xmlns:a16="http://schemas.microsoft.com/office/drawing/2014/main" id="{8D1C0D9B-5565-4558-80DF-48CC4E90B3B2}"/>
+              </a:ext>
+            </a:extLst>
+          </p:cNvPr>
+          <p:cNvPicPr>
+            <a:picLocks noChangeAspect="1"/>
+          </p:cNvPicPr>
+          <p:nvPr/>
+        </p:nvPicPr>
+        <p:blipFill>
+          <a:blip r:embed="rId5"/>
+          <a:stretch>
+            <a:fillRect/>
+          </a:stretch>
+        </p:blipFill>
+        <p:spPr>
+          <a:xfrm>
+            <a:off x="748602" y="4831735"/>
+            <a:ext cx="3180313" cy="1126103"/>
+          </a:xfrm>
+          <a:prstGeom prst="rect">
+            <a:avLst/>
+          </a:prstGeom>
+        </p:spPr>
+      </p:pic>
+      <mc:AlternateContent xmlns:mc="http://schemas.openxmlformats.org/markup-compatibility/2006">
+        <mc:Choice xmlns:a14="http://schemas.microsoft.com/office/drawing/2010/main" Requires="a14">
+          <p:sp>
+            <p:nvSpPr>
+              <p:cNvPr id="9" name="TextBox 8">
+                <a:extLst>
+                  <a:ext uri="{FF2B5EF4-FFF2-40B4-BE49-F238E27FC236}">
+                    <a16:creationId xmlns:a16="http://schemas.microsoft.com/office/drawing/2014/main" id="{34206579-690E-448E-B2DA-479F4D0BCA6A}"/>
+                  </a:ext>
+                </a:extLst>
+              </p:cNvPr>
+              <p:cNvSpPr txBox="1"/>
+              <p:nvPr/>
+            </p:nvSpPr>
+            <p:spPr>
+              <a:xfrm>
+                <a:off x="4530904" y="1671938"/>
+                <a:ext cx="4315254" cy="4832092"/>
+              </a:xfrm>
+              <a:prstGeom prst="rect">
+                <a:avLst/>
+              </a:prstGeom>
+              <a:noFill/>
+              <a:ln w="12700">
+                <a:solidFill>
+                  <a:schemeClr val="bg2"/>
+                </a:solidFill>
+              </a:ln>
+            </p:spPr>
+            <p:txBody>
+              <a:bodyPr wrap="square" rtlCol="0">
+                <a:spAutoFit/>
+              </a:bodyPr>
+              <a:lstStyle/>
+              <a:p>
+                <a:r>
+                  <a:rPr lang="en-US" sz="2800" dirty="0">
+                    <a:latin typeface="Times New Roman" panose="02020603050405020304" pitchFamily="18" charset="0"/>
+                    <a:cs typeface="Times New Roman" panose="02020603050405020304" pitchFamily="18" charset="0"/>
+                  </a:rPr>
+                  <a:t>Taking the integrated experimental intensity (</a:t>
+                </a:r>
+                <a14:m>
+                  <m:oMath xmlns:m="http://schemas.openxmlformats.org/officeDocument/2006/math">
+                    <m:sSub>
+                      <m:sSubPr>
+                        <m:ctrlPr>
+                          <a:rPr lang="en-US" sz="2800" i="1" smtClean="0">
+                            <a:latin typeface="Cambria Math" panose="02040503050406030204" pitchFamily="18" charset="0"/>
+                            <a:cs typeface="Times New Roman" panose="02020603050405020304" pitchFamily="18" charset="0"/>
+                          </a:rPr>
+                        </m:ctrlPr>
+                      </m:sSubPr>
+                      <m:e>
+                        <m:r>
+                          <a:rPr lang="en-US" sz="2800" b="0" i="1" smtClean="0">
+                            <a:latin typeface="Cambria Math" panose="02040503050406030204" pitchFamily="18" charset="0"/>
+                            <a:cs typeface="Times New Roman" panose="02020603050405020304" pitchFamily="18" charset="0"/>
+                          </a:rPr>
+                          <m:t>𝐼</m:t>
+                        </m:r>
+                      </m:e>
+                      <m:sub>
+                        <m:r>
+                          <a:rPr lang="en-US" sz="2800" b="0" i="1" smtClean="0">
+                            <a:latin typeface="Cambria Math" panose="02040503050406030204" pitchFamily="18" charset="0"/>
+                            <a:cs typeface="Times New Roman" panose="02020603050405020304" pitchFamily="18" charset="0"/>
+                          </a:rPr>
+                          <m:t>𝑖</m:t>
+                        </m:r>
+                      </m:sub>
+                    </m:sSub>
+                  </m:oMath>
+                </a14:m>
+                <a:r>
+                  <a:rPr lang="en-US" sz="2800" dirty="0">
+                    <a:latin typeface="Times New Roman" panose="02020603050405020304" pitchFamily="18" charset="0"/>
+                    <a:cs typeface="Times New Roman" panose="02020603050405020304" pitchFamily="18" charset="0"/>
+                  </a:rPr>
+                  <a:t>), the peak values are normalized by dividing by the corresponding theoretical intensity (</a:t>
+                </a:r>
+                <a14:m>
+                  <m:oMath xmlns:m="http://schemas.openxmlformats.org/officeDocument/2006/math">
+                    <m:sSub>
+                      <m:sSubPr>
+                        <m:ctrlPr>
+                          <a:rPr lang="en-US" sz="2800" i="1" smtClean="0">
+                            <a:latin typeface="Cambria Math" panose="02040503050406030204" pitchFamily="18" charset="0"/>
+                            <a:cs typeface="Times New Roman" panose="02020603050405020304" pitchFamily="18" charset="0"/>
+                          </a:rPr>
+                        </m:ctrlPr>
+                      </m:sSubPr>
+                      <m:e>
+                        <m:r>
+                          <a:rPr lang="en-US" sz="2800" b="0" i="1" smtClean="0">
+                            <a:latin typeface="Cambria Math" panose="02040503050406030204" pitchFamily="18" charset="0"/>
+                            <a:cs typeface="Times New Roman" panose="02020603050405020304" pitchFamily="18" charset="0"/>
+                          </a:rPr>
+                          <m:t>𝑅</m:t>
+                        </m:r>
+                      </m:e>
+                      <m:sub>
+                        <m:r>
+                          <a:rPr lang="en-US" sz="2800" b="0" i="1" smtClean="0">
+                            <a:latin typeface="Cambria Math" panose="02040503050406030204" pitchFamily="18" charset="0"/>
+                            <a:cs typeface="Times New Roman" panose="02020603050405020304" pitchFamily="18" charset="0"/>
+                          </a:rPr>
+                          <m:t>𝑖</m:t>
+                        </m:r>
+                      </m:sub>
+                    </m:sSub>
+                  </m:oMath>
+                </a14:m>
+                <a:r>
+                  <a:rPr lang="en-US" sz="2800" dirty="0">
+                    <a:latin typeface="Times New Roman" panose="02020603050405020304" pitchFamily="18" charset="0"/>
+                    <a:cs typeface="Times New Roman" panose="02020603050405020304" pitchFamily="18" charset="0"/>
+                  </a:rPr>
+                  <a:t>). Summing all peak values for a phase (      ) and dividing by the total integrated peak area, gives the phase fraction of interest (</a:t>
+                </a:r>
+                <a14:m>
+                  <m:oMath xmlns:m="http://schemas.openxmlformats.org/officeDocument/2006/math">
+                    <m:sSub>
+                      <m:sSubPr>
+                        <m:ctrlPr>
+                          <a:rPr lang="en-US" sz="2800" i="1" smtClean="0">
+                            <a:latin typeface="Cambria Math" panose="02040503050406030204" pitchFamily="18" charset="0"/>
+                            <a:cs typeface="Times New Roman" panose="02020603050405020304" pitchFamily="18" charset="0"/>
+                          </a:rPr>
+                        </m:ctrlPr>
+                      </m:sSubPr>
+                      <m:e>
+                        <m:r>
+                          <a:rPr lang="en-US" sz="2800" b="0" i="1" smtClean="0">
+                            <a:latin typeface="Cambria Math" panose="02040503050406030204" pitchFamily="18" charset="0"/>
+                            <a:cs typeface="Times New Roman" panose="02020603050405020304" pitchFamily="18" charset="0"/>
+                          </a:rPr>
+                          <m:t>𝑉</m:t>
+                        </m:r>
+                      </m:e>
+                      <m:sub>
+                        <m:r>
+                          <a:rPr lang="en-US" sz="2800" b="0" i="1" smtClean="0">
+                            <a:latin typeface="Cambria Math" panose="02040503050406030204" pitchFamily="18" charset="0"/>
+                            <a:cs typeface="Times New Roman" panose="02020603050405020304" pitchFamily="18" charset="0"/>
+                          </a:rPr>
+                          <m:t>𝑎</m:t>
+                        </m:r>
+                      </m:sub>
+                    </m:sSub>
+                  </m:oMath>
+                </a14:m>
+                <a:r>
+                  <a:rPr lang="en-US" sz="2800" dirty="0">
+                    <a:latin typeface="Times New Roman" panose="02020603050405020304" pitchFamily="18" charset="0"/>
+                    <a:cs typeface="Times New Roman" panose="02020603050405020304" pitchFamily="18" charset="0"/>
+                  </a:rPr>
+                  <a:t>). </a:t>
+                </a:r>
+              </a:p>
+            </p:txBody>
+          </p:sp>
+        </mc:Choice>
+        <mc:Fallback>
+          <p:sp>
+            <p:nvSpPr>
+              <p:cNvPr id="9" name="TextBox 8">
+                <a:extLst>
+                  <a:ext uri="{FF2B5EF4-FFF2-40B4-BE49-F238E27FC236}">
+                    <a16:creationId xmlns:a16="http://schemas.microsoft.com/office/drawing/2014/main" id="{34206579-690E-448E-B2DA-479F4D0BCA6A}"/>
+                  </a:ext>
+                </a:extLst>
+              </p:cNvPr>
+              <p:cNvSpPr txBox="1">
+                <a:spLocks noRot="1" noChangeAspect="1" noMove="1" noResize="1" noEditPoints="1" noAdjustHandles="1" noChangeArrowheads="1" noChangeShapeType="1" noTextEdit="1"/>
+              </p:cNvSpPr>
+              <p:nvPr/>
+            </p:nvSpPr>
+            <p:spPr>
+              <a:xfrm>
+                <a:off x="4530904" y="1671938"/>
+                <a:ext cx="4315254" cy="4832092"/>
+              </a:xfrm>
+              <a:prstGeom prst="rect">
+                <a:avLst/>
+              </a:prstGeom>
+              <a:blipFill>
+                <a:blip r:embed="rId6"/>
+                <a:stretch>
+                  <a:fillRect l="-2676" t="-1132" r="-4789" b="-2390"/>
+                </a:stretch>
+              </a:blipFill>
+              <a:ln w="12700">
+                <a:solidFill>
+                  <a:schemeClr val="bg2"/>
+                </a:solidFill>
+              </a:ln>
+            </p:spPr>
+            <p:txBody>
+              <a:bodyPr/>
+              <a:lstStyle/>
+              <a:p>
+                <a:r>
+                  <a:rPr lang="en-US">
+                    <a:noFill/>
+                  </a:rPr>
+                  <a:t> </a:t>
+                </a:r>
+              </a:p>
+            </p:txBody>
+          </p:sp>
+        </mc:Fallback>
+      </mc:AlternateContent>
+      <p:sp>
+        <p:nvSpPr>
+          <p:cNvPr id="10" name="TextBox 9">
+            <a:extLst>
+              <a:ext uri="{FF2B5EF4-FFF2-40B4-BE49-F238E27FC236}">
+                <a16:creationId xmlns:a16="http://schemas.microsoft.com/office/drawing/2014/main" id="{8A691D11-E4E0-4EC1-94F5-E46C8BF4DFB6}"/>
+              </a:ext>
+            </a:extLst>
+          </p:cNvPr>
+          <p:cNvSpPr txBox="1"/>
+          <p:nvPr/>
+        </p:nvSpPr>
+        <p:spPr>
+          <a:xfrm>
+            <a:off x="225508" y="1021034"/>
+            <a:ext cx="503434" cy="523220"/>
+          </a:xfrm>
+          <a:prstGeom prst="rect">
+            <a:avLst/>
+          </a:prstGeom>
+          <a:noFill/>
+        </p:spPr>
+        <p:txBody>
+          <a:bodyPr wrap="square" rtlCol="0">
+            <a:spAutoFit/>
+          </a:bodyPr>
+          <a:lstStyle/>
+          <a:p>
+            <a:r>
+              <a:rPr lang="en-US" sz="2800" dirty="0">
+                <a:latin typeface="Times New Roman" panose="02020603050405020304" pitchFamily="18" charset="0"/>
+                <a:cs typeface="Times New Roman" panose="02020603050405020304" pitchFamily="18" charset="0"/>
+              </a:rPr>
+              <a:t>1)</a:t>
+            </a:r>
+          </a:p>
+        </p:txBody>
+      </p:sp>
+      <p:sp>
+        <p:nvSpPr>
+          <p:cNvPr id="11" name="TextBox 10">
+            <a:extLst>
+              <a:ext uri="{FF2B5EF4-FFF2-40B4-BE49-F238E27FC236}">
+                <a16:creationId xmlns:a16="http://schemas.microsoft.com/office/drawing/2014/main" id="{E6F6244A-B07E-49A0-A4F7-387679BBCB0C}"/>
+              </a:ext>
+            </a:extLst>
+          </p:cNvPr>
+          <p:cNvSpPr txBox="1"/>
+          <p:nvPr/>
+        </p:nvSpPr>
+        <p:spPr>
+          <a:xfrm>
+            <a:off x="225507" y="5087718"/>
+            <a:ext cx="503434" cy="523220"/>
+          </a:xfrm>
+          <a:prstGeom prst="rect">
+            <a:avLst/>
+          </a:prstGeom>
+          <a:noFill/>
+        </p:spPr>
+        <p:txBody>
+          <a:bodyPr wrap="square" rtlCol="0">
+            <a:spAutoFit/>
+          </a:bodyPr>
+          <a:lstStyle/>
+          <a:p>
+            <a:r>
+              <a:rPr lang="en-US" sz="2800" dirty="0">
+                <a:latin typeface="Times New Roman" panose="02020603050405020304" pitchFamily="18" charset="0"/>
+                <a:cs typeface="Times New Roman" panose="02020603050405020304" pitchFamily="18" charset="0"/>
+              </a:rPr>
+              <a:t>4)</a:t>
+            </a:r>
+          </a:p>
+        </p:txBody>
+      </p:sp>
+      <p:sp>
+        <p:nvSpPr>
+          <p:cNvPr id="12" name="TextBox 11">
+            <a:extLst>
+              <a:ext uri="{FF2B5EF4-FFF2-40B4-BE49-F238E27FC236}">
+                <a16:creationId xmlns:a16="http://schemas.microsoft.com/office/drawing/2014/main" id="{439AC4A9-07C8-4449-B78E-67BDCDBA50DE}"/>
+              </a:ext>
+            </a:extLst>
+          </p:cNvPr>
+          <p:cNvSpPr txBox="1"/>
+          <p:nvPr/>
+        </p:nvSpPr>
+        <p:spPr>
+          <a:xfrm>
+            <a:off x="225507" y="3568707"/>
+            <a:ext cx="503434" cy="523220"/>
+          </a:xfrm>
+          <a:prstGeom prst="rect">
+            <a:avLst/>
+          </a:prstGeom>
+          <a:noFill/>
+        </p:spPr>
+        <p:txBody>
+          <a:bodyPr wrap="square" rtlCol="0">
+            <a:spAutoFit/>
+          </a:bodyPr>
+          <a:lstStyle/>
+          <a:p>
+            <a:r>
+              <a:rPr lang="en-US" sz="2800" dirty="0">
+                <a:latin typeface="Times New Roman" panose="02020603050405020304" pitchFamily="18" charset="0"/>
+                <a:cs typeface="Times New Roman" panose="02020603050405020304" pitchFamily="18" charset="0"/>
+              </a:rPr>
+              <a:t>3)</a:t>
+            </a:r>
+          </a:p>
+        </p:txBody>
+      </p:sp>
+      <p:sp>
+        <p:nvSpPr>
+          <p:cNvPr id="13" name="TextBox 12">
+            <a:extLst>
+              <a:ext uri="{FF2B5EF4-FFF2-40B4-BE49-F238E27FC236}">
+                <a16:creationId xmlns:a16="http://schemas.microsoft.com/office/drawing/2014/main" id="{BB41F00E-E7DB-483A-90DF-E72491ADCC13}"/>
+              </a:ext>
+            </a:extLst>
+          </p:cNvPr>
+          <p:cNvSpPr txBox="1"/>
+          <p:nvPr/>
+        </p:nvSpPr>
+        <p:spPr>
+          <a:xfrm>
+            <a:off x="225507" y="2116511"/>
+            <a:ext cx="503434" cy="523220"/>
+          </a:xfrm>
+          <a:prstGeom prst="rect">
+            <a:avLst/>
+          </a:prstGeom>
+          <a:noFill/>
+        </p:spPr>
+        <p:txBody>
+          <a:bodyPr wrap="square" rtlCol="0">
+            <a:spAutoFit/>
+          </a:bodyPr>
+          <a:lstStyle/>
+          <a:p>
+            <a:r>
+              <a:rPr lang="en-US" sz="2800" dirty="0">
+                <a:latin typeface="Times New Roman" panose="02020603050405020304" pitchFamily="18" charset="0"/>
+                <a:cs typeface="Times New Roman" panose="02020603050405020304" pitchFamily="18" charset="0"/>
+              </a:rPr>
+              <a:t>2)</a:t>
+            </a:r>
+          </a:p>
+        </p:txBody>
+      </p:sp>
+      <p:pic>
+        <p:nvPicPr>
+          <p:cNvPr id="17" name="Picture 16">
+            <a:extLst>
+              <a:ext uri="{FF2B5EF4-FFF2-40B4-BE49-F238E27FC236}">
+                <a16:creationId xmlns:a16="http://schemas.microsoft.com/office/drawing/2014/main" id="{1CF70B04-B31F-4D01-983B-7DABB9306B60}"/>
+              </a:ext>
+            </a:extLst>
+          </p:cNvPr>
+          <p:cNvPicPr>
+            <a:picLocks noChangeAspect="1"/>
+          </p:cNvPicPr>
+          <p:nvPr/>
+        </p:nvPicPr>
+        <p:blipFill>
+          <a:blip r:embed="rId7"/>
+          <a:stretch>
+            <a:fillRect/>
+          </a:stretch>
+        </p:blipFill>
+        <p:spPr>
+          <a:xfrm>
+            <a:off x="5905884" y="4701022"/>
+            <a:ext cx="486619" cy="425791"/>
+          </a:xfrm>
+          <a:prstGeom prst="rect">
+            <a:avLst/>
+          </a:prstGeom>
+        </p:spPr>
+      </p:pic>
+    </p:spTree>
+    <p:extLst>
+      <p:ext uri="{BB962C8B-B14F-4D97-AF65-F5344CB8AC3E}">
+        <p14:creationId xmlns:p14="http://schemas.microsoft.com/office/powerpoint/2010/main" val="1667929081"/>
+      </p:ext>
+    </p:extLst>
+  </p:cSld>
+  <p:clrMapOvr>
+    <a:masterClrMapping/>
+  </p:clrMapOvr>
+</p:sld>
+</file>
+
+<file path=ppt/slides/slide9.xml><?xml version="1.0" encoding="utf-8"?>
+<p:sld xmlns:a="http://schemas.openxmlformats.org/drawingml/2006/main" xmlns:r="http://schemas.openxmlformats.org/officeDocument/2006/relationships" xmlns:p="http://schemas.openxmlformats.org/presentationml/2006/main">
+  <p:cSld>
+    <p:spTree>
+      <p:nvGrpSpPr>
+        <p:cNvPr id="1" name=""/>
+        <p:cNvGrpSpPr/>
+        <p:nvPr/>
+      </p:nvGrpSpPr>
+      <p:grpSpPr>
+        <a:xfrm>
+          <a:off x="0" y="0"/>
+          <a:ext cx="0" cy="0"/>
+          <a:chOff x="0" y="0"/>
+          <a:chExt cx="0" cy="0"/>
+        </a:xfrm>
+      </p:grpSpPr>
+      <p:sp>
+        <p:nvSpPr>
+          <p:cNvPr id="2" name="Title 1">
+            <a:extLst>
+              <a:ext uri="{FF2B5EF4-FFF2-40B4-BE49-F238E27FC236}">
+                <a16:creationId xmlns:a16="http://schemas.microsoft.com/office/drawing/2014/main" id="{B247B11C-5BCC-42D4-9DC2-F60D5606A789}"/>
+              </a:ext>
+            </a:extLst>
+          </p:cNvPr>
+          <p:cNvSpPr>
+            <a:spLocks noGrp="1"/>
+          </p:cNvSpPr>
+          <p:nvPr>
+            <p:ph type="title"/>
+          </p:nvPr>
+        </p:nvSpPr>
+        <p:spPr/>
+        <p:txBody>
+          <a:bodyPr/>
+          <a:lstStyle/>
+          <a:p>
+            <a:r>
+              <a:rPr lang="en-US" dirty="0"/>
+              <a:t>Sources of Uncertainty</a:t>
+            </a:r>
+          </a:p>
+        </p:txBody>
+      </p:sp>
+      <p:sp>
+        <p:nvSpPr>
+          <p:cNvPr id="3" name="Text Placeholder 2">
+            <a:extLst>
+              <a:ext uri="{FF2B5EF4-FFF2-40B4-BE49-F238E27FC236}">
+                <a16:creationId xmlns:a16="http://schemas.microsoft.com/office/drawing/2014/main" id="{3E448B1F-2859-4DEA-8D6C-107A236879C8}"/>
+              </a:ext>
+            </a:extLst>
+          </p:cNvPr>
+          <p:cNvSpPr>
+            <a:spLocks noGrp="1"/>
+          </p:cNvSpPr>
+          <p:nvPr>
+            <p:ph type="body" idx="1"/>
+          </p:nvPr>
+        </p:nvSpPr>
+        <p:spPr/>
+        <p:txBody>
+          <a:bodyPr/>
+          <a:lstStyle/>
+          <a:p>
+            <a:endParaRPr lang="en-US" dirty="0"/>
+          </a:p>
+        </p:txBody>
+      </p:sp>
+      <p:sp>
+        <p:nvSpPr>
+          <p:cNvPr id="4" name="Slide Number Placeholder 3">
+            <a:extLst>
+              <a:ext uri="{FF2B5EF4-FFF2-40B4-BE49-F238E27FC236}">
+                <a16:creationId xmlns:a16="http://schemas.microsoft.com/office/drawing/2014/main" id="{903F1F7A-FD44-41A8-B982-E0E48B7E9B6C}"/>
+              </a:ext>
+            </a:extLst>
+          </p:cNvPr>
+          <p:cNvSpPr>
+            <a:spLocks noGrp="1"/>
+          </p:cNvSpPr>
+          <p:nvPr>
+            <p:ph type="sldNum" idx="12"/>
+          </p:nvPr>
+        </p:nvSpPr>
+        <p:spPr/>
+        <p:txBody>
+          <a:bodyPr/>
+          <a:lstStyle/>
+          <a:p>
+            <a:pPr marL="0" lvl="0" indent="0" algn="r" rtl="0">
+              <a:spcBef>
+                <a:spcPts val="0"/>
+              </a:spcBef>
+              <a:spcAft>
+                <a:spcPts val="0"/>
+              </a:spcAft>
+              <a:buNone/>
+            </a:pPr>
+            <a:fld id="{00000000-1234-1234-1234-123412341234}" type="slidenum">
+              <a:rPr lang="en-US" smtClean="0"/>
+              <a:t>9</a:t>
+            </a:fld>
+            <a:endParaRPr lang="en-US"/>
+          </a:p>
+        </p:txBody>
+      </p:sp>
+    </p:spTree>
+    <p:extLst>
+      <p:ext uri="{BB962C8B-B14F-4D97-AF65-F5344CB8AC3E}">
+        <p14:creationId xmlns:p14="http://schemas.microsoft.com/office/powerpoint/2010/main" val="651626366"/>
+      </p:ext>
+    </p:extLst>
   </p:cSld>
   <p:clrMapOvr>
     <a:masterClrMapping/>

--- a/ASPPRC_presentation.pptx
+++ b/ASPPRC_presentation.pptx
@@ -6,18 +6,22 @@
     <p:sldMasterId id="2147483651" r:id="rId2"/>
   </p:sldMasterIdLst>
   <p:notesMasterIdLst>
-    <p:notesMasterId r:id="rId12"/>
+    <p:notesMasterId r:id="rId16"/>
   </p:notesMasterIdLst>
   <p:sldIdLst>
     <p:sldId id="256" r:id="rId3"/>
     <p:sldId id="257" r:id="rId4"/>
     <p:sldId id="258" r:id="rId5"/>
     <p:sldId id="259" r:id="rId6"/>
-    <p:sldId id="261" r:id="rId7"/>
-    <p:sldId id="262" r:id="rId8"/>
-    <p:sldId id="260" r:id="rId9"/>
-    <p:sldId id="263" r:id="rId10"/>
-    <p:sldId id="264" r:id="rId11"/>
+    <p:sldId id="262" r:id="rId7"/>
+    <p:sldId id="268" r:id="rId8"/>
+    <p:sldId id="266" r:id="rId9"/>
+    <p:sldId id="267" r:id="rId10"/>
+    <p:sldId id="269" r:id="rId11"/>
+    <p:sldId id="265" r:id="rId12"/>
+    <p:sldId id="260" r:id="rId13"/>
+    <p:sldId id="263" r:id="rId14"/>
+    <p:sldId id="270" r:id="rId15"/>
   </p:sldIdLst>
   <p:sldSz cx="9144000" cy="6858000" type="screen4x3"/>
   <p:notesSz cx="6980238" cy="9236075"/>
@@ -266,16 +270,48 @@
       </p15:sldGuideLst>
     </p:ext>
     <p:ext uri="http://customooxmlschemas.google.com/">
-      <go:slidesCustomData xmlns:go="http://customooxmlschemas.google.com/" xmlns:ahyp="http://schemas.microsoft.com/office/drawing/2018/hyperlinkcolor" xmlns:p15="http://schemas.microsoft.com/office/powerpoint/2012/main" xmlns:p14="http://schemas.microsoft.com/office/powerpoint/2010/main" xmlns:com="http://schemas.openxmlformats.org/drawingml/2006/compatibility" xmlns:pvml="urn:schemas-microsoft-com:office:powerpoint" xmlns:v="urn:schemas-microsoft-com:vml" xmlns:o="urn:schemas-microsoft-com:office:office" xmlns:dgm="http://schemas.openxmlformats.org/drawingml/2006/diagram" xmlns:c="http://schemas.openxmlformats.org/drawingml/2006/chart" xmlns:mv="urn:schemas-microsoft-com:mac:vml" xmlns:mc="http://schemas.openxmlformats.org/markup-compatibility/2006" xmlns="" r:id="rId13" roundtripDataSignature="AMtx7mgjtTs6nWraxu7zvWRvJn4box+o0w=="/>
+      <go:slidesCustomData xmlns="" xmlns:mc="http://schemas.openxmlformats.org/markup-compatibility/2006" xmlns:mv="urn:schemas-microsoft-com:mac:vml" xmlns:c="http://schemas.openxmlformats.org/drawingml/2006/chart" xmlns:dgm="http://schemas.openxmlformats.org/drawingml/2006/diagram" xmlns:o="urn:schemas-microsoft-com:office:office" xmlns:v="urn:schemas-microsoft-com:vml" xmlns:pvml="urn:schemas-microsoft-com:office:powerpoint" xmlns:com="http://schemas.openxmlformats.org/drawingml/2006/compatibility" xmlns:p14="http://schemas.microsoft.com/office/powerpoint/2010/main" xmlns:p15="http://schemas.microsoft.com/office/powerpoint/2012/main" xmlns:ahyp="http://schemas.microsoft.com/office/drawing/2018/hyperlinkcolor" xmlns:go="http://customooxmlschemas.google.com/" r:id="rId17" roundtripDataSignature="AMtx7mgjtTs6nWraxu7zvWRvJn4box+o0w=="/>
     </p:ext>
   </p:extLst>
 </p:presentation>
+</file>
+
+<file path=ppt/authors.xml><?xml version="1.0" encoding="utf-8"?>
+<p188:authorLst xmlns:a="http://schemas.openxmlformats.org/drawingml/2006/main" xmlns:r="http://schemas.openxmlformats.org/officeDocument/2006/relationships" xmlns:p188="http://schemas.microsoft.com/office/powerpoint/2018/8/main">
+  <p188:author id="{DE975211-6454-2622-23DE-C4F228A95BB1}" name="caleb schenck" initials="cs" userId="787946d61a7c1773" providerId="Windows Live"/>
+</p188:authorLst>
 </file>
 
 <file path=ppt/commentAuthors.xml><?xml version="1.0" encoding="utf-8"?>
 <p:cmAuthorLst xmlns:a="http://schemas.openxmlformats.org/drawingml/2006/main" xmlns:r="http://schemas.openxmlformats.org/officeDocument/2006/relationships" xmlns:p="http://schemas.openxmlformats.org/presentationml/2006/main">
   <p:cmAuthor id="0" name="Christina Ciganik" initials="" lastIdx="2" clrIdx="0"/>
 </p:cmAuthorLst>
+</file>
+
+<file path=ppt/comments/modernComment_10C_4108EEA8.xml><?xml version="1.0" encoding="utf-8"?>
+<p188:cmLst xmlns:a="http://schemas.openxmlformats.org/drawingml/2006/main" xmlns:r="http://schemas.openxmlformats.org/officeDocument/2006/relationships" xmlns:p188="http://schemas.microsoft.com/office/powerpoint/2018/8/main">
+  <p188:cm id="{6ED7C853-46E5-482E-890B-5ED68DB3F025}" authorId="{DE975211-6454-2622-23DE-C4F228A95BB1}" created="2022-03-07T02:52:55.304">
+    <ac:txMkLst xmlns:ac="http://schemas.microsoft.com/office/drawing/2013/main/command">
+      <pc:docMk xmlns:pc="http://schemas.microsoft.com/office/powerpoint/2013/main/command"/>
+      <pc:sldMk xmlns:pc="http://schemas.microsoft.com/office/powerpoint/2013/main/command" cId="1091104424" sldId="268"/>
+      <ac:spMk id="2" creationId="{9DBC174F-E1BE-47F5-89F9-D9B02F99FE09}"/>
+      <ac:txMk cp="0" len="31">
+        <ac:context len="32" hash="3328020103"/>
+      </ac:txMk>
+    </ac:txMkLst>
+    <p188:pos x="7883710" y="295378"/>
+    <p188:txBody>
+      <a:bodyPr/>
+      <a:lstStyle/>
+      <a:p>
+        <a:r>
+          <a:rPr lang="en-US"/>
+          <a:t>need to be checked</a:t>
+        </a:r>
+      </a:p>
+    </p188:txBody>
+  </p188:cm>
+</p188:cmLst>
 </file>
 
 <file path=ppt/notesMasters/notesMaster1.xml><?xml version="1.0" encoding="utf-8"?>
@@ -2267,6 +2303,118 @@
 </file>
 
 <file path=ppt/notesSlides/notesSlide5.xml><?xml version="1.0" encoding="utf-8"?>
+<p:notes xmlns:a="http://schemas.openxmlformats.org/drawingml/2006/main" xmlns:r="http://schemas.openxmlformats.org/officeDocument/2006/relationships" xmlns:p="http://schemas.openxmlformats.org/presentationml/2006/main">
+  <p:cSld>
+    <p:spTree>
+      <p:nvGrpSpPr>
+        <p:cNvPr id="1" name=""/>
+        <p:cNvGrpSpPr/>
+        <p:nvPr/>
+      </p:nvGrpSpPr>
+      <p:grpSpPr>
+        <a:xfrm>
+          <a:off x="0" y="0"/>
+          <a:ext cx="0" cy="0"/>
+          <a:chOff x="0" y="0"/>
+          <a:chExt cx="0" cy="0"/>
+        </a:xfrm>
+      </p:grpSpPr>
+      <p:sp>
+        <p:nvSpPr>
+          <p:cNvPr id="2" name="Slide Image Placeholder 1"/>
+          <p:cNvSpPr>
+            <a:spLocks noGrp="1" noRot="1" noChangeAspect="1"/>
+          </p:cNvSpPr>
+          <p:nvPr>
+            <p:ph type="sldImg"/>
+          </p:nvPr>
+        </p:nvSpPr>
+        <p:spPr/>
+      </p:sp>
+      <p:sp>
+        <p:nvSpPr>
+          <p:cNvPr id="3" name="Notes Placeholder 2"/>
+          <p:cNvSpPr>
+            <a:spLocks noGrp="1"/>
+          </p:cNvSpPr>
+          <p:nvPr>
+            <p:ph type="body" idx="1"/>
+          </p:nvPr>
+        </p:nvSpPr>
+        <p:spPr/>
+        <p:txBody>
+          <a:bodyPr/>
+          <a:lstStyle/>
+          <a:p>
+            <a:r>
+              <a:rPr lang="en-US" dirty="0"/>
+              <a:t>Using the CIF file, theoretical intensities of each phase as an area under the Int. vs 2theta plot are calculated. The experimental XRD data is plotted, fit, and the area under each peak is found through integration. Fitting will be automated and needs to be highly accurate, currently wrapping development. The area from each experimental peak is normalized by dividing the value by the theoretical value. Each normalized peak for a single phase is summed to get the total normalized area of a single phase. Subsequently, the total normalized area of this phase is divided by the total normalized area from all phases. This results in the fraction of the phase present.</a:t>
+            </a:r>
+          </a:p>
+        </p:txBody>
+      </p:sp>
+      <p:sp>
+        <p:nvSpPr>
+          <p:cNvPr id="4" name="Slide Number Placeholder 3"/>
+          <p:cNvSpPr>
+            <a:spLocks noGrp="1"/>
+          </p:cNvSpPr>
+          <p:nvPr>
+            <p:ph type="sldNum" idx="12"/>
+          </p:nvPr>
+        </p:nvSpPr>
+        <p:spPr/>
+        <p:txBody>
+          <a:bodyPr/>
+          <a:lstStyle/>
+          <a:p>
+            <a:pPr marL="0" marR="0" lvl="0" indent="0" algn="r" rtl="0">
+              <a:spcBef>
+                <a:spcPts val="0"/>
+              </a:spcBef>
+              <a:spcAft>
+                <a:spcPts val="0"/>
+              </a:spcAft>
+              <a:buNone/>
+            </a:pPr>
+            <a:fld id="{00000000-1234-1234-1234-123412341234}" type="slidenum">
+              <a:rPr lang="en-US" sz="1200" b="0" i="0" u="none" strike="noStrike" cap="none" smtClean="0">
+                <a:solidFill>
+                  <a:schemeClr val="dk1"/>
+                </a:solidFill>
+                <a:latin typeface="Arial"/>
+                <a:ea typeface="Arial"/>
+                <a:cs typeface="Arial"/>
+                <a:sym typeface="Arial"/>
+              </a:rPr>
+              <a:t>8</a:t>
+            </a:fld>
+            <a:endParaRPr lang="en-US" sz="1200" b="0" i="0" u="none" strike="noStrike" cap="none">
+              <a:solidFill>
+                <a:schemeClr val="dk1"/>
+              </a:solidFill>
+              <a:latin typeface="Arial"/>
+              <a:ea typeface="Arial"/>
+              <a:cs typeface="Arial"/>
+              <a:sym typeface="Arial"/>
+            </a:endParaRPr>
+          </a:p>
+        </p:txBody>
+      </p:sp>
+    </p:spTree>
+    <p:extLst>
+      <p:ext uri="{BB962C8B-B14F-4D97-AF65-F5344CB8AC3E}">
+        <p14:creationId xmlns:p14="http://schemas.microsoft.com/office/powerpoint/2010/main" val="949944111"/>
+      </p:ext>
+    </p:extLst>
+  </p:cSld>
+  <p:clrMapOvr>
+    <a:masterClrMapping/>
+  </p:clrMapOvr>
+</p:notes>
+</file>
+
+<file path=ppt/notesSlides/notesSlide6.xml><?xml version="1.0" encoding="utf-8"?>
 <p:notes xmlns:a="http://schemas.openxmlformats.org/drawingml/2006/main" xmlns:r="http://schemas.openxmlformats.org/officeDocument/2006/relationships" xmlns:p="http://schemas.openxmlformats.org/presentationml/2006/main" showMasterSp="0" showMasterPhAnim="0">
   <p:cSld>
     <p:spTree>
@@ -2323,7 +2471,7 @@
             </a:pPr>
             <a:fld id="{00000000-1234-1234-1234-123412341234}" type="slidenum">
               <a:rPr lang="en-US"/>
-              <a:t>7</a:t>
+              <a:t>11</a:t>
             </a:fld>
             <a:endParaRPr/>
           </a:p>
@@ -7284,6 +7432,16 @@
               <a:t>Date: 	</a:t>
             </a:r>
             <a:r>
+              <a:rPr lang="en-US" sz="2800" dirty="0">
+                <a:solidFill>
+                  <a:schemeClr val="dk1"/>
+                </a:solidFill>
+                <a:latin typeface="Times New Roman" panose="02020603050405020304" pitchFamily="18" charset="0"/>
+                <a:cs typeface="Times New Roman" panose="02020603050405020304" pitchFamily="18" charset="0"/>
+              </a:rPr>
+              <a:t>March</a:t>
+            </a:r>
+            <a:r>
               <a:rPr lang="en-US" sz="2800" i="0" u="none" strike="noStrike" cap="none" dirty="0">
                 <a:solidFill>
                   <a:schemeClr val="dk1"/>
@@ -7292,7 +7450,7 @@
                 <a:cs typeface="Times New Roman" panose="02020603050405020304" pitchFamily="18" charset="0"/>
                 <a:sym typeface="Arial"/>
               </a:rPr>
-              <a:t>February</a:t>
+              <a:t> 15</a:t>
             </a:r>
             <a:r>
               <a:rPr lang="en-US" sz="2800" b="0" i="0" u="none" strike="noStrike" cap="none" dirty="0">
@@ -7303,7 +7461,7 @@
                 <a:cs typeface="Times New Roman" panose="02020603050405020304" pitchFamily="18" charset="0"/>
                 <a:sym typeface="Arial"/>
               </a:rPr>
-              <a:t> 20, 2022</a:t>
+              <a:t>, 2022</a:t>
             </a:r>
             <a:endParaRPr sz="2800" dirty="0">
               <a:latin typeface="Times New Roman" panose="02020603050405020304" pitchFamily="18" charset="0"/>
@@ -7407,7 +7565,7 @@
                 <a:latin typeface="Times New Roman" panose="02020603050405020304" pitchFamily="18" charset="0"/>
                 <a:cs typeface="Times New Roman" panose="02020603050405020304" pitchFamily="18" charset="0"/>
               </a:rPr>
-              <a:t> &amp; Dr. Kip Findley</a:t>
+              <a:t> 		&amp; Dr. Kip Findley</a:t>
             </a:r>
             <a:endParaRPr sz="2800" dirty="0">
               <a:latin typeface="Times New Roman" panose="02020603050405020304" pitchFamily="18" charset="0"/>
@@ -7573,1269 +7731,7 @@
 </p:sld>
 </file>
 
-<file path=ppt/slides/slide2.xml><?xml version="1.0" encoding="utf-8"?>
-<p:sld xmlns:a="http://schemas.openxmlformats.org/drawingml/2006/main" xmlns:r="http://schemas.openxmlformats.org/officeDocument/2006/relationships" xmlns:p="http://schemas.openxmlformats.org/presentationml/2006/main">
-  <p:cSld>
-    <p:spTree>
-      <p:nvGrpSpPr>
-        <p:cNvPr id="1" name="Shape 48"/>
-        <p:cNvGrpSpPr/>
-        <p:nvPr/>
-      </p:nvGrpSpPr>
-      <p:grpSpPr>
-        <a:xfrm>
-          <a:off x="0" y="0"/>
-          <a:ext cx="0" cy="0"/>
-          <a:chOff x="0" y="0"/>
-          <a:chExt cx="0" cy="0"/>
-        </a:xfrm>
-      </p:grpSpPr>
-      <p:sp>
-        <p:nvSpPr>
-          <p:cNvPr id="49" name="Google Shape;49;p2"/>
-          <p:cNvSpPr txBox="1">
-            <a:spLocks noGrp="1"/>
-          </p:cNvSpPr>
-          <p:nvPr>
-            <p:ph type="title"/>
-          </p:nvPr>
-        </p:nvSpPr>
-        <p:spPr>
-          <a:xfrm>
-            <a:off x="274638" y="274638"/>
-            <a:ext cx="8594725" cy="593725"/>
-          </a:xfrm>
-          <a:prstGeom prst="rect">
-            <a:avLst/>
-          </a:prstGeom>
-          <a:noFill/>
-          <a:ln>
-            <a:noFill/>
-          </a:ln>
-        </p:spPr>
-        <p:txBody>
-          <a:bodyPr spcFirstLastPara="1" wrap="square" lIns="91425" tIns="45700" rIns="91425" bIns="45700" anchor="ctr" anchorCtr="0">
-            <a:noAutofit/>
-          </a:bodyPr>
-          <a:lstStyle/>
-          <a:p>
-            <a:pPr marL="0" lvl="0" indent="0" algn="ctr" rtl="0">
-              <a:spcBef>
-                <a:spcPts val="0"/>
-              </a:spcBef>
-              <a:spcAft>
-                <a:spcPts val="0"/>
-              </a:spcAft>
-              <a:buNone/>
-            </a:pPr>
-            <a:r>
-              <a:rPr lang="en-US" sz="3200" dirty="0">
-                <a:solidFill>
-                  <a:schemeClr val="accent2"/>
-                </a:solidFill>
-              </a:rPr>
-              <a:t>Undergraduate Research</a:t>
-            </a:r>
-            <a:endParaRPr dirty="0"/>
-          </a:p>
-        </p:txBody>
-      </p:sp>
-      <p:sp>
-        <p:nvSpPr>
-          <p:cNvPr id="50" name="Google Shape;50;p2"/>
-          <p:cNvSpPr txBox="1">
-            <a:spLocks noGrp="1"/>
-          </p:cNvSpPr>
-          <p:nvPr>
-            <p:ph type="body" idx="1"/>
-          </p:nvPr>
-        </p:nvSpPr>
-        <p:spPr>
-          <a:xfrm>
-            <a:off x="274638" y="1050925"/>
-            <a:ext cx="8594725" cy="5395562"/>
-          </a:xfrm>
-          <a:prstGeom prst="rect">
-            <a:avLst/>
-          </a:prstGeom>
-          <a:noFill/>
-          <a:ln>
-            <a:noFill/>
-          </a:ln>
-        </p:spPr>
-        <p:txBody>
-          <a:bodyPr spcFirstLastPara="1" wrap="square" lIns="91425" tIns="45700" rIns="91425" bIns="45700" anchor="t" anchorCtr="0">
-            <a:noAutofit/>
-          </a:bodyPr>
-          <a:lstStyle/>
-          <a:p>
-            <a:pPr marL="0" lvl="0" indent="0" algn="l" rtl="0">
-              <a:spcBef>
-                <a:spcPts val="0"/>
-              </a:spcBef>
-              <a:spcAft>
-                <a:spcPts val="0"/>
-              </a:spcAft>
-              <a:buClr>
-                <a:schemeClr val="dk1"/>
-              </a:buClr>
-              <a:buSzPts val="2400"/>
-              <a:buFont typeface="Arial"/>
-              <a:buNone/>
-            </a:pPr>
-            <a:r>
-              <a:rPr lang="en-US" sz="3200" dirty="0">
-                <a:latin typeface="Times New Roman" panose="02020603050405020304" pitchFamily="18" charset="0"/>
-                <a:cs typeface="Times New Roman" panose="02020603050405020304" pitchFamily="18" charset="0"/>
-              </a:rPr>
-              <a:t>Date Initiated:	September, 2021 </a:t>
-            </a:r>
-            <a:endParaRPr sz="3200" dirty="0">
-              <a:latin typeface="Times New Roman" panose="02020603050405020304" pitchFamily="18" charset="0"/>
-              <a:cs typeface="Times New Roman" panose="02020603050405020304" pitchFamily="18" charset="0"/>
-            </a:endParaRPr>
-          </a:p>
-          <a:p>
-            <a:pPr marL="0" lvl="0" indent="0" algn="l" rtl="0">
-              <a:spcBef>
-                <a:spcPts val="480"/>
-              </a:spcBef>
-              <a:spcAft>
-                <a:spcPts val="0"/>
-              </a:spcAft>
-              <a:buClr>
-                <a:schemeClr val="dk1"/>
-              </a:buClr>
-              <a:buSzPts val="2400"/>
-              <a:buFont typeface="Arial"/>
-              <a:buNone/>
-            </a:pPr>
-            <a:r>
-              <a:rPr lang="en-US" sz="3200" dirty="0">
-                <a:latin typeface="Times New Roman" panose="02020603050405020304" pitchFamily="18" charset="0"/>
-                <a:cs typeface="Times New Roman" panose="02020603050405020304" pitchFamily="18" charset="0"/>
-              </a:rPr>
-              <a:t>Anticipated Completion Date:	May, 2022  </a:t>
-            </a:r>
-            <a:br>
-              <a:rPr lang="en-US" sz="1800" dirty="0">
-                <a:solidFill>
-                  <a:srgbClr val="FF0000"/>
-                </a:solidFill>
-              </a:rPr>
-            </a:br>
-            <a:endParaRPr lang="en-US" sz="1800" dirty="0">
-              <a:solidFill>
-                <a:srgbClr val="FF0000"/>
-              </a:solidFill>
-            </a:endParaRPr>
-          </a:p>
-          <a:p>
-            <a:pPr marL="0" lvl="0" indent="0" algn="l" rtl="0">
-              <a:spcBef>
-                <a:spcPts val="480"/>
-              </a:spcBef>
-              <a:spcAft>
-                <a:spcPts val="0"/>
-              </a:spcAft>
-              <a:buClr>
-                <a:schemeClr val="dk1"/>
-              </a:buClr>
-              <a:buSzPts val="2400"/>
-              <a:buFont typeface="Arial"/>
-              <a:buNone/>
-            </a:pPr>
-            <a:r>
-              <a:rPr lang="en-US" sz="2600" dirty="0">
-                <a:latin typeface="Times New Roman" panose="02020603050405020304" pitchFamily="18" charset="0"/>
-                <a:cs typeface="Times New Roman" panose="02020603050405020304" pitchFamily="18" charset="0"/>
-              </a:rPr>
-              <a:t>Research Timetable:	</a:t>
-            </a:r>
-          </a:p>
-          <a:p>
-            <a:pPr marL="0" lvl="0" indent="0" rtl="0">
-              <a:spcBef>
-                <a:spcPts val="480"/>
-              </a:spcBef>
-              <a:spcAft>
-                <a:spcPts val="0"/>
-              </a:spcAft>
-              <a:buClr>
-                <a:schemeClr val="dk1"/>
-              </a:buClr>
-              <a:buSzPts val="2400"/>
-              <a:buFont typeface="Arial"/>
-              <a:buNone/>
-            </a:pPr>
-            <a:r>
-              <a:rPr lang="en-US" sz="2600" dirty="0">
-                <a:latin typeface="Times New Roman" panose="02020603050405020304" pitchFamily="18" charset="0"/>
-                <a:cs typeface="Times New Roman" panose="02020603050405020304" pitchFamily="18" charset="0"/>
-              </a:rPr>
-              <a:t>	Task 1:  Completion date</a:t>
-            </a:r>
-            <a:endParaRPr sz="2600" dirty="0">
-              <a:latin typeface="Times New Roman" panose="02020603050405020304" pitchFamily="18" charset="0"/>
-              <a:cs typeface="Times New Roman" panose="02020603050405020304" pitchFamily="18" charset="0"/>
-            </a:endParaRPr>
-          </a:p>
-          <a:p>
-            <a:pPr marL="0" lvl="0" indent="0" algn="l" rtl="0">
-              <a:spcBef>
-                <a:spcPts val="480"/>
-              </a:spcBef>
-              <a:spcAft>
-                <a:spcPts val="0"/>
-              </a:spcAft>
-              <a:buClr>
-                <a:schemeClr val="dk1"/>
-              </a:buClr>
-              <a:buSzPts val="2400"/>
-              <a:buFont typeface="Arial"/>
-              <a:buNone/>
-            </a:pPr>
-            <a:r>
-              <a:rPr lang="en-US" sz="2600" dirty="0">
-                <a:latin typeface="Times New Roman" panose="02020603050405020304" pitchFamily="18" charset="0"/>
-                <a:cs typeface="Times New Roman" panose="02020603050405020304" pitchFamily="18" charset="0"/>
-              </a:rPr>
-              <a:t>	Task 2:  Completion date</a:t>
-            </a:r>
-            <a:endParaRPr sz="2600" dirty="0">
-              <a:latin typeface="Times New Roman" panose="02020603050405020304" pitchFamily="18" charset="0"/>
-              <a:cs typeface="Times New Roman" panose="02020603050405020304" pitchFamily="18" charset="0"/>
-            </a:endParaRPr>
-          </a:p>
-          <a:p>
-            <a:pPr marL="0" lvl="0" indent="0" algn="l" rtl="0">
-              <a:spcBef>
-                <a:spcPts val="480"/>
-              </a:spcBef>
-              <a:spcAft>
-                <a:spcPts val="0"/>
-              </a:spcAft>
-              <a:buClr>
-                <a:schemeClr val="dk1"/>
-              </a:buClr>
-              <a:buSzPts val="2400"/>
-              <a:buFont typeface="Arial"/>
-              <a:buNone/>
-            </a:pPr>
-            <a:r>
-              <a:rPr lang="en-US" sz="2600" dirty="0">
-                <a:latin typeface="Times New Roman" panose="02020603050405020304" pitchFamily="18" charset="0"/>
-                <a:cs typeface="Times New Roman" panose="02020603050405020304" pitchFamily="18" charset="0"/>
-              </a:rPr>
-              <a:t>	</a:t>
-            </a:r>
-            <a:r>
-              <a:rPr lang="en-US" sz="2600" dirty="0" err="1">
-                <a:latin typeface="Times New Roman" panose="02020603050405020304" pitchFamily="18" charset="0"/>
-                <a:cs typeface="Times New Roman" panose="02020603050405020304" pitchFamily="18" charset="0"/>
-              </a:rPr>
-              <a:t>etc</a:t>
-            </a:r>
-            <a:r>
-              <a:rPr lang="en-US" sz="2600" dirty="0">
-                <a:latin typeface="Times New Roman" panose="02020603050405020304" pitchFamily="18" charset="0"/>
-                <a:cs typeface="Times New Roman" panose="02020603050405020304" pitchFamily="18" charset="0"/>
-              </a:rPr>
-              <a:t>……………………..</a:t>
-            </a:r>
-            <a:endParaRPr sz="2600" dirty="0">
-              <a:latin typeface="Times New Roman" panose="02020603050405020304" pitchFamily="18" charset="0"/>
-              <a:cs typeface="Times New Roman" panose="02020603050405020304" pitchFamily="18" charset="0"/>
-            </a:endParaRPr>
-          </a:p>
-          <a:p>
-            <a:pPr marL="0" lvl="0" indent="0" algn="l" rtl="0">
-              <a:spcBef>
-                <a:spcPts val="480"/>
-              </a:spcBef>
-              <a:spcAft>
-                <a:spcPts val="0"/>
-              </a:spcAft>
-              <a:buClr>
-                <a:schemeClr val="dk1"/>
-              </a:buClr>
-              <a:buSzPts val="2400"/>
-              <a:buFont typeface="Arial"/>
-              <a:buNone/>
-            </a:pPr>
-            <a:r>
-              <a:rPr lang="en-US" sz="2600" dirty="0">
-                <a:latin typeface="Times New Roman" panose="02020603050405020304" pitchFamily="18" charset="0"/>
-                <a:cs typeface="Times New Roman" panose="02020603050405020304" pitchFamily="18" charset="0"/>
-              </a:rPr>
-              <a:t>	</a:t>
-            </a:r>
-            <a:r>
-              <a:rPr lang="en-US" sz="2600" dirty="0" err="1">
-                <a:latin typeface="Times New Roman" panose="02020603050405020304" pitchFamily="18" charset="0"/>
-                <a:cs typeface="Times New Roman" panose="02020603050405020304" pitchFamily="18" charset="0"/>
-              </a:rPr>
-              <a:t>etc</a:t>
-            </a:r>
-            <a:r>
-              <a:rPr lang="en-US" sz="2600" dirty="0">
-                <a:latin typeface="Times New Roman" panose="02020603050405020304" pitchFamily="18" charset="0"/>
-                <a:cs typeface="Times New Roman" panose="02020603050405020304" pitchFamily="18" charset="0"/>
-              </a:rPr>
-              <a:t>…………………….</a:t>
-            </a:r>
-            <a:endParaRPr sz="2600" dirty="0">
-              <a:latin typeface="Times New Roman" panose="02020603050405020304" pitchFamily="18" charset="0"/>
-              <a:cs typeface="Times New Roman" panose="02020603050405020304" pitchFamily="18" charset="0"/>
-            </a:endParaRPr>
-          </a:p>
-        </p:txBody>
-      </p:sp>
-      <p:sp>
-        <p:nvSpPr>
-          <p:cNvPr id="51" name="Google Shape;51;p2"/>
-          <p:cNvSpPr txBox="1">
-            <a:spLocks noGrp="1"/>
-          </p:cNvSpPr>
-          <p:nvPr>
-            <p:ph type="sldNum" idx="12"/>
-          </p:nvPr>
-        </p:nvSpPr>
-        <p:spPr>
-          <a:xfrm>
-            <a:off x="8412163" y="6446838"/>
-            <a:ext cx="458787" cy="274637"/>
-          </a:xfrm>
-          <a:prstGeom prst="rect">
-            <a:avLst/>
-          </a:prstGeom>
-          <a:noFill/>
-          <a:ln>
-            <a:noFill/>
-          </a:ln>
-        </p:spPr>
-        <p:txBody>
-          <a:bodyPr spcFirstLastPara="1" wrap="square" lIns="91425" tIns="45700" rIns="91425" bIns="45700" anchor="t" anchorCtr="0">
-            <a:noAutofit/>
-          </a:bodyPr>
-          <a:lstStyle/>
-          <a:p>
-            <a:pPr marL="0" lvl="0" indent="0" algn="r" rtl="0">
-              <a:spcBef>
-                <a:spcPts val="0"/>
-              </a:spcBef>
-              <a:spcAft>
-                <a:spcPts val="0"/>
-              </a:spcAft>
-              <a:buNone/>
-            </a:pPr>
-            <a:fld id="{00000000-1234-1234-1234-123412341234}" type="slidenum">
-              <a:rPr lang="en-US"/>
-              <a:t>2</a:t>
-            </a:fld>
-            <a:endParaRPr/>
-          </a:p>
-        </p:txBody>
-      </p:sp>
-    </p:spTree>
-  </p:cSld>
-  <p:clrMapOvr>
-    <a:masterClrMapping/>
-  </p:clrMapOvr>
-</p:sld>
-</file>
-
-<file path=ppt/slides/slide3.xml><?xml version="1.0" encoding="utf-8"?>
-<p:sld xmlns:a="http://schemas.openxmlformats.org/drawingml/2006/main" xmlns:r="http://schemas.openxmlformats.org/officeDocument/2006/relationships" xmlns:p="http://schemas.openxmlformats.org/presentationml/2006/main">
-  <p:cSld>
-    <p:spTree>
-      <p:nvGrpSpPr>
-        <p:cNvPr id="1" name="Shape 56"/>
-        <p:cNvGrpSpPr/>
-        <p:nvPr/>
-      </p:nvGrpSpPr>
-      <p:grpSpPr>
-        <a:xfrm>
-          <a:off x="0" y="0"/>
-          <a:ext cx="0" cy="0"/>
-          <a:chOff x="0" y="0"/>
-          <a:chExt cx="0" cy="0"/>
-        </a:xfrm>
-      </p:grpSpPr>
-      <p:sp>
-        <p:nvSpPr>
-          <p:cNvPr id="57" name="Google Shape;57;p3"/>
-          <p:cNvSpPr txBox="1">
-            <a:spLocks noGrp="1"/>
-          </p:cNvSpPr>
-          <p:nvPr>
-            <p:ph type="title"/>
-          </p:nvPr>
-        </p:nvSpPr>
-        <p:spPr>
-          <a:xfrm>
-            <a:off x="274638" y="274638"/>
-            <a:ext cx="8594725" cy="593725"/>
-          </a:xfrm>
-          <a:prstGeom prst="rect">
-            <a:avLst/>
-          </a:prstGeom>
-          <a:noFill/>
-          <a:ln>
-            <a:noFill/>
-          </a:ln>
-        </p:spPr>
-        <p:txBody>
-          <a:bodyPr spcFirstLastPara="1" wrap="square" lIns="91425" tIns="45700" rIns="91425" bIns="45700" anchor="ctr" anchorCtr="0">
-            <a:noAutofit/>
-          </a:bodyPr>
-          <a:lstStyle/>
-          <a:p>
-            <a:pPr marL="0" lvl="0" indent="0" algn="ctr" rtl="0">
-              <a:spcBef>
-                <a:spcPts val="0"/>
-              </a:spcBef>
-              <a:spcAft>
-                <a:spcPts val="0"/>
-              </a:spcAft>
-              <a:buNone/>
-            </a:pPr>
-            <a:r>
-              <a:rPr lang="en-US" sz="3200" dirty="0">
-                <a:solidFill>
-                  <a:schemeClr val="accent2"/>
-                </a:solidFill>
-              </a:rPr>
-              <a:t>Industrial Relevance</a:t>
-            </a:r>
-            <a:endParaRPr dirty="0"/>
-          </a:p>
-        </p:txBody>
-      </p:sp>
-      <p:sp>
-        <p:nvSpPr>
-          <p:cNvPr id="58" name="Google Shape;58;p3"/>
-          <p:cNvSpPr txBox="1">
-            <a:spLocks noGrp="1"/>
-          </p:cNvSpPr>
-          <p:nvPr>
-            <p:ph type="body" idx="1"/>
-          </p:nvPr>
-        </p:nvSpPr>
-        <p:spPr>
-          <a:xfrm>
-            <a:off x="274638" y="1407560"/>
-            <a:ext cx="8594725" cy="4561730"/>
-          </a:xfrm>
-          <a:prstGeom prst="rect">
-            <a:avLst/>
-          </a:prstGeom>
-          <a:noFill/>
-          <a:ln>
-            <a:noFill/>
-          </a:ln>
-        </p:spPr>
-        <p:txBody>
-          <a:bodyPr spcFirstLastPara="1" wrap="square" lIns="91425" tIns="45700" rIns="91425" bIns="45700" anchor="t" anchorCtr="0">
-            <a:noAutofit/>
-          </a:bodyPr>
-          <a:lstStyle/>
-          <a:p>
-            <a:pPr marL="635000" indent="-457200">
-              <a:spcBef>
-                <a:spcPts val="0"/>
-              </a:spcBef>
-              <a:buSzPts val="2800"/>
-            </a:pPr>
-            <a:r>
-              <a:rPr lang="en-US" dirty="0">
-                <a:latin typeface="Times New Roman" panose="02020603050405020304" pitchFamily="18" charset="0"/>
-                <a:cs typeface="Times New Roman" panose="02020603050405020304" pitchFamily="18" charset="0"/>
-              </a:rPr>
-              <a:t>Vehicle Lightweighting</a:t>
-            </a:r>
-          </a:p>
-          <a:p>
-            <a:pPr marL="1092200" lvl="1" indent="-457200">
-              <a:spcBef>
-                <a:spcPts val="0"/>
-              </a:spcBef>
-              <a:buSzPts val="2800"/>
-            </a:pPr>
-            <a:r>
-              <a:rPr lang="en-US" sz="2800" dirty="0">
-                <a:latin typeface="Times New Roman" panose="02020603050405020304" pitchFamily="18" charset="0"/>
-                <a:cs typeface="Times New Roman" panose="02020603050405020304" pitchFamily="18" charset="0"/>
-              </a:rPr>
-              <a:t>Retained Austenite (TRIP, TWIP, </a:t>
-            </a:r>
-            <a:r>
-              <a:rPr lang="en-US" sz="2800" dirty="0" err="1">
-                <a:latin typeface="Times New Roman" panose="02020603050405020304" pitchFamily="18" charset="0"/>
-                <a:cs typeface="Times New Roman" panose="02020603050405020304" pitchFamily="18" charset="0"/>
-              </a:rPr>
-              <a:t>etc</a:t>
-            </a:r>
-            <a:r>
-              <a:rPr lang="en-US" sz="2800" dirty="0">
-                <a:latin typeface="Times New Roman" panose="02020603050405020304" pitchFamily="18" charset="0"/>
-                <a:cs typeface="Times New Roman" panose="02020603050405020304" pitchFamily="18" charset="0"/>
-              </a:rPr>
-              <a:t>)</a:t>
-            </a:r>
-          </a:p>
-          <a:p>
-            <a:pPr marL="1092200" lvl="1" indent="-457200">
-              <a:spcBef>
-                <a:spcPts val="0"/>
-              </a:spcBef>
-              <a:buSzPts val="2800"/>
-            </a:pPr>
-            <a:r>
-              <a:rPr lang="en-US" sz="2800" dirty="0">
-                <a:latin typeface="Times New Roman" panose="02020603050405020304" pitchFamily="18" charset="0"/>
-                <a:cs typeface="Times New Roman" panose="02020603050405020304" pitchFamily="18" charset="0"/>
-              </a:rPr>
-              <a:t>Reduced Sheet Thickness</a:t>
-            </a:r>
-          </a:p>
-          <a:p>
-            <a:pPr marL="1092200" lvl="1" indent="-457200">
-              <a:spcBef>
-                <a:spcPts val="0"/>
-              </a:spcBef>
-              <a:buSzPts val="2800"/>
-            </a:pPr>
-            <a:r>
-              <a:rPr lang="en-US" sz="2800" dirty="0">
-                <a:latin typeface="Times New Roman" panose="02020603050405020304" pitchFamily="18" charset="0"/>
-                <a:cs typeface="Times New Roman" panose="02020603050405020304" pitchFamily="18" charset="0"/>
-              </a:rPr>
-              <a:t>Maintain Safety and Toughness</a:t>
-            </a:r>
-          </a:p>
-          <a:p>
-            <a:pPr marL="635000" lvl="1" indent="0">
-              <a:spcBef>
-                <a:spcPts val="0"/>
-              </a:spcBef>
-              <a:buSzPts val="2800"/>
-              <a:buNone/>
-            </a:pPr>
-            <a:endParaRPr lang="en-US" sz="2800" dirty="0">
-              <a:latin typeface="Times New Roman" panose="02020603050405020304" pitchFamily="18" charset="0"/>
-              <a:cs typeface="Times New Roman" panose="02020603050405020304" pitchFamily="18" charset="0"/>
-            </a:endParaRPr>
-          </a:p>
-          <a:p>
-            <a:pPr marL="635000" indent="-457200">
-              <a:spcBef>
-                <a:spcPts val="0"/>
-              </a:spcBef>
-              <a:buSzPts val="2800"/>
-            </a:pPr>
-            <a:r>
-              <a:rPr lang="en-US" dirty="0">
-                <a:latin typeface="Times New Roman" panose="02020603050405020304" pitchFamily="18" charset="0"/>
-                <a:cs typeface="Times New Roman" panose="02020603050405020304" pitchFamily="18" charset="0"/>
-              </a:rPr>
-              <a:t>Commercial Production</a:t>
-            </a:r>
-          </a:p>
-        </p:txBody>
-      </p:sp>
-      <p:sp>
-        <p:nvSpPr>
-          <p:cNvPr id="59" name="Google Shape;59;p3"/>
-          <p:cNvSpPr txBox="1">
-            <a:spLocks noGrp="1"/>
-          </p:cNvSpPr>
-          <p:nvPr>
-            <p:ph type="sldNum" idx="12"/>
-          </p:nvPr>
-        </p:nvSpPr>
-        <p:spPr>
-          <a:xfrm>
-            <a:off x="8412163" y="6446838"/>
-            <a:ext cx="458787" cy="274637"/>
-          </a:xfrm>
-          <a:prstGeom prst="rect">
-            <a:avLst/>
-          </a:prstGeom>
-          <a:noFill/>
-          <a:ln>
-            <a:noFill/>
-          </a:ln>
-        </p:spPr>
-        <p:txBody>
-          <a:bodyPr spcFirstLastPara="1" wrap="square" lIns="91425" tIns="45700" rIns="91425" bIns="45700" anchor="t" anchorCtr="0">
-            <a:noAutofit/>
-          </a:bodyPr>
-          <a:lstStyle/>
-          <a:p>
-            <a:pPr marL="0" lvl="0" indent="0" algn="r" rtl="0">
-              <a:spcBef>
-                <a:spcPts val="0"/>
-              </a:spcBef>
-              <a:spcAft>
-                <a:spcPts val="0"/>
-              </a:spcAft>
-              <a:buNone/>
-            </a:pPr>
-            <a:fld id="{00000000-1234-1234-1234-123412341234}" type="slidenum">
-              <a:rPr lang="en-US"/>
-              <a:t>3</a:t>
-            </a:fld>
-            <a:endParaRPr/>
-          </a:p>
-        </p:txBody>
-      </p:sp>
-      <p:sp>
-        <p:nvSpPr>
-          <p:cNvPr id="2" name="Rectangle: Diagonal Corners Snipped 1">
-            <a:extLst>
-              <a:ext uri="{FF2B5EF4-FFF2-40B4-BE49-F238E27FC236}">
-                <a16:creationId xmlns:a16="http://schemas.microsoft.com/office/drawing/2014/main" id="{B66DDC00-1245-44A6-9569-A7CEE9F3F42A}"/>
-              </a:ext>
-            </a:extLst>
-          </p:cNvPr>
-          <p:cNvSpPr/>
-          <p:nvPr/>
-        </p:nvSpPr>
-        <p:spPr>
-          <a:xfrm>
-            <a:off x="765420" y="4474396"/>
-            <a:ext cx="2558265" cy="1366452"/>
-          </a:xfrm>
-          <a:prstGeom prst="snip2DiagRect">
-            <a:avLst/>
-          </a:prstGeom>
-          <a:solidFill>
-            <a:schemeClr val="accent6">
-              <a:lumMod val="20000"/>
-              <a:lumOff val="80000"/>
-            </a:schemeClr>
-          </a:solidFill>
-          <a:ln w="31750">
-            <a:solidFill>
-              <a:schemeClr val="bg2"/>
-            </a:solidFill>
-          </a:ln>
-        </p:spPr>
-        <p:style>
-          <a:lnRef idx="2">
-            <a:schemeClr val="accent1">
-              <a:shade val="50000"/>
-            </a:schemeClr>
-          </a:lnRef>
-          <a:fillRef idx="1">
-            <a:schemeClr val="accent1"/>
-          </a:fillRef>
-          <a:effectRef idx="0">
-            <a:schemeClr val="accent1"/>
-          </a:effectRef>
-          <a:fontRef idx="minor">
-            <a:schemeClr val="lt1"/>
-          </a:fontRef>
-        </p:style>
-        <p:txBody>
-          <a:bodyPr rtlCol="0" anchor="ctr"/>
-          <a:lstStyle/>
-          <a:p>
-            <a:pPr algn="ctr"/>
-            <a:endParaRPr lang="en-US"/>
-          </a:p>
-        </p:txBody>
-      </p:sp>
-      <p:cxnSp>
-        <p:nvCxnSpPr>
-          <p:cNvPr id="4" name="Straight Arrow Connector 3">
-            <a:extLst>
-              <a:ext uri="{FF2B5EF4-FFF2-40B4-BE49-F238E27FC236}">
-                <a16:creationId xmlns:a16="http://schemas.microsoft.com/office/drawing/2014/main" id="{E15CA7DC-934A-4409-AC26-B174491AA6BF}"/>
-              </a:ext>
-            </a:extLst>
-          </p:cNvPr>
-          <p:cNvCxnSpPr>
-            <a:cxnSpLocks/>
-          </p:cNvCxnSpPr>
-          <p:nvPr/>
-        </p:nvCxnSpPr>
-        <p:spPr>
-          <a:xfrm>
-            <a:off x="3432943" y="5157623"/>
-            <a:ext cx="2248665" cy="0"/>
-          </a:xfrm>
-          <a:prstGeom prst="straightConnector1">
-            <a:avLst/>
-          </a:prstGeom>
-          <a:ln w="76200">
-            <a:tailEnd type="triangle"/>
-          </a:ln>
-        </p:spPr>
-        <p:style>
-          <a:lnRef idx="1">
-            <a:schemeClr val="dk1"/>
-          </a:lnRef>
-          <a:fillRef idx="0">
-            <a:schemeClr val="dk1"/>
-          </a:fillRef>
-          <a:effectRef idx="0">
-            <a:schemeClr val="dk1"/>
-          </a:effectRef>
-          <a:fontRef idx="minor">
-            <a:schemeClr val="tx1"/>
-          </a:fontRef>
-        </p:style>
-      </p:cxnSp>
-      <p:sp>
-        <p:nvSpPr>
-          <p:cNvPr id="6" name="TextBox 5">
-            <a:extLst>
-              <a:ext uri="{FF2B5EF4-FFF2-40B4-BE49-F238E27FC236}">
-                <a16:creationId xmlns:a16="http://schemas.microsoft.com/office/drawing/2014/main" id="{5FE63540-16E5-4AD3-AC98-3AB7F7A8CCCB}"/>
-              </a:ext>
-            </a:extLst>
-          </p:cNvPr>
-          <p:cNvSpPr txBox="1"/>
-          <p:nvPr/>
-        </p:nvSpPr>
-        <p:spPr>
-          <a:xfrm>
-            <a:off x="1109603" y="4844686"/>
-            <a:ext cx="1910994" cy="584775"/>
-          </a:xfrm>
-          <a:prstGeom prst="rect">
-            <a:avLst/>
-          </a:prstGeom>
-          <a:noFill/>
-        </p:spPr>
-        <p:txBody>
-          <a:bodyPr wrap="square" rtlCol="0">
-            <a:spAutoFit/>
-          </a:bodyPr>
-          <a:lstStyle/>
-          <a:p>
-            <a:r>
-              <a:rPr lang="en-US" sz="3200" dirty="0">
-                <a:latin typeface="Times New Roman" panose="02020603050405020304" pitchFamily="18" charset="0"/>
-                <a:cs typeface="Times New Roman" panose="02020603050405020304" pitchFamily="18" charset="0"/>
-              </a:rPr>
-              <a:t>Research</a:t>
-            </a:r>
-          </a:p>
-        </p:txBody>
-      </p:sp>
-      <p:sp>
-        <p:nvSpPr>
-          <p:cNvPr id="8" name="Rectangle: Rounded Corners 7">
-            <a:extLst>
-              <a:ext uri="{FF2B5EF4-FFF2-40B4-BE49-F238E27FC236}">
-                <a16:creationId xmlns:a16="http://schemas.microsoft.com/office/drawing/2014/main" id="{3FC9AEFD-4DF3-4955-9216-A4D67AE9F26F}"/>
-              </a:ext>
-            </a:extLst>
-          </p:cNvPr>
-          <p:cNvSpPr/>
-          <p:nvPr/>
-        </p:nvSpPr>
-        <p:spPr>
-          <a:xfrm>
-            <a:off x="5774074" y="4474396"/>
-            <a:ext cx="2558265" cy="1366453"/>
-          </a:xfrm>
-          <a:prstGeom prst="roundRect">
-            <a:avLst/>
-          </a:prstGeom>
-          <a:solidFill>
-            <a:schemeClr val="tx2">
-              <a:lumMod val="40000"/>
-              <a:lumOff val="60000"/>
-            </a:schemeClr>
-          </a:solidFill>
-          <a:ln w="31750">
-            <a:solidFill>
-              <a:schemeClr val="bg2"/>
-            </a:solidFill>
-          </a:ln>
-        </p:spPr>
-        <p:style>
-          <a:lnRef idx="2">
-            <a:schemeClr val="accent1">
-              <a:shade val="50000"/>
-            </a:schemeClr>
-          </a:lnRef>
-          <a:fillRef idx="1">
-            <a:schemeClr val="accent1"/>
-          </a:fillRef>
-          <a:effectRef idx="0">
-            <a:schemeClr val="accent1"/>
-          </a:effectRef>
-          <a:fontRef idx="minor">
-            <a:schemeClr val="lt1"/>
-          </a:fontRef>
-        </p:style>
-        <p:txBody>
-          <a:bodyPr rtlCol="0" anchor="ctr"/>
-          <a:lstStyle/>
-          <a:p>
-            <a:pPr algn="ctr"/>
-            <a:endParaRPr lang="en-US"/>
-          </a:p>
-        </p:txBody>
-      </p:sp>
-      <p:sp>
-        <p:nvSpPr>
-          <p:cNvPr id="10" name="TextBox 9">
-            <a:extLst>
-              <a:ext uri="{FF2B5EF4-FFF2-40B4-BE49-F238E27FC236}">
-                <a16:creationId xmlns:a16="http://schemas.microsoft.com/office/drawing/2014/main" id="{5EDB7282-B2E4-4197-BF58-37DD544E604F}"/>
-              </a:ext>
-            </a:extLst>
-          </p:cNvPr>
-          <p:cNvSpPr txBox="1"/>
-          <p:nvPr/>
-        </p:nvSpPr>
-        <p:spPr>
-          <a:xfrm>
-            <a:off x="6162611" y="4854959"/>
-            <a:ext cx="1842833" cy="584775"/>
-          </a:xfrm>
-          <a:prstGeom prst="rect">
-            <a:avLst/>
-          </a:prstGeom>
-          <a:noFill/>
-        </p:spPr>
-        <p:txBody>
-          <a:bodyPr wrap="square" rtlCol="0">
-            <a:spAutoFit/>
-          </a:bodyPr>
-          <a:lstStyle/>
-          <a:p>
-            <a:r>
-              <a:rPr lang="en-US" sz="3200" dirty="0">
-                <a:latin typeface="Times New Roman" panose="02020603050405020304" pitchFamily="18" charset="0"/>
-                <a:cs typeface="Times New Roman" panose="02020603050405020304" pitchFamily="18" charset="0"/>
-              </a:rPr>
-              <a:t>Industry</a:t>
-            </a:r>
-          </a:p>
-        </p:txBody>
-      </p:sp>
-      <p:sp>
-        <p:nvSpPr>
-          <p:cNvPr id="18" name="TextBox 17">
-            <a:extLst>
-              <a:ext uri="{FF2B5EF4-FFF2-40B4-BE49-F238E27FC236}">
-                <a16:creationId xmlns:a16="http://schemas.microsoft.com/office/drawing/2014/main" id="{3C9CFD58-78B6-4557-8627-D131A1C86491}"/>
-              </a:ext>
-            </a:extLst>
-          </p:cNvPr>
-          <p:cNvSpPr txBox="1"/>
-          <p:nvPr/>
-        </p:nvSpPr>
-        <p:spPr>
-          <a:xfrm>
-            <a:off x="3504866" y="4347646"/>
-            <a:ext cx="2043176" cy="584775"/>
-          </a:xfrm>
-          <a:prstGeom prst="rect">
-            <a:avLst/>
-          </a:prstGeom>
-          <a:noFill/>
-          <a:ln>
-            <a:solidFill>
-              <a:schemeClr val="tx1"/>
-            </a:solidFill>
-          </a:ln>
-        </p:spPr>
-        <p:txBody>
-          <a:bodyPr wrap="square" rtlCol="0">
-            <a:spAutoFit/>
-          </a:bodyPr>
-          <a:lstStyle/>
-          <a:p>
-            <a:r>
-              <a:rPr lang="en-US" sz="3200" dirty="0">
-                <a:latin typeface="Times New Roman" panose="02020603050405020304" pitchFamily="18" charset="0"/>
-                <a:cs typeface="Times New Roman" panose="02020603050405020304" pitchFamily="18" charset="0"/>
-              </a:rPr>
-              <a:t>Practicality</a:t>
-            </a:r>
-          </a:p>
-        </p:txBody>
-      </p:sp>
-      <p:sp>
-        <p:nvSpPr>
-          <p:cNvPr id="23" name="TextBox 22">
-            <a:extLst>
-              <a:ext uri="{FF2B5EF4-FFF2-40B4-BE49-F238E27FC236}">
-                <a16:creationId xmlns:a16="http://schemas.microsoft.com/office/drawing/2014/main" id="{50AC6C8B-84DD-41C5-9000-679EFAD58004}"/>
-              </a:ext>
-            </a:extLst>
-          </p:cNvPr>
-          <p:cNvSpPr txBox="1"/>
-          <p:nvPr/>
-        </p:nvSpPr>
-        <p:spPr>
-          <a:xfrm>
-            <a:off x="3617880" y="5343401"/>
-            <a:ext cx="1812010" cy="584775"/>
-          </a:xfrm>
-          <a:prstGeom prst="rect">
-            <a:avLst/>
-          </a:prstGeom>
-          <a:noFill/>
-          <a:ln>
-            <a:solidFill>
-              <a:schemeClr val="tx1"/>
-            </a:solidFill>
-          </a:ln>
-        </p:spPr>
-        <p:txBody>
-          <a:bodyPr wrap="square" rtlCol="0">
-            <a:spAutoFit/>
-          </a:bodyPr>
-          <a:lstStyle/>
-          <a:p>
-            <a:r>
-              <a:rPr lang="en-US" sz="3200" dirty="0">
-                <a:latin typeface="Times New Roman" panose="02020603050405020304" pitchFamily="18" charset="0"/>
-                <a:cs typeface="Times New Roman" panose="02020603050405020304" pitchFamily="18" charset="0"/>
-              </a:rPr>
-              <a:t>Standards</a:t>
-            </a:r>
-          </a:p>
-        </p:txBody>
-      </p:sp>
-    </p:spTree>
-  </p:cSld>
-  <p:clrMapOvr>
-    <a:masterClrMapping/>
-  </p:clrMapOvr>
-</p:sld>
-</file>
-
-<file path=ppt/slides/slide4.xml><?xml version="1.0" encoding="utf-8"?>
-<p:sld xmlns:a="http://schemas.openxmlformats.org/drawingml/2006/main" xmlns:r="http://schemas.openxmlformats.org/officeDocument/2006/relationships" xmlns:p="http://schemas.openxmlformats.org/presentationml/2006/main">
-  <p:cSld>
-    <p:spTree>
-      <p:nvGrpSpPr>
-        <p:cNvPr id="1" name="Shape 65"/>
-        <p:cNvGrpSpPr/>
-        <p:nvPr/>
-      </p:nvGrpSpPr>
-      <p:grpSpPr>
-        <a:xfrm>
-          <a:off x="0" y="0"/>
-          <a:ext cx="0" cy="0"/>
-          <a:chOff x="0" y="0"/>
-          <a:chExt cx="0" cy="0"/>
-        </a:xfrm>
-      </p:grpSpPr>
-      <p:sp>
-        <p:nvSpPr>
-          <p:cNvPr id="66" name="Google Shape;66;p4"/>
-          <p:cNvSpPr txBox="1">
-            <a:spLocks noGrp="1"/>
-          </p:cNvSpPr>
-          <p:nvPr>
-            <p:ph type="title"/>
-          </p:nvPr>
-        </p:nvSpPr>
-        <p:spPr>
-          <a:xfrm>
-            <a:off x="274638" y="274638"/>
-            <a:ext cx="8594725" cy="593725"/>
-          </a:xfrm>
-          <a:prstGeom prst="rect">
-            <a:avLst/>
-          </a:prstGeom>
-          <a:noFill/>
-          <a:ln>
-            <a:noFill/>
-          </a:ln>
-        </p:spPr>
-        <p:txBody>
-          <a:bodyPr spcFirstLastPara="1" wrap="square" lIns="91425" tIns="45700" rIns="91425" bIns="45700" anchor="ctr" anchorCtr="0">
-            <a:noAutofit/>
-          </a:bodyPr>
-          <a:lstStyle/>
-          <a:p>
-            <a:pPr marL="0" lvl="0" indent="0" algn="ctr" rtl="0">
-              <a:spcBef>
-                <a:spcPts val="0"/>
-              </a:spcBef>
-              <a:spcAft>
-                <a:spcPts val="0"/>
-              </a:spcAft>
-              <a:buNone/>
-            </a:pPr>
-            <a:r>
-              <a:rPr lang="en-US" sz="3200" dirty="0">
-                <a:solidFill>
-                  <a:schemeClr val="accent2"/>
-                </a:solidFill>
-              </a:rPr>
-              <a:t>Project Plan</a:t>
-            </a:r>
-            <a:endParaRPr dirty="0"/>
-          </a:p>
-        </p:txBody>
-      </p:sp>
-      <p:sp>
-        <p:nvSpPr>
-          <p:cNvPr id="67" name="Google Shape;67;p4"/>
-          <p:cNvSpPr txBox="1">
-            <a:spLocks noGrp="1"/>
-          </p:cNvSpPr>
-          <p:nvPr>
-            <p:ph type="body" idx="1"/>
-          </p:nvPr>
-        </p:nvSpPr>
-        <p:spPr>
-          <a:xfrm>
-            <a:off x="274638" y="1050925"/>
-            <a:ext cx="8594725" cy="5395562"/>
-          </a:xfrm>
-          <a:prstGeom prst="rect">
-            <a:avLst/>
-          </a:prstGeom>
-          <a:noFill/>
-          <a:ln>
-            <a:noFill/>
-          </a:ln>
-        </p:spPr>
-        <p:txBody>
-          <a:bodyPr spcFirstLastPara="1" wrap="square" lIns="91425" tIns="45700" rIns="91425" bIns="45700" anchor="t" anchorCtr="0">
-            <a:noAutofit/>
-          </a:bodyPr>
-          <a:lstStyle/>
-          <a:p>
-            <a:pPr marL="0" lvl="0" indent="0" algn="l" rtl="0">
-              <a:lnSpc>
-                <a:spcPct val="90000"/>
-              </a:lnSpc>
-              <a:spcBef>
-                <a:spcPts val="0"/>
-              </a:spcBef>
-              <a:spcAft>
-                <a:spcPts val="0"/>
-              </a:spcAft>
-              <a:buClr>
-                <a:schemeClr val="dk1"/>
-              </a:buClr>
-              <a:buSzPts val="2400"/>
-              <a:buNone/>
-            </a:pPr>
-            <a:r>
-              <a:rPr lang="en-US" u="sng" dirty="0">
-                <a:latin typeface="Times New Roman" panose="02020603050405020304" pitchFamily="18" charset="0"/>
-                <a:cs typeface="Times New Roman" panose="02020603050405020304" pitchFamily="18" charset="0"/>
-              </a:rPr>
-              <a:t>Project Objective:</a:t>
-            </a:r>
-            <a:r>
-              <a:rPr lang="en-US" sz="2400" u="sng" dirty="0">
-                <a:latin typeface="Times New Roman" panose="02020603050405020304" pitchFamily="18" charset="0"/>
-                <a:cs typeface="Times New Roman" panose="02020603050405020304" pitchFamily="18" charset="0"/>
-              </a:rPr>
-              <a:t> </a:t>
-            </a:r>
-          </a:p>
-          <a:p>
-            <a:pPr marL="0" lvl="0" indent="0" algn="l" rtl="0">
-              <a:lnSpc>
-                <a:spcPct val="90000"/>
-              </a:lnSpc>
-              <a:spcBef>
-                <a:spcPts val="0"/>
-              </a:spcBef>
-              <a:spcAft>
-                <a:spcPts val="0"/>
-              </a:spcAft>
-              <a:buClr>
-                <a:schemeClr val="dk1"/>
-              </a:buClr>
-              <a:buSzPts val="2400"/>
-              <a:buNone/>
-            </a:pPr>
-            <a:r>
-              <a:rPr lang="en-US" sz="2600" dirty="0">
-                <a:latin typeface="Times New Roman" panose="02020603050405020304" pitchFamily="18" charset="0"/>
-                <a:cs typeface="Times New Roman" panose="02020603050405020304" pitchFamily="18" charset="0"/>
-              </a:rPr>
-              <a:t>     - To develop a web-based application (calculator) that takes XRD data inputs from the user and outputs a table detailing the phase fractions in the material. Importantly, the calculator includes an uncertainty of the measurement which has been largely ignored in the past.</a:t>
-            </a:r>
-            <a:endParaRPr sz="2600" dirty="0">
-              <a:latin typeface="Times New Roman" panose="02020603050405020304" pitchFamily="18" charset="0"/>
-              <a:cs typeface="Times New Roman" panose="02020603050405020304" pitchFamily="18" charset="0"/>
-            </a:endParaRPr>
-          </a:p>
-          <a:p>
-            <a:pPr marL="233363" lvl="0" indent="-80963" algn="l" rtl="0">
-              <a:lnSpc>
-                <a:spcPct val="90000"/>
-              </a:lnSpc>
-              <a:spcBef>
-                <a:spcPts val="480"/>
-              </a:spcBef>
-              <a:spcAft>
-                <a:spcPts val="0"/>
-              </a:spcAft>
-              <a:buClr>
-                <a:schemeClr val="dk1"/>
-              </a:buClr>
-              <a:buSzPts val="2400"/>
-              <a:buFont typeface="Arial"/>
-              <a:buNone/>
-            </a:pPr>
-            <a:endParaRPr sz="2400" dirty="0">
-              <a:solidFill>
-                <a:srgbClr val="FF0000"/>
-              </a:solidFill>
-            </a:endParaRPr>
-          </a:p>
-          <a:p>
-            <a:pPr marL="0" lvl="0" indent="0" algn="l" rtl="0">
-              <a:lnSpc>
-                <a:spcPct val="90000"/>
-              </a:lnSpc>
-              <a:spcBef>
-                <a:spcPts val="480"/>
-              </a:spcBef>
-              <a:spcAft>
-                <a:spcPts val="0"/>
-              </a:spcAft>
-              <a:buClr>
-                <a:schemeClr val="dk1"/>
-              </a:buClr>
-              <a:buSzPts val="2400"/>
-              <a:buNone/>
-            </a:pPr>
-            <a:r>
-              <a:rPr lang="en-US" u="sng" dirty="0">
-                <a:latin typeface="Times New Roman" panose="02020603050405020304" pitchFamily="18" charset="0"/>
-                <a:cs typeface="Times New Roman" panose="02020603050405020304" pitchFamily="18" charset="0"/>
-              </a:rPr>
-              <a:t>Expected Results:</a:t>
-            </a:r>
-          </a:p>
-          <a:p>
-            <a:pPr marL="0" lvl="0" indent="0" algn="l" rtl="0">
-              <a:lnSpc>
-                <a:spcPct val="90000"/>
-              </a:lnSpc>
-              <a:spcBef>
-                <a:spcPts val="480"/>
-              </a:spcBef>
-              <a:spcAft>
-                <a:spcPts val="0"/>
-              </a:spcAft>
-              <a:buClr>
-                <a:schemeClr val="dk1"/>
-              </a:buClr>
-              <a:buSzPts val="2400"/>
-              <a:buNone/>
-            </a:pPr>
-            <a:r>
-              <a:rPr lang="en-US" sz="2400" dirty="0">
-                <a:latin typeface="Times New Roman" panose="02020603050405020304" pitchFamily="18" charset="0"/>
-                <a:cs typeface="Times New Roman" panose="02020603050405020304" pitchFamily="18" charset="0"/>
-              </a:rPr>
-              <a:t>     </a:t>
-            </a:r>
-            <a:r>
-              <a:rPr lang="en-US" sz="2600" dirty="0">
-                <a:latin typeface="Times New Roman" panose="02020603050405020304" pitchFamily="18" charset="0"/>
-                <a:cs typeface="Times New Roman" panose="02020603050405020304" pitchFamily="18" charset="0"/>
-              </a:rPr>
-              <a:t>- Pre-recorded demo here?</a:t>
-            </a:r>
-          </a:p>
-          <a:p>
-            <a:pPr marL="0" lvl="0" indent="0" algn="l" rtl="0">
-              <a:lnSpc>
-                <a:spcPct val="90000"/>
-              </a:lnSpc>
-              <a:spcBef>
-                <a:spcPts val="480"/>
-              </a:spcBef>
-              <a:spcAft>
-                <a:spcPts val="0"/>
-              </a:spcAft>
-              <a:buClr>
-                <a:schemeClr val="dk1"/>
-              </a:buClr>
-              <a:buSzPts val="2400"/>
-              <a:buNone/>
-            </a:pPr>
-            <a:r>
-              <a:rPr lang="en-US" sz="1800" dirty="0">
-                <a:solidFill>
-                  <a:srgbClr val="FF0000"/>
-                </a:solidFill>
-              </a:rPr>
-              <a:t>(a succinct statement of your expected results – presented in a manner to assist sponsors in assessing how they should plan to use your results.)</a:t>
-            </a:r>
-            <a:endParaRPr sz="1800" dirty="0"/>
-          </a:p>
-        </p:txBody>
-      </p:sp>
-      <p:sp>
-        <p:nvSpPr>
-          <p:cNvPr id="68" name="Google Shape;68;p4"/>
-          <p:cNvSpPr txBox="1">
-            <a:spLocks noGrp="1"/>
-          </p:cNvSpPr>
-          <p:nvPr>
-            <p:ph type="sldNum" idx="12"/>
-          </p:nvPr>
-        </p:nvSpPr>
-        <p:spPr>
-          <a:xfrm>
-            <a:off x="8412163" y="6446838"/>
-            <a:ext cx="458787" cy="274637"/>
-          </a:xfrm>
-          <a:prstGeom prst="rect">
-            <a:avLst/>
-          </a:prstGeom>
-          <a:noFill/>
-          <a:ln>
-            <a:noFill/>
-          </a:ln>
-        </p:spPr>
-        <p:txBody>
-          <a:bodyPr spcFirstLastPara="1" wrap="square" lIns="91425" tIns="45700" rIns="91425" bIns="45700" anchor="t" anchorCtr="0">
-            <a:noAutofit/>
-          </a:bodyPr>
-          <a:lstStyle/>
-          <a:p>
-            <a:pPr marL="0" lvl="0" indent="0" algn="r" rtl="0">
-              <a:spcBef>
-                <a:spcPts val="0"/>
-              </a:spcBef>
-              <a:spcAft>
-                <a:spcPts val="0"/>
-              </a:spcAft>
-              <a:buNone/>
-            </a:pPr>
-            <a:fld id="{00000000-1234-1234-1234-123412341234}" type="slidenum">
-              <a:rPr lang="en-US"/>
-              <a:t>4</a:t>
-            </a:fld>
-            <a:endParaRPr/>
-          </a:p>
-        </p:txBody>
-      </p:sp>
-    </p:spTree>
-  </p:cSld>
-  <p:clrMapOvr>
-    <a:masterClrMapping/>
-  </p:clrMapOvr>
-</p:sld>
-</file>
-
-<file path=ppt/slides/slide5.xml><?xml version="1.0" encoding="utf-8"?>
+<file path=ppt/slides/slide10.xml><?xml version="1.0" encoding="utf-8"?>
 <p:sld xmlns:a="http://schemas.openxmlformats.org/drawingml/2006/main" xmlns:r="http://schemas.openxmlformats.org/officeDocument/2006/relationships" xmlns:p="http://schemas.openxmlformats.org/presentationml/2006/main">
   <p:cSld>
     <p:spTree>
@@ -8857,7 +7753,7 @@
           <p:cNvPr id="2" name="Title 1">
             <a:extLst>
               <a:ext uri="{FF2B5EF4-FFF2-40B4-BE49-F238E27FC236}">
-                <a16:creationId xmlns:a16="http://schemas.microsoft.com/office/drawing/2014/main" id="{51304626-F93A-49DC-A77A-C6CE0621C546}"/>
+                <a16:creationId xmlns:a16="http://schemas.microsoft.com/office/drawing/2014/main" id="{9B0C6EAB-6F22-42AC-AFC7-5E5FD822B0EA}"/>
               </a:ext>
             </a:extLst>
           </p:cNvPr>
@@ -8875,7 +7771,7 @@
           <a:p>
             <a:r>
               <a:rPr lang="en-US" dirty="0"/>
-              <a:t>Project Plan Cont.</a:t>
+              <a:t>Conclusions</a:t>
             </a:r>
           </a:p>
         </p:txBody>
@@ -8885,7 +7781,7 @@
           <p:cNvPr id="3" name="Text Placeholder 2">
             <a:extLst>
               <a:ext uri="{FF2B5EF4-FFF2-40B4-BE49-F238E27FC236}">
-                <a16:creationId xmlns:a16="http://schemas.microsoft.com/office/drawing/2014/main" id="{99D7FEFC-D875-4F20-8E3B-41F8E91B5D22}"/>
+                <a16:creationId xmlns:a16="http://schemas.microsoft.com/office/drawing/2014/main" id="{2769F863-4DD1-4D7C-B3D4-4CD6AF1D8EDF}"/>
               </a:ext>
             </a:extLst>
           </p:cNvPr>
@@ -8896,140 +7792,133 @@
             <p:ph type="body" idx="1"/>
           </p:nvPr>
         </p:nvSpPr>
-        <p:spPr/>
+        <p:spPr>
+          <a:xfrm>
+            <a:off x="274638" y="1050925"/>
+            <a:ext cx="8594725" cy="5395913"/>
+          </a:xfrm>
+        </p:spPr>
         <p:txBody>
           <a:bodyPr/>
           <a:lstStyle/>
           <a:p>
-            <a:pPr marL="114300" indent="0">
-              <a:buNone/>
-            </a:pPr>
             <a:r>
-              <a:rPr lang="en-US" sz="2800" u="sng" dirty="0">
-                <a:solidFill>
-                  <a:schemeClr val="tx1"/>
-                </a:solidFill>
+              <a:rPr lang="en-US" sz="2600" dirty="0">
                 <a:latin typeface="Times New Roman" panose="02020603050405020304" pitchFamily="18" charset="0"/>
                 <a:cs typeface="Times New Roman" panose="02020603050405020304" pitchFamily="18" charset="0"/>
               </a:rPr>
-              <a:t>Project Scope</a:t>
+              <a:t>Preliminary: interaction modeling, microstructure modeling</a:t>
             </a:r>
+          </a:p>
+          <a:p>
             <a:r>
-              <a:rPr lang="en-US" sz="2800" dirty="0">
-                <a:solidFill>
-                  <a:schemeClr val="tx1"/>
-                </a:solidFill>
+              <a:rPr lang="en-US" sz="2600" dirty="0">
                 <a:latin typeface="Times New Roman" panose="02020603050405020304" pitchFamily="18" charset="0"/>
                 <a:cs typeface="Times New Roman" panose="02020603050405020304" pitchFamily="18" charset="0"/>
               </a:rPr>
-              <a:t>:</a:t>
+              <a:t>Texture effects have been looked at by Michael Cox</a:t>
             </a:r>
+          </a:p>
+          <a:p>
             <a:r>
-              <a:rPr lang="en-US" dirty="0">
-                <a:solidFill>
-                  <a:srgbClr val="FF0000"/>
-                </a:solidFill>
+              <a:rPr lang="en-US" sz="2600" dirty="0">
                 <a:latin typeface="Times New Roman" panose="02020603050405020304" pitchFamily="18" charset="0"/>
                 <a:cs typeface="Times New Roman" panose="02020603050405020304" pitchFamily="18" charset="0"/>
               </a:rPr>
-              <a:t> </a:t>
+              <a:t>Automated peak fitting is ongoing, uncertainty calculations have started to be developed</a:t>
             </a:r>
+          </a:p>
+          <a:p>
             <a:r>
-              <a:rPr lang="en-US" sz="1800" dirty="0">
-                <a:solidFill>
-                  <a:schemeClr val="tx1"/>
+              <a:rPr lang="en-US" sz="2600" dirty="0">
+                <a:solidFill>
+                  <a:schemeClr val="accent6">
+                    <a:lumMod val="60000"/>
+                    <a:lumOff val="40000"/>
+                  </a:schemeClr>
                 </a:solidFill>
                 <a:latin typeface="Times New Roman" panose="02020603050405020304" pitchFamily="18" charset="0"/>
                 <a:cs typeface="Times New Roman" panose="02020603050405020304" pitchFamily="18" charset="0"/>
               </a:rPr>
-              <a:t>(Read over for correctness of content not actual presentation format)</a:t>
+              <a:t>Are you interested in this application?</a:t>
             </a:r>
-            <a:endParaRPr lang="en-US" sz="1800" u="sng" dirty="0">
-              <a:solidFill>
-                <a:schemeClr val="tx1"/>
-              </a:solidFill>
-              <a:latin typeface="Times New Roman" panose="02020603050405020304" pitchFamily="18" charset="0"/>
-              <a:cs typeface="Times New Roman" panose="02020603050405020304" pitchFamily="18" charset="0"/>
-            </a:endParaRPr>
-          </a:p>
-          <a:p>
-            <a:pPr marL="114300" indent="0">
-              <a:buNone/>
-            </a:pPr>
+          </a:p>
+          <a:p>
             <a:r>
               <a:rPr lang="en-US" sz="2600" dirty="0">
                 <a:solidFill>
-                  <a:srgbClr val="FF0000"/>
+                  <a:schemeClr val="accent6">
+                    <a:lumMod val="60000"/>
+                    <a:lumOff val="40000"/>
+                  </a:schemeClr>
                 </a:solidFill>
                 <a:latin typeface="Times New Roman" panose="02020603050405020304" pitchFamily="18" charset="0"/>
                 <a:cs typeface="Times New Roman" panose="02020603050405020304" pitchFamily="18" charset="0"/>
               </a:rPr>
-              <a:t>     </a:t>
+              <a:t>What did we forget?</a:t>
             </a:r>
+          </a:p>
+          <a:p>
             <a:r>
-              <a:rPr lang="en-US" sz="2400" dirty="0">
-                <a:solidFill>
-                  <a:schemeClr val="tx1"/>
+              <a:rPr lang="en-US" sz="2600" dirty="0">
+                <a:solidFill>
+                  <a:schemeClr val="accent6">
+                    <a:lumMod val="60000"/>
+                    <a:lumOff val="40000"/>
+                  </a:schemeClr>
                 </a:solidFill>
                 <a:latin typeface="Times New Roman" panose="02020603050405020304" pitchFamily="18" charset="0"/>
                 <a:cs typeface="Times New Roman" panose="02020603050405020304" pitchFamily="18" charset="0"/>
               </a:rPr>
-              <a:t>- The calculator is a python-based application which leverages the GSAS II code base to calculate the fractions of the phases contained in the sample. It does this by taking a standard XRD data file along with specific instrument parameters, and automatically fitting the Intensity vs 2</a:t>
+              <a:t>How can it be improved?</a:t>
             </a:r>
+          </a:p>
+          <a:p>
             <a:r>
-              <a:rPr lang="el-GR" sz="2400" dirty="0">
-                <a:solidFill>
-                  <a:schemeClr val="tx1"/>
+              <a:rPr lang="en-US" sz="2600" dirty="0">
+                <a:solidFill>
+                  <a:srgbClr val="FF0000"/>
                 </a:solidFill>
                 <a:latin typeface="Times New Roman" panose="02020603050405020304" pitchFamily="18" charset="0"/>
                 <a:cs typeface="Times New Roman" panose="02020603050405020304" pitchFamily="18" charset="0"/>
               </a:rPr>
-              <a:t>θ</a:t>
+              <a:t>*Prerelease, very early testing*</a:t>
             </a:r>
+          </a:p>
+          <a:p>
             <a:r>
-              <a:rPr lang="en-US" sz="2400" dirty="0">
-                <a:solidFill>
-                  <a:schemeClr val="tx1"/>
-                </a:solidFill>
+              <a:rPr lang="en-US" sz="2600" dirty="0">
                 <a:latin typeface="Times New Roman" panose="02020603050405020304" pitchFamily="18" charset="0"/>
                 <a:cs typeface="Times New Roman" panose="02020603050405020304" pitchFamily="18" charset="0"/>
               </a:rPr>
-              <a:t> plot.</a:t>
+              <a:t>Contact Dr. </a:t>
             </a:r>
-          </a:p>
-          <a:p>
-            <a:pPr marL="114300" indent="0">
-              <a:buNone/>
-            </a:pPr>
             <a:r>
-              <a:rPr lang="en-US" sz="2400" dirty="0">
-                <a:solidFill>
-                  <a:schemeClr val="tx1"/>
-                </a:solidFill>
+              <a:rPr lang="en-US" sz="2600" dirty="0" err="1">
                 <a:latin typeface="Times New Roman" panose="02020603050405020304" pitchFamily="18" charset="0"/>
                 <a:cs typeface="Times New Roman" panose="02020603050405020304" pitchFamily="18" charset="0"/>
               </a:rPr>
-              <a:t>     - In order to find the phase fractions, a theoretical intensity of each phase is generated and then compared to the experimental data. This method is further described in the following slides.</a:t>
+              <a:t>Creuziger</a:t>
             </a:r>
-            <a:endParaRPr lang="en-US" sz="2400" dirty="0">
-              <a:solidFill>
-                <a:schemeClr val="tx1"/>
-              </a:solidFill>
-            </a:endParaRPr>
-          </a:p>
-          <a:p>
             <a:r>
-              <a:rPr lang="en-US" sz="1800" dirty="0">
-                <a:solidFill>
-                  <a:srgbClr val="FF0000"/>
-                </a:solidFill>
+              <a:rPr lang="en-US" sz="2600" dirty="0">
+                <a:latin typeface="Times New Roman" panose="02020603050405020304" pitchFamily="18" charset="0"/>
+                <a:cs typeface="Times New Roman" panose="02020603050405020304" pitchFamily="18" charset="0"/>
               </a:rPr>
-              <a:t>(a clear statement of the scope of your program that clarifies what you are doing and how you are doing it – if necessary, the scope could be on a separate page)</a:t>
+              <a:t> at NIST for information and to give feedback:</a:t>
             </a:r>
-            <a:endParaRPr lang="en-US" sz="1800" dirty="0"/>
-          </a:p>
-          <a:p>
-            <a:endParaRPr lang="en-US" dirty="0"/>
+          </a:p>
+          <a:p>
+            <a:pPr marL="571500" lvl="1" indent="0">
+              <a:buNone/>
+            </a:pPr>
+            <a:r>
+              <a:rPr lang="en-US" sz="3200" b="1" i="0" dirty="0">
+                <a:latin typeface="Times New Roman" panose="02020603050405020304" pitchFamily="18" charset="0"/>
+                <a:cs typeface="Times New Roman" panose="02020603050405020304" pitchFamily="18" charset="0"/>
+              </a:rPr>
+              <a:t>- adam.creuziger@nist.gov</a:t>
+            </a:r>
           </a:p>
         </p:txBody>
       </p:sp>
@@ -9038,7 +7927,7 @@
           <p:cNvPr id="4" name="Slide Number Placeholder 3">
             <a:extLst>
               <a:ext uri="{FF2B5EF4-FFF2-40B4-BE49-F238E27FC236}">
-                <a16:creationId xmlns:a16="http://schemas.microsoft.com/office/drawing/2014/main" id="{68AEBA0D-17C3-4122-8FE1-5481D255FC1B}"/>
+                <a16:creationId xmlns:a16="http://schemas.microsoft.com/office/drawing/2014/main" id="{9B7084AC-3D12-4FBD-BC6A-85F30B8B4859}"/>
               </a:ext>
             </a:extLst>
           </p:cNvPr>
@@ -9065,7 +7954,7 @@
             </a:pPr>
             <a:fld id="{00000000-1234-1234-1234-123412341234}" type="slidenum">
               <a:rPr lang="en-US" smtClean="0"/>
-              <a:t>5</a:t>
+              <a:t>10</a:t>
             </a:fld>
             <a:endParaRPr lang="en-US"/>
           </a:p>
@@ -9074,7 +7963,7 @@
     </p:spTree>
     <p:extLst>
       <p:ext uri="{BB962C8B-B14F-4D97-AF65-F5344CB8AC3E}">
-        <p14:creationId xmlns:p14="http://schemas.microsoft.com/office/powerpoint/2010/main" val="317140377"/>
+        <p14:creationId xmlns:p14="http://schemas.microsoft.com/office/powerpoint/2010/main" val="96235862"/>
       </p:ext>
     </p:extLst>
   </p:cSld>
@@ -9084,599 +7973,7 @@
 </p:sld>
 </file>
 
-<file path=ppt/slides/slide6.xml><?xml version="1.0" encoding="utf-8"?>
-<p:sld xmlns:a="http://schemas.openxmlformats.org/drawingml/2006/main" xmlns:r="http://schemas.openxmlformats.org/officeDocument/2006/relationships" xmlns:p="http://schemas.openxmlformats.org/presentationml/2006/main">
-  <p:cSld>
-    <p:spTree>
-      <p:nvGrpSpPr>
-        <p:cNvPr id="1" name=""/>
-        <p:cNvGrpSpPr/>
-        <p:nvPr/>
-      </p:nvGrpSpPr>
-      <p:grpSpPr>
-        <a:xfrm>
-          <a:off x="0" y="0"/>
-          <a:ext cx="0" cy="0"/>
-          <a:chOff x="0" y="0"/>
-          <a:chExt cx="0" cy="0"/>
-        </a:xfrm>
-      </p:grpSpPr>
-      <p:sp>
-        <p:nvSpPr>
-          <p:cNvPr id="2" name="Title 1">
-            <a:extLst>
-              <a:ext uri="{FF2B5EF4-FFF2-40B4-BE49-F238E27FC236}">
-                <a16:creationId xmlns:a16="http://schemas.microsoft.com/office/drawing/2014/main" id="{51304626-F93A-49DC-A77A-C6CE0621C546}"/>
-              </a:ext>
-            </a:extLst>
-          </p:cNvPr>
-          <p:cNvSpPr>
-            <a:spLocks noGrp="1"/>
-          </p:cNvSpPr>
-          <p:nvPr>
-            <p:ph type="title"/>
-          </p:nvPr>
-        </p:nvSpPr>
-        <p:spPr/>
-        <p:txBody>
-          <a:bodyPr/>
-          <a:lstStyle/>
-          <a:p>
-            <a:r>
-              <a:rPr lang="en-US" dirty="0"/>
-              <a:t>Project Plan Cont.</a:t>
-            </a:r>
-          </a:p>
-        </p:txBody>
-      </p:sp>
-      <p:sp>
-        <p:nvSpPr>
-          <p:cNvPr id="3" name="Text Placeholder 2">
-            <a:extLst>
-              <a:ext uri="{FF2B5EF4-FFF2-40B4-BE49-F238E27FC236}">
-                <a16:creationId xmlns:a16="http://schemas.microsoft.com/office/drawing/2014/main" id="{99D7FEFC-D875-4F20-8E3B-41F8E91B5D22}"/>
-              </a:ext>
-            </a:extLst>
-          </p:cNvPr>
-          <p:cNvSpPr>
-            <a:spLocks noGrp="1"/>
-          </p:cNvSpPr>
-          <p:nvPr>
-            <p:ph type="body" idx="1"/>
-          </p:nvPr>
-        </p:nvSpPr>
-        <p:spPr>
-          <a:xfrm>
-            <a:off x="274636" y="1201035"/>
-            <a:ext cx="8594725" cy="5395562"/>
-          </a:xfrm>
-        </p:spPr>
-        <p:txBody>
-          <a:bodyPr/>
-          <a:lstStyle/>
-          <a:p>
-            <a:pPr marL="114300" indent="0">
-              <a:buNone/>
-            </a:pPr>
-            <a:r>
-              <a:rPr lang="en-US" sz="2800" u="sng" dirty="0">
-                <a:solidFill>
-                  <a:schemeClr val="tx1"/>
-                </a:solidFill>
-                <a:latin typeface="Times New Roman" panose="02020603050405020304" pitchFamily="18" charset="0"/>
-                <a:cs typeface="Times New Roman" panose="02020603050405020304" pitchFamily="18" charset="0"/>
-              </a:rPr>
-              <a:t>Project Scope</a:t>
-            </a:r>
-            <a:r>
-              <a:rPr lang="en-US" sz="2800" dirty="0">
-                <a:solidFill>
-                  <a:schemeClr val="tx1"/>
-                </a:solidFill>
-                <a:latin typeface="Times New Roman" panose="02020603050405020304" pitchFamily="18" charset="0"/>
-                <a:cs typeface="Times New Roman" panose="02020603050405020304" pitchFamily="18" charset="0"/>
-              </a:rPr>
-              <a:t>:</a:t>
-            </a:r>
-            <a:endParaRPr lang="en-US" sz="1800" u="sng" dirty="0">
-              <a:solidFill>
-                <a:schemeClr val="tx1"/>
-              </a:solidFill>
-              <a:latin typeface="Times New Roman" panose="02020603050405020304" pitchFamily="18" charset="0"/>
-              <a:cs typeface="Times New Roman" panose="02020603050405020304" pitchFamily="18" charset="0"/>
-            </a:endParaRPr>
-          </a:p>
-          <a:p>
-            <a:pPr marL="114300" indent="0">
-              <a:buNone/>
-            </a:pPr>
-            <a:r>
-              <a:rPr lang="en-US" sz="2600" dirty="0">
-                <a:solidFill>
-                  <a:srgbClr val="FF0000"/>
-                </a:solidFill>
-                <a:latin typeface="Times New Roman" panose="02020603050405020304" pitchFamily="18" charset="0"/>
-                <a:cs typeface="Times New Roman" panose="02020603050405020304" pitchFamily="18" charset="0"/>
-              </a:rPr>
-              <a:t>     </a:t>
-            </a:r>
-            <a:r>
-              <a:rPr lang="en-US" sz="2400" dirty="0">
-                <a:solidFill>
-                  <a:schemeClr val="tx1"/>
-                </a:solidFill>
-                <a:latin typeface="Times New Roman" panose="02020603050405020304" pitchFamily="18" charset="0"/>
-                <a:cs typeface="Times New Roman" panose="02020603050405020304" pitchFamily="18" charset="0"/>
-              </a:rPr>
-              <a:t>- An input of XRD data is placed into the python-based application. Using calculated theoretical intensity values of each phase present and comparing that to the empirical data, the phase fraction in the material can be found.</a:t>
-            </a:r>
-          </a:p>
-        </p:txBody>
-      </p:sp>
-      <p:sp>
-        <p:nvSpPr>
-          <p:cNvPr id="4" name="Slide Number Placeholder 3">
-            <a:extLst>
-              <a:ext uri="{FF2B5EF4-FFF2-40B4-BE49-F238E27FC236}">
-                <a16:creationId xmlns:a16="http://schemas.microsoft.com/office/drawing/2014/main" id="{68AEBA0D-17C3-4122-8FE1-5481D255FC1B}"/>
-              </a:ext>
-            </a:extLst>
-          </p:cNvPr>
-          <p:cNvSpPr>
-            <a:spLocks noGrp="1"/>
-          </p:cNvSpPr>
-          <p:nvPr>
-            <p:ph type="sldNum" idx="12"/>
-          </p:nvPr>
-        </p:nvSpPr>
-        <p:spPr/>
-        <p:txBody>
-          <a:bodyPr/>
-          <a:lstStyle/>
-          <a:p>
-            <a:pPr marL="0" lvl="0" indent="0" algn="r" rtl="0">
-              <a:spcBef>
-                <a:spcPts val="0"/>
-              </a:spcBef>
-              <a:spcAft>
-                <a:spcPts val="0"/>
-              </a:spcAft>
-              <a:buNone/>
-            </a:pPr>
-            <a:fld id="{00000000-1234-1234-1234-123412341234}" type="slidenum">
-              <a:rPr lang="en-US" smtClean="0"/>
-              <a:t>6</a:t>
-            </a:fld>
-            <a:endParaRPr lang="en-US"/>
-          </a:p>
-        </p:txBody>
-      </p:sp>
-      <p:sp>
-        <p:nvSpPr>
-          <p:cNvPr id="6" name="Rectangle: Diagonal Corners Rounded 5">
-            <a:extLst>
-              <a:ext uri="{FF2B5EF4-FFF2-40B4-BE49-F238E27FC236}">
-                <a16:creationId xmlns:a16="http://schemas.microsoft.com/office/drawing/2014/main" id="{F7D4DA30-9B4C-4EE5-93C3-CCF0CFD0A67C}"/>
-              </a:ext>
-            </a:extLst>
-          </p:cNvPr>
-          <p:cNvSpPr/>
-          <p:nvPr/>
-        </p:nvSpPr>
-        <p:spPr>
-          <a:xfrm>
-            <a:off x="2979505" y="3893906"/>
-            <a:ext cx="3184989" cy="1913169"/>
-          </a:xfrm>
-          <a:prstGeom prst="round2DiagRect">
-            <a:avLst/>
-          </a:prstGeom>
-          <a:solidFill>
-            <a:schemeClr val="accent6">
-              <a:lumMod val="20000"/>
-              <a:lumOff val="80000"/>
-            </a:schemeClr>
-          </a:solidFill>
-          <a:ln w="38100">
-            <a:solidFill>
-              <a:schemeClr val="tx1"/>
-            </a:solidFill>
-          </a:ln>
-        </p:spPr>
-        <p:style>
-          <a:lnRef idx="2">
-            <a:schemeClr val="accent1">
-              <a:shade val="50000"/>
-            </a:schemeClr>
-          </a:lnRef>
-          <a:fillRef idx="1">
-            <a:schemeClr val="accent1"/>
-          </a:fillRef>
-          <a:effectRef idx="0">
-            <a:schemeClr val="accent1"/>
-          </a:effectRef>
-          <a:fontRef idx="minor">
-            <a:schemeClr val="lt1"/>
-          </a:fontRef>
-        </p:style>
-        <p:txBody>
-          <a:bodyPr rtlCol="0" anchor="ctr"/>
-          <a:lstStyle/>
-          <a:p>
-            <a:pPr algn="ctr"/>
-            <a:endParaRPr lang="en-US"/>
-          </a:p>
-        </p:txBody>
-      </p:sp>
-      <p:cxnSp>
-        <p:nvCxnSpPr>
-          <p:cNvPr id="7" name="Straight Arrow Connector 6">
-            <a:extLst>
-              <a:ext uri="{FF2B5EF4-FFF2-40B4-BE49-F238E27FC236}">
-                <a16:creationId xmlns:a16="http://schemas.microsoft.com/office/drawing/2014/main" id="{4DBBC616-6D68-4524-B6A3-D9F19CEA8E05}"/>
-              </a:ext>
-            </a:extLst>
-          </p:cNvPr>
-          <p:cNvCxnSpPr>
-            <a:cxnSpLocks/>
-          </p:cNvCxnSpPr>
-          <p:nvPr/>
-        </p:nvCxnSpPr>
-        <p:spPr>
-          <a:xfrm>
-            <a:off x="842481" y="5455573"/>
-            <a:ext cx="2044556" cy="0"/>
-          </a:xfrm>
-          <a:prstGeom prst="straightConnector1">
-            <a:avLst/>
-          </a:prstGeom>
-          <a:ln w="76200">
-            <a:tailEnd type="triangle"/>
-          </a:ln>
-        </p:spPr>
-        <p:style>
-          <a:lnRef idx="1">
-            <a:schemeClr val="dk1"/>
-          </a:lnRef>
-          <a:fillRef idx="0">
-            <a:schemeClr val="dk1"/>
-          </a:fillRef>
-          <a:effectRef idx="0">
-            <a:schemeClr val="dk1"/>
-          </a:effectRef>
-          <a:fontRef idx="minor">
-            <a:schemeClr val="tx1"/>
-          </a:fontRef>
-        </p:style>
-      </p:cxnSp>
-      <p:cxnSp>
-        <p:nvCxnSpPr>
-          <p:cNvPr id="8" name="Straight Arrow Connector 7">
-            <a:extLst>
-              <a:ext uri="{FF2B5EF4-FFF2-40B4-BE49-F238E27FC236}">
-                <a16:creationId xmlns:a16="http://schemas.microsoft.com/office/drawing/2014/main" id="{228A23D3-1DDA-4871-97CE-4975B48865AE}"/>
-              </a:ext>
-            </a:extLst>
-          </p:cNvPr>
-          <p:cNvCxnSpPr>
-            <a:cxnSpLocks/>
-          </p:cNvCxnSpPr>
-          <p:nvPr/>
-        </p:nvCxnSpPr>
-        <p:spPr>
-          <a:xfrm>
-            <a:off x="842481" y="4479529"/>
-            <a:ext cx="2044556" cy="0"/>
-          </a:xfrm>
-          <a:prstGeom prst="straightConnector1">
-            <a:avLst/>
-          </a:prstGeom>
-          <a:ln w="76200">
-            <a:tailEnd type="triangle"/>
-          </a:ln>
-        </p:spPr>
-        <p:style>
-          <a:lnRef idx="1">
-            <a:schemeClr val="dk1"/>
-          </a:lnRef>
-          <a:fillRef idx="0">
-            <a:schemeClr val="dk1"/>
-          </a:fillRef>
-          <a:effectRef idx="0">
-            <a:schemeClr val="dk1"/>
-          </a:effectRef>
-          <a:fontRef idx="minor">
-            <a:schemeClr val="tx1"/>
-          </a:fontRef>
-        </p:style>
-      </p:cxnSp>
-      <p:cxnSp>
-        <p:nvCxnSpPr>
-          <p:cNvPr id="9" name="Straight Arrow Connector 8">
-            <a:extLst>
-              <a:ext uri="{FF2B5EF4-FFF2-40B4-BE49-F238E27FC236}">
-                <a16:creationId xmlns:a16="http://schemas.microsoft.com/office/drawing/2014/main" id="{3F823461-E5BF-4449-8303-5CFDCDEAFDAD}"/>
-              </a:ext>
-            </a:extLst>
-          </p:cNvPr>
-          <p:cNvCxnSpPr>
-            <a:cxnSpLocks/>
-          </p:cNvCxnSpPr>
-          <p:nvPr/>
-        </p:nvCxnSpPr>
-        <p:spPr>
-          <a:xfrm>
-            <a:off x="6268610" y="4448703"/>
-            <a:ext cx="1868523" cy="0"/>
-          </a:xfrm>
-          <a:prstGeom prst="straightConnector1">
-            <a:avLst/>
-          </a:prstGeom>
-          <a:ln w="76200">
-            <a:tailEnd type="triangle"/>
-          </a:ln>
-        </p:spPr>
-        <p:style>
-          <a:lnRef idx="1">
-            <a:schemeClr val="dk1"/>
-          </a:lnRef>
-          <a:fillRef idx="0">
-            <a:schemeClr val="dk1"/>
-          </a:fillRef>
-          <a:effectRef idx="0">
-            <a:schemeClr val="dk1"/>
-          </a:effectRef>
-          <a:fontRef idx="minor">
-            <a:schemeClr val="tx1"/>
-          </a:fontRef>
-        </p:style>
-      </p:cxnSp>
-      <p:cxnSp>
-        <p:nvCxnSpPr>
-          <p:cNvPr id="11" name="Straight Arrow Connector 10">
-            <a:extLst>
-              <a:ext uri="{FF2B5EF4-FFF2-40B4-BE49-F238E27FC236}">
-                <a16:creationId xmlns:a16="http://schemas.microsoft.com/office/drawing/2014/main" id="{7A84FE1C-0729-4075-B5DE-D9FBEBECC907}"/>
-              </a:ext>
-            </a:extLst>
-          </p:cNvPr>
-          <p:cNvCxnSpPr>
-            <a:cxnSpLocks/>
-          </p:cNvCxnSpPr>
-          <p:nvPr/>
-        </p:nvCxnSpPr>
-        <p:spPr>
-          <a:xfrm>
-            <a:off x="6268610" y="5455573"/>
-            <a:ext cx="1868523" cy="0"/>
-          </a:xfrm>
-          <a:prstGeom prst="straightConnector1">
-            <a:avLst/>
-          </a:prstGeom>
-          <a:ln w="76200">
-            <a:tailEnd type="triangle"/>
-          </a:ln>
-        </p:spPr>
-        <p:style>
-          <a:lnRef idx="1">
-            <a:schemeClr val="dk1"/>
-          </a:lnRef>
-          <a:fillRef idx="0">
-            <a:schemeClr val="dk1"/>
-          </a:fillRef>
-          <a:effectRef idx="0">
-            <a:schemeClr val="dk1"/>
-          </a:effectRef>
-          <a:fontRef idx="minor">
-            <a:schemeClr val="tx1"/>
-          </a:fontRef>
-        </p:style>
-      </p:cxnSp>
-      <p:sp>
-        <p:nvSpPr>
-          <p:cNvPr id="15" name="TextBox 14">
-            <a:extLst>
-              <a:ext uri="{FF2B5EF4-FFF2-40B4-BE49-F238E27FC236}">
-                <a16:creationId xmlns:a16="http://schemas.microsoft.com/office/drawing/2014/main" id="{E7FB1AE9-29BB-4DB8-AC31-F88658AD75E7}"/>
-              </a:ext>
-            </a:extLst>
-          </p:cNvPr>
-          <p:cNvSpPr txBox="1"/>
-          <p:nvPr/>
-        </p:nvSpPr>
-        <p:spPr>
-          <a:xfrm>
-            <a:off x="3092519" y="4558102"/>
-            <a:ext cx="2958958" cy="584775"/>
-          </a:xfrm>
-          <a:prstGeom prst="rect">
-            <a:avLst/>
-          </a:prstGeom>
-          <a:noFill/>
-        </p:spPr>
-        <p:txBody>
-          <a:bodyPr wrap="square" rtlCol="0">
-            <a:spAutoFit/>
-          </a:bodyPr>
-          <a:lstStyle/>
-          <a:p>
-            <a:pPr algn="ctr"/>
-            <a:r>
-              <a:rPr lang="en-US" sz="3200" dirty="0">
-                <a:latin typeface="Times New Roman" panose="02020603050405020304" pitchFamily="18" charset="0"/>
-                <a:cs typeface="Times New Roman" panose="02020603050405020304" pitchFamily="18" charset="0"/>
-              </a:rPr>
-              <a:t>Calculator</a:t>
-            </a:r>
-          </a:p>
-        </p:txBody>
-      </p:sp>
-      <p:sp>
-        <p:nvSpPr>
-          <p:cNvPr id="16" name="TextBox 15">
-            <a:extLst>
-              <a:ext uri="{FF2B5EF4-FFF2-40B4-BE49-F238E27FC236}">
-                <a16:creationId xmlns:a16="http://schemas.microsoft.com/office/drawing/2014/main" id="{64F1D778-28A1-4B5B-AA13-604534E7E2D1}"/>
-              </a:ext>
-            </a:extLst>
-          </p:cNvPr>
-          <p:cNvSpPr txBox="1"/>
-          <p:nvPr/>
-        </p:nvSpPr>
-        <p:spPr>
-          <a:xfrm>
-            <a:off x="821933" y="4017864"/>
-            <a:ext cx="2044556" cy="461665"/>
-          </a:xfrm>
-          <a:prstGeom prst="rect">
-            <a:avLst/>
-          </a:prstGeom>
-          <a:noFill/>
-        </p:spPr>
-        <p:txBody>
-          <a:bodyPr wrap="square" rtlCol="0">
-            <a:spAutoFit/>
-          </a:bodyPr>
-          <a:lstStyle/>
-          <a:p>
-            <a:r>
-              <a:rPr lang="en-US" sz="2400" dirty="0">
-                <a:latin typeface="Times New Roman" panose="02020603050405020304" pitchFamily="18" charset="0"/>
-                <a:cs typeface="Times New Roman" panose="02020603050405020304" pitchFamily="18" charset="0"/>
-              </a:rPr>
-              <a:t>XRD Data</a:t>
-            </a:r>
-          </a:p>
-        </p:txBody>
-      </p:sp>
-      <p:sp>
-        <p:nvSpPr>
-          <p:cNvPr id="17" name="TextBox 16">
-            <a:extLst>
-              <a:ext uri="{FF2B5EF4-FFF2-40B4-BE49-F238E27FC236}">
-                <a16:creationId xmlns:a16="http://schemas.microsoft.com/office/drawing/2014/main" id="{FA05A33A-BAA1-4D41-9523-C1C5CF12EDBA}"/>
-              </a:ext>
-            </a:extLst>
-          </p:cNvPr>
-          <p:cNvSpPr txBox="1"/>
-          <p:nvPr/>
-        </p:nvSpPr>
-        <p:spPr>
-          <a:xfrm>
-            <a:off x="821933" y="4624576"/>
-            <a:ext cx="2044556" cy="830997"/>
-          </a:xfrm>
-          <a:prstGeom prst="rect">
-            <a:avLst/>
-          </a:prstGeom>
-          <a:noFill/>
-        </p:spPr>
-        <p:txBody>
-          <a:bodyPr wrap="square" rtlCol="0">
-            <a:spAutoFit/>
-          </a:bodyPr>
-          <a:lstStyle/>
-          <a:p>
-            <a:r>
-              <a:rPr lang="en-US" sz="2400" dirty="0">
-                <a:latin typeface="Times New Roman" panose="02020603050405020304" pitchFamily="18" charset="0"/>
-                <a:cs typeface="Times New Roman" panose="02020603050405020304" pitchFamily="18" charset="0"/>
-              </a:rPr>
-              <a:t>Instrument Parameters</a:t>
-            </a:r>
-          </a:p>
-        </p:txBody>
-      </p:sp>
-      <p:sp>
-        <p:nvSpPr>
-          <p:cNvPr id="18" name="TextBox 17">
-            <a:extLst>
-              <a:ext uri="{FF2B5EF4-FFF2-40B4-BE49-F238E27FC236}">
-                <a16:creationId xmlns:a16="http://schemas.microsoft.com/office/drawing/2014/main" id="{1F38C439-5098-49BE-BE4A-198A38D24513}"/>
-              </a:ext>
-            </a:extLst>
-          </p:cNvPr>
-          <p:cNvSpPr txBox="1"/>
-          <p:nvPr/>
-        </p:nvSpPr>
-        <p:spPr>
-          <a:xfrm>
-            <a:off x="6215867" y="4624676"/>
-            <a:ext cx="2044556" cy="830997"/>
-          </a:xfrm>
-          <a:prstGeom prst="rect">
-            <a:avLst/>
-          </a:prstGeom>
-          <a:noFill/>
-        </p:spPr>
-        <p:txBody>
-          <a:bodyPr wrap="square" rtlCol="0">
-            <a:spAutoFit/>
-          </a:bodyPr>
-          <a:lstStyle/>
-          <a:p>
-            <a:r>
-              <a:rPr lang="en-US" sz="2400" dirty="0">
-                <a:latin typeface="Times New Roman" panose="02020603050405020304" pitchFamily="18" charset="0"/>
-                <a:cs typeface="Times New Roman" panose="02020603050405020304" pitchFamily="18" charset="0"/>
-              </a:rPr>
-              <a:t>Phase Fractions</a:t>
-            </a:r>
-          </a:p>
-        </p:txBody>
-      </p:sp>
-      <p:sp>
-        <p:nvSpPr>
-          <p:cNvPr id="19" name="TextBox 18">
-            <a:extLst>
-              <a:ext uri="{FF2B5EF4-FFF2-40B4-BE49-F238E27FC236}">
-                <a16:creationId xmlns:a16="http://schemas.microsoft.com/office/drawing/2014/main" id="{707EE36B-ECD5-4F00-9CD4-F5C908B4A90F}"/>
-              </a:ext>
-            </a:extLst>
-          </p:cNvPr>
-          <p:cNvSpPr txBox="1"/>
-          <p:nvPr/>
-        </p:nvSpPr>
-        <p:spPr>
-          <a:xfrm>
-            <a:off x="6215867" y="3984449"/>
-            <a:ext cx="2044556" cy="461665"/>
-          </a:xfrm>
-          <a:prstGeom prst="rect">
-            <a:avLst/>
-          </a:prstGeom>
-          <a:noFill/>
-        </p:spPr>
-        <p:txBody>
-          <a:bodyPr wrap="square" rtlCol="0">
-            <a:spAutoFit/>
-          </a:bodyPr>
-          <a:lstStyle/>
-          <a:p>
-            <a:r>
-              <a:rPr lang="en-US" sz="2400" dirty="0">
-                <a:latin typeface="Times New Roman" panose="02020603050405020304" pitchFamily="18" charset="0"/>
-                <a:cs typeface="Times New Roman" panose="02020603050405020304" pitchFamily="18" charset="0"/>
-              </a:rPr>
-              <a:t>Uncertainty </a:t>
-            </a:r>
-          </a:p>
-        </p:txBody>
-      </p:sp>
-    </p:spTree>
-    <p:extLst>
-      <p:ext uri="{BB962C8B-B14F-4D97-AF65-F5344CB8AC3E}">
-        <p14:creationId xmlns:p14="http://schemas.microsoft.com/office/powerpoint/2010/main" val="3772180550"/>
-      </p:ext>
-    </p:extLst>
-  </p:cSld>
-  <p:clrMapOvr>
-    <a:masterClrMapping/>
-  </p:clrMapOvr>
-</p:sld>
-</file>
-
-<file path=ppt/slides/slide7.xml><?xml version="1.0" encoding="utf-8"?>
+<file path=ppt/slides/slide11.xml><?xml version="1.0" encoding="utf-8"?>
 <p:sld xmlns:a="http://schemas.openxmlformats.org/drawingml/2006/main" xmlns:r="http://schemas.openxmlformats.org/officeDocument/2006/relationships" xmlns:p="http://schemas.openxmlformats.org/presentationml/2006/main">
   <p:cSld>
     <p:spTree>
@@ -9859,7 +8156,7 @@
             </a:pPr>
             <a:fld id="{00000000-1234-1234-1234-123412341234}" type="slidenum">
               <a:rPr lang="en-US"/>
-              <a:t>7</a:t>
+              <a:t>11</a:t>
             </a:fld>
             <a:endParaRPr/>
           </a:p>
@@ -9903,7 +8200,7 @@
 </p:sld>
 </file>
 
-<file path=ppt/slides/slide8.xml><?xml version="1.0" encoding="utf-8"?>
+<file path=ppt/slides/slide12.xml><?xml version="1.0" encoding="utf-8"?>
 <p:sld xmlns:a="http://schemas.openxmlformats.org/drawingml/2006/main" xmlns:r="http://schemas.openxmlformats.org/officeDocument/2006/relationships" xmlns:p="http://schemas.openxmlformats.org/presentationml/2006/main">
   <p:cSld>
     <p:spTree>
@@ -9985,7 +8282,7 @@
             </a:pPr>
             <a:fld id="{00000000-1234-1234-1234-123412341234}" type="slidenum">
               <a:rPr lang="en-US" smtClean="0"/>
-              <a:t>8</a:t>
+              <a:t>12</a:t>
             </a:fld>
             <a:endParaRPr lang="en-US"/>
           </a:p>
@@ -10111,8 +8408,8 @@
           </a:prstGeom>
         </p:spPr>
       </p:pic>
-      <mc:AlternateContent xmlns:mc="http://schemas.openxmlformats.org/markup-compatibility/2006">
-        <mc:Choice xmlns:a14="http://schemas.microsoft.com/office/drawing/2010/main" Requires="a14">
+      <mc:AlternateContent xmlns:mc="http://schemas.openxmlformats.org/markup-compatibility/2006" xmlns:a14="http://schemas.microsoft.com/office/drawing/2010/main">
+        <mc:Choice Requires="a14">
           <p:sp>
             <p:nvSpPr>
               <p:cNvPr id="9" name="TextBox 8">
@@ -10274,7 +8571,7 @@
             </p:txBody>
           </p:sp>
         </mc:Choice>
-        <mc:Fallback>
+        <mc:Fallback xmlns="">
           <p:sp>
             <p:nvSpPr>
               <p:cNvPr id="9" name="TextBox 8">
@@ -10519,6 +8816,2465 @@
 </p:sld>
 </file>
 
+<file path=ppt/slides/slide13.xml><?xml version="1.0" encoding="utf-8"?>
+<p:sld xmlns:a="http://schemas.openxmlformats.org/drawingml/2006/main" xmlns:r="http://schemas.openxmlformats.org/officeDocument/2006/relationships" xmlns:p="http://schemas.openxmlformats.org/presentationml/2006/main">
+  <p:cSld>
+    <p:spTree>
+      <p:nvGrpSpPr>
+        <p:cNvPr id="1" name=""/>
+        <p:cNvGrpSpPr/>
+        <p:nvPr/>
+      </p:nvGrpSpPr>
+      <p:grpSpPr>
+        <a:xfrm>
+          <a:off x="0" y="0"/>
+          <a:ext cx="0" cy="0"/>
+          <a:chOff x="0" y="0"/>
+          <a:chExt cx="0" cy="0"/>
+        </a:xfrm>
+      </p:grpSpPr>
+      <p:sp>
+        <p:nvSpPr>
+          <p:cNvPr id="2" name="Title 1">
+            <a:extLst>
+              <a:ext uri="{FF2B5EF4-FFF2-40B4-BE49-F238E27FC236}">
+                <a16:creationId xmlns:a16="http://schemas.microsoft.com/office/drawing/2014/main" id="{7DCB2E9F-68D2-48C7-89A0-66EC4177F683}"/>
+              </a:ext>
+            </a:extLst>
+          </p:cNvPr>
+          <p:cNvSpPr>
+            <a:spLocks noGrp="1"/>
+          </p:cNvSpPr>
+          <p:nvPr>
+            <p:ph type="title"/>
+          </p:nvPr>
+        </p:nvSpPr>
+        <p:spPr/>
+        <p:txBody>
+          <a:bodyPr/>
+          <a:lstStyle/>
+          <a:p>
+            <a:r>
+              <a:rPr lang="en-US" dirty="0"/>
+              <a:t>Modeling</a:t>
+            </a:r>
+          </a:p>
+        </p:txBody>
+      </p:sp>
+      <p:sp>
+        <p:nvSpPr>
+          <p:cNvPr id="3" name="Text Placeholder 2">
+            <a:extLst>
+              <a:ext uri="{FF2B5EF4-FFF2-40B4-BE49-F238E27FC236}">
+                <a16:creationId xmlns:a16="http://schemas.microsoft.com/office/drawing/2014/main" id="{BC63E7DF-E2DD-4239-B96C-2B5A7C12ECC3}"/>
+              </a:ext>
+            </a:extLst>
+          </p:cNvPr>
+          <p:cNvSpPr>
+            <a:spLocks noGrp="1"/>
+          </p:cNvSpPr>
+          <p:nvPr>
+            <p:ph type="body" idx="1"/>
+          </p:nvPr>
+        </p:nvSpPr>
+        <p:spPr/>
+        <p:txBody>
+          <a:bodyPr/>
+          <a:lstStyle/>
+          <a:p>
+            <a:r>
+              <a:rPr lang="en-US" dirty="0"/>
+              <a:t>*Add interaction models and dual phase microstructure model*</a:t>
+            </a:r>
+          </a:p>
+        </p:txBody>
+      </p:sp>
+      <p:sp>
+        <p:nvSpPr>
+          <p:cNvPr id="4" name="Slide Number Placeholder 3">
+            <a:extLst>
+              <a:ext uri="{FF2B5EF4-FFF2-40B4-BE49-F238E27FC236}">
+                <a16:creationId xmlns:a16="http://schemas.microsoft.com/office/drawing/2014/main" id="{13262B1D-18D1-419C-8520-BB6DF03A2B71}"/>
+              </a:ext>
+            </a:extLst>
+          </p:cNvPr>
+          <p:cNvSpPr>
+            <a:spLocks noGrp="1"/>
+          </p:cNvSpPr>
+          <p:nvPr>
+            <p:ph type="sldNum" idx="12"/>
+          </p:nvPr>
+        </p:nvSpPr>
+        <p:spPr/>
+        <p:txBody>
+          <a:bodyPr/>
+          <a:lstStyle/>
+          <a:p>
+            <a:pPr marL="0" lvl="0" indent="0" algn="r" rtl="0">
+              <a:spcBef>
+                <a:spcPts val="0"/>
+              </a:spcBef>
+              <a:spcAft>
+                <a:spcPts val="0"/>
+              </a:spcAft>
+              <a:buNone/>
+            </a:pPr>
+            <a:fld id="{00000000-1234-1234-1234-123412341234}" type="slidenum">
+              <a:rPr lang="en-US" smtClean="0"/>
+              <a:t>13</a:t>
+            </a:fld>
+            <a:endParaRPr lang="en-US"/>
+          </a:p>
+        </p:txBody>
+      </p:sp>
+    </p:spTree>
+    <p:extLst>
+      <p:ext uri="{BB962C8B-B14F-4D97-AF65-F5344CB8AC3E}">
+        <p14:creationId xmlns:p14="http://schemas.microsoft.com/office/powerpoint/2010/main" val="386991310"/>
+      </p:ext>
+    </p:extLst>
+  </p:cSld>
+  <p:clrMapOvr>
+    <a:masterClrMapping/>
+  </p:clrMapOvr>
+</p:sld>
+</file>
+
+<file path=ppt/slides/slide2.xml><?xml version="1.0" encoding="utf-8"?>
+<p:sld xmlns:a="http://schemas.openxmlformats.org/drawingml/2006/main" xmlns:r="http://schemas.openxmlformats.org/officeDocument/2006/relationships" xmlns:p="http://schemas.openxmlformats.org/presentationml/2006/main">
+  <p:cSld>
+    <p:spTree>
+      <p:nvGrpSpPr>
+        <p:cNvPr id="1" name="Shape 48"/>
+        <p:cNvGrpSpPr/>
+        <p:nvPr/>
+      </p:nvGrpSpPr>
+      <p:grpSpPr>
+        <a:xfrm>
+          <a:off x="0" y="0"/>
+          <a:ext cx="0" cy="0"/>
+          <a:chOff x="0" y="0"/>
+          <a:chExt cx="0" cy="0"/>
+        </a:xfrm>
+      </p:grpSpPr>
+      <p:sp>
+        <p:nvSpPr>
+          <p:cNvPr id="49" name="Google Shape;49;p2"/>
+          <p:cNvSpPr txBox="1">
+            <a:spLocks noGrp="1"/>
+          </p:cNvSpPr>
+          <p:nvPr>
+            <p:ph type="title"/>
+          </p:nvPr>
+        </p:nvSpPr>
+        <p:spPr>
+          <a:xfrm>
+            <a:off x="274638" y="274638"/>
+            <a:ext cx="8594725" cy="593725"/>
+          </a:xfrm>
+          <a:prstGeom prst="rect">
+            <a:avLst/>
+          </a:prstGeom>
+          <a:noFill/>
+          <a:ln>
+            <a:noFill/>
+          </a:ln>
+        </p:spPr>
+        <p:txBody>
+          <a:bodyPr spcFirstLastPara="1" wrap="square" lIns="91425" tIns="45700" rIns="91425" bIns="45700" anchor="ctr" anchorCtr="0">
+            <a:noAutofit/>
+          </a:bodyPr>
+          <a:lstStyle/>
+          <a:p>
+            <a:pPr marL="0" lvl="0" indent="0" algn="ctr" rtl="0">
+              <a:spcBef>
+                <a:spcPts val="0"/>
+              </a:spcBef>
+              <a:spcAft>
+                <a:spcPts val="0"/>
+              </a:spcAft>
+              <a:buNone/>
+            </a:pPr>
+            <a:r>
+              <a:rPr lang="en-US" sz="3200" dirty="0">
+                <a:solidFill>
+                  <a:schemeClr val="accent2"/>
+                </a:solidFill>
+              </a:rPr>
+              <a:t>Undergraduate Research</a:t>
+            </a:r>
+            <a:endParaRPr dirty="0"/>
+          </a:p>
+        </p:txBody>
+      </p:sp>
+      <p:sp>
+        <p:nvSpPr>
+          <p:cNvPr id="50" name="Google Shape;50;p2"/>
+          <p:cNvSpPr txBox="1">
+            <a:spLocks noGrp="1"/>
+          </p:cNvSpPr>
+          <p:nvPr>
+            <p:ph type="body" idx="1"/>
+          </p:nvPr>
+        </p:nvSpPr>
+        <p:spPr>
+          <a:xfrm>
+            <a:off x="274638" y="1140431"/>
+            <a:ext cx="8594725" cy="5306056"/>
+          </a:xfrm>
+          <a:prstGeom prst="rect">
+            <a:avLst/>
+          </a:prstGeom>
+          <a:noFill/>
+          <a:ln>
+            <a:noFill/>
+          </a:ln>
+        </p:spPr>
+        <p:txBody>
+          <a:bodyPr spcFirstLastPara="1" wrap="square" lIns="91425" tIns="45700" rIns="91425" bIns="45700" anchor="t" anchorCtr="0">
+            <a:noAutofit/>
+          </a:bodyPr>
+          <a:lstStyle/>
+          <a:p>
+            <a:pPr marL="0" lvl="0" indent="0" algn="l" rtl="0">
+              <a:spcBef>
+                <a:spcPts val="0"/>
+              </a:spcBef>
+              <a:spcAft>
+                <a:spcPts val="0"/>
+              </a:spcAft>
+              <a:buClr>
+                <a:schemeClr val="dk1"/>
+              </a:buClr>
+              <a:buSzPts val="2400"/>
+              <a:buFont typeface="Arial"/>
+              <a:buNone/>
+            </a:pPr>
+            <a:r>
+              <a:rPr lang="en-US" sz="3200" u="sng" dirty="0">
+                <a:latin typeface="Times New Roman" panose="02020603050405020304" pitchFamily="18" charset="0"/>
+                <a:cs typeface="Times New Roman" panose="02020603050405020304" pitchFamily="18" charset="0"/>
+              </a:rPr>
+              <a:t>Date Initiated:</a:t>
+            </a:r>
+            <a:r>
+              <a:rPr lang="en-US" sz="3200" dirty="0">
+                <a:latin typeface="Times New Roman" panose="02020603050405020304" pitchFamily="18" charset="0"/>
+                <a:cs typeface="Times New Roman" panose="02020603050405020304" pitchFamily="18" charset="0"/>
+              </a:rPr>
+              <a:t>	September 2021</a:t>
+            </a:r>
+            <a:endParaRPr sz="3200" dirty="0">
+              <a:latin typeface="Times New Roman" panose="02020603050405020304" pitchFamily="18" charset="0"/>
+              <a:cs typeface="Times New Roman" panose="02020603050405020304" pitchFamily="18" charset="0"/>
+            </a:endParaRPr>
+          </a:p>
+          <a:p>
+            <a:pPr marL="0" lvl="0" indent="0" algn="l" rtl="0">
+              <a:spcBef>
+                <a:spcPts val="480"/>
+              </a:spcBef>
+              <a:spcAft>
+                <a:spcPts val="0"/>
+              </a:spcAft>
+              <a:buClr>
+                <a:schemeClr val="dk1"/>
+              </a:buClr>
+              <a:buSzPts val="2400"/>
+              <a:buFont typeface="Arial"/>
+              <a:buNone/>
+            </a:pPr>
+            <a:r>
+              <a:rPr lang="en-US" sz="3200" u="sng" dirty="0">
+                <a:latin typeface="Times New Roman" panose="02020603050405020304" pitchFamily="18" charset="0"/>
+                <a:cs typeface="Times New Roman" panose="02020603050405020304" pitchFamily="18" charset="0"/>
+              </a:rPr>
+              <a:t>Anticipated Completion Date:</a:t>
+            </a:r>
+            <a:r>
+              <a:rPr lang="en-US" sz="3200" dirty="0">
+                <a:latin typeface="Times New Roman" panose="02020603050405020304" pitchFamily="18" charset="0"/>
+                <a:cs typeface="Times New Roman" panose="02020603050405020304" pitchFamily="18" charset="0"/>
+              </a:rPr>
+              <a:t>	August 2022</a:t>
+            </a:r>
+            <a:br>
+              <a:rPr lang="en-US" sz="1800" dirty="0">
+                <a:solidFill>
+                  <a:srgbClr val="FF0000"/>
+                </a:solidFill>
+              </a:rPr>
+            </a:br>
+            <a:endParaRPr lang="en-US" sz="1800" dirty="0">
+              <a:solidFill>
+                <a:srgbClr val="FF0000"/>
+              </a:solidFill>
+            </a:endParaRPr>
+          </a:p>
+          <a:p>
+            <a:pPr marL="0" lvl="0" indent="0" algn="l" rtl="0">
+              <a:spcBef>
+                <a:spcPts val="480"/>
+              </a:spcBef>
+              <a:spcAft>
+                <a:spcPts val="0"/>
+              </a:spcAft>
+              <a:buClr>
+                <a:schemeClr val="dk1"/>
+              </a:buClr>
+              <a:buSzPts val="2400"/>
+              <a:buFont typeface="Arial"/>
+              <a:buNone/>
+            </a:pPr>
+            <a:endParaRPr lang="en-US" sz="1800" dirty="0">
+              <a:solidFill>
+                <a:srgbClr val="FF0000"/>
+              </a:solidFill>
+            </a:endParaRPr>
+          </a:p>
+          <a:p>
+            <a:pPr marL="0" lvl="0" indent="0" algn="l" rtl="0">
+              <a:spcBef>
+                <a:spcPts val="480"/>
+              </a:spcBef>
+              <a:spcAft>
+                <a:spcPts val="0"/>
+              </a:spcAft>
+              <a:buClr>
+                <a:schemeClr val="dk1"/>
+              </a:buClr>
+              <a:buSzPts val="2400"/>
+              <a:buFont typeface="Arial"/>
+              <a:buNone/>
+            </a:pPr>
+            <a:r>
+              <a:rPr lang="en-US" sz="2600" u="sng" dirty="0">
+                <a:latin typeface="Times New Roman" panose="02020603050405020304" pitchFamily="18" charset="0"/>
+                <a:cs typeface="Times New Roman" panose="02020603050405020304" pitchFamily="18" charset="0"/>
+              </a:rPr>
+              <a:t>Acknowledgments:</a:t>
+            </a:r>
+            <a:endParaRPr lang="en-US" sz="2600" dirty="0">
+              <a:latin typeface="Times New Roman" panose="02020603050405020304" pitchFamily="18" charset="0"/>
+              <a:cs typeface="Times New Roman" panose="02020603050405020304" pitchFamily="18" charset="0"/>
+            </a:endParaRPr>
+          </a:p>
+          <a:p>
+            <a:pPr marL="0" indent="0">
+              <a:spcBef>
+                <a:spcPts val="480"/>
+              </a:spcBef>
+              <a:buSzPts val="2400"/>
+              <a:buNone/>
+            </a:pPr>
+            <a:r>
+              <a:rPr lang="en-US" sz="2600" dirty="0">
+                <a:latin typeface="Times New Roman" panose="02020603050405020304" pitchFamily="18" charset="0"/>
+                <a:cs typeface="Times New Roman" panose="02020603050405020304" pitchFamily="18" charset="0"/>
+              </a:rPr>
+              <a:t>	* Brian Toby &amp; Robert Von </a:t>
+            </a:r>
+            <a:r>
+              <a:rPr lang="en-US" sz="2600" dirty="0" err="1">
+                <a:latin typeface="Times New Roman" panose="02020603050405020304" pitchFamily="18" charset="0"/>
+                <a:cs typeface="Times New Roman" panose="02020603050405020304" pitchFamily="18" charset="0"/>
+              </a:rPr>
+              <a:t>Dreele</a:t>
+            </a:r>
+            <a:r>
+              <a:rPr lang="en-US" sz="2600" dirty="0">
+                <a:latin typeface="Times New Roman" panose="02020603050405020304" pitchFamily="18" charset="0"/>
+                <a:cs typeface="Times New Roman" panose="02020603050405020304" pitchFamily="18" charset="0"/>
+              </a:rPr>
+              <a:t> – GSAS II</a:t>
+            </a:r>
+          </a:p>
+          <a:p>
+            <a:pPr marL="0" lvl="0" indent="0" rtl="0">
+              <a:spcBef>
+                <a:spcPts val="480"/>
+              </a:spcBef>
+              <a:spcAft>
+                <a:spcPts val="0"/>
+              </a:spcAft>
+              <a:buClr>
+                <a:schemeClr val="dk1"/>
+              </a:buClr>
+              <a:buSzPts val="2400"/>
+              <a:buFont typeface="Arial"/>
+              <a:buNone/>
+            </a:pPr>
+            <a:r>
+              <a:rPr lang="en-US" sz="2600" dirty="0">
+                <a:latin typeface="Times New Roman" panose="02020603050405020304" pitchFamily="18" charset="0"/>
+                <a:cs typeface="Times New Roman" panose="02020603050405020304" pitchFamily="18" charset="0"/>
+              </a:rPr>
+              <a:t>	* Melissa </a:t>
+            </a:r>
+            <a:r>
+              <a:rPr lang="en-US" sz="2600" dirty="0" err="1">
+                <a:latin typeface="Times New Roman" panose="02020603050405020304" pitchFamily="18" charset="0"/>
+                <a:cs typeface="Times New Roman" panose="02020603050405020304" pitchFamily="18" charset="0"/>
+              </a:rPr>
+              <a:t>Thrun</a:t>
+            </a:r>
+            <a:r>
+              <a:rPr lang="en-US" sz="2600" dirty="0">
+                <a:latin typeface="Times New Roman" panose="02020603050405020304" pitchFamily="18" charset="0"/>
+                <a:cs typeface="Times New Roman" panose="02020603050405020304" pitchFamily="18" charset="0"/>
+              </a:rPr>
+              <a:t> – Austenite Stability Equations</a:t>
+            </a:r>
+          </a:p>
+          <a:p>
+            <a:pPr marL="0" lvl="0" indent="0" rtl="0">
+              <a:spcBef>
+                <a:spcPts val="480"/>
+              </a:spcBef>
+              <a:spcAft>
+                <a:spcPts val="0"/>
+              </a:spcAft>
+              <a:buClr>
+                <a:schemeClr val="dk1"/>
+              </a:buClr>
+              <a:buSzPts val="2400"/>
+              <a:buFont typeface="Arial"/>
+              <a:buNone/>
+            </a:pPr>
+            <a:r>
+              <a:rPr lang="en-US" sz="2600" dirty="0">
+                <a:latin typeface="Times New Roman" panose="02020603050405020304" pitchFamily="18" charset="0"/>
+                <a:cs typeface="Times New Roman" panose="02020603050405020304" pitchFamily="18" charset="0"/>
+              </a:rPr>
+              <a:t>	* Michael Cox – Texture effects of phase fraction 		   measurement</a:t>
+            </a:r>
+          </a:p>
+          <a:p>
+            <a:pPr marL="0" lvl="0" indent="0" rtl="0">
+              <a:spcBef>
+                <a:spcPts val="480"/>
+              </a:spcBef>
+              <a:spcAft>
+                <a:spcPts val="0"/>
+              </a:spcAft>
+              <a:buClr>
+                <a:schemeClr val="dk1"/>
+              </a:buClr>
+              <a:buSzPts val="2400"/>
+              <a:buFont typeface="Arial"/>
+              <a:buNone/>
+            </a:pPr>
+            <a:r>
+              <a:rPr lang="en-US" sz="2600" dirty="0">
+                <a:latin typeface="Times New Roman" panose="02020603050405020304" pitchFamily="18" charset="0"/>
+                <a:cs typeface="Times New Roman" panose="02020603050405020304" pitchFamily="18" charset="0"/>
+              </a:rPr>
+              <a:t>	* Dream3D software</a:t>
+            </a:r>
+          </a:p>
+          <a:p>
+            <a:pPr marL="0" lvl="0" indent="0" rtl="0">
+              <a:spcBef>
+                <a:spcPts val="480"/>
+              </a:spcBef>
+              <a:spcAft>
+                <a:spcPts val="0"/>
+              </a:spcAft>
+              <a:buClr>
+                <a:schemeClr val="dk1"/>
+              </a:buClr>
+              <a:buSzPts val="2400"/>
+              <a:buFont typeface="Arial"/>
+              <a:buNone/>
+            </a:pPr>
+            <a:r>
+              <a:rPr lang="en-US" sz="2600" dirty="0">
+                <a:latin typeface="Times New Roman" panose="02020603050405020304" pitchFamily="18" charset="0"/>
+                <a:cs typeface="Times New Roman" panose="02020603050405020304" pitchFamily="18" charset="0"/>
+              </a:rPr>
+              <a:t>	</a:t>
+            </a:r>
+            <a:endParaRPr sz="2600" dirty="0">
+              <a:latin typeface="Times New Roman" panose="02020603050405020304" pitchFamily="18" charset="0"/>
+              <a:cs typeface="Times New Roman" panose="02020603050405020304" pitchFamily="18" charset="0"/>
+            </a:endParaRPr>
+          </a:p>
+        </p:txBody>
+      </p:sp>
+      <p:sp>
+        <p:nvSpPr>
+          <p:cNvPr id="51" name="Google Shape;51;p2"/>
+          <p:cNvSpPr txBox="1">
+            <a:spLocks noGrp="1"/>
+          </p:cNvSpPr>
+          <p:nvPr>
+            <p:ph type="sldNum" idx="12"/>
+          </p:nvPr>
+        </p:nvSpPr>
+        <p:spPr>
+          <a:xfrm>
+            <a:off x="8412163" y="6446838"/>
+            <a:ext cx="458787" cy="274637"/>
+          </a:xfrm>
+          <a:prstGeom prst="rect">
+            <a:avLst/>
+          </a:prstGeom>
+          <a:noFill/>
+          <a:ln>
+            <a:noFill/>
+          </a:ln>
+        </p:spPr>
+        <p:txBody>
+          <a:bodyPr spcFirstLastPara="1" wrap="square" lIns="91425" tIns="45700" rIns="91425" bIns="45700" anchor="t" anchorCtr="0">
+            <a:noAutofit/>
+          </a:bodyPr>
+          <a:lstStyle/>
+          <a:p>
+            <a:pPr marL="0" lvl="0" indent="0" algn="r" rtl="0">
+              <a:spcBef>
+                <a:spcPts val="0"/>
+              </a:spcBef>
+              <a:spcAft>
+                <a:spcPts val="0"/>
+              </a:spcAft>
+              <a:buNone/>
+            </a:pPr>
+            <a:fld id="{00000000-1234-1234-1234-123412341234}" type="slidenum">
+              <a:rPr lang="en-US"/>
+              <a:t>2</a:t>
+            </a:fld>
+            <a:endParaRPr/>
+          </a:p>
+        </p:txBody>
+      </p:sp>
+    </p:spTree>
+  </p:cSld>
+  <p:clrMapOvr>
+    <a:masterClrMapping/>
+  </p:clrMapOvr>
+</p:sld>
+</file>
+
+<file path=ppt/slides/slide3.xml><?xml version="1.0" encoding="utf-8"?>
+<p:sld xmlns:a="http://schemas.openxmlformats.org/drawingml/2006/main" xmlns:r="http://schemas.openxmlformats.org/officeDocument/2006/relationships" xmlns:p="http://schemas.openxmlformats.org/presentationml/2006/main">
+  <p:cSld>
+    <p:spTree>
+      <p:nvGrpSpPr>
+        <p:cNvPr id="1" name="Shape 56"/>
+        <p:cNvGrpSpPr/>
+        <p:nvPr/>
+      </p:nvGrpSpPr>
+      <p:grpSpPr>
+        <a:xfrm>
+          <a:off x="0" y="0"/>
+          <a:ext cx="0" cy="0"/>
+          <a:chOff x="0" y="0"/>
+          <a:chExt cx="0" cy="0"/>
+        </a:xfrm>
+      </p:grpSpPr>
+      <p:sp>
+        <p:nvSpPr>
+          <p:cNvPr id="57" name="Google Shape;57;p3"/>
+          <p:cNvSpPr txBox="1">
+            <a:spLocks noGrp="1"/>
+          </p:cNvSpPr>
+          <p:nvPr>
+            <p:ph type="title"/>
+          </p:nvPr>
+        </p:nvSpPr>
+        <p:spPr>
+          <a:xfrm>
+            <a:off x="274638" y="274638"/>
+            <a:ext cx="8594725" cy="593725"/>
+          </a:xfrm>
+          <a:prstGeom prst="rect">
+            <a:avLst/>
+          </a:prstGeom>
+          <a:noFill/>
+          <a:ln>
+            <a:noFill/>
+          </a:ln>
+        </p:spPr>
+        <p:txBody>
+          <a:bodyPr spcFirstLastPara="1" wrap="square" lIns="91425" tIns="45700" rIns="91425" bIns="45700" anchor="ctr" anchorCtr="0">
+            <a:noAutofit/>
+          </a:bodyPr>
+          <a:lstStyle/>
+          <a:p>
+            <a:pPr marL="0" lvl="0" indent="0" algn="ctr" rtl="0">
+              <a:spcBef>
+                <a:spcPts val="0"/>
+              </a:spcBef>
+              <a:spcAft>
+                <a:spcPts val="0"/>
+              </a:spcAft>
+              <a:buNone/>
+            </a:pPr>
+            <a:r>
+              <a:rPr lang="en-US" sz="3200" dirty="0">
+                <a:solidFill>
+                  <a:schemeClr val="accent2"/>
+                </a:solidFill>
+              </a:rPr>
+              <a:t>Relevance</a:t>
+            </a:r>
+            <a:endParaRPr dirty="0"/>
+          </a:p>
+        </p:txBody>
+      </p:sp>
+      <p:sp>
+        <p:nvSpPr>
+          <p:cNvPr id="58" name="Google Shape;58;p3"/>
+          <p:cNvSpPr txBox="1">
+            <a:spLocks noGrp="1"/>
+          </p:cNvSpPr>
+          <p:nvPr>
+            <p:ph type="body" idx="1"/>
+          </p:nvPr>
+        </p:nvSpPr>
+        <p:spPr>
+          <a:xfrm>
+            <a:off x="274638" y="1188338"/>
+            <a:ext cx="3886396" cy="5258500"/>
+          </a:xfrm>
+          <a:prstGeom prst="rect">
+            <a:avLst/>
+          </a:prstGeom>
+          <a:noFill/>
+          <a:ln>
+            <a:noFill/>
+          </a:ln>
+        </p:spPr>
+        <p:txBody>
+          <a:bodyPr spcFirstLastPara="1" wrap="square" lIns="91425" tIns="45700" rIns="91425" bIns="45700" anchor="t" anchorCtr="0">
+            <a:noAutofit/>
+          </a:bodyPr>
+          <a:lstStyle/>
+          <a:p>
+            <a:pPr marL="635000" indent="-457200">
+              <a:spcBef>
+                <a:spcPts val="0"/>
+              </a:spcBef>
+              <a:buSzPts val="2800"/>
+            </a:pPr>
+            <a:r>
+              <a:rPr lang="en-US" sz="2800" dirty="0">
+                <a:latin typeface="Times New Roman" panose="02020603050405020304" pitchFamily="18" charset="0"/>
+                <a:cs typeface="Times New Roman" panose="02020603050405020304" pitchFamily="18" charset="0"/>
+              </a:rPr>
+              <a:t>In both industry and research, the uncertainty and/or error of measuring phase fractions is commonly overlooked.</a:t>
+            </a:r>
+          </a:p>
+          <a:p>
+            <a:pPr marL="635000" indent="-457200">
+              <a:spcBef>
+                <a:spcPts val="0"/>
+              </a:spcBef>
+              <a:buSzPts val="2800"/>
+            </a:pPr>
+            <a:r>
+              <a:rPr lang="en-US" sz="2800" dirty="0">
+                <a:latin typeface="Times New Roman" panose="02020603050405020304" pitchFamily="18" charset="0"/>
+                <a:cs typeface="Times New Roman" panose="02020603050405020304" pitchFamily="18" charset="0"/>
+              </a:rPr>
+              <a:t>In the case of measuring retained austenite, this is especially disagreeable.</a:t>
+            </a:r>
+          </a:p>
+        </p:txBody>
+      </p:sp>
+      <p:sp>
+        <p:nvSpPr>
+          <p:cNvPr id="59" name="Google Shape;59;p3"/>
+          <p:cNvSpPr txBox="1">
+            <a:spLocks noGrp="1"/>
+          </p:cNvSpPr>
+          <p:nvPr>
+            <p:ph type="sldNum" idx="12"/>
+          </p:nvPr>
+        </p:nvSpPr>
+        <p:spPr>
+          <a:xfrm>
+            <a:off x="8412163" y="6446838"/>
+            <a:ext cx="458787" cy="274637"/>
+          </a:xfrm>
+          <a:prstGeom prst="rect">
+            <a:avLst/>
+          </a:prstGeom>
+          <a:noFill/>
+          <a:ln>
+            <a:noFill/>
+          </a:ln>
+        </p:spPr>
+        <p:txBody>
+          <a:bodyPr spcFirstLastPara="1" wrap="square" lIns="91425" tIns="45700" rIns="91425" bIns="45700" anchor="t" anchorCtr="0">
+            <a:noAutofit/>
+          </a:bodyPr>
+          <a:lstStyle/>
+          <a:p>
+            <a:pPr marL="0" lvl="0" indent="0" algn="r" rtl="0">
+              <a:spcBef>
+                <a:spcPts val="0"/>
+              </a:spcBef>
+              <a:spcAft>
+                <a:spcPts val="0"/>
+              </a:spcAft>
+              <a:buNone/>
+            </a:pPr>
+            <a:fld id="{00000000-1234-1234-1234-123412341234}" type="slidenum">
+              <a:rPr lang="en-US"/>
+              <a:t>3</a:t>
+            </a:fld>
+            <a:endParaRPr/>
+          </a:p>
+        </p:txBody>
+      </p:sp>
+      <p:pic>
+        <p:nvPicPr>
+          <p:cNvPr id="3" name="Picture 2">
+            <a:extLst>
+              <a:ext uri="{FF2B5EF4-FFF2-40B4-BE49-F238E27FC236}">
+                <a16:creationId xmlns:a16="http://schemas.microsoft.com/office/drawing/2014/main" id="{05FC7895-6EA8-41E0-909E-4F8C312961B2}"/>
+              </a:ext>
+            </a:extLst>
+          </p:cNvPr>
+          <p:cNvPicPr>
+            <a:picLocks noChangeAspect="1"/>
+          </p:cNvPicPr>
+          <p:nvPr/>
+        </p:nvPicPr>
+        <p:blipFill>
+          <a:blip r:embed="rId3"/>
+          <a:stretch>
+            <a:fillRect/>
+          </a:stretch>
+        </p:blipFill>
+        <p:spPr>
+          <a:xfrm>
+            <a:off x="4078839" y="1188337"/>
+            <a:ext cx="4790521" cy="4812959"/>
+          </a:xfrm>
+          <a:prstGeom prst="rect">
+            <a:avLst/>
+          </a:prstGeom>
+        </p:spPr>
+      </p:pic>
+    </p:spTree>
+  </p:cSld>
+  <p:clrMapOvr>
+    <a:masterClrMapping/>
+  </p:clrMapOvr>
+</p:sld>
+</file>
+
+<file path=ppt/slides/slide4.xml><?xml version="1.0" encoding="utf-8"?>
+<p:sld xmlns:a="http://schemas.openxmlformats.org/drawingml/2006/main" xmlns:r="http://schemas.openxmlformats.org/officeDocument/2006/relationships" xmlns:p="http://schemas.openxmlformats.org/presentationml/2006/main">
+  <p:cSld>
+    <p:spTree>
+      <p:nvGrpSpPr>
+        <p:cNvPr id="1" name="Shape 65"/>
+        <p:cNvGrpSpPr/>
+        <p:nvPr/>
+      </p:nvGrpSpPr>
+      <p:grpSpPr>
+        <a:xfrm>
+          <a:off x="0" y="0"/>
+          <a:ext cx="0" cy="0"/>
+          <a:chOff x="0" y="0"/>
+          <a:chExt cx="0" cy="0"/>
+        </a:xfrm>
+      </p:grpSpPr>
+      <p:sp>
+        <p:nvSpPr>
+          <p:cNvPr id="66" name="Google Shape;66;p4"/>
+          <p:cNvSpPr txBox="1">
+            <a:spLocks noGrp="1"/>
+          </p:cNvSpPr>
+          <p:nvPr>
+            <p:ph type="title"/>
+          </p:nvPr>
+        </p:nvSpPr>
+        <p:spPr>
+          <a:xfrm>
+            <a:off x="274638" y="274638"/>
+            <a:ext cx="8594725" cy="593725"/>
+          </a:xfrm>
+          <a:prstGeom prst="rect">
+            <a:avLst/>
+          </a:prstGeom>
+          <a:noFill/>
+          <a:ln>
+            <a:noFill/>
+          </a:ln>
+        </p:spPr>
+        <p:txBody>
+          <a:bodyPr spcFirstLastPara="1" wrap="square" lIns="91425" tIns="45700" rIns="91425" bIns="45700" anchor="ctr" anchorCtr="0">
+            <a:noAutofit/>
+          </a:bodyPr>
+          <a:lstStyle/>
+          <a:p>
+            <a:pPr marL="0" lvl="0" indent="0" algn="ctr" rtl="0">
+              <a:spcBef>
+                <a:spcPts val="0"/>
+              </a:spcBef>
+              <a:spcAft>
+                <a:spcPts val="0"/>
+              </a:spcAft>
+              <a:buNone/>
+            </a:pPr>
+            <a:r>
+              <a:rPr lang="en-US" sz="3200" dirty="0">
+                <a:solidFill>
+                  <a:schemeClr val="accent2"/>
+                </a:solidFill>
+              </a:rPr>
+              <a:t>Project Plan</a:t>
+            </a:r>
+            <a:endParaRPr dirty="0"/>
+          </a:p>
+        </p:txBody>
+      </p:sp>
+      <p:sp>
+        <p:nvSpPr>
+          <p:cNvPr id="67" name="Google Shape;67;p4"/>
+          <p:cNvSpPr txBox="1">
+            <a:spLocks noGrp="1"/>
+          </p:cNvSpPr>
+          <p:nvPr>
+            <p:ph type="body" idx="1"/>
+          </p:nvPr>
+        </p:nvSpPr>
+        <p:spPr>
+          <a:xfrm>
+            <a:off x="274638" y="1051276"/>
+            <a:ext cx="8594725" cy="5395562"/>
+          </a:xfrm>
+          <a:prstGeom prst="rect">
+            <a:avLst/>
+          </a:prstGeom>
+          <a:noFill/>
+          <a:ln>
+            <a:noFill/>
+          </a:ln>
+        </p:spPr>
+        <p:txBody>
+          <a:bodyPr spcFirstLastPara="1" wrap="square" lIns="91425" tIns="45700" rIns="91425" bIns="45700" anchor="t" anchorCtr="0">
+            <a:noAutofit/>
+          </a:bodyPr>
+          <a:lstStyle/>
+          <a:p>
+            <a:pPr marL="0" lvl="0" indent="0" algn="l" rtl="0">
+              <a:lnSpc>
+                <a:spcPct val="90000"/>
+              </a:lnSpc>
+              <a:spcBef>
+                <a:spcPts val="0"/>
+              </a:spcBef>
+              <a:spcAft>
+                <a:spcPts val="0"/>
+              </a:spcAft>
+              <a:buClr>
+                <a:schemeClr val="dk1"/>
+              </a:buClr>
+              <a:buSzPts val="2400"/>
+              <a:buNone/>
+            </a:pPr>
+            <a:r>
+              <a:rPr lang="en-US" sz="3000" u="sng" dirty="0">
+                <a:latin typeface="Times New Roman" panose="02020603050405020304" pitchFamily="18" charset="0"/>
+                <a:cs typeface="Times New Roman" panose="02020603050405020304" pitchFamily="18" charset="0"/>
+              </a:rPr>
+              <a:t>Project Objective: </a:t>
+            </a:r>
+          </a:p>
+          <a:p>
+            <a:pPr marL="0" lvl="0" indent="0" algn="l" rtl="0">
+              <a:lnSpc>
+                <a:spcPct val="90000"/>
+              </a:lnSpc>
+              <a:spcBef>
+                <a:spcPts val="0"/>
+              </a:spcBef>
+              <a:spcAft>
+                <a:spcPts val="0"/>
+              </a:spcAft>
+              <a:buClr>
+                <a:schemeClr val="dk1"/>
+              </a:buClr>
+              <a:buSzPts val="2400"/>
+              <a:buNone/>
+            </a:pPr>
+            <a:r>
+              <a:rPr lang="en-US" sz="2600" dirty="0">
+                <a:latin typeface="Times New Roman" panose="02020603050405020304" pitchFamily="18" charset="0"/>
+                <a:cs typeface="Times New Roman" panose="02020603050405020304" pitchFamily="18" charset="0"/>
+              </a:rPr>
+              <a:t>     </a:t>
+            </a:r>
+            <a:r>
+              <a:rPr lang="en-US" dirty="0">
+                <a:latin typeface="Times New Roman" panose="02020603050405020304" pitchFamily="18" charset="0"/>
+                <a:cs typeface="Times New Roman" panose="02020603050405020304" pitchFamily="18" charset="0"/>
+              </a:rPr>
+              <a:t>- To develop a web-based application (calculator) that takes simple inputs from the user and outputs details of the material's phase fractions, corresponding uncertainty, and how the measurement may be improved.</a:t>
+            </a:r>
+            <a:endParaRPr dirty="0">
+              <a:solidFill>
+                <a:srgbClr val="FF0000"/>
+              </a:solidFill>
+            </a:endParaRPr>
+          </a:p>
+          <a:p>
+            <a:pPr marL="0" lvl="0" indent="0" algn="l" rtl="0">
+              <a:lnSpc>
+                <a:spcPct val="90000"/>
+              </a:lnSpc>
+              <a:spcBef>
+                <a:spcPts val="480"/>
+              </a:spcBef>
+              <a:spcAft>
+                <a:spcPts val="0"/>
+              </a:spcAft>
+              <a:buClr>
+                <a:schemeClr val="dk1"/>
+              </a:buClr>
+              <a:buSzPts val="2400"/>
+              <a:buNone/>
+            </a:pPr>
+            <a:r>
+              <a:rPr lang="en-US" sz="3000" u="sng" dirty="0">
+                <a:latin typeface="Times New Roman" panose="02020603050405020304" pitchFamily="18" charset="0"/>
+                <a:cs typeface="Times New Roman" panose="02020603050405020304" pitchFamily="18" charset="0"/>
+              </a:rPr>
+              <a:t>Expected Product:</a:t>
+            </a:r>
+          </a:p>
+        </p:txBody>
+      </p:sp>
+      <p:sp>
+        <p:nvSpPr>
+          <p:cNvPr id="68" name="Google Shape;68;p4"/>
+          <p:cNvSpPr txBox="1">
+            <a:spLocks noGrp="1"/>
+          </p:cNvSpPr>
+          <p:nvPr>
+            <p:ph type="sldNum" idx="12"/>
+          </p:nvPr>
+        </p:nvSpPr>
+        <p:spPr>
+          <a:xfrm>
+            <a:off x="8412163" y="6446838"/>
+            <a:ext cx="458787" cy="274637"/>
+          </a:xfrm>
+          <a:prstGeom prst="rect">
+            <a:avLst/>
+          </a:prstGeom>
+          <a:noFill/>
+          <a:ln>
+            <a:noFill/>
+          </a:ln>
+        </p:spPr>
+        <p:txBody>
+          <a:bodyPr spcFirstLastPara="1" wrap="square" lIns="91425" tIns="45700" rIns="91425" bIns="45700" anchor="t" anchorCtr="0">
+            <a:noAutofit/>
+          </a:bodyPr>
+          <a:lstStyle/>
+          <a:p>
+            <a:pPr marL="0" lvl="0" indent="0" algn="r" rtl="0">
+              <a:spcBef>
+                <a:spcPts val="0"/>
+              </a:spcBef>
+              <a:spcAft>
+                <a:spcPts val="0"/>
+              </a:spcAft>
+              <a:buNone/>
+            </a:pPr>
+            <a:fld id="{00000000-1234-1234-1234-123412341234}" type="slidenum">
+              <a:rPr lang="en-US"/>
+              <a:t>4</a:t>
+            </a:fld>
+            <a:endParaRPr/>
+          </a:p>
+        </p:txBody>
+      </p:sp>
+      <p:cxnSp>
+        <p:nvCxnSpPr>
+          <p:cNvPr id="6" name="Straight Arrow Connector 5">
+            <a:extLst>
+              <a:ext uri="{FF2B5EF4-FFF2-40B4-BE49-F238E27FC236}">
+                <a16:creationId xmlns:a16="http://schemas.microsoft.com/office/drawing/2014/main" id="{290AEFCE-BE42-486C-AAC6-BD865DE043FF}"/>
+              </a:ext>
+            </a:extLst>
+          </p:cNvPr>
+          <p:cNvCxnSpPr>
+            <a:cxnSpLocks/>
+          </p:cNvCxnSpPr>
+          <p:nvPr/>
+        </p:nvCxnSpPr>
+        <p:spPr>
+          <a:xfrm>
+            <a:off x="1188719" y="5308496"/>
+            <a:ext cx="1893527" cy="0"/>
+          </a:xfrm>
+          <a:prstGeom prst="straightConnector1">
+            <a:avLst/>
+          </a:prstGeom>
+          <a:ln w="76200">
+            <a:tailEnd type="triangle"/>
+          </a:ln>
+        </p:spPr>
+        <p:style>
+          <a:lnRef idx="1">
+            <a:schemeClr val="dk1"/>
+          </a:lnRef>
+          <a:fillRef idx="0">
+            <a:schemeClr val="dk1"/>
+          </a:fillRef>
+          <a:effectRef idx="0">
+            <a:schemeClr val="dk1"/>
+          </a:effectRef>
+          <a:fontRef idx="minor">
+            <a:schemeClr val="tx1"/>
+          </a:fontRef>
+        </p:style>
+      </p:cxnSp>
+      <p:cxnSp>
+        <p:nvCxnSpPr>
+          <p:cNvPr id="7" name="Straight Arrow Connector 6">
+            <a:extLst>
+              <a:ext uri="{FF2B5EF4-FFF2-40B4-BE49-F238E27FC236}">
+                <a16:creationId xmlns:a16="http://schemas.microsoft.com/office/drawing/2014/main" id="{8D8A5F76-05A8-4B2D-BDA3-51777C07AE0C}"/>
+              </a:ext>
+            </a:extLst>
+          </p:cNvPr>
+          <p:cNvCxnSpPr>
+            <a:cxnSpLocks/>
+          </p:cNvCxnSpPr>
+          <p:nvPr/>
+        </p:nvCxnSpPr>
+        <p:spPr>
+          <a:xfrm>
+            <a:off x="1213723" y="4453391"/>
+            <a:ext cx="1868523" cy="0"/>
+          </a:xfrm>
+          <a:prstGeom prst="straightConnector1">
+            <a:avLst/>
+          </a:prstGeom>
+          <a:ln w="76200">
+            <a:tailEnd type="triangle"/>
+          </a:ln>
+        </p:spPr>
+        <p:style>
+          <a:lnRef idx="1">
+            <a:schemeClr val="dk1"/>
+          </a:lnRef>
+          <a:fillRef idx="0">
+            <a:schemeClr val="dk1"/>
+          </a:fillRef>
+          <a:effectRef idx="0">
+            <a:schemeClr val="dk1"/>
+          </a:effectRef>
+          <a:fontRef idx="minor">
+            <a:schemeClr val="tx1"/>
+          </a:fontRef>
+        </p:style>
+      </p:cxnSp>
+      <p:cxnSp>
+        <p:nvCxnSpPr>
+          <p:cNvPr id="8" name="Straight Arrow Connector 7">
+            <a:extLst>
+              <a:ext uri="{FF2B5EF4-FFF2-40B4-BE49-F238E27FC236}">
+                <a16:creationId xmlns:a16="http://schemas.microsoft.com/office/drawing/2014/main" id="{E13E2E33-F8B6-47FC-B9EA-B38AA38794C6}"/>
+              </a:ext>
+            </a:extLst>
+          </p:cNvPr>
+          <p:cNvCxnSpPr>
+            <a:cxnSpLocks/>
+          </p:cNvCxnSpPr>
+          <p:nvPr/>
+        </p:nvCxnSpPr>
+        <p:spPr>
+          <a:xfrm>
+            <a:off x="5615515" y="4374183"/>
+            <a:ext cx="1868523" cy="0"/>
+          </a:xfrm>
+          <a:prstGeom prst="straightConnector1">
+            <a:avLst/>
+          </a:prstGeom>
+          <a:ln w="76200">
+            <a:tailEnd type="triangle"/>
+          </a:ln>
+        </p:spPr>
+        <p:style>
+          <a:lnRef idx="1">
+            <a:schemeClr val="dk1"/>
+          </a:lnRef>
+          <a:fillRef idx="0">
+            <a:schemeClr val="dk1"/>
+          </a:fillRef>
+          <a:effectRef idx="0">
+            <a:schemeClr val="dk1"/>
+          </a:effectRef>
+          <a:fontRef idx="minor">
+            <a:schemeClr val="tx1"/>
+          </a:fontRef>
+        </p:style>
+      </p:cxnSp>
+      <p:cxnSp>
+        <p:nvCxnSpPr>
+          <p:cNvPr id="9" name="Straight Arrow Connector 8">
+            <a:extLst>
+              <a:ext uri="{FF2B5EF4-FFF2-40B4-BE49-F238E27FC236}">
+                <a16:creationId xmlns:a16="http://schemas.microsoft.com/office/drawing/2014/main" id="{14FFBC90-197F-4F38-BE2F-DC705952383A}"/>
+              </a:ext>
+            </a:extLst>
+          </p:cNvPr>
+          <p:cNvCxnSpPr>
+            <a:cxnSpLocks/>
+          </p:cNvCxnSpPr>
+          <p:nvPr/>
+        </p:nvCxnSpPr>
+        <p:spPr>
+          <a:xfrm>
+            <a:off x="5615515" y="5277674"/>
+            <a:ext cx="1868523" cy="0"/>
+          </a:xfrm>
+          <a:prstGeom prst="straightConnector1">
+            <a:avLst/>
+          </a:prstGeom>
+          <a:ln w="76200">
+            <a:tailEnd type="triangle"/>
+          </a:ln>
+        </p:spPr>
+        <p:style>
+          <a:lnRef idx="1">
+            <a:schemeClr val="dk1"/>
+          </a:lnRef>
+          <a:fillRef idx="0">
+            <a:schemeClr val="dk1"/>
+          </a:fillRef>
+          <a:effectRef idx="0">
+            <a:schemeClr val="dk1"/>
+          </a:effectRef>
+          <a:fontRef idx="minor">
+            <a:schemeClr val="tx1"/>
+          </a:fontRef>
+        </p:style>
+      </p:cxnSp>
+      <p:sp>
+        <p:nvSpPr>
+          <p:cNvPr id="11" name="TextBox 10">
+            <a:extLst>
+              <a:ext uri="{FF2B5EF4-FFF2-40B4-BE49-F238E27FC236}">
+                <a16:creationId xmlns:a16="http://schemas.microsoft.com/office/drawing/2014/main" id="{FEE066A1-F0B1-45F2-9624-BB1A037608B7}"/>
+              </a:ext>
+            </a:extLst>
+          </p:cNvPr>
+          <p:cNvSpPr txBox="1"/>
+          <p:nvPr/>
+        </p:nvSpPr>
+        <p:spPr>
+          <a:xfrm>
+            <a:off x="1375153" y="4006615"/>
+            <a:ext cx="2044556" cy="461665"/>
+          </a:xfrm>
+          <a:prstGeom prst="rect">
+            <a:avLst/>
+          </a:prstGeom>
+          <a:noFill/>
+        </p:spPr>
+        <p:txBody>
+          <a:bodyPr wrap="square" rtlCol="0">
+            <a:spAutoFit/>
+          </a:bodyPr>
+          <a:lstStyle/>
+          <a:p>
+            <a:r>
+              <a:rPr lang="en-US" sz="2400" dirty="0">
+                <a:latin typeface="Times New Roman" panose="02020603050405020304" pitchFamily="18" charset="0"/>
+                <a:cs typeface="Times New Roman" panose="02020603050405020304" pitchFamily="18" charset="0"/>
+              </a:rPr>
+              <a:t>XRD Data</a:t>
+            </a:r>
+          </a:p>
+        </p:txBody>
+      </p:sp>
+      <p:sp>
+        <p:nvSpPr>
+          <p:cNvPr id="12" name="TextBox 11">
+            <a:extLst>
+              <a:ext uri="{FF2B5EF4-FFF2-40B4-BE49-F238E27FC236}">
+                <a16:creationId xmlns:a16="http://schemas.microsoft.com/office/drawing/2014/main" id="{E87A952B-B837-4B34-B4C6-728B8EBDB86F}"/>
+              </a:ext>
+            </a:extLst>
+          </p:cNvPr>
+          <p:cNvSpPr txBox="1"/>
+          <p:nvPr/>
+        </p:nvSpPr>
+        <p:spPr>
+          <a:xfrm>
+            <a:off x="1375153" y="4498047"/>
+            <a:ext cx="1707093" cy="830997"/>
+          </a:xfrm>
+          <a:prstGeom prst="rect">
+            <a:avLst/>
+          </a:prstGeom>
+          <a:noFill/>
+        </p:spPr>
+        <p:txBody>
+          <a:bodyPr wrap="square" rtlCol="0">
+            <a:spAutoFit/>
+          </a:bodyPr>
+          <a:lstStyle/>
+          <a:p>
+            <a:r>
+              <a:rPr lang="en-US" sz="2400" dirty="0">
+                <a:latin typeface="Times New Roman" panose="02020603050405020304" pitchFamily="18" charset="0"/>
+                <a:cs typeface="Times New Roman" panose="02020603050405020304" pitchFamily="18" charset="0"/>
+              </a:rPr>
+              <a:t>Instrument Parameters</a:t>
+            </a:r>
+          </a:p>
+        </p:txBody>
+      </p:sp>
+      <p:sp>
+        <p:nvSpPr>
+          <p:cNvPr id="13" name="TextBox 12">
+            <a:extLst>
+              <a:ext uri="{FF2B5EF4-FFF2-40B4-BE49-F238E27FC236}">
+                <a16:creationId xmlns:a16="http://schemas.microsoft.com/office/drawing/2014/main" id="{9D45C2A1-86CE-4364-99F8-4961ABFF7F33}"/>
+              </a:ext>
+            </a:extLst>
+          </p:cNvPr>
+          <p:cNvSpPr txBox="1"/>
+          <p:nvPr/>
+        </p:nvSpPr>
+        <p:spPr>
+          <a:xfrm>
+            <a:off x="5631431" y="4459127"/>
+            <a:ext cx="2044556" cy="830997"/>
+          </a:xfrm>
+          <a:prstGeom prst="rect">
+            <a:avLst/>
+          </a:prstGeom>
+          <a:noFill/>
+        </p:spPr>
+        <p:txBody>
+          <a:bodyPr wrap="square" rtlCol="0">
+            <a:spAutoFit/>
+          </a:bodyPr>
+          <a:lstStyle/>
+          <a:p>
+            <a:r>
+              <a:rPr lang="en-US" sz="2400" dirty="0">
+                <a:latin typeface="Times New Roman" panose="02020603050405020304" pitchFamily="18" charset="0"/>
+                <a:cs typeface="Times New Roman" panose="02020603050405020304" pitchFamily="18" charset="0"/>
+              </a:rPr>
+              <a:t>Phase Fractions</a:t>
+            </a:r>
+          </a:p>
+        </p:txBody>
+      </p:sp>
+      <p:sp>
+        <p:nvSpPr>
+          <p:cNvPr id="14" name="TextBox 13">
+            <a:extLst>
+              <a:ext uri="{FF2B5EF4-FFF2-40B4-BE49-F238E27FC236}">
+                <a16:creationId xmlns:a16="http://schemas.microsoft.com/office/drawing/2014/main" id="{B33D61CD-0227-463E-97F4-8556B9CEA4AF}"/>
+              </a:ext>
+            </a:extLst>
+          </p:cNvPr>
+          <p:cNvSpPr txBox="1"/>
+          <p:nvPr/>
+        </p:nvSpPr>
+        <p:spPr>
+          <a:xfrm>
+            <a:off x="5627870" y="3925402"/>
+            <a:ext cx="2044556" cy="461665"/>
+          </a:xfrm>
+          <a:prstGeom prst="rect">
+            <a:avLst/>
+          </a:prstGeom>
+          <a:noFill/>
+        </p:spPr>
+        <p:txBody>
+          <a:bodyPr wrap="square" rtlCol="0">
+            <a:spAutoFit/>
+          </a:bodyPr>
+          <a:lstStyle/>
+          <a:p>
+            <a:r>
+              <a:rPr lang="en-US" sz="2400" dirty="0">
+                <a:latin typeface="Times New Roman" panose="02020603050405020304" pitchFamily="18" charset="0"/>
+                <a:cs typeface="Times New Roman" panose="02020603050405020304" pitchFamily="18" charset="0"/>
+              </a:rPr>
+              <a:t>Uncertainty </a:t>
+            </a:r>
+          </a:p>
+        </p:txBody>
+      </p:sp>
+      <p:sp>
+        <p:nvSpPr>
+          <p:cNvPr id="15" name="Rectangle: Diagonal Corners Rounded 14">
+            <a:extLst>
+              <a:ext uri="{FF2B5EF4-FFF2-40B4-BE49-F238E27FC236}">
+                <a16:creationId xmlns:a16="http://schemas.microsoft.com/office/drawing/2014/main" id="{1C9870FB-4519-46D8-B358-FD169B7281B1}"/>
+              </a:ext>
+            </a:extLst>
+          </p:cNvPr>
+          <p:cNvSpPr/>
+          <p:nvPr/>
+        </p:nvSpPr>
+        <p:spPr>
+          <a:xfrm>
+            <a:off x="3159307" y="4079588"/>
+            <a:ext cx="2404151" cy="2239019"/>
+          </a:xfrm>
+          <a:prstGeom prst="round2DiagRect">
+            <a:avLst/>
+          </a:prstGeom>
+          <a:solidFill>
+            <a:schemeClr val="accent6">
+              <a:lumMod val="20000"/>
+              <a:lumOff val="80000"/>
+            </a:schemeClr>
+          </a:solidFill>
+          <a:ln w="38100">
+            <a:solidFill>
+              <a:schemeClr val="tx1"/>
+            </a:solidFill>
+          </a:ln>
+        </p:spPr>
+        <p:style>
+          <a:lnRef idx="2">
+            <a:schemeClr val="accent1">
+              <a:shade val="50000"/>
+            </a:schemeClr>
+          </a:lnRef>
+          <a:fillRef idx="1">
+            <a:schemeClr val="accent1"/>
+          </a:fillRef>
+          <a:effectRef idx="0">
+            <a:schemeClr val="accent1"/>
+          </a:effectRef>
+          <a:fontRef idx="minor">
+            <a:schemeClr val="lt1"/>
+          </a:fontRef>
+        </p:style>
+        <p:txBody>
+          <a:bodyPr rtlCol="0" anchor="ctr"/>
+          <a:lstStyle/>
+          <a:p>
+            <a:pPr algn="ctr"/>
+            <a:endParaRPr lang="en-US"/>
+          </a:p>
+        </p:txBody>
+      </p:sp>
+      <p:sp>
+        <p:nvSpPr>
+          <p:cNvPr id="16" name="TextBox 15">
+            <a:extLst>
+              <a:ext uri="{FF2B5EF4-FFF2-40B4-BE49-F238E27FC236}">
+                <a16:creationId xmlns:a16="http://schemas.microsoft.com/office/drawing/2014/main" id="{839DECD0-ADD2-4686-8D17-25F836A29C4B}"/>
+              </a:ext>
+            </a:extLst>
+          </p:cNvPr>
+          <p:cNvSpPr txBox="1"/>
+          <p:nvPr/>
+        </p:nvSpPr>
+        <p:spPr>
+          <a:xfrm>
+            <a:off x="3243676" y="4906709"/>
+            <a:ext cx="2233534" cy="584775"/>
+          </a:xfrm>
+          <a:prstGeom prst="rect">
+            <a:avLst/>
+          </a:prstGeom>
+          <a:noFill/>
+        </p:spPr>
+        <p:txBody>
+          <a:bodyPr wrap="square" rtlCol="0">
+            <a:spAutoFit/>
+          </a:bodyPr>
+          <a:lstStyle/>
+          <a:p>
+            <a:pPr algn="ctr"/>
+            <a:r>
+              <a:rPr lang="en-US" sz="3200" dirty="0">
+                <a:latin typeface="Times New Roman" panose="02020603050405020304" pitchFamily="18" charset="0"/>
+                <a:cs typeface="Times New Roman" panose="02020603050405020304" pitchFamily="18" charset="0"/>
+              </a:rPr>
+              <a:t>Calculator</a:t>
+            </a:r>
+          </a:p>
+        </p:txBody>
+      </p:sp>
+      <p:cxnSp>
+        <p:nvCxnSpPr>
+          <p:cNvPr id="19" name="Straight Arrow Connector 18">
+            <a:extLst>
+              <a:ext uri="{FF2B5EF4-FFF2-40B4-BE49-F238E27FC236}">
+                <a16:creationId xmlns:a16="http://schemas.microsoft.com/office/drawing/2014/main" id="{79D0221B-3D0C-4FA2-8C51-7C6C97F41E85}"/>
+              </a:ext>
+            </a:extLst>
+          </p:cNvPr>
+          <p:cNvCxnSpPr>
+            <a:cxnSpLocks/>
+          </p:cNvCxnSpPr>
+          <p:nvPr/>
+        </p:nvCxnSpPr>
+        <p:spPr>
+          <a:xfrm>
+            <a:off x="5627870" y="6039856"/>
+            <a:ext cx="1868523" cy="0"/>
+          </a:xfrm>
+          <a:prstGeom prst="straightConnector1">
+            <a:avLst/>
+          </a:prstGeom>
+          <a:ln w="76200">
+            <a:tailEnd type="triangle"/>
+          </a:ln>
+        </p:spPr>
+        <p:style>
+          <a:lnRef idx="1">
+            <a:schemeClr val="dk1"/>
+          </a:lnRef>
+          <a:fillRef idx="0">
+            <a:schemeClr val="dk1"/>
+          </a:fillRef>
+          <a:effectRef idx="0">
+            <a:schemeClr val="dk1"/>
+          </a:effectRef>
+          <a:fontRef idx="minor">
+            <a:schemeClr val="tx1"/>
+          </a:fontRef>
+        </p:style>
+      </p:cxnSp>
+      <p:cxnSp>
+        <p:nvCxnSpPr>
+          <p:cNvPr id="23" name="Straight Arrow Connector 22">
+            <a:extLst>
+              <a:ext uri="{FF2B5EF4-FFF2-40B4-BE49-F238E27FC236}">
+                <a16:creationId xmlns:a16="http://schemas.microsoft.com/office/drawing/2014/main" id="{D0D55759-B9A3-4001-87D5-D294D3F78A1B}"/>
+              </a:ext>
+            </a:extLst>
+          </p:cNvPr>
+          <p:cNvCxnSpPr>
+            <a:cxnSpLocks/>
+          </p:cNvCxnSpPr>
+          <p:nvPr/>
+        </p:nvCxnSpPr>
+        <p:spPr>
+          <a:xfrm>
+            <a:off x="1255911" y="6039856"/>
+            <a:ext cx="1868523" cy="0"/>
+          </a:xfrm>
+          <a:prstGeom prst="straightConnector1">
+            <a:avLst/>
+          </a:prstGeom>
+          <a:ln w="76200">
+            <a:tailEnd type="triangle"/>
+          </a:ln>
+        </p:spPr>
+        <p:style>
+          <a:lnRef idx="1">
+            <a:schemeClr val="dk1"/>
+          </a:lnRef>
+          <a:fillRef idx="0">
+            <a:schemeClr val="dk1"/>
+          </a:fillRef>
+          <a:effectRef idx="0">
+            <a:schemeClr val="dk1"/>
+          </a:effectRef>
+          <a:fontRef idx="minor">
+            <a:schemeClr val="tx1"/>
+          </a:fontRef>
+        </p:style>
+      </p:cxnSp>
+      <p:sp>
+        <p:nvSpPr>
+          <p:cNvPr id="22" name="TextBox 21">
+            <a:extLst>
+              <a:ext uri="{FF2B5EF4-FFF2-40B4-BE49-F238E27FC236}">
+                <a16:creationId xmlns:a16="http://schemas.microsoft.com/office/drawing/2014/main" id="{0A133768-3974-4FA5-88CB-7DDE9258D0DB}"/>
+              </a:ext>
+            </a:extLst>
+          </p:cNvPr>
+          <p:cNvSpPr txBox="1"/>
+          <p:nvPr/>
+        </p:nvSpPr>
+        <p:spPr>
+          <a:xfrm>
+            <a:off x="1375153" y="5589836"/>
+            <a:ext cx="1519203" cy="461665"/>
+          </a:xfrm>
+          <a:prstGeom prst="rect">
+            <a:avLst/>
+          </a:prstGeom>
+          <a:noFill/>
+        </p:spPr>
+        <p:txBody>
+          <a:bodyPr wrap="square" rtlCol="0">
+            <a:spAutoFit/>
+          </a:bodyPr>
+          <a:lstStyle/>
+          <a:p>
+            <a:r>
+              <a:rPr lang="en-US" sz="2400" dirty="0">
+                <a:latin typeface="Times New Roman" panose="02020603050405020304" pitchFamily="18" charset="0"/>
+                <a:cs typeface="Times New Roman" panose="02020603050405020304" pitchFamily="18" charset="0"/>
+              </a:rPr>
+              <a:t>CIF File</a:t>
+            </a:r>
+          </a:p>
+        </p:txBody>
+      </p:sp>
+      <p:sp>
+        <p:nvSpPr>
+          <p:cNvPr id="27" name="TextBox 26">
+            <a:extLst>
+              <a:ext uri="{FF2B5EF4-FFF2-40B4-BE49-F238E27FC236}">
+                <a16:creationId xmlns:a16="http://schemas.microsoft.com/office/drawing/2014/main" id="{5E5F3BC8-82CE-4518-9A15-D6BDAFF15706}"/>
+              </a:ext>
+            </a:extLst>
+          </p:cNvPr>
+          <p:cNvSpPr txBox="1"/>
+          <p:nvPr/>
+        </p:nvSpPr>
+        <p:spPr>
+          <a:xfrm>
+            <a:off x="5636296" y="5579926"/>
+            <a:ext cx="1860097" cy="461665"/>
+          </a:xfrm>
+          <a:prstGeom prst="rect">
+            <a:avLst/>
+          </a:prstGeom>
+          <a:noFill/>
+        </p:spPr>
+        <p:txBody>
+          <a:bodyPr wrap="square" rtlCol="0">
+            <a:spAutoFit/>
+          </a:bodyPr>
+          <a:lstStyle/>
+          <a:p>
+            <a:r>
+              <a:rPr lang="en-US" sz="2400" dirty="0">
+                <a:latin typeface="Times New Roman" panose="02020603050405020304" pitchFamily="18" charset="0"/>
+                <a:cs typeface="Times New Roman" panose="02020603050405020304" pitchFamily="18" charset="0"/>
+              </a:rPr>
+              <a:t>Guidance </a:t>
+            </a:r>
+          </a:p>
+        </p:txBody>
+      </p:sp>
+    </p:spTree>
+  </p:cSld>
+  <p:clrMapOvr>
+    <a:masterClrMapping/>
+  </p:clrMapOvr>
+</p:sld>
+</file>
+
+<file path=ppt/slides/slide5.xml><?xml version="1.0" encoding="utf-8"?>
+<p:sld xmlns:a="http://schemas.openxmlformats.org/drawingml/2006/main" xmlns:r="http://schemas.openxmlformats.org/officeDocument/2006/relationships" xmlns:p="http://schemas.openxmlformats.org/presentationml/2006/main">
+  <p:cSld>
+    <p:spTree>
+      <p:nvGrpSpPr>
+        <p:cNvPr id="1" name=""/>
+        <p:cNvGrpSpPr/>
+        <p:nvPr/>
+      </p:nvGrpSpPr>
+      <p:grpSpPr>
+        <a:xfrm>
+          <a:off x="0" y="0"/>
+          <a:ext cx="0" cy="0"/>
+          <a:chOff x="0" y="0"/>
+          <a:chExt cx="0" cy="0"/>
+        </a:xfrm>
+      </p:grpSpPr>
+      <p:sp>
+        <p:nvSpPr>
+          <p:cNvPr id="2" name="Title 1">
+            <a:extLst>
+              <a:ext uri="{FF2B5EF4-FFF2-40B4-BE49-F238E27FC236}">
+                <a16:creationId xmlns:a16="http://schemas.microsoft.com/office/drawing/2014/main" id="{51304626-F93A-49DC-A77A-C6CE0621C546}"/>
+              </a:ext>
+            </a:extLst>
+          </p:cNvPr>
+          <p:cNvSpPr>
+            <a:spLocks noGrp="1"/>
+          </p:cNvSpPr>
+          <p:nvPr>
+            <p:ph type="title"/>
+          </p:nvPr>
+        </p:nvSpPr>
+        <p:spPr/>
+        <p:txBody>
+          <a:bodyPr/>
+          <a:lstStyle/>
+          <a:p>
+            <a:r>
+              <a:rPr lang="en-US" dirty="0"/>
+              <a:t>Project Plan Cont.</a:t>
+            </a:r>
+          </a:p>
+        </p:txBody>
+      </p:sp>
+      <p:sp>
+        <p:nvSpPr>
+          <p:cNvPr id="3" name="Text Placeholder 2">
+            <a:extLst>
+              <a:ext uri="{FF2B5EF4-FFF2-40B4-BE49-F238E27FC236}">
+                <a16:creationId xmlns:a16="http://schemas.microsoft.com/office/drawing/2014/main" id="{99D7FEFC-D875-4F20-8E3B-41F8E91B5D22}"/>
+              </a:ext>
+            </a:extLst>
+          </p:cNvPr>
+          <p:cNvSpPr>
+            <a:spLocks noGrp="1"/>
+          </p:cNvSpPr>
+          <p:nvPr>
+            <p:ph type="body" idx="1"/>
+          </p:nvPr>
+        </p:nvSpPr>
+        <p:spPr>
+          <a:xfrm>
+            <a:off x="274636" y="1201035"/>
+            <a:ext cx="8594725" cy="5395562"/>
+          </a:xfrm>
+        </p:spPr>
+        <p:txBody>
+          <a:bodyPr/>
+          <a:lstStyle/>
+          <a:p>
+            <a:pPr marL="114300" indent="0">
+              <a:buNone/>
+            </a:pPr>
+            <a:r>
+              <a:rPr lang="en-US" sz="3000" u="sng" dirty="0">
+                <a:solidFill>
+                  <a:schemeClr val="tx1"/>
+                </a:solidFill>
+                <a:latin typeface="Times New Roman" panose="02020603050405020304" pitchFamily="18" charset="0"/>
+                <a:cs typeface="Times New Roman" panose="02020603050405020304" pitchFamily="18" charset="0"/>
+              </a:rPr>
+              <a:t>Project Scope</a:t>
+            </a:r>
+            <a:r>
+              <a:rPr lang="en-US" sz="3000" dirty="0">
+                <a:solidFill>
+                  <a:schemeClr val="tx1"/>
+                </a:solidFill>
+                <a:latin typeface="Times New Roman" panose="02020603050405020304" pitchFamily="18" charset="0"/>
+                <a:cs typeface="Times New Roman" panose="02020603050405020304" pitchFamily="18" charset="0"/>
+              </a:rPr>
+              <a:t>:</a:t>
+            </a:r>
+          </a:p>
+          <a:p>
+            <a:pPr>
+              <a:buFont typeface="Arial" panose="020B0604020202020204" pitchFamily="34" charset="0"/>
+              <a:buChar char="•"/>
+            </a:pPr>
+            <a:r>
+              <a:rPr lang="en-US" dirty="0">
+                <a:solidFill>
+                  <a:schemeClr val="tx1"/>
+                </a:solidFill>
+                <a:latin typeface="Times New Roman" panose="02020603050405020304" pitchFamily="18" charset="0"/>
+                <a:cs typeface="Times New Roman" panose="02020603050405020304" pitchFamily="18" charset="0"/>
+              </a:rPr>
+              <a:t>Coding</a:t>
+            </a:r>
+          </a:p>
+          <a:p>
+            <a:pPr lvl="1">
+              <a:buFont typeface="Arial" panose="020B0604020202020204" pitchFamily="34" charset="0"/>
+              <a:buChar char="•"/>
+            </a:pPr>
+            <a:r>
+              <a:rPr lang="en-US" sz="2800" i="0" dirty="0">
+                <a:solidFill>
+                  <a:schemeClr val="tx1"/>
+                </a:solidFill>
+                <a:latin typeface="Times New Roman" panose="02020603050405020304" pitchFamily="18" charset="0"/>
+                <a:cs typeface="Times New Roman" panose="02020603050405020304" pitchFamily="18" charset="0"/>
+              </a:rPr>
+              <a:t>Done in python, leveraging the GSAS II library</a:t>
+            </a:r>
+          </a:p>
+          <a:p>
+            <a:pPr>
+              <a:buFont typeface="Arial" panose="020B0604020202020204" pitchFamily="34" charset="0"/>
+              <a:buChar char="•"/>
+            </a:pPr>
+            <a:r>
+              <a:rPr lang="en-US" dirty="0">
+                <a:solidFill>
+                  <a:schemeClr val="tx1"/>
+                </a:solidFill>
+                <a:latin typeface="Times New Roman" panose="02020603050405020304" pitchFamily="18" charset="0"/>
+                <a:cs typeface="Times New Roman" panose="02020603050405020304" pitchFamily="18" charset="0"/>
+              </a:rPr>
+              <a:t>Material Characteristics</a:t>
+            </a:r>
+          </a:p>
+          <a:p>
+            <a:pPr lvl="1">
+              <a:buFont typeface="Arial" panose="020B0604020202020204" pitchFamily="34" charset="0"/>
+              <a:buChar char="•"/>
+            </a:pPr>
+            <a:r>
+              <a:rPr lang="en-US" sz="2800" i="0" dirty="0">
+                <a:solidFill>
+                  <a:schemeClr val="tx1"/>
+                </a:solidFill>
+                <a:latin typeface="Times New Roman" panose="02020603050405020304" pitchFamily="18" charset="0"/>
+                <a:cs typeface="Times New Roman" panose="02020603050405020304" pitchFamily="18" charset="0"/>
+              </a:rPr>
+              <a:t>Microstructural texture, x-ray interactions, composition, lattice parameters, etc.</a:t>
+            </a:r>
+          </a:p>
+          <a:p>
+            <a:pPr>
+              <a:buFont typeface="Arial" panose="020B0604020202020204" pitchFamily="34" charset="0"/>
+              <a:buChar char="•"/>
+            </a:pPr>
+            <a:r>
+              <a:rPr lang="en-US" dirty="0">
+                <a:solidFill>
+                  <a:schemeClr val="tx1"/>
+                </a:solidFill>
+                <a:latin typeface="Times New Roman" panose="02020603050405020304" pitchFamily="18" charset="0"/>
+                <a:cs typeface="Times New Roman" panose="02020603050405020304" pitchFamily="18" charset="0"/>
+              </a:rPr>
+              <a:t>Defining Uncertainties</a:t>
+            </a:r>
+          </a:p>
+          <a:p>
+            <a:pPr lvl="1">
+              <a:buFont typeface="Arial" panose="020B0604020202020204" pitchFamily="34" charset="0"/>
+              <a:buChar char="•"/>
+            </a:pPr>
+            <a:r>
+              <a:rPr lang="en-US" sz="2800" i="0" dirty="0">
+                <a:solidFill>
+                  <a:schemeClr val="tx1"/>
+                </a:solidFill>
+                <a:latin typeface="Times New Roman" panose="02020603050405020304" pitchFamily="18" charset="0"/>
+                <a:cs typeface="Times New Roman" panose="02020603050405020304" pitchFamily="18" charset="0"/>
+              </a:rPr>
+              <a:t>Finding ways to model the various uncertainties via statistical analysis</a:t>
+            </a:r>
+          </a:p>
+        </p:txBody>
+      </p:sp>
+      <p:sp>
+        <p:nvSpPr>
+          <p:cNvPr id="4" name="Slide Number Placeholder 3">
+            <a:extLst>
+              <a:ext uri="{FF2B5EF4-FFF2-40B4-BE49-F238E27FC236}">
+                <a16:creationId xmlns:a16="http://schemas.microsoft.com/office/drawing/2014/main" id="{68AEBA0D-17C3-4122-8FE1-5481D255FC1B}"/>
+              </a:ext>
+            </a:extLst>
+          </p:cNvPr>
+          <p:cNvSpPr>
+            <a:spLocks noGrp="1"/>
+          </p:cNvSpPr>
+          <p:nvPr>
+            <p:ph type="sldNum" idx="12"/>
+          </p:nvPr>
+        </p:nvSpPr>
+        <p:spPr/>
+        <p:txBody>
+          <a:bodyPr/>
+          <a:lstStyle/>
+          <a:p>
+            <a:pPr marL="0" lvl="0" indent="0" algn="r" rtl="0">
+              <a:spcBef>
+                <a:spcPts val="0"/>
+              </a:spcBef>
+              <a:spcAft>
+                <a:spcPts val="0"/>
+              </a:spcAft>
+              <a:buNone/>
+            </a:pPr>
+            <a:fld id="{00000000-1234-1234-1234-123412341234}" type="slidenum">
+              <a:rPr lang="en-US" smtClean="0"/>
+              <a:t>5</a:t>
+            </a:fld>
+            <a:endParaRPr lang="en-US"/>
+          </a:p>
+        </p:txBody>
+      </p:sp>
+    </p:spTree>
+    <p:extLst>
+      <p:ext uri="{BB962C8B-B14F-4D97-AF65-F5344CB8AC3E}">
+        <p14:creationId xmlns:p14="http://schemas.microsoft.com/office/powerpoint/2010/main" val="3772180550"/>
+      </p:ext>
+    </p:extLst>
+  </p:cSld>
+  <p:clrMapOvr>
+    <a:masterClrMapping/>
+  </p:clrMapOvr>
+</p:sld>
+</file>
+
+<file path=ppt/slides/slide6.xml><?xml version="1.0" encoding="utf-8"?>
+<p:sld xmlns:a="http://schemas.openxmlformats.org/drawingml/2006/main" xmlns:r="http://schemas.openxmlformats.org/officeDocument/2006/relationships" xmlns:p="http://schemas.openxmlformats.org/presentationml/2006/main">
+  <p:cSld>
+    <p:spTree>
+      <p:nvGrpSpPr>
+        <p:cNvPr id="1" name=""/>
+        <p:cNvGrpSpPr/>
+        <p:nvPr/>
+      </p:nvGrpSpPr>
+      <p:grpSpPr>
+        <a:xfrm>
+          <a:off x="0" y="0"/>
+          <a:ext cx="0" cy="0"/>
+          <a:chOff x="0" y="0"/>
+          <a:chExt cx="0" cy="0"/>
+        </a:xfrm>
+      </p:grpSpPr>
+      <p:sp>
+        <p:nvSpPr>
+          <p:cNvPr id="2" name="Title 1">
+            <a:extLst>
+              <a:ext uri="{FF2B5EF4-FFF2-40B4-BE49-F238E27FC236}">
+                <a16:creationId xmlns:a16="http://schemas.microsoft.com/office/drawing/2014/main" id="{9DBC174F-E1BE-47F5-89F9-D9B02F99FE09}"/>
+              </a:ext>
+            </a:extLst>
+          </p:cNvPr>
+          <p:cNvSpPr>
+            <a:spLocks noGrp="1"/>
+          </p:cNvSpPr>
+          <p:nvPr>
+            <p:ph type="title"/>
+          </p:nvPr>
+        </p:nvSpPr>
+        <p:spPr/>
+        <p:txBody>
+          <a:bodyPr/>
+          <a:lstStyle/>
+          <a:p>
+            <a:r>
+              <a:rPr lang="en-US" dirty="0"/>
+              <a:t>Sources of Uncertainty or Error</a:t>
+            </a:r>
+          </a:p>
+        </p:txBody>
+      </p:sp>
+      <p:sp>
+        <p:nvSpPr>
+          <p:cNvPr id="3" name="Text Placeholder 2">
+            <a:extLst>
+              <a:ext uri="{FF2B5EF4-FFF2-40B4-BE49-F238E27FC236}">
+                <a16:creationId xmlns:a16="http://schemas.microsoft.com/office/drawing/2014/main" id="{FB767FB3-A6D9-481F-8AB2-C3551414A0FE}"/>
+              </a:ext>
+            </a:extLst>
+          </p:cNvPr>
+          <p:cNvSpPr>
+            <a:spLocks noGrp="1"/>
+          </p:cNvSpPr>
+          <p:nvPr>
+            <p:ph type="body" idx="1"/>
+          </p:nvPr>
+        </p:nvSpPr>
+        <p:spPr/>
+        <p:txBody>
+          <a:bodyPr/>
+          <a:lstStyle/>
+          <a:p>
+            <a:r>
+              <a:rPr lang="en-US" sz="2400" dirty="0">
+                <a:latin typeface="Times New Roman" panose="02020603050405020304" pitchFamily="18" charset="0"/>
+                <a:cs typeface="Times New Roman" panose="02020603050405020304" pitchFamily="18" charset="0"/>
+              </a:rPr>
+              <a:t>Diffraction Counting Statistics (Frequently the only value used)</a:t>
+            </a:r>
+          </a:p>
+          <a:p>
+            <a:r>
+              <a:rPr lang="en-US" sz="2400" dirty="0">
+                <a:latin typeface="Times New Roman" panose="02020603050405020304" pitchFamily="18" charset="0"/>
+                <a:cs typeface="Times New Roman" panose="02020603050405020304" pitchFamily="18" charset="0"/>
+              </a:rPr>
+              <a:t>Deviation between theoretical intensities and measured intensities</a:t>
+            </a:r>
+          </a:p>
+          <a:p>
+            <a:r>
+              <a:rPr lang="en-US" sz="2400" dirty="0">
+                <a:solidFill>
+                  <a:schemeClr val="accent6">
+                    <a:lumMod val="60000"/>
+                    <a:lumOff val="40000"/>
+                  </a:schemeClr>
+                </a:solidFill>
+                <a:latin typeface="Times New Roman" panose="02020603050405020304" pitchFamily="18" charset="0"/>
+                <a:cs typeface="Times New Roman" panose="02020603050405020304" pitchFamily="18" charset="0"/>
+              </a:rPr>
+              <a:t>Composition (bulk uncertainty and phase segregation)</a:t>
+            </a:r>
+          </a:p>
+          <a:p>
+            <a:r>
+              <a:rPr lang="en-US" sz="2400" dirty="0">
+                <a:solidFill>
+                  <a:schemeClr val="accent6">
+                    <a:lumMod val="60000"/>
+                    <a:lumOff val="40000"/>
+                  </a:schemeClr>
+                </a:solidFill>
+                <a:latin typeface="Times New Roman" panose="02020603050405020304" pitchFamily="18" charset="0"/>
+                <a:cs typeface="Times New Roman" panose="02020603050405020304" pitchFamily="18" charset="0"/>
+              </a:rPr>
+              <a:t>Method of calculation (individual peaks or full pattern fitting)</a:t>
+            </a:r>
+          </a:p>
+          <a:p>
+            <a:r>
+              <a:rPr lang="en-US" sz="2400" dirty="0">
+                <a:solidFill>
+                  <a:schemeClr val="accent6">
+                    <a:lumMod val="60000"/>
+                    <a:lumOff val="40000"/>
+                  </a:schemeClr>
+                </a:solidFill>
+                <a:latin typeface="Times New Roman" panose="02020603050405020304" pitchFamily="18" charset="0"/>
+                <a:cs typeface="Times New Roman" panose="02020603050405020304" pitchFamily="18" charset="0"/>
+              </a:rPr>
+              <a:t>Unit cell determination</a:t>
+            </a:r>
+          </a:p>
+          <a:p>
+            <a:r>
+              <a:rPr lang="en-US" sz="2400" dirty="0">
+                <a:solidFill>
+                  <a:schemeClr val="accent5">
+                    <a:lumMod val="50000"/>
+                  </a:schemeClr>
+                </a:solidFill>
+                <a:latin typeface="Times New Roman" panose="02020603050405020304" pitchFamily="18" charset="0"/>
+                <a:cs typeface="Times New Roman" panose="02020603050405020304" pitchFamily="18" charset="0"/>
+              </a:rPr>
+              <a:t>Sampling volume and crystallites illuminated</a:t>
+            </a:r>
+          </a:p>
+          <a:p>
+            <a:r>
+              <a:rPr lang="en-US" sz="2400" dirty="0">
+                <a:solidFill>
+                  <a:schemeClr val="accent5">
+                    <a:lumMod val="50000"/>
+                  </a:schemeClr>
+                </a:solidFill>
+                <a:latin typeface="Times New Roman" panose="02020603050405020304" pitchFamily="18" charset="0"/>
+                <a:cs typeface="Times New Roman" panose="02020603050405020304" pitchFamily="18" charset="0"/>
+              </a:rPr>
+              <a:t>Pole figure coverage and crystallographic texture effects</a:t>
+            </a:r>
+          </a:p>
+          <a:p>
+            <a:r>
+              <a:rPr lang="en-US" sz="2400" dirty="0">
+                <a:solidFill>
+                  <a:schemeClr val="accent5">
+                    <a:lumMod val="50000"/>
+                  </a:schemeClr>
+                </a:solidFill>
+                <a:latin typeface="Times New Roman" panose="02020603050405020304" pitchFamily="18" charset="0"/>
+                <a:cs typeface="Times New Roman" panose="02020603050405020304" pitchFamily="18" charset="0"/>
+              </a:rPr>
+              <a:t>Number of replicate measurements or samples (often just one each)</a:t>
+            </a:r>
+          </a:p>
+          <a:p>
+            <a:pPr marL="114300" indent="0">
+              <a:buNone/>
+            </a:pPr>
+            <a:r>
+              <a:rPr lang="en-US" dirty="0">
+                <a:solidFill>
+                  <a:schemeClr val="tx1"/>
+                </a:solidFill>
+                <a:latin typeface="Times New Roman" panose="02020603050405020304" pitchFamily="18" charset="0"/>
+                <a:cs typeface="Times New Roman" panose="02020603050405020304" pitchFamily="18" charset="0"/>
+              </a:rPr>
+              <a:t>*Black – present	     </a:t>
+            </a:r>
+            <a:r>
+              <a:rPr lang="en-US" dirty="0">
+                <a:solidFill>
+                  <a:schemeClr val="accent6">
+                    <a:lumMod val="60000"/>
+                    <a:lumOff val="40000"/>
+                  </a:schemeClr>
+                </a:solidFill>
+                <a:latin typeface="Times New Roman" panose="02020603050405020304" pitchFamily="18" charset="0"/>
+                <a:cs typeface="Times New Roman" panose="02020603050405020304" pitchFamily="18" charset="0"/>
+              </a:rPr>
+              <a:t>*Blue – Next	       </a:t>
+            </a:r>
+            <a:r>
+              <a:rPr lang="en-US" dirty="0">
+                <a:solidFill>
+                  <a:schemeClr val="accent5">
+                    <a:lumMod val="50000"/>
+                  </a:schemeClr>
+                </a:solidFill>
+                <a:latin typeface="Times New Roman" panose="02020603050405020304" pitchFamily="18" charset="0"/>
+                <a:cs typeface="Times New Roman" panose="02020603050405020304" pitchFamily="18" charset="0"/>
+              </a:rPr>
+              <a:t>*Teal – Future</a:t>
+            </a:r>
+            <a:r>
+              <a:rPr lang="en-US" sz="2400" dirty="0">
+                <a:solidFill>
+                  <a:schemeClr val="accent5">
+                    <a:lumMod val="50000"/>
+                  </a:schemeClr>
+                </a:solidFill>
+                <a:latin typeface="Times New Roman" panose="02020603050405020304" pitchFamily="18" charset="0"/>
+                <a:cs typeface="Times New Roman" panose="02020603050405020304" pitchFamily="18" charset="0"/>
+              </a:rPr>
+              <a:t>	</a:t>
+            </a:r>
+            <a:endParaRPr lang="en-US" sz="2400" dirty="0">
+              <a:solidFill>
+                <a:schemeClr val="tx1"/>
+              </a:solidFill>
+              <a:latin typeface="Times New Roman" panose="02020603050405020304" pitchFamily="18" charset="0"/>
+              <a:cs typeface="Times New Roman" panose="02020603050405020304" pitchFamily="18" charset="0"/>
+            </a:endParaRPr>
+          </a:p>
+        </p:txBody>
+      </p:sp>
+      <p:sp>
+        <p:nvSpPr>
+          <p:cNvPr id="4" name="Slide Number Placeholder 3">
+            <a:extLst>
+              <a:ext uri="{FF2B5EF4-FFF2-40B4-BE49-F238E27FC236}">
+                <a16:creationId xmlns:a16="http://schemas.microsoft.com/office/drawing/2014/main" id="{50CA110C-8443-451D-B73C-CFBAB941909B}"/>
+              </a:ext>
+            </a:extLst>
+          </p:cNvPr>
+          <p:cNvSpPr>
+            <a:spLocks noGrp="1"/>
+          </p:cNvSpPr>
+          <p:nvPr>
+            <p:ph type="sldNum" idx="12"/>
+          </p:nvPr>
+        </p:nvSpPr>
+        <p:spPr/>
+        <p:txBody>
+          <a:bodyPr/>
+          <a:lstStyle/>
+          <a:p>
+            <a:pPr marL="0" lvl="0" indent="0" algn="r" rtl="0">
+              <a:spcBef>
+                <a:spcPts val="0"/>
+              </a:spcBef>
+              <a:spcAft>
+                <a:spcPts val="0"/>
+              </a:spcAft>
+              <a:buNone/>
+            </a:pPr>
+            <a:fld id="{00000000-1234-1234-1234-123412341234}" type="slidenum">
+              <a:rPr lang="en-US" smtClean="0"/>
+              <a:t>6</a:t>
+            </a:fld>
+            <a:endParaRPr lang="en-US"/>
+          </a:p>
+        </p:txBody>
+      </p:sp>
+    </p:spTree>
+    <p:extLst>
+      <p:ext uri="{BB962C8B-B14F-4D97-AF65-F5344CB8AC3E}">
+        <p14:creationId xmlns:p14="http://schemas.microsoft.com/office/powerpoint/2010/main" val="1091104424"/>
+      </p:ext>
+    </p:extLst>
+  </p:cSld>
+  <p:clrMapOvr>
+    <a:masterClrMapping/>
+  </p:clrMapOvr>
+  <p:extLst>
+    <p:ext uri="{6950BFC3-D8DA-4A85-94F7-54DA5524770B}">
+      <p188:commentRel xmlns:p188="http://schemas.microsoft.com/office/powerpoint/2018/8/main" r:id="rId2"/>
+    </p:ext>
+  </p:extLst>
+</p:sld>
+</file>
+
+<file path=ppt/slides/slide7.xml><?xml version="1.0" encoding="utf-8"?>
+<p:sld xmlns:a="http://schemas.openxmlformats.org/drawingml/2006/main" xmlns:r="http://schemas.openxmlformats.org/officeDocument/2006/relationships" xmlns:p="http://schemas.openxmlformats.org/presentationml/2006/main">
+  <p:cSld>
+    <p:spTree>
+      <p:nvGrpSpPr>
+        <p:cNvPr id="1" name=""/>
+        <p:cNvGrpSpPr/>
+        <p:nvPr/>
+      </p:nvGrpSpPr>
+      <p:grpSpPr>
+        <a:xfrm>
+          <a:off x="0" y="0"/>
+          <a:ext cx="0" cy="0"/>
+          <a:chOff x="0" y="0"/>
+          <a:chExt cx="0" cy="0"/>
+        </a:xfrm>
+      </p:grpSpPr>
+      <p:sp>
+        <p:nvSpPr>
+          <p:cNvPr id="2" name="Title 1">
+            <a:extLst>
+              <a:ext uri="{FF2B5EF4-FFF2-40B4-BE49-F238E27FC236}">
+                <a16:creationId xmlns:a16="http://schemas.microsoft.com/office/drawing/2014/main" id="{A80DF7EA-FBD7-4F86-8968-1350D86F119D}"/>
+              </a:ext>
+            </a:extLst>
+          </p:cNvPr>
+          <p:cNvSpPr>
+            <a:spLocks noGrp="1"/>
+          </p:cNvSpPr>
+          <p:nvPr>
+            <p:ph type="title"/>
+          </p:nvPr>
+        </p:nvSpPr>
+        <p:spPr/>
+        <p:txBody>
+          <a:bodyPr/>
+          <a:lstStyle/>
+          <a:p>
+            <a:r>
+              <a:rPr lang="en-US" dirty="0"/>
+              <a:t>Inputs</a:t>
+            </a:r>
+          </a:p>
+        </p:txBody>
+      </p:sp>
+      <p:sp>
+        <p:nvSpPr>
+          <p:cNvPr id="3" name="Text Placeholder 2">
+            <a:extLst>
+              <a:ext uri="{FF2B5EF4-FFF2-40B4-BE49-F238E27FC236}">
+                <a16:creationId xmlns:a16="http://schemas.microsoft.com/office/drawing/2014/main" id="{6235CA03-04DF-4EAB-9019-166C0A999492}"/>
+              </a:ext>
+            </a:extLst>
+          </p:cNvPr>
+          <p:cNvSpPr>
+            <a:spLocks noGrp="1"/>
+          </p:cNvSpPr>
+          <p:nvPr>
+            <p:ph type="body" idx="1"/>
+          </p:nvPr>
+        </p:nvSpPr>
+        <p:spPr/>
+        <p:txBody>
+          <a:bodyPr/>
+          <a:lstStyle/>
+          <a:p>
+            <a:r>
+              <a:rPr lang="en-US" dirty="0">
+                <a:latin typeface="Times New Roman" panose="02020603050405020304" pitchFamily="18" charset="0"/>
+                <a:cs typeface="Times New Roman" panose="02020603050405020304" pitchFamily="18" charset="0"/>
+              </a:rPr>
+              <a:t>XRD data</a:t>
+            </a:r>
+          </a:p>
+          <a:p>
+            <a:pPr lvl="1"/>
+            <a:r>
+              <a:rPr lang="en-US" i="0" dirty="0">
+                <a:latin typeface="Times New Roman" panose="02020603050405020304" pitchFamily="18" charset="0"/>
+                <a:cs typeface="Times New Roman" panose="02020603050405020304" pitchFamily="18" charset="0"/>
+              </a:rPr>
+              <a:t>Standard intensity vs 2</a:t>
+            </a:r>
+            <a:r>
+              <a:rPr lang="el-GR" i="0" dirty="0">
+                <a:latin typeface="Times New Roman" panose="02020603050405020304" pitchFamily="18" charset="0"/>
+                <a:cs typeface="Times New Roman" panose="02020603050405020304" pitchFamily="18" charset="0"/>
+              </a:rPr>
+              <a:t>θ</a:t>
+            </a:r>
+            <a:r>
+              <a:rPr lang="en-US" i="0" dirty="0">
+                <a:latin typeface="Times New Roman" panose="02020603050405020304" pitchFamily="18" charset="0"/>
+                <a:cs typeface="Times New Roman" panose="02020603050405020304" pitchFamily="18" charset="0"/>
+              </a:rPr>
+              <a:t> data collected via powder x-ray diffraction methods and tools</a:t>
+            </a:r>
+          </a:p>
+          <a:p>
+            <a:r>
+              <a:rPr lang="en-US" dirty="0">
+                <a:latin typeface="Times New Roman" panose="02020603050405020304" pitchFamily="18" charset="0"/>
+                <a:cs typeface="Times New Roman" panose="02020603050405020304" pitchFamily="18" charset="0"/>
+              </a:rPr>
+              <a:t>Instrument Parameters</a:t>
+            </a:r>
+          </a:p>
+          <a:p>
+            <a:pPr lvl="1"/>
+            <a:r>
+              <a:rPr lang="en-US" dirty="0">
+                <a:highlight>
+                  <a:srgbClr val="FFFF00"/>
+                </a:highlight>
+                <a:latin typeface="Times New Roman" panose="02020603050405020304" pitchFamily="18" charset="0"/>
+                <a:cs typeface="Times New Roman" panose="02020603050405020304" pitchFamily="18" charset="0"/>
+              </a:rPr>
+              <a:t>*Need info on this*</a:t>
+            </a:r>
+            <a:r>
+              <a:rPr lang="en-US" i="0" dirty="0">
+                <a:latin typeface="Times New Roman" panose="02020603050405020304" pitchFamily="18" charset="0"/>
+                <a:cs typeface="Times New Roman" panose="02020603050405020304" pitchFamily="18" charset="0"/>
+              </a:rPr>
+              <a:t>, x-ray source, energy, step size?, etc.</a:t>
+            </a:r>
+            <a:endParaRPr lang="en-US" dirty="0">
+              <a:latin typeface="Times New Roman" panose="02020603050405020304" pitchFamily="18" charset="0"/>
+              <a:cs typeface="Times New Roman" panose="02020603050405020304" pitchFamily="18" charset="0"/>
+            </a:endParaRPr>
+          </a:p>
+          <a:p>
+            <a:r>
+              <a:rPr lang="en-US" dirty="0">
+                <a:latin typeface="Times New Roman" panose="02020603050405020304" pitchFamily="18" charset="0"/>
+                <a:cs typeface="Times New Roman" panose="02020603050405020304" pitchFamily="18" charset="0"/>
+              </a:rPr>
+              <a:t>CIF File</a:t>
+            </a:r>
+          </a:p>
+          <a:p>
+            <a:pPr lvl="1"/>
+            <a:r>
+              <a:rPr lang="en-US" i="0" dirty="0">
+                <a:latin typeface="Times New Roman" panose="02020603050405020304" pitchFamily="18" charset="0"/>
+                <a:cs typeface="Times New Roman" panose="02020603050405020304" pitchFamily="18" charset="0"/>
+              </a:rPr>
+              <a:t>Elemental composition and crystallographic information </a:t>
+            </a:r>
+            <a:r>
+              <a:rPr lang="en-US" i="0" dirty="0">
+                <a:highlight>
+                  <a:srgbClr val="FFFF00"/>
+                </a:highlight>
+                <a:latin typeface="Times New Roman" panose="02020603050405020304" pitchFamily="18" charset="0"/>
+                <a:cs typeface="Times New Roman" panose="02020603050405020304" pitchFamily="18" charset="0"/>
+              </a:rPr>
+              <a:t>used in theoretical intensity calculation and ? </a:t>
+            </a:r>
+          </a:p>
+        </p:txBody>
+      </p:sp>
+      <p:sp>
+        <p:nvSpPr>
+          <p:cNvPr id="4" name="Slide Number Placeholder 3">
+            <a:extLst>
+              <a:ext uri="{FF2B5EF4-FFF2-40B4-BE49-F238E27FC236}">
+                <a16:creationId xmlns:a16="http://schemas.microsoft.com/office/drawing/2014/main" id="{3D655E0A-40FC-4BEA-AEC6-60BC5495EAB3}"/>
+              </a:ext>
+            </a:extLst>
+          </p:cNvPr>
+          <p:cNvSpPr>
+            <a:spLocks noGrp="1"/>
+          </p:cNvSpPr>
+          <p:nvPr>
+            <p:ph type="sldNum" idx="12"/>
+          </p:nvPr>
+        </p:nvSpPr>
+        <p:spPr/>
+        <p:txBody>
+          <a:bodyPr/>
+          <a:lstStyle/>
+          <a:p>
+            <a:pPr marL="0" lvl="0" indent="0" algn="r" rtl="0">
+              <a:spcBef>
+                <a:spcPts val="0"/>
+              </a:spcBef>
+              <a:spcAft>
+                <a:spcPts val="0"/>
+              </a:spcAft>
+              <a:buNone/>
+            </a:pPr>
+            <a:fld id="{00000000-1234-1234-1234-123412341234}" type="slidenum">
+              <a:rPr lang="en-US" smtClean="0"/>
+              <a:t>7</a:t>
+            </a:fld>
+            <a:endParaRPr lang="en-US"/>
+          </a:p>
+        </p:txBody>
+      </p:sp>
+    </p:spTree>
+    <p:extLst>
+      <p:ext uri="{BB962C8B-B14F-4D97-AF65-F5344CB8AC3E}">
+        <p14:creationId xmlns:p14="http://schemas.microsoft.com/office/powerpoint/2010/main" val="1396529854"/>
+      </p:ext>
+    </p:extLst>
+  </p:cSld>
+  <p:clrMapOvr>
+    <a:masterClrMapping/>
+  </p:clrMapOvr>
+</p:sld>
+</file>
+
+<file path=ppt/slides/slide8.xml><?xml version="1.0" encoding="utf-8"?>
+<p:sld xmlns:a="http://schemas.openxmlformats.org/drawingml/2006/main" xmlns:r="http://schemas.openxmlformats.org/officeDocument/2006/relationships" xmlns:p="http://schemas.openxmlformats.org/presentationml/2006/main">
+  <p:cSld>
+    <p:spTree>
+      <p:nvGrpSpPr>
+        <p:cNvPr id="1" name=""/>
+        <p:cNvGrpSpPr/>
+        <p:nvPr/>
+      </p:nvGrpSpPr>
+      <p:grpSpPr>
+        <a:xfrm>
+          <a:off x="0" y="0"/>
+          <a:ext cx="0" cy="0"/>
+          <a:chOff x="0" y="0"/>
+          <a:chExt cx="0" cy="0"/>
+        </a:xfrm>
+      </p:grpSpPr>
+      <p:sp>
+        <p:nvSpPr>
+          <p:cNvPr id="2" name="Title 1">
+            <a:extLst>
+              <a:ext uri="{FF2B5EF4-FFF2-40B4-BE49-F238E27FC236}">
+                <a16:creationId xmlns:a16="http://schemas.microsoft.com/office/drawing/2014/main" id="{C8F2DB85-ACA2-414A-8F25-684B11002DC4}"/>
+              </a:ext>
+            </a:extLst>
+          </p:cNvPr>
+          <p:cNvSpPr>
+            <a:spLocks noGrp="1"/>
+          </p:cNvSpPr>
+          <p:nvPr>
+            <p:ph type="title"/>
+          </p:nvPr>
+        </p:nvSpPr>
+        <p:spPr/>
+        <p:txBody>
+          <a:bodyPr/>
+          <a:lstStyle/>
+          <a:p>
+            <a:r>
+              <a:rPr lang="en-US" dirty="0"/>
+              <a:t>Phase Fraction</a:t>
+            </a:r>
+          </a:p>
+        </p:txBody>
+      </p:sp>
+      <p:sp>
+        <p:nvSpPr>
+          <p:cNvPr id="3" name="Text Placeholder 2">
+            <a:extLst>
+              <a:ext uri="{FF2B5EF4-FFF2-40B4-BE49-F238E27FC236}">
+                <a16:creationId xmlns:a16="http://schemas.microsoft.com/office/drawing/2014/main" id="{4F6811A3-A186-44AC-9AAB-A3B5A8D6475D}"/>
+              </a:ext>
+            </a:extLst>
+          </p:cNvPr>
+          <p:cNvSpPr>
+            <a:spLocks noGrp="1"/>
+          </p:cNvSpPr>
+          <p:nvPr>
+            <p:ph type="body" idx="1"/>
+          </p:nvPr>
+        </p:nvSpPr>
+        <p:spPr/>
+        <p:txBody>
+          <a:bodyPr/>
+          <a:lstStyle/>
+          <a:p>
+            <a:r>
+              <a:rPr lang="en-US" dirty="0">
+                <a:latin typeface="Times New Roman" panose="02020603050405020304" pitchFamily="18" charset="0"/>
+                <a:cs typeface="Times New Roman" panose="02020603050405020304" pitchFamily="18" charset="0"/>
+              </a:rPr>
+              <a:t>What is the calculator doing to determine phase fractions?</a:t>
+            </a:r>
+          </a:p>
+        </p:txBody>
+      </p:sp>
+      <p:sp>
+        <p:nvSpPr>
+          <p:cNvPr id="4" name="Slide Number Placeholder 3">
+            <a:extLst>
+              <a:ext uri="{FF2B5EF4-FFF2-40B4-BE49-F238E27FC236}">
+                <a16:creationId xmlns:a16="http://schemas.microsoft.com/office/drawing/2014/main" id="{1F236DAA-3322-458F-804C-A2C63A35F6C7}"/>
+              </a:ext>
+            </a:extLst>
+          </p:cNvPr>
+          <p:cNvSpPr>
+            <a:spLocks noGrp="1"/>
+          </p:cNvSpPr>
+          <p:nvPr>
+            <p:ph type="sldNum" idx="12"/>
+          </p:nvPr>
+        </p:nvSpPr>
+        <p:spPr/>
+        <p:txBody>
+          <a:bodyPr/>
+          <a:lstStyle/>
+          <a:p>
+            <a:pPr marL="0" lvl="0" indent="0" algn="r" rtl="0">
+              <a:spcBef>
+                <a:spcPts val="0"/>
+              </a:spcBef>
+              <a:spcAft>
+                <a:spcPts val="0"/>
+              </a:spcAft>
+              <a:buNone/>
+            </a:pPr>
+            <a:fld id="{00000000-1234-1234-1234-123412341234}" type="slidenum">
+              <a:rPr lang="en-US" smtClean="0"/>
+              <a:t>8</a:t>
+            </a:fld>
+            <a:endParaRPr lang="en-US"/>
+          </a:p>
+        </p:txBody>
+      </p:sp>
+      <p:pic>
+        <p:nvPicPr>
+          <p:cNvPr id="5" name="Picture 4">
+            <a:extLst>
+              <a:ext uri="{FF2B5EF4-FFF2-40B4-BE49-F238E27FC236}">
+                <a16:creationId xmlns:a16="http://schemas.microsoft.com/office/drawing/2014/main" id="{6B3AAE1F-0A8A-4F51-9FCF-0603CEE7AA58}"/>
+              </a:ext>
+            </a:extLst>
+          </p:cNvPr>
+          <p:cNvPicPr>
+            <a:picLocks noChangeAspect="1"/>
+          </p:cNvPicPr>
+          <p:nvPr/>
+        </p:nvPicPr>
+        <p:blipFill>
+          <a:blip r:embed="rId3"/>
+          <a:stretch>
+            <a:fillRect/>
+          </a:stretch>
+        </p:blipFill>
+        <p:spPr>
+          <a:xfrm>
+            <a:off x="1481060" y="2105759"/>
+            <a:ext cx="6181880" cy="4340728"/>
+          </a:xfrm>
+          <a:prstGeom prst="rect">
+            <a:avLst/>
+          </a:prstGeom>
+        </p:spPr>
+      </p:pic>
+    </p:spTree>
+    <p:extLst>
+      <p:ext uri="{BB962C8B-B14F-4D97-AF65-F5344CB8AC3E}">
+        <p14:creationId xmlns:p14="http://schemas.microsoft.com/office/powerpoint/2010/main" val="646841590"/>
+      </p:ext>
+    </p:extLst>
+  </p:cSld>
+  <p:clrMapOvr>
+    <a:masterClrMapping/>
+  </p:clrMapOvr>
+</p:sld>
+</file>
+
 <file path=ppt/slides/slide9.xml><?xml version="1.0" encoding="utf-8"?>
 <p:sld xmlns:a="http://schemas.openxmlformats.org/drawingml/2006/main" xmlns:r="http://schemas.openxmlformats.org/officeDocument/2006/relationships" xmlns:p="http://schemas.openxmlformats.org/presentationml/2006/main">
   <p:cSld>
@@ -10541,7 +11297,7 @@
           <p:cNvPr id="2" name="Title 1">
             <a:extLst>
               <a:ext uri="{FF2B5EF4-FFF2-40B4-BE49-F238E27FC236}">
-                <a16:creationId xmlns:a16="http://schemas.microsoft.com/office/drawing/2014/main" id="{B247B11C-5BCC-42D4-9DC2-F60D5606A789}"/>
+                <a16:creationId xmlns:a16="http://schemas.microsoft.com/office/drawing/2014/main" id="{BBFF2511-D9B9-406F-B7C4-2ADCAD7488A0}"/>
               </a:ext>
             </a:extLst>
           </p:cNvPr>
@@ -10559,7 +11315,7 @@
           <a:p>
             <a:r>
               <a:rPr lang="en-US" dirty="0"/>
-              <a:t>Sources of Uncertainty</a:t>
+              <a:t>Calculator Demo</a:t>
             </a:r>
           </a:p>
         </p:txBody>
@@ -10569,7 +11325,7 @@
           <p:cNvPr id="3" name="Text Placeholder 2">
             <a:extLst>
               <a:ext uri="{FF2B5EF4-FFF2-40B4-BE49-F238E27FC236}">
-                <a16:creationId xmlns:a16="http://schemas.microsoft.com/office/drawing/2014/main" id="{3E448B1F-2859-4DEA-8D6C-107A236879C8}"/>
+                <a16:creationId xmlns:a16="http://schemas.microsoft.com/office/drawing/2014/main" id="{91A9E75E-3C2F-4B4F-9124-F94361B335E1}"/>
               </a:ext>
             </a:extLst>
           </p:cNvPr>
@@ -10585,7 +11341,16 @@
           <a:bodyPr/>
           <a:lstStyle/>
           <a:p>
-            <a:endParaRPr lang="en-US" dirty="0"/>
+            <a:r>
+              <a:rPr lang="en-US" dirty="0">
+                <a:highlight>
+                  <a:srgbClr val="FFFF00"/>
+                </a:highlight>
+                <a:latin typeface="Times New Roman" panose="02020603050405020304" pitchFamily="18" charset="0"/>
+                <a:cs typeface="Times New Roman" panose="02020603050405020304" pitchFamily="18" charset="0"/>
+              </a:rPr>
+              <a:t>Max – all you</a:t>
+            </a:r>
           </a:p>
         </p:txBody>
       </p:sp>
@@ -10594,7 +11359,7 @@
           <p:cNvPr id="4" name="Slide Number Placeholder 3">
             <a:extLst>
               <a:ext uri="{FF2B5EF4-FFF2-40B4-BE49-F238E27FC236}">
-                <a16:creationId xmlns:a16="http://schemas.microsoft.com/office/drawing/2014/main" id="{903F1F7A-FD44-41A8-B982-E0E48B7E9B6C}"/>
+                <a16:creationId xmlns:a16="http://schemas.microsoft.com/office/drawing/2014/main" id="{13A354AC-77CC-44C5-A036-F3959BF30AC3}"/>
               </a:ext>
             </a:extLst>
           </p:cNvPr>
@@ -10630,7 +11395,7 @@
     </p:spTree>
     <p:extLst>
       <p:ext uri="{BB962C8B-B14F-4D97-AF65-F5344CB8AC3E}">
-        <p14:creationId xmlns:p14="http://schemas.microsoft.com/office/powerpoint/2010/main" val="651626366"/>
+        <p14:creationId xmlns:p14="http://schemas.microsoft.com/office/powerpoint/2010/main" val="239112564"/>
       </p:ext>
     </p:extLst>
   </p:cSld>

--- a/ASPPRC_presentation.pptx
+++ b/ASPPRC_presentation.pptx
@@ -6,7 +6,7 @@
     <p:sldMasterId id="2147483651" r:id="rId2"/>
   </p:sldMasterIdLst>
   <p:notesMasterIdLst>
-    <p:notesMasterId r:id="rId16"/>
+    <p:notesMasterId r:id="rId17"/>
   </p:notesMasterIdLst>
   <p:sldIdLst>
     <p:sldId id="256" r:id="rId3"/>
@@ -19,9 +19,10 @@
     <p:sldId id="267" r:id="rId10"/>
     <p:sldId id="269" r:id="rId11"/>
     <p:sldId id="265" r:id="rId12"/>
-    <p:sldId id="260" r:id="rId13"/>
-    <p:sldId id="263" r:id="rId14"/>
-    <p:sldId id="270" r:id="rId15"/>
+    <p:sldId id="271" r:id="rId13"/>
+    <p:sldId id="260" r:id="rId14"/>
+    <p:sldId id="263" r:id="rId15"/>
+    <p:sldId id="270" r:id="rId16"/>
   </p:sldIdLst>
   <p:sldSz cx="9144000" cy="6858000" type="screen4x3"/>
   <p:notesSz cx="6980238" cy="9236075"/>
@@ -270,7 +271,7 @@
       </p15:sldGuideLst>
     </p:ext>
     <p:ext uri="http://customooxmlschemas.google.com/">
-      <go:slidesCustomData xmlns="" xmlns:mc="http://schemas.openxmlformats.org/markup-compatibility/2006" xmlns:mv="urn:schemas-microsoft-com:mac:vml" xmlns:c="http://schemas.openxmlformats.org/drawingml/2006/chart" xmlns:dgm="http://schemas.openxmlformats.org/drawingml/2006/diagram" xmlns:o="urn:schemas-microsoft-com:office:office" xmlns:v="urn:schemas-microsoft-com:vml" xmlns:pvml="urn:schemas-microsoft-com:office:powerpoint" xmlns:com="http://schemas.openxmlformats.org/drawingml/2006/compatibility" xmlns:p14="http://schemas.microsoft.com/office/powerpoint/2010/main" xmlns:p15="http://schemas.microsoft.com/office/powerpoint/2012/main" xmlns:ahyp="http://schemas.microsoft.com/office/drawing/2018/hyperlinkcolor" xmlns:go="http://customooxmlschemas.google.com/" r:id="rId17" roundtripDataSignature="AMtx7mgjtTs6nWraxu7zvWRvJn4box+o0w=="/>
+      <go:slidesCustomData xmlns:go="http://customooxmlschemas.google.com/" xmlns:ahyp="http://schemas.microsoft.com/office/drawing/2018/hyperlinkcolor" xmlns:p15="http://schemas.microsoft.com/office/powerpoint/2012/main" xmlns:p14="http://schemas.microsoft.com/office/powerpoint/2010/main" xmlns:com="http://schemas.openxmlformats.org/drawingml/2006/compatibility" xmlns:pvml="urn:schemas-microsoft-com:office:powerpoint" xmlns:v="urn:schemas-microsoft-com:vml" xmlns:o="urn:schemas-microsoft-com:office:office" xmlns:dgm="http://schemas.openxmlformats.org/drawingml/2006/diagram" xmlns:c="http://schemas.openxmlformats.org/drawingml/2006/chart" xmlns:mv="urn:schemas-microsoft-com:mac:vml" xmlns:mc="http://schemas.openxmlformats.org/markup-compatibility/2006" xmlns="" r:id="rId18" roundtripDataSignature="AMtx7mgjtTs6nWraxu7zvWRvJn4box+o0w=="/>
     </p:ext>
   </p:extLst>
 </p:presentation>
@@ -279,6 +280,7 @@
 <file path=ppt/authors.xml><?xml version="1.0" encoding="utf-8"?>
 <p188:authorLst xmlns:a="http://schemas.openxmlformats.org/drawingml/2006/main" xmlns:r="http://schemas.openxmlformats.org/officeDocument/2006/relationships" xmlns:p188="http://schemas.microsoft.com/office/powerpoint/2018/8/main">
   <p188:author id="{DE975211-6454-2622-23DE-C4F228A95BB1}" name="caleb schenck" initials="cs" userId="787946d61a7c1773" providerId="Windows Live"/>
+  <p188:author id="{9B79A112-ABDC-4163-5474-EB7FFBB981EA}" name="Creuziger, Adam Abel (Fed)" initials="CAA(" userId="S::creuzige@nist.gov::f05e7e51-3798-42d1-86d0-478283f802f4" providerId="AD"/>
 </p188:authorLst>
 </file>
 
@@ -286,6 +288,161 @@
 <p:cmAuthorLst xmlns:a="http://schemas.openxmlformats.org/drawingml/2006/main" xmlns:r="http://schemas.openxmlformats.org/officeDocument/2006/relationships" xmlns:p="http://schemas.openxmlformats.org/presentationml/2006/main">
   <p:cmAuthor id="0" name="Christina Ciganik" initials="" lastIdx="2" clrIdx="0"/>
 </p:cmAuthorLst>
+</file>
+
+<file path=ppt/comments/modernComment_100_0.xml><?xml version="1.0" encoding="utf-8"?>
+<p188:cmLst xmlns:a="http://schemas.openxmlformats.org/drawingml/2006/main" xmlns:r="http://schemas.openxmlformats.org/officeDocument/2006/relationships" xmlns:p188="http://schemas.microsoft.com/office/powerpoint/2018/8/main">
+  <p188:cm id="{B5EF6B2B-28A6-294F-AFCC-26C4930A69E7}" authorId="{9B79A112-ABDC-4163-5474-EB7FFBB981EA}" created="2022-03-07T17:59:26.644">
+    <pc:sldMkLst xmlns:pc="http://schemas.microsoft.com/office/powerpoint/2013/main/command">
+      <pc:docMk/>
+      <pc:sldMk cId="0" sldId="256"/>
+    </pc:sldMkLst>
+    <p188:txBody>
+      <a:bodyPr/>
+      <a:lstStyle/>
+      <a:p>
+        <a:r>
+          <a:rPr lang="en-US"/>
+          <a:t>Do you want to include department affiliations?</a:t>
+        </a:r>
+      </a:p>
+    </p188:txBody>
+  </p188:cm>
+</p188:cmLst>
+</file>
+
+<file path=ppt/comments/modernComment_102_0.xml><?xml version="1.0" encoding="utf-8"?>
+<p188:cmLst xmlns:a="http://schemas.openxmlformats.org/drawingml/2006/main" xmlns:r="http://schemas.openxmlformats.org/officeDocument/2006/relationships" xmlns:p188="http://schemas.microsoft.com/office/powerpoint/2018/8/main">
+  <p188:cm id="{A3D0130E-C6A2-034E-A51E-30C313D67702}" authorId="{9B79A112-ABDC-4163-5474-EB7FFBB981EA}" created="2022-03-07T18:00:25.037">
+    <pc:sldMkLst xmlns:pc="http://schemas.microsoft.com/office/powerpoint/2013/main/command">
+      <pc:docMk/>
+      <pc:sldMk cId="0" sldId="258"/>
+    </pc:sldMkLst>
+    <p188:txBody>
+      <a:bodyPr/>
+      <a:lstStyle/>
+      <a:p>
+        <a:r>
+          <a:rPr lang="en-US"/>
+          <a:t>I changed the font size on this a bit, having only one or two words per line seemed a bit hard to read.</a:t>
+        </a:r>
+      </a:p>
+    </p188:txBody>
+  </p188:cm>
+</p188:cmLst>
+</file>
+
+<file path=ppt/comments/modernComment_103_0.xml><?xml version="1.0" encoding="utf-8"?>
+<p188:cmLst xmlns:a="http://schemas.openxmlformats.org/drawingml/2006/main" xmlns:r="http://schemas.openxmlformats.org/officeDocument/2006/relationships" xmlns:p188="http://schemas.microsoft.com/office/powerpoint/2018/8/main">
+  <p188:cm id="{DE1E528F-B28F-0545-92B3-3524345585B7}" authorId="{9B79A112-ABDC-4163-5474-EB7FFBB981EA}" created="2022-03-07T18:01:40.815">
+    <pc:sldMkLst xmlns:pc="http://schemas.microsoft.com/office/powerpoint/2013/main/command">
+      <pc:docMk/>
+      <pc:sldMk cId="0" sldId="259"/>
+    </pc:sldMkLst>
+    <p188:txBody>
+      <a:bodyPr/>
+      <a:lstStyle/>
+      <a:p>
+        <a:r>
+          <a:rPr lang="en-US"/>
+          <a:t>Maybe instead of ‘Cif File’, ‘Crystal Structure’?  Making it more descriptive might help those who don’t know what a CIF file is. + +Also add microstructure as another input</a:t>
+        </a:r>
+      </a:p>
+    </p188:txBody>
+  </p188:cm>
+</p188:cmLst>
+</file>
+
+<file path=ppt/comments/modernComment_109_5BC7156.xml><?xml version="1.0" encoding="utf-8"?>
+<p188:cmLst xmlns:a="http://schemas.openxmlformats.org/drawingml/2006/main" xmlns:r="http://schemas.openxmlformats.org/officeDocument/2006/relationships" xmlns:p188="http://schemas.microsoft.com/office/powerpoint/2018/8/main">
+  <p188:cm id="{7FFE16CA-71D7-104C-9ABB-7D408EB523D6}" authorId="{9B79A112-ABDC-4163-5474-EB7FFBB981EA}" created="2022-03-07T18:12:14.081">
+    <ac:txMkLst xmlns:ac="http://schemas.microsoft.com/office/drawing/2013/main/command">
+      <pc:docMk xmlns:pc="http://schemas.microsoft.com/office/powerpoint/2013/main/command"/>
+      <pc:sldMk xmlns:pc="http://schemas.microsoft.com/office/powerpoint/2013/main/command" cId="96235862" sldId="265"/>
+      <ac:spMk id="3" creationId="{2769F863-4DD1-4D7C-B3D4-4CD6AF1D8EDF}"/>
+      <ac:txMk cp="0" len="198">
+        <ac:context len="417" hash="3237766097"/>
+      </ac:txMk>
+    </ac:txMkLst>
+    <p188:pos x="7954962" y="489776"/>
+    <p188:txBody>
+      <a:bodyPr/>
+      <a:lstStyle/>
+      <a:p>
+        <a:r>
+          <a:rPr lang="en-US"/>
+          <a:t>I think the blue font items are the ones to lead with.  The first black bullet seems like it’s better to just cover on slide 6, texture effects already covered on slide 2, the automatic peak fitting maybe mention in demo?</a:t>
+        </a:r>
+      </a:p>
+    </p188:txBody>
+  </p188:cm>
+</p188:cmLst>
+</file>
+
+<file path=ppt/comments/modernComment_10A_533D5ABE.xml><?xml version="1.0" encoding="utf-8"?>
+<p188:cmLst xmlns:a="http://schemas.openxmlformats.org/drawingml/2006/main" xmlns:r="http://schemas.openxmlformats.org/officeDocument/2006/relationships" xmlns:p188="http://schemas.microsoft.com/office/powerpoint/2018/8/main">
+  <p188:cm id="{750B9238-9ADD-A545-86F4-CC429128BC9B}" authorId="{9B79A112-ABDC-4163-5474-EB7FFBB981EA}" created="2022-03-07T18:03:41.540">
+    <ac:txMkLst xmlns:ac="http://schemas.microsoft.com/office/drawing/2013/main/command">
+      <pc:docMk xmlns:pc="http://schemas.microsoft.com/office/powerpoint/2013/main/command"/>
+      <pc:sldMk xmlns:pc="http://schemas.microsoft.com/office/powerpoint/2013/main/command" cId="1396529854" sldId="266"/>
+      <ac:spMk id="3" creationId="{6235CA03-04DF-4EAB-9019-166C0A999492}"/>
+      <ac:txMk cp="179" len="8">
+        <ac:context len="293" hash="3983543090"/>
+      </ac:txMk>
+    </ac:txMkLst>
+    <p188:pos x="1980047" y="3007508"/>
+    <p188:txBody>
+      <a:bodyPr/>
+      <a:lstStyle/>
+      <a:p>
+        <a:r>
+          <a:rPr lang="en-US"/>
+          <a:t>Rename similar to slide 4</a:t>
+        </a:r>
+      </a:p>
+    </p188:txBody>
+  </p188:cm>
+  <p188:cm id="{85919C5D-DA2D-884D-AC1F-1A10CC3C206E}" authorId="{9B79A112-ABDC-4163-5474-EB7FFBB981EA}" created="2022-03-07T18:04:45.510">
+    <ac:deMkLst xmlns:ac="http://schemas.microsoft.com/office/drawing/2013/main/command">
+      <pc:docMk xmlns:pc="http://schemas.microsoft.com/office/powerpoint/2013/main/command"/>
+      <pc:sldMk xmlns:pc="http://schemas.microsoft.com/office/powerpoint/2013/main/command" cId="1396529854" sldId="266"/>
+      <ac:spMk id="3" creationId="{6235CA03-04DF-4EAB-9019-166C0A999492}"/>
+    </ac:deMkLst>
+    <p188:txBody>
+      <a:bodyPr/>
+      <a:lstStyle/>
+      <a:p>
+        <a:r>
+          <a:rPr lang="en-US"/>
+          <a:t>Also maybe add an input for ‘microstructure’.  That gets at the grains number, interaction volume question</a:t>
+        </a:r>
+      </a:p>
+    </p188:txBody>
+  </p188:cm>
+</p188:cmLst>
+</file>
+
+<file path=ppt/comments/modernComment_10B_268E04F6.xml><?xml version="1.0" encoding="utf-8"?>
+<p188:cmLst xmlns:a="http://schemas.openxmlformats.org/drawingml/2006/main" xmlns:r="http://schemas.openxmlformats.org/officeDocument/2006/relationships" xmlns:p188="http://schemas.microsoft.com/office/powerpoint/2018/8/main">
+  <p188:cm id="{9002536E-0204-1349-829A-9B482630C8E0}" authorId="{9B79A112-ABDC-4163-5474-EB7FFBB981EA}" created="2022-03-07T18:05:48.429">
+    <pc:sldMkLst xmlns:pc="http://schemas.microsoft.com/office/powerpoint/2013/main/command">
+      <pc:docMk/>
+      <pc:sldMk cId="646841590" sldId="267"/>
+    </pc:sldMkLst>
+    <p188:txBody>
+      <a:bodyPr/>
+      <a:lstStyle/>
+      <a:p>
+        <a:r>
+          <a:rPr lang="en-US"/>
+          <a:t>Open to keeping this or including it as part of the demo</a:t>
+        </a:r>
+      </a:p>
+    </p188:txBody>
+  </p188:cm>
+</p188:cmLst>
 </file>
 
 <file path=ppt/comments/modernComment_10C_4108EEA8.xml><?xml version="1.0" encoding="utf-8"?>
@@ -2415,6 +2572,115 @@
 </file>
 
 <file path=ppt/notesSlides/notesSlide6.xml><?xml version="1.0" encoding="utf-8"?>
+<p:notes xmlns:a="http://schemas.openxmlformats.org/drawingml/2006/main" xmlns:r="http://schemas.openxmlformats.org/officeDocument/2006/relationships" xmlns:p="http://schemas.openxmlformats.org/presentationml/2006/main">
+  <p:cSld>
+    <p:spTree>
+      <p:nvGrpSpPr>
+        <p:cNvPr id="1" name=""/>
+        <p:cNvGrpSpPr/>
+        <p:nvPr/>
+      </p:nvGrpSpPr>
+      <p:grpSpPr>
+        <a:xfrm>
+          <a:off x="0" y="0"/>
+          <a:ext cx="0" cy="0"/>
+          <a:chOff x="0" y="0"/>
+          <a:chExt cx="0" cy="0"/>
+        </a:xfrm>
+      </p:grpSpPr>
+      <p:sp>
+        <p:nvSpPr>
+          <p:cNvPr id="2" name="Slide Image Placeholder 1"/>
+          <p:cNvSpPr>
+            <a:spLocks noGrp="1" noRot="1" noChangeAspect="1"/>
+          </p:cNvSpPr>
+          <p:nvPr>
+            <p:ph type="sldImg"/>
+          </p:nvPr>
+        </p:nvSpPr>
+        <p:spPr/>
+      </p:sp>
+      <p:sp>
+        <p:nvSpPr>
+          <p:cNvPr id="3" name="Notes Placeholder 2"/>
+          <p:cNvSpPr>
+            <a:spLocks noGrp="1"/>
+          </p:cNvSpPr>
+          <p:nvPr>
+            <p:ph type="body" idx="1"/>
+          </p:nvPr>
+        </p:nvSpPr>
+        <p:spPr/>
+        <p:txBody>
+          <a:bodyPr/>
+          <a:lstStyle/>
+          <a:p>
+            <a:endParaRPr lang="en-US" dirty="0"/>
+          </a:p>
+        </p:txBody>
+      </p:sp>
+      <p:sp>
+        <p:nvSpPr>
+          <p:cNvPr id="4" name="Slide Number Placeholder 3"/>
+          <p:cNvSpPr>
+            <a:spLocks noGrp="1"/>
+          </p:cNvSpPr>
+          <p:nvPr>
+            <p:ph type="sldNum" idx="12"/>
+          </p:nvPr>
+        </p:nvSpPr>
+        <p:spPr/>
+        <p:txBody>
+          <a:bodyPr/>
+          <a:lstStyle/>
+          <a:p>
+            <a:pPr marL="0" marR="0" lvl="0" indent="0" algn="r" rtl="0">
+              <a:spcBef>
+                <a:spcPts val="0"/>
+              </a:spcBef>
+              <a:spcAft>
+                <a:spcPts val="0"/>
+              </a:spcAft>
+              <a:buNone/>
+            </a:pPr>
+            <a:fld id="{00000000-1234-1234-1234-123412341234}" type="slidenum">
+              <a:rPr lang="en-US" sz="1200" b="0" i="0" u="none" strike="noStrike" cap="none" smtClean="0">
+                <a:solidFill>
+                  <a:schemeClr val="dk1"/>
+                </a:solidFill>
+                <a:latin typeface="Arial"/>
+                <a:ea typeface="Arial"/>
+                <a:cs typeface="Arial"/>
+                <a:sym typeface="Arial"/>
+              </a:rPr>
+              <a:t>9</a:t>
+            </a:fld>
+            <a:endParaRPr lang="en-US" sz="1200" b="0" i="0" u="none" strike="noStrike" cap="none">
+              <a:solidFill>
+                <a:schemeClr val="dk1"/>
+              </a:solidFill>
+              <a:latin typeface="Arial"/>
+              <a:ea typeface="Arial"/>
+              <a:cs typeface="Arial"/>
+              <a:sym typeface="Arial"/>
+            </a:endParaRPr>
+          </a:p>
+        </p:txBody>
+      </p:sp>
+    </p:spTree>
+    <p:extLst>
+      <p:ext uri="{BB962C8B-B14F-4D97-AF65-F5344CB8AC3E}">
+        <p14:creationId xmlns:p14="http://schemas.microsoft.com/office/powerpoint/2010/main" val="361053560"/>
+      </p:ext>
+    </p:extLst>
+  </p:cSld>
+  <p:clrMapOvr>
+    <a:masterClrMapping/>
+  </p:clrMapOvr>
+</p:notes>
+</file>
+
+<file path=ppt/notesSlides/notesSlide7.xml><?xml version="1.0" encoding="utf-8"?>
 <p:notes xmlns:a="http://schemas.openxmlformats.org/drawingml/2006/main" xmlns:r="http://schemas.openxmlformats.org/officeDocument/2006/relationships" xmlns:p="http://schemas.openxmlformats.org/presentationml/2006/main" showMasterSp="0" showMasterPhAnim="0">
   <p:cSld>
     <p:spTree>
@@ -2471,7 +2737,7 @@
             </a:pPr>
             <a:fld id="{00000000-1234-1234-1234-123412341234}" type="slidenum">
               <a:rPr lang="en-US"/>
-              <a:t>11</a:t>
+              <a:t>12</a:t>
             </a:fld>
             <a:endParaRPr/>
           </a:p>
@@ -7728,6 +7994,11 @@
   <p:clrMapOvr>
     <a:masterClrMapping/>
   </p:clrMapOvr>
+  <p:extLst>
+    <p:ext uri="{6950BFC3-D8DA-4A85-94F7-54DA5524770B}">
+      <p188:commentRel xmlns:p188="http://schemas.microsoft.com/office/powerpoint/2018/8/main" r:id="rId3"/>
+    </p:ext>
+  </p:extLst>
 </p:sld>
 </file>
 
@@ -7840,7 +8111,7 @@
                 <a:latin typeface="Times New Roman" panose="02020603050405020304" pitchFamily="18" charset="0"/>
                 <a:cs typeface="Times New Roman" panose="02020603050405020304" pitchFamily="18" charset="0"/>
               </a:rPr>
-              <a:t>Are you interested in this application?</a:t>
+              <a:t>Are you interested in use of this application?</a:t>
             </a:r>
           </a:p>
           <a:p>
@@ -7970,10 +8241,108 @@
   <p:clrMapOvr>
     <a:masterClrMapping/>
   </p:clrMapOvr>
+  <p:extLst>
+    <p:ext uri="{6950BFC3-D8DA-4A85-94F7-54DA5524770B}">
+      <p188:commentRel xmlns:p188="http://schemas.microsoft.com/office/powerpoint/2018/8/main" r:id="rId2"/>
+    </p:ext>
+  </p:extLst>
 </p:sld>
 </file>
 
 <file path=ppt/slides/slide11.xml><?xml version="1.0" encoding="utf-8"?>
+<p:sld xmlns:a="http://schemas.openxmlformats.org/drawingml/2006/main" xmlns:r="http://schemas.openxmlformats.org/officeDocument/2006/relationships" xmlns:p="http://schemas.openxmlformats.org/presentationml/2006/main">
+  <p:cSld>
+    <p:spTree>
+      <p:nvGrpSpPr>
+        <p:cNvPr id="1" name=""/>
+        <p:cNvGrpSpPr/>
+        <p:nvPr/>
+      </p:nvGrpSpPr>
+      <p:grpSpPr>
+        <a:xfrm>
+          <a:off x="0" y="0"/>
+          <a:ext cx="0" cy="0"/>
+          <a:chOff x="0" y="0"/>
+          <a:chExt cx="0" cy="0"/>
+        </a:xfrm>
+      </p:grpSpPr>
+      <p:sp>
+        <p:nvSpPr>
+          <p:cNvPr id="6" name="Title 5">
+            <a:extLst>
+              <a:ext uri="{FF2B5EF4-FFF2-40B4-BE49-F238E27FC236}">
+                <a16:creationId xmlns:a16="http://schemas.microsoft.com/office/drawing/2014/main" id="{2DB992B7-CDDE-AB47-A178-015218D68662}"/>
+              </a:ext>
+            </a:extLst>
+          </p:cNvPr>
+          <p:cNvSpPr>
+            <a:spLocks noGrp="1"/>
+          </p:cNvSpPr>
+          <p:nvPr>
+            <p:ph type="title"/>
+          </p:nvPr>
+        </p:nvSpPr>
+        <p:spPr/>
+        <p:txBody>
+          <a:bodyPr/>
+          <a:lstStyle/>
+          <a:p>
+            <a:endParaRPr lang="en-US"/>
+          </a:p>
+        </p:txBody>
+      </p:sp>
+      <p:sp>
+        <p:nvSpPr>
+          <p:cNvPr id="5" name="Slide Number Placeholder 4">
+            <a:extLst>
+              <a:ext uri="{FF2B5EF4-FFF2-40B4-BE49-F238E27FC236}">
+                <a16:creationId xmlns:a16="http://schemas.microsoft.com/office/drawing/2014/main" id="{5EA7C389-1062-6C49-AB61-58CEB2CF2B02}"/>
+              </a:ext>
+            </a:extLst>
+          </p:cNvPr>
+          <p:cNvSpPr>
+            <a:spLocks noGrp="1"/>
+          </p:cNvSpPr>
+          <p:nvPr>
+            <p:ph type="sldNum" idx="12"/>
+          </p:nvPr>
+        </p:nvSpPr>
+        <p:spPr/>
+        <p:txBody>
+          <a:bodyPr/>
+          <a:lstStyle/>
+          <a:p>
+            <a:pPr marL="0" lvl="0" indent="0" algn="r" rtl="0">
+              <a:spcBef>
+                <a:spcPts val="0"/>
+              </a:spcBef>
+              <a:spcAft>
+                <a:spcPts val="0"/>
+              </a:spcAft>
+              <a:buNone/>
+            </a:pPr>
+            <a:fld id="{00000000-1234-1234-1234-123412341234}" type="slidenum">
+              <a:rPr lang="en-US" smtClean="0"/>
+              <a:t>11</a:t>
+            </a:fld>
+            <a:endParaRPr lang="en-US"/>
+          </a:p>
+        </p:txBody>
+      </p:sp>
+    </p:spTree>
+    <p:extLst>
+      <p:ext uri="{BB962C8B-B14F-4D97-AF65-F5344CB8AC3E}">
+        <p14:creationId xmlns:p14="http://schemas.microsoft.com/office/powerpoint/2010/main" val="3974257869"/>
+      </p:ext>
+    </p:extLst>
+  </p:cSld>
+  <p:clrMapOvr>
+    <a:masterClrMapping/>
+  </p:clrMapOvr>
+</p:sld>
+</file>
+
+<file path=ppt/slides/slide12.xml><?xml version="1.0" encoding="utf-8"?>
 <p:sld xmlns:a="http://schemas.openxmlformats.org/drawingml/2006/main" xmlns:r="http://schemas.openxmlformats.org/officeDocument/2006/relationships" xmlns:p="http://schemas.openxmlformats.org/presentationml/2006/main">
   <p:cSld>
     <p:spTree>
@@ -8156,7 +8525,7 @@
             </a:pPr>
             <a:fld id="{00000000-1234-1234-1234-123412341234}" type="slidenum">
               <a:rPr lang="en-US"/>
-              <a:t>11</a:t>
+              <a:t>12</a:t>
             </a:fld>
             <a:endParaRPr/>
           </a:p>
@@ -8200,7 +8569,7 @@
 </p:sld>
 </file>
 
-<file path=ppt/slides/slide12.xml><?xml version="1.0" encoding="utf-8"?>
+<file path=ppt/slides/slide13.xml><?xml version="1.0" encoding="utf-8"?>
 <p:sld xmlns:a="http://schemas.openxmlformats.org/drawingml/2006/main" xmlns:r="http://schemas.openxmlformats.org/officeDocument/2006/relationships" xmlns:p="http://schemas.openxmlformats.org/presentationml/2006/main">
   <p:cSld>
     <p:spTree>
@@ -8282,7 +8651,7 @@
             </a:pPr>
             <a:fld id="{00000000-1234-1234-1234-123412341234}" type="slidenum">
               <a:rPr lang="en-US" smtClean="0"/>
-              <a:t>12</a:t>
+              <a:t>13</a:t>
             </a:fld>
             <a:endParaRPr lang="en-US"/>
           </a:p>
@@ -8816,7 +9185,7 @@
 </p:sld>
 </file>
 
-<file path=ppt/slides/slide13.xml><?xml version="1.0" encoding="utf-8"?>
+<file path=ppt/slides/slide14.xml><?xml version="1.0" encoding="utf-8"?>
 <p:sld xmlns:a="http://schemas.openxmlformats.org/drawingml/2006/main" xmlns:r="http://schemas.openxmlformats.org/officeDocument/2006/relationships" xmlns:p="http://schemas.openxmlformats.org/presentationml/2006/main">
   <p:cSld>
     <p:spTree>
@@ -8921,7 +9290,7 @@
             </a:pPr>
             <a:fld id="{00000000-1234-1234-1234-123412341234}" type="slidenum">
               <a:rPr lang="en-US" smtClean="0"/>
-              <a:t>13</a:t>
+              <a:t>14</a:t>
             </a:fld>
             <a:endParaRPr lang="en-US"/>
           </a:p>
@@ -9458,7 +9827,7 @@
               <a:buSzPts val="2800"/>
             </a:pPr>
             <a:r>
-              <a:rPr lang="en-US" sz="2800" dirty="0">
+              <a:rPr lang="en-US" sz="2400" dirty="0">
                 <a:latin typeface="Times New Roman" panose="02020603050405020304" pitchFamily="18" charset="0"/>
                 <a:cs typeface="Times New Roman" panose="02020603050405020304" pitchFamily="18" charset="0"/>
               </a:rPr>
@@ -9466,6 +9835,19 @@
             </a:r>
           </a:p>
           <a:p>
+            <a:pPr marL="177800" indent="0">
+              <a:spcBef>
+                <a:spcPts val="0"/>
+              </a:spcBef>
+              <a:buSzPts val="2800"/>
+              <a:buNone/>
+            </a:pPr>
+            <a:endParaRPr lang="en-US" sz="2400" dirty="0">
+              <a:latin typeface="Times New Roman" panose="02020603050405020304" pitchFamily="18" charset="0"/>
+              <a:cs typeface="Times New Roman" panose="02020603050405020304" pitchFamily="18" charset="0"/>
+            </a:endParaRPr>
+          </a:p>
+          <a:p>
             <a:pPr marL="635000" indent="-457200">
               <a:spcBef>
                 <a:spcPts val="0"/>
@@ -9473,7 +9855,7 @@
               <a:buSzPts val="2800"/>
             </a:pPr>
             <a:r>
-              <a:rPr lang="en-US" sz="2800" dirty="0">
+              <a:rPr lang="en-US" sz="2400" dirty="0">
                 <a:latin typeface="Times New Roman" panose="02020603050405020304" pitchFamily="18" charset="0"/>
                 <a:cs typeface="Times New Roman" panose="02020603050405020304" pitchFamily="18" charset="0"/>
               </a:rPr>
@@ -9543,7 +9925,7 @@
           <p:nvPr/>
         </p:nvPicPr>
         <p:blipFill>
-          <a:blip r:embed="rId3"/>
+          <a:blip r:embed="rId4"/>
           <a:stretch>
             <a:fillRect/>
           </a:stretch>
@@ -9563,6 +9945,11 @@
   <p:clrMapOvr>
     <a:masterClrMapping/>
   </p:clrMapOvr>
+  <p:extLst>
+    <p:ext uri="{6950BFC3-D8DA-4A85-94F7-54DA5524770B}">
+      <p188:commentRel xmlns:p188="http://schemas.microsoft.com/office/powerpoint/2018/8/main" r:id="rId3"/>
+    </p:ext>
+  </p:extLst>
 </p:sld>
 </file>
 
@@ -10371,6 +10758,11 @@
   <p:clrMapOvr>
     <a:masterClrMapping/>
   </p:clrMapOvr>
+  <p:extLst>
+    <p:ext uri="{6950BFC3-D8DA-4A85-94F7-54DA5524770B}">
+      <p188:commentRel xmlns:p188="http://schemas.microsoft.com/office/powerpoint/2018/8/main" r:id="rId3"/>
+    </p:ext>
+  </p:extLst>
 </p:sld>
 </file>
 
@@ -10785,15 +11177,26 @@
                 <a:latin typeface="Times New Roman" panose="02020603050405020304" pitchFamily="18" charset="0"/>
                 <a:cs typeface="Times New Roman" panose="02020603050405020304" pitchFamily="18" charset="0"/>
               </a:rPr>
-              <a:t>Number of replicate measurements or samples (often just one each)</a:t>
+              <a:t>Number of replicate measurements or samples</a:t>
             </a:r>
+          </a:p>
+          <a:p>
+            <a:endParaRPr lang="en-US" sz="2400" dirty="0">
+              <a:solidFill>
+                <a:schemeClr val="accent5">
+                  <a:lumMod val="50000"/>
+                </a:schemeClr>
+              </a:solidFill>
+              <a:latin typeface="Times New Roman" panose="02020603050405020304" pitchFamily="18" charset="0"/>
+              <a:cs typeface="Times New Roman" panose="02020603050405020304" pitchFamily="18" charset="0"/>
+            </a:endParaRPr>
           </a:p>
           <a:p>
             <a:pPr marL="114300" indent="0">
               <a:buNone/>
             </a:pPr>
             <a:r>
-              <a:rPr lang="en-US" dirty="0">
+              <a:rPr lang="en-US" sz="2000" dirty="0">
                 <a:solidFill>
                   <a:schemeClr val="tx1"/>
                 </a:solidFill>
@@ -10803,7 +11206,7 @@
               <a:t>*Black – present	     </a:t>
             </a:r>
             <a:r>
-              <a:rPr lang="en-US" dirty="0">
+              <a:rPr lang="en-US" sz="2000" dirty="0">
                 <a:solidFill>
                   <a:schemeClr val="accent6">
                     <a:lumMod val="60000"/>
@@ -10816,7 +11219,7 @@
               <a:t>*Blue – Next	       </a:t>
             </a:r>
             <a:r>
-              <a:rPr lang="en-US" dirty="0">
+              <a:rPr lang="en-US" sz="2000" dirty="0">
                 <a:solidFill>
                   <a:schemeClr val="accent5">
                     <a:lumMod val="50000"/>
@@ -10828,7 +11231,7 @@
               <a:t>*Teal – Future</a:t>
             </a:r>
             <a:r>
-              <a:rPr lang="en-US" sz="2400" dirty="0">
+              <a:rPr lang="en-US" sz="1800" dirty="0">
                 <a:solidFill>
                   <a:schemeClr val="accent5">
                     <a:lumMod val="50000"/>
@@ -10839,7 +11242,7 @@
               </a:rPr>
               <a:t>	</a:t>
             </a:r>
-            <a:endParaRPr lang="en-US" sz="2400" dirty="0">
+            <a:endParaRPr lang="en-US" sz="1800" dirty="0">
               <a:solidFill>
                 <a:schemeClr val="tx1"/>
               </a:solidFill>
@@ -10986,7 +11389,7 @@
                 <a:latin typeface="Times New Roman" panose="02020603050405020304" pitchFamily="18" charset="0"/>
                 <a:cs typeface="Times New Roman" panose="02020603050405020304" pitchFamily="18" charset="0"/>
               </a:rPr>
-              <a:t>Standard intensity vs 2</a:t>
+              <a:t>Intensity vs 2</a:t>
             </a:r>
             <a:r>
               <a:rPr lang="el-GR" i="0" dirty="0">
@@ -11015,21 +11418,11 @@
           <a:p>
             <a:pPr lvl="1"/>
             <a:r>
-              <a:rPr lang="en-US" dirty="0">
-                <a:highlight>
-                  <a:srgbClr val="FFFF00"/>
-                </a:highlight>
-                <a:latin typeface="Times New Roman" panose="02020603050405020304" pitchFamily="18" charset="0"/>
-                <a:cs typeface="Times New Roman" panose="02020603050405020304" pitchFamily="18" charset="0"/>
-              </a:rPr>
-              <a:t>*Need info on this*</a:t>
-            </a:r>
-            <a:r>
               <a:rPr lang="en-US" i="0" dirty="0">
                 <a:latin typeface="Times New Roman" panose="02020603050405020304" pitchFamily="18" charset="0"/>
                 <a:cs typeface="Times New Roman" panose="02020603050405020304" pitchFamily="18" charset="0"/>
               </a:rPr>
-              <a:t>, x-ray source, energy, step size?, etc.</a:t>
+              <a:t>X-ray system configuration, source material, filters, scan type, etc.</a:t>
             </a:r>
             <a:endParaRPr lang="en-US" dirty="0">
               <a:latin typeface="Times New Roman" panose="02020603050405020304" pitchFamily="18" charset="0"/>
@@ -11052,7 +11445,7 @@
                 <a:latin typeface="Times New Roman" panose="02020603050405020304" pitchFamily="18" charset="0"/>
                 <a:cs typeface="Times New Roman" panose="02020603050405020304" pitchFamily="18" charset="0"/>
               </a:rPr>
-              <a:t>Elemental composition and crystallographic information </a:t>
+              <a:t>Crystallographic information, and elemental composition </a:t>
             </a:r>
             <a:r>
               <a:rPr lang="en-US" i="0" dirty="0">
@@ -11115,6 +11508,11 @@
   <p:clrMapOvr>
     <a:masterClrMapping/>
   </p:clrMapOvr>
+  <p:extLst>
+    <p:ext uri="{6950BFC3-D8DA-4A85-94F7-54DA5524770B}">
+      <p188:commentRel xmlns:p188="http://schemas.microsoft.com/office/powerpoint/2018/8/main" r:id="rId2"/>
+    </p:ext>
+  </p:extLst>
 </p:sld>
 </file>
 
@@ -11247,7 +11645,7 @@
           <p:nvPr/>
         </p:nvPicPr>
         <p:blipFill>
-          <a:blip r:embed="rId3"/>
+          <a:blip r:embed="rId4"/>
           <a:stretch>
             <a:fillRect/>
           </a:stretch>
@@ -11272,6 +11670,11 @@
   <p:clrMapOvr>
     <a:masterClrMapping/>
   </p:clrMapOvr>
+  <p:extLst>
+    <p:ext uri="{6950BFC3-D8DA-4A85-94F7-54DA5524770B}">
+      <p188:commentRel xmlns:p188="http://schemas.microsoft.com/office/powerpoint/2018/8/main" r:id="rId3"/>
+    </p:ext>
+  </p:extLst>
 </p:sld>
 </file>
 
@@ -11389,6 +11792,89 @@
               <a:t>9</a:t>
             </a:fld>
             <a:endParaRPr lang="en-US"/>
+          </a:p>
+        </p:txBody>
+      </p:sp>
+      <p:sp>
+        <p:nvSpPr>
+          <p:cNvPr id="5" name="TextBox 4">
+            <a:extLst>
+              <a:ext uri="{FF2B5EF4-FFF2-40B4-BE49-F238E27FC236}">
+                <a16:creationId xmlns:a16="http://schemas.microsoft.com/office/drawing/2014/main" id="{173A8C81-7E88-B648-9963-D8DF055C3929}"/>
+              </a:ext>
+            </a:extLst>
+          </p:cNvPr>
+          <p:cNvSpPr txBox="1"/>
+          <p:nvPr/>
+        </p:nvSpPr>
+        <p:spPr>
+          <a:xfrm>
+            <a:off x="939452" y="2029216"/>
+            <a:ext cx="7484741" cy="1169551"/>
+          </a:xfrm>
+          <a:prstGeom prst="rect">
+            <a:avLst/>
+          </a:prstGeom>
+          <a:noFill/>
+        </p:spPr>
+        <p:txBody>
+          <a:bodyPr wrap="none" rtlCol="0">
+            <a:spAutoFit/>
+          </a:bodyPr>
+          <a:lstStyle/>
+          <a:p>
+            <a:r>
+              <a:rPr lang="en-US" dirty="0"/>
+              <a:t>Outline of topics to cover:</a:t>
+            </a:r>
+          </a:p>
+          <a:p>
+            <a:pPr marL="285750" indent="-285750">
+              <a:buFontTx/>
+              <a:buChar char="-"/>
+            </a:pPr>
+            <a:r>
+              <a:rPr lang="en-US" dirty="0"/>
+              <a:t>App orientation (tabs, buttons, </a:t>
+            </a:r>
+            <a:r>
+              <a:rPr lang="en-US" dirty="0" err="1"/>
+              <a:t>etc</a:t>
+            </a:r>
+            <a:r>
+              <a:rPr lang="en-US" dirty="0"/>
+              <a:t>)</a:t>
+            </a:r>
+          </a:p>
+          <a:p>
+            <a:pPr marL="285750" indent="-285750">
+              <a:buFontTx/>
+              <a:buChar char="-"/>
+            </a:pPr>
+            <a:r>
+              <a:rPr lang="en-US" dirty="0"/>
+              <a:t>Input tab, How to load a file, prebuilt examples</a:t>
+            </a:r>
+          </a:p>
+          <a:p>
+            <a:pPr marL="285750" indent="-285750">
+              <a:buFontTx/>
+              <a:buChar char="-"/>
+            </a:pPr>
+            <a:r>
+              <a:rPr lang="en-US" dirty="0"/>
+              <a:t>Data tab, data plot and fit plot.  Maybe talk a bit about algorithm we’re using to do the fit?</a:t>
+            </a:r>
+          </a:p>
+          <a:p>
+            <a:pPr marL="285750" indent="-285750">
+              <a:buFontTx/>
+              <a:buChar char="-"/>
+            </a:pPr>
+            <a:r>
+              <a:rPr lang="en-US" dirty="0"/>
+              <a:t>Results tab, phase fraction table, uncertainties, expanded data, diagnostic plots</a:t>
+            </a:r>
           </a:p>
         </p:txBody>
       </p:sp>

--- a/ASPPRC_presentation.pptx
+++ b/ASPPRC_presentation.pptx
@@ -16,10 +16,10 @@
     <p:sldId id="262" r:id="rId7"/>
     <p:sldId id="268" r:id="rId8"/>
     <p:sldId id="266" r:id="rId9"/>
-    <p:sldId id="267" r:id="rId10"/>
-    <p:sldId id="269" r:id="rId11"/>
-    <p:sldId id="265" r:id="rId12"/>
-    <p:sldId id="271" r:id="rId13"/>
+    <p:sldId id="269" r:id="rId10"/>
+    <p:sldId id="265" r:id="rId11"/>
+    <p:sldId id="271" r:id="rId12"/>
+    <p:sldId id="267" r:id="rId13"/>
     <p:sldId id="260" r:id="rId14"/>
     <p:sldId id="263" r:id="rId15"/>
     <p:sldId id="270" r:id="rId16"/>
@@ -339,6 +339,20 @@
       <pc:docMk/>
       <pc:sldMk cId="0" sldId="259"/>
     </pc:sldMkLst>
+    <p188:replyLst>
+      <p188:reply id="{F27FB3F2-BA52-45EC-9A32-62394D730888}" authorId="{DE975211-6454-2622-23DE-C4F228A95BB1}" created="2022-03-08T04:58:09.035">
+        <p188:txBody>
+          <a:bodyPr/>
+          <a:lstStyle/>
+          <a:p>
+            <a:r>
+              <a:rPr lang="en-US"/>
+              <a:t>The CIF file is discussed later so it shouldn't be an issue.</a:t>
+            </a:r>
+          </a:p>
+        </p188:txBody>
+      </p188:reply>
+    </p188:replyLst>
     <p188:txBody>
       <a:bodyPr/>
       <a:lstStyle/>
@@ -2319,10 +2333,10 @@
               <a:buNone/>
             </a:pPr>
             <a:r>
-              <a:rPr lang="en-US"/>
+              <a:rPr lang="en-US" dirty="0"/>
               <a:t>Project Plan</a:t>
             </a:r>
-            <a:endParaRPr/>
+            <a:endParaRPr dirty="0"/>
           </a:p>
           <a:p>
             <a:pPr marL="685800" lvl="1" indent="-228600" algn="l" rtl="0">
@@ -2340,18 +2354,18 @@
               <a:buAutoNum type="arabicPeriod"/>
             </a:pPr>
             <a:r>
-              <a:rPr lang="en-US"/>
+              <a:rPr lang="en-US" dirty="0"/>
               <a:t>Working Hypothesis or Project Objective:  </a:t>
             </a:r>
             <a:r>
-              <a:rPr lang="en-US">
+              <a:rPr lang="en-US" dirty="0">
                 <a:solidFill>
                   <a:srgbClr val="FF0000"/>
                 </a:solidFill>
               </a:rPr>
               <a:t>(Insert a clear statement that identifies the hypothesis, that clarifies why you are doing what you are doing.)</a:t>
             </a:r>
-            <a:endParaRPr/>
+            <a:endParaRPr dirty="0"/>
           </a:p>
           <a:p>
             <a:pPr marL="685800" lvl="1" indent="-228600" algn="l" rtl="0">
@@ -2369,18 +2383,18 @@
               <a:buAutoNum type="arabicPeriod"/>
             </a:pPr>
             <a:r>
-              <a:rPr lang="en-US"/>
+              <a:rPr lang="en-US" dirty="0"/>
               <a:t>Expected Results:  </a:t>
             </a:r>
             <a:r>
-              <a:rPr lang="en-US">
+              <a:rPr lang="en-US" dirty="0">
                 <a:solidFill>
                   <a:srgbClr val="FF0000"/>
                 </a:solidFill>
               </a:rPr>
               <a:t>(a succinct statement of your expected results – presented in a manner to assist sponsors in assessing how they should plan to use your results.) </a:t>
             </a:r>
-            <a:endParaRPr/>
+            <a:endParaRPr dirty="0"/>
           </a:p>
           <a:p>
             <a:pPr marL="685800" lvl="1" indent="-228600" algn="l" rtl="0">
@@ -2398,18 +2412,18 @@
               <a:buAutoNum type="arabicPeriod"/>
             </a:pPr>
             <a:r>
-              <a:rPr lang="en-US"/>
+              <a:rPr lang="en-US" dirty="0"/>
               <a:t>Project Scope:  </a:t>
             </a:r>
             <a:r>
-              <a:rPr lang="en-US">
+              <a:rPr lang="en-US" dirty="0">
                 <a:solidFill>
                   <a:srgbClr val="FF0000"/>
                 </a:solidFill>
               </a:rPr>
               <a:t>(a clear statement of the scope of your program that clarifies what you are doing and how you are doing it – if necessary the scope could be on a separate page)</a:t>
             </a:r>
-            <a:endParaRPr/>
+            <a:endParaRPr dirty="0"/>
           </a:p>
           <a:p>
             <a:pPr marL="685800" lvl="1" indent="-228600" algn="l" rtl="0">
@@ -2427,10 +2441,10 @@
               <a:buChar char="•"/>
             </a:pPr>
             <a:r>
-              <a:rPr lang="en-US"/>
+              <a:rPr lang="en-US" dirty="0"/>
               <a:t>Use greater then 20 point Arial font</a:t>
             </a:r>
-            <a:endParaRPr/>
+            <a:endParaRPr dirty="0"/>
           </a:p>
           <a:p>
             <a:pPr marL="685800" lvl="1" indent="-152400" algn="l" rtl="0">
@@ -2447,7 +2461,7 @@
               <a:buFont typeface="Arial"/>
               <a:buNone/>
             </a:pPr>
-            <a:endParaRPr/>
+            <a:endParaRPr dirty="0"/>
           </a:p>
         </p:txBody>
       </p:sp>
@@ -2503,10 +2517,7 @@
           <a:bodyPr/>
           <a:lstStyle/>
           <a:p>
-            <a:r>
-              <a:rPr lang="en-US" dirty="0"/>
-              <a:t>Using the CIF file, theoretical intensities of each phase as an area under the Int. vs 2theta plot are calculated. The experimental XRD data is plotted, fit, and the area under each peak is found through integration. Fitting will be automated and needs to be highly accurate, currently wrapping development. The area from each experimental peak is normalized by dividing the value by the theoretical value. Each normalized peak for a single phase is summed to get the total normalized area of a single phase. Subsequently, the total normalized area of this phase is divided by the total normalized area from all phases. This results in the fraction of the phase present.</a:t>
-            </a:r>
+            <a:endParaRPr lang="en-US" dirty="0"/>
           </a:p>
         </p:txBody>
       </p:sp>
@@ -2561,7 +2572,7 @@
     </p:spTree>
     <p:extLst>
       <p:ext uri="{BB962C8B-B14F-4D97-AF65-F5344CB8AC3E}">
-        <p14:creationId xmlns:p14="http://schemas.microsoft.com/office/powerpoint/2010/main" val="949944111"/>
+        <p14:creationId xmlns:p14="http://schemas.microsoft.com/office/powerpoint/2010/main" val="361053560"/>
       </p:ext>
     </p:extLst>
   </p:cSld>
@@ -2615,7 +2626,10 @@
           <a:bodyPr/>
           <a:lstStyle/>
           <a:p>
-            <a:endParaRPr lang="en-US" dirty="0"/>
+            <a:r>
+              <a:rPr lang="en-US" dirty="0"/>
+              <a:t>Using the CIF file, theoretical intensities of each phase as an area under the Int. vs 2theta plot are calculated. The experimental XRD data is plotted, fit, and the area under each peak is found through integration. Fitting will be automated and needs to be highly accurate, currently wrapping development. The area from each experimental peak is normalized by dividing the value by the theoretical value. Each normalized peak for a single phase is summed to get the total normalized area of a single phase. Subsequently, the total normalized area of this phase is divided by the total normalized area from all phases. This results in the fraction of the phase present.</a:t>
+            </a:r>
           </a:p>
         </p:txBody>
       </p:sp>
@@ -2653,7 +2667,7 @@
                 <a:cs typeface="Arial"/>
                 <a:sym typeface="Arial"/>
               </a:rPr>
-              <a:t>9</a:t>
+              <a:t>11</a:t>
             </a:fld>
             <a:endParaRPr lang="en-US" sz="1200" b="0" i="0" u="none" strike="noStrike" cap="none">
               <a:solidFill>
@@ -2670,7 +2684,7 @@
     </p:spTree>
     <p:extLst>
       <p:ext uri="{BB962C8B-B14F-4D97-AF65-F5344CB8AC3E}">
-        <p14:creationId xmlns:p14="http://schemas.microsoft.com/office/powerpoint/2010/main" val="361053560"/>
+        <p14:creationId xmlns:p14="http://schemas.microsoft.com/office/powerpoint/2010/main" val="949944111"/>
       </p:ext>
     </p:extLst>
   </p:cSld>
@@ -7735,6 +7749,66 @@
             </a:endParaRPr>
           </a:p>
           <a:p>
+            <a:r>
+              <a:rPr lang="en-US" sz="2800" b="1" i="0" u="none" strike="noStrike" cap="none" dirty="0">
+                <a:solidFill>
+                  <a:schemeClr val="dk1"/>
+                </a:solidFill>
+                <a:latin typeface="Times New Roman" panose="02020603050405020304" pitchFamily="18" charset="0"/>
+                <a:cs typeface="Times New Roman" panose="02020603050405020304" pitchFamily="18" charset="0"/>
+                <a:sym typeface="Arial"/>
+              </a:rPr>
+              <a:t>Advisors:  	</a:t>
+            </a:r>
+            <a:r>
+              <a:rPr lang="en-US" sz="2800" i="0" u="none" strike="noStrike" cap="none" dirty="0">
+                <a:solidFill>
+                  <a:schemeClr val="dk1"/>
+                </a:solidFill>
+                <a:latin typeface="Times New Roman" panose="02020603050405020304" pitchFamily="18" charset="0"/>
+                <a:cs typeface="Times New Roman" panose="02020603050405020304" pitchFamily="18" charset="0"/>
+                <a:sym typeface="Arial"/>
+              </a:rPr>
+              <a:t>Dr. Adam </a:t>
+            </a:r>
+            <a:r>
+              <a:rPr lang="en-US" sz="2800" i="0" u="none" strike="noStrike" cap="none" dirty="0" err="1">
+                <a:solidFill>
+                  <a:schemeClr val="dk1"/>
+                </a:solidFill>
+                <a:latin typeface="Times New Roman" panose="02020603050405020304" pitchFamily="18" charset="0"/>
+                <a:cs typeface="Times New Roman" panose="02020603050405020304" pitchFamily="18" charset="0"/>
+                <a:sym typeface="Arial"/>
+              </a:rPr>
+              <a:t>Creuziger</a:t>
+            </a:r>
+            <a:r>
+              <a:rPr lang="en-US" sz="2800" i="0" u="none" strike="noStrike" cap="none" dirty="0">
+                <a:solidFill>
+                  <a:schemeClr val="dk1"/>
+                </a:solidFill>
+                <a:latin typeface="Times New Roman" panose="02020603050405020304" pitchFamily="18" charset="0"/>
+                <a:cs typeface="Times New Roman" panose="02020603050405020304" pitchFamily="18" charset="0"/>
+                <a:sym typeface="Arial"/>
+              </a:rPr>
+              <a:t>, </a:t>
+            </a:r>
+            <a:r>
+              <a:rPr lang="en-US" sz="2800" dirty="0">
+                <a:solidFill>
+                  <a:schemeClr val="dk1"/>
+                </a:solidFill>
+                <a:latin typeface="Times New Roman" panose="02020603050405020304" pitchFamily="18" charset="0"/>
+                <a:cs typeface="Times New Roman" panose="02020603050405020304" pitchFamily="18" charset="0"/>
+              </a:rPr>
+              <a:t>David Newton (MS)</a:t>
+            </a:r>
+            <a:endParaRPr lang="en-US" sz="2800" dirty="0">
+              <a:latin typeface="Times New Roman" panose="02020603050405020304" pitchFamily="18" charset="0"/>
+              <a:cs typeface="Times New Roman" panose="02020603050405020304" pitchFamily="18" charset="0"/>
+            </a:endParaRPr>
+          </a:p>
+          <a:p>
             <a:pPr marL="0" marR="0" lvl="0" indent="0" algn="l" rtl="0">
               <a:spcBef>
                 <a:spcPts val="0"/>
@@ -7744,77 +7818,58 @@
               </a:spcAft>
               <a:buNone/>
             </a:pPr>
-            <a:endParaRPr lang="en-US" sz="2800" b="1" i="0" u="none" strike="noStrike" cap="none" dirty="0">
+            <a:r>
+              <a:rPr lang="en-US" sz="2800" dirty="0">
+                <a:solidFill>
+                  <a:schemeClr val="dk1"/>
+                </a:solidFill>
+                <a:latin typeface="Times New Roman" panose="02020603050405020304" pitchFamily="18" charset="0"/>
+                <a:cs typeface="Times New Roman" panose="02020603050405020304" pitchFamily="18" charset="0"/>
+              </a:rPr>
+              <a:t> 		&amp; Dr. Kip Findley</a:t>
+            </a:r>
+          </a:p>
+          <a:p>
+            <a:pPr marL="0" marR="0" lvl="0" indent="0" algn="l" rtl="0">
+              <a:spcBef>
+                <a:spcPts val="0"/>
+              </a:spcBef>
+              <a:spcAft>
+                <a:spcPts val="0"/>
+              </a:spcAft>
+              <a:buNone/>
+            </a:pPr>
+            <a:endParaRPr lang="en-US" sz="2400" dirty="0">
               <a:solidFill>
                 <a:schemeClr val="dk1"/>
               </a:solidFill>
               <a:latin typeface="Times New Roman" panose="02020603050405020304" pitchFamily="18" charset="0"/>
               <a:cs typeface="Times New Roman" panose="02020603050405020304" pitchFamily="18" charset="0"/>
-              <a:sym typeface="Arial"/>
             </a:endParaRPr>
           </a:p>
           <a:p>
-            <a:r>
-              <a:rPr lang="en-US" sz="2800" b="1" i="0" u="none" strike="noStrike" cap="none" dirty="0">
-                <a:solidFill>
-                  <a:schemeClr val="dk1"/>
-                </a:solidFill>
-                <a:latin typeface="Times New Roman" panose="02020603050405020304" pitchFamily="18" charset="0"/>
-                <a:cs typeface="Times New Roman" panose="02020603050405020304" pitchFamily="18" charset="0"/>
-                <a:sym typeface="Arial"/>
-              </a:rPr>
-              <a:t>Advisors:  	</a:t>
-            </a:r>
-            <a:r>
-              <a:rPr lang="en-US" sz="2800" i="0" u="none" strike="noStrike" cap="none" dirty="0">
-                <a:solidFill>
-                  <a:schemeClr val="dk1"/>
-                </a:solidFill>
-                <a:latin typeface="Times New Roman" panose="02020603050405020304" pitchFamily="18" charset="0"/>
-                <a:cs typeface="Times New Roman" panose="02020603050405020304" pitchFamily="18" charset="0"/>
-                <a:sym typeface="Arial"/>
-              </a:rPr>
-              <a:t>Dr. Adam </a:t>
-            </a:r>
-            <a:r>
-              <a:rPr lang="en-US" sz="2800" i="0" u="none" strike="noStrike" cap="none" dirty="0" err="1">
-                <a:solidFill>
-                  <a:schemeClr val="dk1"/>
-                </a:solidFill>
-                <a:latin typeface="Times New Roman" panose="02020603050405020304" pitchFamily="18" charset="0"/>
-                <a:cs typeface="Times New Roman" panose="02020603050405020304" pitchFamily="18" charset="0"/>
-                <a:sym typeface="Arial"/>
-              </a:rPr>
-              <a:t>Creuziger</a:t>
-            </a:r>
-            <a:r>
-              <a:rPr lang="en-US" sz="2800" i="0" u="none" strike="noStrike" cap="none" dirty="0">
-                <a:solidFill>
-                  <a:schemeClr val="dk1"/>
-                </a:solidFill>
-                <a:latin typeface="Times New Roman" panose="02020603050405020304" pitchFamily="18" charset="0"/>
-                <a:cs typeface="Times New Roman" panose="02020603050405020304" pitchFamily="18" charset="0"/>
-                <a:sym typeface="Arial"/>
-              </a:rPr>
-              <a:t>, </a:t>
-            </a:r>
-            <a:r>
-              <a:rPr lang="en-US" sz="2800" dirty="0">
+            <a:pPr marL="0" marR="0" lvl="0" indent="0" algn="ctr" rtl="0">
+              <a:spcBef>
+                <a:spcPts val="0"/>
+              </a:spcBef>
+              <a:spcAft>
+                <a:spcPts val="0"/>
+              </a:spcAft>
+              <a:buNone/>
+            </a:pPr>
+            <a:r>
+              <a:rPr lang="en-US" sz="2400" dirty="0">
                 <a:solidFill>
                   <a:schemeClr val="dk1"/>
                 </a:solidFill>
                 <a:latin typeface="Times New Roman" panose="02020603050405020304" pitchFamily="18" charset="0"/>
                 <a:cs typeface="Times New Roman" panose="02020603050405020304" pitchFamily="18" charset="0"/>
               </a:rPr>
-              <a:t>David Newton (MS)</a:t>
-            </a:r>
-            <a:endParaRPr lang="en-US" sz="2800" dirty="0">
-              <a:latin typeface="Times New Roman" panose="02020603050405020304" pitchFamily="18" charset="0"/>
-              <a:cs typeface="Times New Roman" panose="02020603050405020304" pitchFamily="18" charset="0"/>
-            </a:endParaRPr>
-          </a:p>
-          <a:p>
-            <a:pPr marL="0" marR="0" lvl="0" indent="0" algn="l" rtl="0">
+              <a:t>National Institute of Standards and Technology (NIST)</a:t>
+            </a:r>
+          </a:p>
+          <a:p>
+            <a:pPr marL="0" marR="0" lvl="0" indent="0" algn="ctr" rtl="0">
               <a:spcBef>
                 <a:spcPts val="0"/>
               </a:spcBef>
@@ -7824,16 +7879,42 @@
               <a:buNone/>
             </a:pPr>
             <a:r>
-              <a:rPr lang="en-US" sz="2800" dirty="0">
-                <a:solidFill>
-                  <a:schemeClr val="dk1"/>
-                </a:solidFill>
+              <a:rPr lang="en-US" sz="2400" dirty="0">
                 <a:latin typeface="Times New Roman" panose="02020603050405020304" pitchFamily="18" charset="0"/>
                 <a:cs typeface="Times New Roman" panose="02020603050405020304" pitchFamily="18" charset="0"/>
               </a:rPr>
-              <a:t> 		&amp; Dr. Kip Findley</a:t>
-            </a:r>
-            <a:endParaRPr sz="2800" dirty="0">
+              <a:t>Material Measurement Lab (MML)</a:t>
+            </a:r>
+          </a:p>
+          <a:p>
+            <a:pPr marL="0" marR="0" lvl="0" indent="0" algn="ctr" rtl="0">
+              <a:spcBef>
+                <a:spcPts val="0"/>
+              </a:spcBef>
+              <a:spcAft>
+                <a:spcPts val="0"/>
+              </a:spcAft>
+              <a:buNone/>
+            </a:pPr>
+            <a:r>
+              <a:rPr lang="en-US" sz="2400" dirty="0">
+                <a:latin typeface="Times New Roman" panose="02020603050405020304" pitchFamily="18" charset="0"/>
+                <a:cs typeface="Times New Roman" panose="02020603050405020304" pitchFamily="18" charset="0"/>
+              </a:rPr>
+              <a:t>Materials Science &amp; Engineering Division (MSED)</a:t>
+            </a:r>
+          </a:p>
+          <a:p>
+            <a:pPr marL="0" marR="0" lvl="0" indent="0" algn="ctr" rtl="0">
+              <a:spcBef>
+                <a:spcPts val="0"/>
+              </a:spcBef>
+              <a:spcAft>
+                <a:spcPts val="0"/>
+              </a:spcAft>
+              <a:buNone/>
+            </a:pPr>
+            <a:endParaRPr lang="en-US" sz="2400" dirty="0">
               <a:latin typeface="Times New Roman" panose="02020603050405020304" pitchFamily="18" charset="0"/>
               <a:cs typeface="Times New Roman" panose="02020603050405020304" pitchFamily="18" charset="0"/>
             </a:endParaRPr>
@@ -7914,8 +7995,8 @@
         </p:nvSpPr>
         <p:spPr>
           <a:xfrm>
-            <a:off x="4212405" y="5972269"/>
-            <a:ext cx="4726130" cy="584735"/>
+            <a:off x="4414282" y="6067269"/>
+            <a:ext cx="4468460" cy="584735"/>
           </a:xfrm>
           <a:prstGeom prst="rect">
             <a:avLst/>
@@ -8003,253 +8084,6 @@
 </file>
 
 <file path=ppt/slides/slide10.xml><?xml version="1.0" encoding="utf-8"?>
-<p:sld xmlns:a="http://schemas.openxmlformats.org/drawingml/2006/main" xmlns:r="http://schemas.openxmlformats.org/officeDocument/2006/relationships" xmlns:p="http://schemas.openxmlformats.org/presentationml/2006/main">
-  <p:cSld>
-    <p:spTree>
-      <p:nvGrpSpPr>
-        <p:cNvPr id="1" name=""/>
-        <p:cNvGrpSpPr/>
-        <p:nvPr/>
-      </p:nvGrpSpPr>
-      <p:grpSpPr>
-        <a:xfrm>
-          <a:off x="0" y="0"/>
-          <a:ext cx="0" cy="0"/>
-          <a:chOff x="0" y="0"/>
-          <a:chExt cx="0" cy="0"/>
-        </a:xfrm>
-      </p:grpSpPr>
-      <p:sp>
-        <p:nvSpPr>
-          <p:cNvPr id="2" name="Title 1">
-            <a:extLst>
-              <a:ext uri="{FF2B5EF4-FFF2-40B4-BE49-F238E27FC236}">
-                <a16:creationId xmlns:a16="http://schemas.microsoft.com/office/drawing/2014/main" id="{9B0C6EAB-6F22-42AC-AFC7-5E5FD822B0EA}"/>
-              </a:ext>
-            </a:extLst>
-          </p:cNvPr>
-          <p:cNvSpPr>
-            <a:spLocks noGrp="1"/>
-          </p:cNvSpPr>
-          <p:nvPr>
-            <p:ph type="title"/>
-          </p:nvPr>
-        </p:nvSpPr>
-        <p:spPr/>
-        <p:txBody>
-          <a:bodyPr/>
-          <a:lstStyle/>
-          <a:p>
-            <a:r>
-              <a:rPr lang="en-US" dirty="0"/>
-              <a:t>Conclusions</a:t>
-            </a:r>
-          </a:p>
-        </p:txBody>
-      </p:sp>
-      <p:sp>
-        <p:nvSpPr>
-          <p:cNvPr id="3" name="Text Placeholder 2">
-            <a:extLst>
-              <a:ext uri="{FF2B5EF4-FFF2-40B4-BE49-F238E27FC236}">
-                <a16:creationId xmlns:a16="http://schemas.microsoft.com/office/drawing/2014/main" id="{2769F863-4DD1-4D7C-B3D4-4CD6AF1D8EDF}"/>
-              </a:ext>
-            </a:extLst>
-          </p:cNvPr>
-          <p:cNvSpPr>
-            <a:spLocks noGrp="1"/>
-          </p:cNvSpPr>
-          <p:nvPr>
-            <p:ph type="body" idx="1"/>
-          </p:nvPr>
-        </p:nvSpPr>
-        <p:spPr>
-          <a:xfrm>
-            <a:off x="274638" y="1050925"/>
-            <a:ext cx="8594725" cy="5395913"/>
-          </a:xfrm>
-        </p:spPr>
-        <p:txBody>
-          <a:bodyPr/>
-          <a:lstStyle/>
-          <a:p>
-            <a:r>
-              <a:rPr lang="en-US" sz="2600" dirty="0">
-                <a:latin typeface="Times New Roman" panose="02020603050405020304" pitchFamily="18" charset="0"/>
-                <a:cs typeface="Times New Roman" panose="02020603050405020304" pitchFamily="18" charset="0"/>
-              </a:rPr>
-              <a:t>Preliminary: interaction modeling, microstructure modeling</a:t>
-            </a:r>
-          </a:p>
-          <a:p>
-            <a:r>
-              <a:rPr lang="en-US" sz="2600" dirty="0">
-                <a:latin typeface="Times New Roman" panose="02020603050405020304" pitchFamily="18" charset="0"/>
-                <a:cs typeface="Times New Roman" panose="02020603050405020304" pitchFamily="18" charset="0"/>
-              </a:rPr>
-              <a:t>Texture effects have been looked at by Michael Cox</a:t>
-            </a:r>
-          </a:p>
-          <a:p>
-            <a:r>
-              <a:rPr lang="en-US" sz="2600" dirty="0">
-                <a:latin typeface="Times New Roman" panose="02020603050405020304" pitchFamily="18" charset="0"/>
-                <a:cs typeface="Times New Roman" panose="02020603050405020304" pitchFamily="18" charset="0"/>
-              </a:rPr>
-              <a:t>Automated peak fitting is ongoing, uncertainty calculations have started to be developed</a:t>
-            </a:r>
-          </a:p>
-          <a:p>
-            <a:r>
-              <a:rPr lang="en-US" sz="2600" dirty="0">
-                <a:solidFill>
-                  <a:schemeClr val="accent6">
-                    <a:lumMod val="60000"/>
-                    <a:lumOff val="40000"/>
-                  </a:schemeClr>
-                </a:solidFill>
-                <a:latin typeface="Times New Roman" panose="02020603050405020304" pitchFamily="18" charset="0"/>
-                <a:cs typeface="Times New Roman" panose="02020603050405020304" pitchFamily="18" charset="0"/>
-              </a:rPr>
-              <a:t>Are you interested in use of this application?</a:t>
-            </a:r>
-          </a:p>
-          <a:p>
-            <a:r>
-              <a:rPr lang="en-US" sz="2600" dirty="0">
-                <a:solidFill>
-                  <a:schemeClr val="accent6">
-                    <a:lumMod val="60000"/>
-                    <a:lumOff val="40000"/>
-                  </a:schemeClr>
-                </a:solidFill>
-                <a:latin typeface="Times New Roman" panose="02020603050405020304" pitchFamily="18" charset="0"/>
-                <a:cs typeface="Times New Roman" panose="02020603050405020304" pitchFamily="18" charset="0"/>
-              </a:rPr>
-              <a:t>What did we forget?</a:t>
-            </a:r>
-          </a:p>
-          <a:p>
-            <a:r>
-              <a:rPr lang="en-US" sz="2600" dirty="0">
-                <a:solidFill>
-                  <a:schemeClr val="accent6">
-                    <a:lumMod val="60000"/>
-                    <a:lumOff val="40000"/>
-                  </a:schemeClr>
-                </a:solidFill>
-                <a:latin typeface="Times New Roman" panose="02020603050405020304" pitchFamily="18" charset="0"/>
-                <a:cs typeface="Times New Roman" panose="02020603050405020304" pitchFamily="18" charset="0"/>
-              </a:rPr>
-              <a:t>How can it be improved?</a:t>
-            </a:r>
-          </a:p>
-          <a:p>
-            <a:r>
-              <a:rPr lang="en-US" sz="2600" dirty="0">
-                <a:solidFill>
-                  <a:srgbClr val="FF0000"/>
-                </a:solidFill>
-                <a:latin typeface="Times New Roman" panose="02020603050405020304" pitchFamily="18" charset="0"/>
-                <a:cs typeface="Times New Roman" panose="02020603050405020304" pitchFamily="18" charset="0"/>
-              </a:rPr>
-              <a:t>*Prerelease, very early testing*</a:t>
-            </a:r>
-          </a:p>
-          <a:p>
-            <a:r>
-              <a:rPr lang="en-US" sz="2600" dirty="0">
-                <a:latin typeface="Times New Roman" panose="02020603050405020304" pitchFamily="18" charset="0"/>
-                <a:cs typeface="Times New Roman" panose="02020603050405020304" pitchFamily="18" charset="0"/>
-              </a:rPr>
-              <a:t>Contact Dr. </a:t>
-            </a:r>
-            <a:r>
-              <a:rPr lang="en-US" sz="2600" dirty="0" err="1">
-                <a:latin typeface="Times New Roman" panose="02020603050405020304" pitchFamily="18" charset="0"/>
-                <a:cs typeface="Times New Roman" panose="02020603050405020304" pitchFamily="18" charset="0"/>
-              </a:rPr>
-              <a:t>Creuziger</a:t>
-            </a:r>
-            <a:r>
-              <a:rPr lang="en-US" sz="2600" dirty="0">
-                <a:latin typeface="Times New Roman" panose="02020603050405020304" pitchFamily="18" charset="0"/>
-                <a:cs typeface="Times New Roman" panose="02020603050405020304" pitchFamily="18" charset="0"/>
-              </a:rPr>
-              <a:t> at NIST for information and to give feedback:</a:t>
-            </a:r>
-          </a:p>
-          <a:p>
-            <a:pPr marL="571500" lvl="1" indent="0">
-              <a:buNone/>
-            </a:pPr>
-            <a:r>
-              <a:rPr lang="en-US" sz="3200" b="1" i="0" dirty="0">
-                <a:latin typeface="Times New Roman" panose="02020603050405020304" pitchFamily="18" charset="0"/>
-                <a:cs typeface="Times New Roman" panose="02020603050405020304" pitchFamily="18" charset="0"/>
-              </a:rPr>
-              <a:t>- adam.creuziger@nist.gov</a:t>
-            </a:r>
-          </a:p>
-        </p:txBody>
-      </p:sp>
-      <p:sp>
-        <p:nvSpPr>
-          <p:cNvPr id="4" name="Slide Number Placeholder 3">
-            <a:extLst>
-              <a:ext uri="{FF2B5EF4-FFF2-40B4-BE49-F238E27FC236}">
-                <a16:creationId xmlns:a16="http://schemas.microsoft.com/office/drawing/2014/main" id="{9B7084AC-3D12-4FBD-BC6A-85F30B8B4859}"/>
-              </a:ext>
-            </a:extLst>
-          </p:cNvPr>
-          <p:cNvSpPr>
-            <a:spLocks noGrp="1"/>
-          </p:cNvSpPr>
-          <p:nvPr>
-            <p:ph type="sldNum" idx="12"/>
-          </p:nvPr>
-        </p:nvSpPr>
-        <p:spPr/>
-        <p:txBody>
-          <a:bodyPr/>
-          <a:lstStyle/>
-          <a:p>
-            <a:pPr marL="0" lvl="0" indent="0" algn="r" rtl="0">
-              <a:spcBef>
-                <a:spcPts val="0"/>
-              </a:spcBef>
-              <a:spcAft>
-                <a:spcPts val="0"/>
-              </a:spcAft>
-              <a:buNone/>
-            </a:pPr>
-            <a:fld id="{00000000-1234-1234-1234-123412341234}" type="slidenum">
-              <a:rPr lang="en-US" smtClean="0"/>
-              <a:t>10</a:t>
-            </a:fld>
-            <a:endParaRPr lang="en-US"/>
-          </a:p>
-        </p:txBody>
-      </p:sp>
-    </p:spTree>
-    <p:extLst>
-      <p:ext uri="{BB962C8B-B14F-4D97-AF65-F5344CB8AC3E}">
-        <p14:creationId xmlns:p14="http://schemas.microsoft.com/office/powerpoint/2010/main" val="96235862"/>
-      </p:ext>
-    </p:extLst>
-  </p:cSld>
-  <p:clrMapOvr>
-    <a:masterClrMapping/>
-  </p:clrMapOvr>
-  <p:extLst>
-    <p:ext uri="{6950BFC3-D8DA-4A85-94F7-54DA5524770B}">
-      <p188:commentRel xmlns:p188="http://schemas.microsoft.com/office/powerpoint/2018/8/main" r:id="rId2"/>
-    </p:ext>
-  </p:extLst>
-</p:sld>
-</file>
-
-<file path=ppt/slides/slide11.xml><?xml version="1.0" encoding="utf-8"?>
 <p:sld xmlns:a="http://schemas.openxmlformats.org/drawingml/2006/main" xmlns:r="http://schemas.openxmlformats.org/officeDocument/2006/relationships" xmlns:p="http://schemas.openxmlformats.org/presentationml/2006/main">
   <p:cSld>
     <p:spTree>
@@ -8323,7 +8157,7 @@
             </a:pPr>
             <a:fld id="{00000000-1234-1234-1234-123412341234}" type="slidenum">
               <a:rPr lang="en-US" smtClean="0"/>
-              <a:t>11</a:t>
+              <a:t>10</a:t>
             </a:fld>
             <a:endParaRPr lang="en-US"/>
           </a:p>
@@ -8339,6 +8173,168 @@
   <p:clrMapOvr>
     <a:masterClrMapping/>
   </p:clrMapOvr>
+</p:sld>
+</file>
+
+<file path=ppt/slides/slide11.xml><?xml version="1.0" encoding="utf-8"?>
+<p:sld xmlns:a="http://schemas.openxmlformats.org/drawingml/2006/main" xmlns:r="http://schemas.openxmlformats.org/officeDocument/2006/relationships" xmlns:p="http://schemas.openxmlformats.org/presentationml/2006/main">
+  <p:cSld>
+    <p:spTree>
+      <p:nvGrpSpPr>
+        <p:cNvPr id="1" name=""/>
+        <p:cNvGrpSpPr/>
+        <p:nvPr/>
+      </p:nvGrpSpPr>
+      <p:grpSpPr>
+        <a:xfrm>
+          <a:off x="0" y="0"/>
+          <a:ext cx="0" cy="0"/>
+          <a:chOff x="0" y="0"/>
+          <a:chExt cx="0" cy="0"/>
+        </a:xfrm>
+      </p:grpSpPr>
+      <p:sp>
+        <p:nvSpPr>
+          <p:cNvPr id="2" name="Title 1">
+            <a:extLst>
+              <a:ext uri="{FF2B5EF4-FFF2-40B4-BE49-F238E27FC236}">
+                <a16:creationId xmlns:a16="http://schemas.microsoft.com/office/drawing/2014/main" id="{C8F2DB85-ACA2-414A-8F25-684B11002DC4}"/>
+              </a:ext>
+            </a:extLst>
+          </p:cNvPr>
+          <p:cNvSpPr>
+            <a:spLocks noGrp="1"/>
+          </p:cNvSpPr>
+          <p:nvPr>
+            <p:ph type="title"/>
+          </p:nvPr>
+        </p:nvSpPr>
+        <p:spPr/>
+        <p:txBody>
+          <a:bodyPr/>
+          <a:lstStyle/>
+          <a:p>
+            <a:r>
+              <a:rPr lang="en-US" dirty="0"/>
+              <a:t>Phase Fraction</a:t>
+            </a:r>
+          </a:p>
+        </p:txBody>
+      </p:sp>
+      <p:sp>
+        <p:nvSpPr>
+          <p:cNvPr id="3" name="Text Placeholder 2">
+            <a:extLst>
+              <a:ext uri="{FF2B5EF4-FFF2-40B4-BE49-F238E27FC236}">
+                <a16:creationId xmlns:a16="http://schemas.microsoft.com/office/drawing/2014/main" id="{4F6811A3-A186-44AC-9AAB-A3B5A8D6475D}"/>
+              </a:ext>
+            </a:extLst>
+          </p:cNvPr>
+          <p:cNvSpPr>
+            <a:spLocks noGrp="1"/>
+          </p:cNvSpPr>
+          <p:nvPr>
+            <p:ph type="body" idx="1"/>
+          </p:nvPr>
+        </p:nvSpPr>
+        <p:spPr/>
+        <p:txBody>
+          <a:bodyPr/>
+          <a:lstStyle/>
+          <a:p>
+            <a:r>
+              <a:rPr lang="en-US" dirty="0">
+                <a:latin typeface="Times New Roman" panose="02020603050405020304" pitchFamily="18" charset="0"/>
+                <a:cs typeface="Times New Roman" panose="02020603050405020304" pitchFamily="18" charset="0"/>
+              </a:rPr>
+              <a:t>What is the calculator doing to determine phase fractions?</a:t>
+            </a:r>
+          </a:p>
+        </p:txBody>
+      </p:sp>
+      <p:sp>
+        <p:nvSpPr>
+          <p:cNvPr id="4" name="Slide Number Placeholder 3">
+            <a:extLst>
+              <a:ext uri="{FF2B5EF4-FFF2-40B4-BE49-F238E27FC236}">
+                <a16:creationId xmlns:a16="http://schemas.microsoft.com/office/drawing/2014/main" id="{1F236DAA-3322-458F-804C-A2C63A35F6C7}"/>
+              </a:ext>
+            </a:extLst>
+          </p:cNvPr>
+          <p:cNvSpPr>
+            <a:spLocks noGrp="1"/>
+          </p:cNvSpPr>
+          <p:nvPr>
+            <p:ph type="sldNum" idx="12"/>
+          </p:nvPr>
+        </p:nvSpPr>
+        <p:spPr/>
+        <p:txBody>
+          <a:bodyPr/>
+          <a:lstStyle/>
+          <a:p>
+            <a:pPr marL="0" lvl="0" indent="0" algn="r" rtl="0">
+              <a:spcBef>
+                <a:spcPts val="0"/>
+              </a:spcBef>
+              <a:spcAft>
+                <a:spcPts val="0"/>
+              </a:spcAft>
+              <a:buNone/>
+            </a:pPr>
+            <a:fld id="{00000000-1234-1234-1234-123412341234}" type="slidenum">
+              <a:rPr lang="en-US" smtClean="0"/>
+              <a:t>11</a:t>
+            </a:fld>
+            <a:endParaRPr lang="en-US"/>
+          </a:p>
+        </p:txBody>
+      </p:sp>
+      <p:pic>
+        <p:nvPicPr>
+          <p:cNvPr id="5" name="Picture 4">
+            <a:extLst>
+              <a:ext uri="{FF2B5EF4-FFF2-40B4-BE49-F238E27FC236}">
+                <a16:creationId xmlns:a16="http://schemas.microsoft.com/office/drawing/2014/main" id="{6B3AAE1F-0A8A-4F51-9FCF-0603CEE7AA58}"/>
+              </a:ext>
+            </a:extLst>
+          </p:cNvPr>
+          <p:cNvPicPr>
+            <a:picLocks noChangeAspect="1"/>
+          </p:cNvPicPr>
+          <p:nvPr/>
+        </p:nvPicPr>
+        <p:blipFill>
+          <a:blip r:embed="rId4"/>
+          <a:stretch>
+            <a:fillRect/>
+          </a:stretch>
+        </p:blipFill>
+        <p:spPr>
+          <a:xfrm>
+            <a:off x="1481060" y="2105759"/>
+            <a:ext cx="6181880" cy="4340728"/>
+          </a:xfrm>
+          <a:prstGeom prst="rect">
+            <a:avLst/>
+          </a:prstGeom>
+        </p:spPr>
+      </p:pic>
+    </p:spTree>
+    <p:extLst>
+      <p:ext uri="{BB962C8B-B14F-4D97-AF65-F5344CB8AC3E}">
+        <p14:creationId xmlns:p14="http://schemas.microsoft.com/office/powerpoint/2010/main" val="646841590"/>
+      </p:ext>
+    </p:extLst>
+  </p:cSld>
+  <p:clrMapOvr>
+    <a:masterClrMapping/>
+  </p:clrMapOvr>
+  <p:extLst>
+    <p:ext uri="{6950BFC3-D8DA-4A85-94F7-54DA5524770B}">
+      <p188:commentRel xmlns:p188="http://schemas.microsoft.com/office/powerpoint/2018/8/main" r:id="rId3"/>
+    </p:ext>
+  </p:extLst>
 </p:sld>
 </file>
 
@@ -9517,7 +9513,7 @@
               <a:buNone/>
             </a:pPr>
             <a:r>
-              <a:rPr lang="en-US" sz="2600" u="sng" dirty="0">
+              <a:rPr lang="en-US" sz="2600" u="sng">
                 <a:latin typeface="Times New Roman" panose="02020603050405020304" pitchFamily="18" charset="0"/>
                 <a:cs typeface="Times New Roman" panose="02020603050405020304" pitchFamily="18" charset="0"/>
               </a:rPr>
@@ -11181,6 +11177,9 @@
             </a:r>
           </a:p>
           <a:p>
+            <a:pPr marL="114300" indent="0">
+              <a:buNone/>
+            </a:pPr>
             <a:endParaRPr lang="en-US" sz="2400" dirty="0">
               <a:solidFill>
                 <a:schemeClr val="accent5">
@@ -11196,7 +11195,7 @@
               <a:buNone/>
             </a:pPr>
             <a:r>
-              <a:rPr lang="en-US" sz="2000" dirty="0">
+              <a:rPr lang="en-US" dirty="0">
                 <a:solidFill>
                   <a:schemeClr val="tx1"/>
                 </a:solidFill>
@@ -11206,7 +11205,7 @@
               <a:t>*Black – present	     </a:t>
             </a:r>
             <a:r>
-              <a:rPr lang="en-US" sz="2000" dirty="0">
+              <a:rPr lang="en-US" dirty="0">
                 <a:solidFill>
                   <a:schemeClr val="accent6">
                     <a:lumMod val="60000"/>
@@ -11216,10 +11215,10 @@
                 <a:latin typeface="Times New Roman" panose="02020603050405020304" pitchFamily="18" charset="0"/>
                 <a:cs typeface="Times New Roman" panose="02020603050405020304" pitchFamily="18" charset="0"/>
               </a:rPr>
-              <a:t>*Blue – Next	       </a:t>
-            </a:r>
-            <a:r>
-              <a:rPr lang="en-US" sz="2000" dirty="0">
+              <a:t>*Blue – Next	      </a:t>
+            </a:r>
+            <a:r>
+              <a:rPr lang="en-US" dirty="0">
                 <a:solidFill>
                   <a:schemeClr val="accent5">
                     <a:lumMod val="50000"/>
@@ -11538,168 +11537,6 @@
           <p:cNvPr id="2" name="Title 1">
             <a:extLst>
               <a:ext uri="{FF2B5EF4-FFF2-40B4-BE49-F238E27FC236}">
-                <a16:creationId xmlns:a16="http://schemas.microsoft.com/office/drawing/2014/main" id="{C8F2DB85-ACA2-414A-8F25-684B11002DC4}"/>
-              </a:ext>
-            </a:extLst>
-          </p:cNvPr>
-          <p:cNvSpPr>
-            <a:spLocks noGrp="1"/>
-          </p:cNvSpPr>
-          <p:nvPr>
-            <p:ph type="title"/>
-          </p:nvPr>
-        </p:nvSpPr>
-        <p:spPr/>
-        <p:txBody>
-          <a:bodyPr/>
-          <a:lstStyle/>
-          <a:p>
-            <a:r>
-              <a:rPr lang="en-US" dirty="0"/>
-              <a:t>Phase Fraction</a:t>
-            </a:r>
-          </a:p>
-        </p:txBody>
-      </p:sp>
-      <p:sp>
-        <p:nvSpPr>
-          <p:cNvPr id="3" name="Text Placeholder 2">
-            <a:extLst>
-              <a:ext uri="{FF2B5EF4-FFF2-40B4-BE49-F238E27FC236}">
-                <a16:creationId xmlns:a16="http://schemas.microsoft.com/office/drawing/2014/main" id="{4F6811A3-A186-44AC-9AAB-A3B5A8D6475D}"/>
-              </a:ext>
-            </a:extLst>
-          </p:cNvPr>
-          <p:cNvSpPr>
-            <a:spLocks noGrp="1"/>
-          </p:cNvSpPr>
-          <p:nvPr>
-            <p:ph type="body" idx="1"/>
-          </p:nvPr>
-        </p:nvSpPr>
-        <p:spPr/>
-        <p:txBody>
-          <a:bodyPr/>
-          <a:lstStyle/>
-          <a:p>
-            <a:r>
-              <a:rPr lang="en-US" dirty="0">
-                <a:latin typeface="Times New Roman" panose="02020603050405020304" pitchFamily="18" charset="0"/>
-                <a:cs typeface="Times New Roman" panose="02020603050405020304" pitchFamily="18" charset="0"/>
-              </a:rPr>
-              <a:t>What is the calculator doing to determine phase fractions?</a:t>
-            </a:r>
-          </a:p>
-        </p:txBody>
-      </p:sp>
-      <p:sp>
-        <p:nvSpPr>
-          <p:cNvPr id="4" name="Slide Number Placeholder 3">
-            <a:extLst>
-              <a:ext uri="{FF2B5EF4-FFF2-40B4-BE49-F238E27FC236}">
-                <a16:creationId xmlns:a16="http://schemas.microsoft.com/office/drawing/2014/main" id="{1F236DAA-3322-458F-804C-A2C63A35F6C7}"/>
-              </a:ext>
-            </a:extLst>
-          </p:cNvPr>
-          <p:cNvSpPr>
-            <a:spLocks noGrp="1"/>
-          </p:cNvSpPr>
-          <p:nvPr>
-            <p:ph type="sldNum" idx="12"/>
-          </p:nvPr>
-        </p:nvSpPr>
-        <p:spPr/>
-        <p:txBody>
-          <a:bodyPr/>
-          <a:lstStyle/>
-          <a:p>
-            <a:pPr marL="0" lvl="0" indent="0" algn="r" rtl="0">
-              <a:spcBef>
-                <a:spcPts val="0"/>
-              </a:spcBef>
-              <a:spcAft>
-                <a:spcPts val="0"/>
-              </a:spcAft>
-              <a:buNone/>
-            </a:pPr>
-            <a:fld id="{00000000-1234-1234-1234-123412341234}" type="slidenum">
-              <a:rPr lang="en-US" smtClean="0"/>
-              <a:t>8</a:t>
-            </a:fld>
-            <a:endParaRPr lang="en-US"/>
-          </a:p>
-        </p:txBody>
-      </p:sp>
-      <p:pic>
-        <p:nvPicPr>
-          <p:cNvPr id="5" name="Picture 4">
-            <a:extLst>
-              <a:ext uri="{FF2B5EF4-FFF2-40B4-BE49-F238E27FC236}">
-                <a16:creationId xmlns:a16="http://schemas.microsoft.com/office/drawing/2014/main" id="{6B3AAE1F-0A8A-4F51-9FCF-0603CEE7AA58}"/>
-              </a:ext>
-            </a:extLst>
-          </p:cNvPr>
-          <p:cNvPicPr>
-            <a:picLocks noChangeAspect="1"/>
-          </p:cNvPicPr>
-          <p:nvPr/>
-        </p:nvPicPr>
-        <p:blipFill>
-          <a:blip r:embed="rId4"/>
-          <a:stretch>
-            <a:fillRect/>
-          </a:stretch>
-        </p:blipFill>
-        <p:spPr>
-          <a:xfrm>
-            <a:off x="1481060" y="2105759"/>
-            <a:ext cx="6181880" cy="4340728"/>
-          </a:xfrm>
-          <a:prstGeom prst="rect">
-            <a:avLst/>
-          </a:prstGeom>
-        </p:spPr>
-      </p:pic>
-    </p:spTree>
-    <p:extLst>
-      <p:ext uri="{BB962C8B-B14F-4D97-AF65-F5344CB8AC3E}">
-        <p14:creationId xmlns:p14="http://schemas.microsoft.com/office/powerpoint/2010/main" val="646841590"/>
-      </p:ext>
-    </p:extLst>
-  </p:cSld>
-  <p:clrMapOvr>
-    <a:masterClrMapping/>
-  </p:clrMapOvr>
-  <p:extLst>
-    <p:ext uri="{6950BFC3-D8DA-4A85-94F7-54DA5524770B}">
-      <p188:commentRel xmlns:p188="http://schemas.microsoft.com/office/powerpoint/2018/8/main" r:id="rId3"/>
-    </p:ext>
-  </p:extLst>
-</p:sld>
-</file>
-
-<file path=ppt/slides/slide9.xml><?xml version="1.0" encoding="utf-8"?>
-<p:sld xmlns:a="http://schemas.openxmlformats.org/drawingml/2006/main" xmlns:r="http://schemas.openxmlformats.org/officeDocument/2006/relationships" xmlns:p="http://schemas.openxmlformats.org/presentationml/2006/main">
-  <p:cSld>
-    <p:spTree>
-      <p:nvGrpSpPr>
-        <p:cNvPr id="1" name=""/>
-        <p:cNvGrpSpPr/>
-        <p:nvPr/>
-      </p:nvGrpSpPr>
-      <p:grpSpPr>
-        <a:xfrm>
-          <a:off x="0" y="0"/>
-          <a:ext cx="0" cy="0"/>
-          <a:chOff x="0" y="0"/>
-          <a:chExt cx="0" cy="0"/>
-        </a:xfrm>
-      </p:grpSpPr>
-      <p:sp>
-        <p:nvSpPr>
-          <p:cNvPr id="2" name="Title 1">
-            <a:extLst>
-              <a:ext uri="{FF2B5EF4-FFF2-40B4-BE49-F238E27FC236}">
                 <a16:creationId xmlns:a16="http://schemas.microsoft.com/office/drawing/2014/main" id="{BBFF2511-D9B9-406F-B7C4-2ADCAD7488A0}"/>
               </a:ext>
             </a:extLst>
@@ -11789,7 +11626,7 @@
             </a:pPr>
             <a:fld id="{00000000-1234-1234-1234-123412341234}" type="slidenum">
               <a:rPr lang="en-US" smtClean="0"/>
-              <a:t>9</a:t>
+              <a:t>8</a:t>
             </a:fld>
             <a:endParaRPr lang="en-US"/>
           </a:p>
@@ -11888,6 +11725,253 @@
   <p:clrMapOvr>
     <a:masterClrMapping/>
   </p:clrMapOvr>
+</p:sld>
+</file>
+
+<file path=ppt/slides/slide9.xml><?xml version="1.0" encoding="utf-8"?>
+<p:sld xmlns:a="http://schemas.openxmlformats.org/drawingml/2006/main" xmlns:r="http://schemas.openxmlformats.org/officeDocument/2006/relationships" xmlns:p="http://schemas.openxmlformats.org/presentationml/2006/main">
+  <p:cSld>
+    <p:spTree>
+      <p:nvGrpSpPr>
+        <p:cNvPr id="1" name=""/>
+        <p:cNvGrpSpPr/>
+        <p:nvPr/>
+      </p:nvGrpSpPr>
+      <p:grpSpPr>
+        <a:xfrm>
+          <a:off x="0" y="0"/>
+          <a:ext cx="0" cy="0"/>
+          <a:chOff x="0" y="0"/>
+          <a:chExt cx="0" cy="0"/>
+        </a:xfrm>
+      </p:grpSpPr>
+      <p:sp>
+        <p:nvSpPr>
+          <p:cNvPr id="2" name="Title 1">
+            <a:extLst>
+              <a:ext uri="{FF2B5EF4-FFF2-40B4-BE49-F238E27FC236}">
+                <a16:creationId xmlns:a16="http://schemas.microsoft.com/office/drawing/2014/main" id="{9B0C6EAB-6F22-42AC-AFC7-5E5FD822B0EA}"/>
+              </a:ext>
+            </a:extLst>
+          </p:cNvPr>
+          <p:cNvSpPr>
+            <a:spLocks noGrp="1"/>
+          </p:cNvSpPr>
+          <p:nvPr>
+            <p:ph type="title"/>
+          </p:nvPr>
+        </p:nvSpPr>
+        <p:spPr/>
+        <p:txBody>
+          <a:bodyPr/>
+          <a:lstStyle/>
+          <a:p>
+            <a:r>
+              <a:rPr lang="en-US" dirty="0"/>
+              <a:t>Conclusions</a:t>
+            </a:r>
+          </a:p>
+        </p:txBody>
+      </p:sp>
+      <p:sp>
+        <p:nvSpPr>
+          <p:cNvPr id="3" name="Text Placeholder 2">
+            <a:extLst>
+              <a:ext uri="{FF2B5EF4-FFF2-40B4-BE49-F238E27FC236}">
+                <a16:creationId xmlns:a16="http://schemas.microsoft.com/office/drawing/2014/main" id="{2769F863-4DD1-4D7C-B3D4-4CD6AF1D8EDF}"/>
+              </a:ext>
+            </a:extLst>
+          </p:cNvPr>
+          <p:cNvSpPr>
+            <a:spLocks noGrp="1"/>
+          </p:cNvSpPr>
+          <p:nvPr>
+            <p:ph type="body" idx="1"/>
+          </p:nvPr>
+        </p:nvSpPr>
+        <p:spPr>
+          <a:xfrm>
+            <a:off x="274638" y="1050925"/>
+            <a:ext cx="8594725" cy="5395913"/>
+          </a:xfrm>
+        </p:spPr>
+        <p:txBody>
+          <a:bodyPr/>
+          <a:lstStyle/>
+          <a:p>
+            <a:r>
+              <a:rPr lang="en-US" sz="2600" dirty="0">
+                <a:latin typeface="Times New Roman" panose="02020603050405020304" pitchFamily="18" charset="0"/>
+                <a:cs typeface="Times New Roman" panose="02020603050405020304" pitchFamily="18" charset="0"/>
+              </a:rPr>
+              <a:t>Preliminary: interaction modeling, microstructure modeling</a:t>
+            </a:r>
+          </a:p>
+          <a:p>
+            <a:r>
+              <a:rPr lang="en-US" sz="2600" dirty="0">
+                <a:latin typeface="Times New Roman" panose="02020603050405020304" pitchFamily="18" charset="0"/>
+                <a:cs typeface="Times New Roman" panose="02020603050405020304" pitchFamily="18" charset="0"/>
+              </a:rPr>
+              <a:t>Texture effects have been looked at by Michael Cox</a:t>
+            </a:r>
+          </a:p>
+          <a:p>
+            <a:r>
+              <a:rPr lang="en-US" sz="2600" dirty="0">
+                <a:latin typeface="Times New Roman" panose="02020603050405020304" pitchFamily="18" charset="0"/>
+                <a:cs typeface="Times New Roman" panose="02020603050405020304" pitchFamily="18" charset="0"/>
+              </a:rPr>
+              <a:t>Automated peak fitting is ongoing, uncertainty calculations have started to be developed</a:t>
+            </a:r>
+          </a:p>
+          <a:p>
+            <a:r>
+              <a:rPr lang="en-US" sz="2600" dirty="0">
+                <a:solidFill>
+                  <a:schemeClr val="accent6">
+                    <a:lumMod val="60000"/>
+                    <a:lumOff val="40000"/>
+                  </a:schemeClr>
+                </a:solidFill>
+                <a:latin typeface="Times New Roman" panose="02020603050405020304" pitchFamily="18" charset="0"/>
+                <a:cs typeface="Times New Roman" panose="02020603050405020304" pitchFamily="18" charset="0"/>
+              </a:rPr>
+              <a:t>Are you interested in use of this application?</a:t>
+            </a:r>
+          </a:p>
+          <a:p>
+            <a:r>
+              <a:rPr lang="en-US" sz="2600" dirty="0">
+                <a:solidFill>
+                  <a:schemeClr val="accent6">
+                    <a:lumMod val="60000"/>
+                    <a:lumOff val="40000"/>
+                  </a:schemeClr>
+                </a:solidFill>
+                <a:latin typeface="Times New Roman" panose="02020603050405020304" pitchFamily="18" charset="0"/>
+                <a:cs typeface="Times New Roman" panose="02020603050405020304" pitchFamily="18" charset="0"/>
+              </a:rPr>
+              <a:t>What did we forget?</a:t>
+            </a:r>
+          </a:p>
+          <a:p>
+            <a:r>
+              <a:rPr lang="en-US" sz="2600" dirty="0">
+                <a:solidFill>
+                  <a:schemeClr val="accent6">
+                    <a:lumMod val="60000"/>
+                    <a:lumOff val="40000"/>
+                  </a:schemeClr>
+                </a:solidFill>
+                <a:latin typeface="Times New Roman" panose="02020603050405020304" pitchFamily="18" charset="0"/>
+                <a:cs typeface="Times New Roman" panose="02020603050405020304" pitchFamily="18" charset="0"/>
+              </a:rPr>
+              <a:t>How can it be improved?</a:t>
+            </a:r>
+          </a:p>
+          <a:p>
+            <a:r>
+              <a:rPr lang="en-US" sz="2600" dirty="0">
+                <a:solidFill>
+                  <a:srgbClr val="FF0000"/>
+                </a:solidFill>
+                <a:latin typeface="Times New Roman" panose="02020603050405020304" pitchFamily="18" charset="0"/>
+                <a:cs typeface="Times New Roman" panose="02020603050405020304" pitchFamily="18" charset="0"/>
+              </a:rPr>
+              <a:t>*Prerelease, very early testing*</a:t>
+            </a:r>
+          </a:p>
+          <a:p>
+            <a:r>
+              <a:rPr lang="en-US" sz="2600" dirty="0">
+                <a:latin typeface="Times New Roman" panose="02020603050405020304" pitchFamily="18" charset="0"/>
+                <a:cs typeface="Times New Roman" panose="02020603050405020304" pitchFamily="18" charset="0"/>
+              </a:rPr>
+              <a:t>Contact Dr. </a:t>
+            </a:r>
+            <a:r>
+              <a:rPr lang="en-US" sz="2600" dirty="0" err="1">
+                <a:latin typeface="Times New Roman" panose="02020603050405020304" pitchFamily="18" charset="0"/>
+                <a:cs typeface="Times New Roman" panose="02020603050405020304" pitchFamily="18" charset="0"/>
+              </a:rPr>
+              <a:t>Creuziger</a:t>
+            </a:r>
+            <a:r>
+              <a:rPr lang="en-US" sz="2600" dirty="0">
+                <a:latin typeface="Times New Roman" panose="02020603050405020304" pitchFamily="18" charset="0"/>
+                <a:cs typeface="Times New Roman" panose="02020603050405020304" pitchFamily="18" charset="0"/>
+              </a:rPr>
+              <a:t> at NIST for information and to give feedback:</a:t>
+            </a:r>
+          </a:p>
+          <a:p>
+            <a:pPr marL="571500" lvl="1" indent="0">
+              <a:buNone/>
+            </a:pPr>
+            <a:r>
+              <a:rPr lang="en-US" sz="3200" b="1" i="0" dirty="0">
+                <a:latin typeface="Times New Roman" panose="02020603050405020304" pitchFamily="18" charset="0"/>
+                <a:cs typeface="Times New Roman" panose="02020603050405020304" pitchFamily="18" charset="0"/>
+              </a:rPr>
+              <a:t>- adam.creuziger@nist.gov</a:t>
+            </a:r>
+          </a:p>
+        </p:txBody>
+      </p:sp>
+      <p:sp>
+        <p:nvSpPr>
+          <p:cNvPr id="4" name="Slide Number Placeholder 3">
+            <a:extLst>
+              <a:ext uri="{FF2B5EF4-FFF2-40B4-BE49-F238E27FC236}">
+                <a16:creationId xmlns:a16="http://schemas.microsoft.com/office/drawing/2014/main" id="{9B7084AC-3D12-4FBD-BC6A-85F30B8B4859}"/>
+              </a:ext>
+            </a:extLst>
+          </p:cNvPr>
+          <p:cNvSpPr>
+            <a:spLocks noGrp="1"/>
+          </p:cNvSpPr>
+          <p:nvPr>
+            <p:ph type="sldNum" idx="12"/>
+          </p:nvPr>
+        </p:nvSpPr>
+        <p:spPr/>
+        <p:txBody>
+          <a:bodyPr/>
+          <a:lstStyle/>
+          <a:p>
+            <a:pPr marL="0" lvl="0" indent="0" algn="r" rtl="0">
+              <a:spcBef>
+                <a:spcPts val="0"/>
+              </a:spcBef>
+              <a:spcAft>
+                <a:spcPts val="0"/>
+              </a:spcAft>
+              <a:buNone/>
+            </a:pPr>
+            <a:fld id="{00000000-1234-1234-1234-123412341234}" type="slidenum">
+              <a:rPr lang="en-US" smtClean="0"/>
+              <a:t>9</a:t>
+            </a:fld>
+            <a:endParaRPr lang="en-US"/>
+          </a:p>
+        </p:txBody>
+      </p:sp>
+    </p:spTree>
+    <p:extLst>
+      <p:ext uri="{BB962C8B-B14F-4D97-AF65-F5344CB8AC3E}">
+        <p14:creationId xmlns:p14="http://schemas.microsoft.com/office/powerpoint/2010/main" val="96235862"/>
+      </p:ext>
+    </p:extLst>
+  </p:cSld>
+  <p:clrMapOvr>
+    <a:masterClrMapping/>
+  </p:clrMapOvr>
+  <p:extLst>
+    <p:ext uri="{6950BFC3-D8DA-4A85-94F7-54DA5524770B}">
+      <p188:commentRel xmlns:p188="http://schemas.microsoft.com/office/powerpoint/2018/8/main" r:id="rId2"/>
+    </p:ext>
+  </p:extLst>
 </p:sld>
 </file>
 
